--- a/2020-10/Slides/V3 Driver Catalogs.pptx
+++ b/2020-10/Slides/V3 Driver Catalogs.pptx
@@ -143,2702 +143,6 @@
 <file path=ppt/changesInfos/changesInfo1.xml><?xml version="1.0" encoding="utf-8"?>
 <pc:chgInfo xmlns:a="http://schemas.openxmlformats.org/drawingml/2006/main" xmlns:r="http://schemas.openxmlformats.org/officeDocument/2006/relationships" xmlns:ac="http://schemas.microsoft.com/office/drawing/2013/main/command" xmlns:pc="http://schemas.microsoft.com/office/powerpoint/2013/main/command">
   <pc:docChgLst>
-    <pc:chgData name="Andrew Jimenez" userId="254227a2-d348-401a-bf44-edde4b191201" providerId="ADAL" clId="{8EDE38EF-9705-4266-A620-A164C8EDDA07}"/>
-    <pc:docChg chg="undo redo custSel mod addSld delSld modSld sldOrd">
-      <pc:chgData name="Andrew Jimenez" userId="254227a2-d348-401a-bf44-edde4b191201" providerId="ADAL" clId="{8EDE38EF-9705-4266-A620-A164C8EDDA07}" dt="2020-10-26T19:13:34.385" v="2365"/>
-      <pc:docMkLst>
-        <pc:docMk/>
-      </pc:docMkLst>
-      <pc:sldChg chg="addSp delSp modSp mod modMedia setBg delAnim delDesignElem">
-        <pc:chgData name="Andrew Jimenez" userId="254227a2-d348-401a-bf44-edde4b191201" providerId="ADAL" clId="{8EDE38EF-9705-4266-A620-A164C8EDDA07}" dt="2020-10-10T20:51:59.594" v="214" actId="26606"/>
-        <pc:sldMkLst>
-          <pc:docMk/>
-          <pc:sldMk cId="401081858" sldId="256"/>
-        </pc:sldMkLst>
-        <pc:spChg chg="mod">
-          <ac:chgData name="Andrew Jimenez" userId="254227a2-d348-401a-bf44-edde4b191201" providerId="ADAL" clId="{8EDE38EF-9705-4266-A620-A164C8EDDA07}" dt="2020-10-10T20:51:59.594" v="214" actId="26606"/>
-          <ac:spMkLst>
-            <pc:docMk/>
-            <pc:sldMk cId="401081858" sldId="256"/>
-            <ac:spMk id="2" creationId="{2CCC396A-AC3E-4F3D-8391-60B21D9EC8F4}"/>
-          </ac:spMkLst>
-        </pc:spChg>
-        <pc:spChg chg="mod">
-          <ac:chgData name="Andrew Jimenez" userId="254227a2-d348-401a-bf44-edde4b191201" providerId="ADAL" clId="{8EDE38EF-9705-4266-A620-A164C8EDDA07}" dt="2020-10-10T20:51:59.594" v="214" actId="26606"/>
-          <ac:spMkLst>
-            <pc:docMk/>
-            <pc:sldMk cId="401081858" sldId="256"/>
-            <ac:spMk id="3" creationId="{2F625746-21C2-4AB2-891A-5E28271B377D}"/>
-          </ac:spMkLst>
-        </pc:spChg>
-        <pc:spChg chg="add del">
-          <ac:chgData name="Andrew Jimenez" userId="254227a2-d348-401a-bf44-edde4b191201" providerId="ADAL" clId="{8EDE38EF-9705-4266-A620-A164C8EDDA07}" dt="2020-10-10T20:45:15.042" v="158" actId="26606"/>
-          <ac:spMkLst>
-            <pc:docMk/>
-            <pc:sldMk cId="401081858" sldId="256"/>
-            <ac:spMk id="8" creationId="{C66F2F30-5DC0-44A0-BFA6-E12F46ED16DA}"/>
-          </ac:spMkLst>
-        </pc:spChg>
-        <pc:spChg chg="add del">
-          <ac:chgData name="Andrew Jimenez" userId="254227a2-d348-401a-bf44-edde4b191201" providerId="ADAL" clId="{8EDE38EF-9705-4266-A620-A164C8EDDA07}" dt="2020-10-10T20:45:05.852" v="156" actId="26606"/>
-          <ac:spMkLst>
-            <pc:docMk/>
-            <pc:sldMk cId="401081858" sldId="256"/>
-            <ac:spMk id="9" creationId="{C1DD1A8A-57D5-4A81-AD04-532B043C5611}"/>
-          </ac:spMkLst>
-        </pc:spChg>
-        <pc:spChg chg="add del">
-          <ac:chgData name="Andrew Jimenez" userId="254227a2-d348-401a-bf44-edde4b191201" providerId="ADAL" clId="{8EDE38EF-9705-4266-A620-A164C8EDDA07}" dt="2020-10-10T20:45:15.042" v="158" actId="26606"/>
-          <ac:spMkLst>
-            <pc:docMk/>
-            <pc:sldMk cId="401081858" sldId="256"/>
-            <ac:spMk id="10" creationId="{85872F57-7F42-4F97-8391-DDC8D0054C03}"/>
-          </ac:spMkLst>
-        </pc:spChg>
-        <pc:spChg chg="add del">
-          <ac:chgData name="Andrew Jimenez" userId="254227a2-d348-401a-bf44-edde4b191201" providerId="ADAL" clId="{8EDE38EF-9705-4266-A620-A164C8EDDA07}" dt="2020-10-10T20:45:05.852" v="156" actId="26606"/>
-          <ac:spMkLst>
-            <pc:docMk/>
-            <pc:sldMk cId="401081858" sldId="256"/>
-            <ac:spMk id="11" creationId="{007891EC-4501-44ED-A8C8-B11B6DB767AB}"/>
-          </ac:spMkLst>
-        </pc:spChg>
-        <pc:spChg chg="add del">
-          <ac:chgData name="Andrew Jimenez" userId="254227a2-d348-401a-bf44-edde4b191201" providerId="ADAL" clId="{8EDE38EF-9705-4266-A620-A164C8EDDA07}" dt="2020-10-10T20:45:15.042" v="158" actId="26606"/>
-          <ac:spMkLst>
-            <pc:docMk/>
-            <pc:sldMk cId="401081858" sldId="256"/>
-            <ac:spMk id="12" creationId="{04DC2037-48A0-4F22-B9D4-8EAEBC780AB4}"/>
-          </ac:spMkLst>
-        </pc:spChg>
-        <pc:spChg chg="add del">
-          <ac:chgData name="Andrew Jimenez" userId="254227a2-d348-401a-bf44-edde4b191201" providerId="ADAL" clId="{8EDE38EF-9705-4266-A620-A164C8EDDA07}" dt="2020-10-10T20:45:15.042" v="158" actId="26606"/>
-          <ac:spMkLst>
-            <pc:docMk/>
-            <pc:sldMk cId="401081858" sldId="256"/>
-            <ac:spMk id="14" creationId="{0006CBFD-ADA0-43D1-9332-9C34CA1C76ED}"/>
-          </ac:spMkLst>
-        </pc:spChg>
-        <pc:spChg chg="add del">
-          <ac:chgData name="Andrew Jimenez" userId="254227a2-d348-401a-bf44-edde4b191201" providerId="ADAL" clId="{8EDE38EF-9705-4266-A620-A164C8EDDA07}" dt="2020-10-10T20:45:15.042" v="158" actId="26606"/>
-          <ac:spMkLst>
-            <pc:docMk/>
-            <pc:sldMk cId="401081858" sldId="256"/>
-            <ac:spMk id="16" creationId="{2B931666-F28F-45F3-A074-66D2272D580B}"/>
-          </ac:spMkLst>
-        </pc:spChg>
-        <pc:spChg chg="add del">
-          <ac:chgData name="Andrew Jimenez" userId="254227a2-d348-401a-bf44-edde4b191201" providerId="ADAL" clId="{8EDE38EF-9705-4266-A620-A164C8EDDA07}" dt="2020-10-10T20:45:16.152" v="160" actId="26606"/>
-          <ac:spMkLst>
-            <pc:docMk/>
-            <pc:sldMk cId="401081858" sldId="256"/>
-            <ac:spMk id="19" creationId="{46F1F2C8-798B-4CCE-A851-94AFAF350BED}"/>
-          </ac:spMkLst>
-        </pc:spChg>
-        <pc:spChg chg="add del">
-          <ac:chgData name="Andrew Jimenez" userId="254227a2-d348-401a-bf44-edde4b191201" providerId="ADAL" clId="{8EDE38EF-9705-4266-A620-A164C8EDDA07}" dt="2020-10-10T20:45:16.152" v="160" actId="26606"/>
-          <ac:spMkLst>
-            <pc:docMk/>
-            <pc:sldMk cId="401081858" sldId="256"/>
-            <ac:spMk id="20" creationId="{46A89C79-8EF3-4AF9-B3D9-59A883F41C83}"/>
-          </ac:spMkLst>
-        </pc:spChg>
-        <pc:spChg chg="add del">
-          <ac:chgData name="Andrew Jimenez" userId="254227a2-d348-401a-bf44-edde4b191201" providerId="ADAL" clId="{8EDE38EF-9705-4266-A620-A164C8EDDA07}" dt="2020-10-10T20:45:16.152" v="160" actId="26606"/>
-          <ac:spMkLst>
-            <pc:docMk/>
-            <pc:sldMk cId="401081858" sldId="256"/>
-            <ac:spMk id="21" creationId="{755E9CD0-04B0-4A3C-B291-AD913379C713}"/>
-          </ac:spMkLst>
-        </pc:spChg>
-        <pc:spChg chg="add del">
-          <ac:chgData name="Andrew Jimenez" userId="254227a2-d348-401a-bf44-edde4b191201" providerId="ADAL" clId="{8EDE38EF-9705-4266-A620-A164C8EDDA07}" dt="2020-10-10T20:45:16.152" v="160" actId="26606"/>
-          <ac:spMkLst>
-            <pc:docMk/>
-            <pc:sldMk cId="401081858" sldId="256"/>
-            <ac:spMk id="22" creationId="{EFE5CE34-4543-42E5-B82C-1F3D12422CDD}"/>
-          </ac:spMkLst>
-        </pc:spChg>
-        <pc:spChg chg="add del">
-          <ac:chgData name="Andrew Jimenez" userId="254227a2-d348-401a-bf44-edde4b191201" providerId="ADAL" clId="{8EDE38EF-9705-4266-A620-A164C8EDDA07}" dt="2020-10-10T20:45:16.152" v="160" actId="26606"/>
-          <ac:spMkLst>
-            <pc:docMk/>
-            <pc:sldMk cId="401081858" sldId="256"/>
-            <ac:spMk id="23" creationId="{1DD8BF3B-6066-418C-8D1A-75C5E396FC04}"/>
-          </ac:spMkLst>
-        </pc:spChg>
-        <pc:spChg chg="add del">
-          <ac:chgData name="Andrew Jimenez" userId="254227a2-d348-401a-bf44-edde4b191201" providerId="ADAL" clId="{8EDE38EF-9705-4266-A620-A164C8EDDA07}" dt="2020-10-10T20:45:16.152" v="160" actId="26606"/>
-          <ac:spMkLst>
-            <pc:docMk/>
-            <pc:sldMk cId="401081858" sldId="256"/>
-            <ac:spMk id="24" creationId="{72AF41FE-63D7-4695-81D2-66D2510E4486}"/>
-          </ac:spMkLst>
-        </pc:spChg>
-        <pc:spChg chg="add del">
-          <ac:chgData name="Andrew Jimenez" userId="254227a2-d348-401a-bf44-edde4b191201" providerId="ADAL" clId="{8EDE38EF-9705-4266-A620-A164C8EDDA07}" dt="2020-10-10T20:45:16.152" v="160" actId="26606"/>
-          <ac:spMkLst>
-            <pc:docMk/>
-            <pc:sldMk cId="401081858" sldId="256"/>
-            <ac:spMk id="25" creationId="{80BC66F9-7A74-4286-AD22-1174052CC22C}"/>
-          </ac:spMkLst>
-        </pc:spChg>
-        <pc:spChg chg="add del">
-          <ac:chgData name="Andrew Jimenez" userId="254227a2-d348-401a-bf44-edde4b191201" providerId="ADAL" clId="{8EDE38EF-9705-4266-A620-A164C8EDDA07}" dt="2020-10-10T20:45:16.152" v="160" actId="26606"/>
-          <ac:spMkLst>
-            <pc:docMk/>
-            <pc:sldMk cId="401081858" sldId="256"/>
-            <ac:spMk id="26" creationId="{D8142CC3-2B5C-48E6-9DF0-6C8ACBAF23EF}"/>
-          </ac:spMkLst>
-        </pc:spChg>
-        <pc:spChg chg="add del">
-          <ac:chgData name="Andrew Jimenez" userId="254227a2-d348-401a-bf44-edde4b191201" providerId="ADAL" clId="{8EDE38EF-9705-4266-A620-A164C8EDDA07}" dt="2020-10-10T20:45:17.298" v="162" actId="26606"/>
-          <ac:spMkLst>
-            <pc:docMk/>
-            <pc:sldMk cId="401081858" sldId="256"/>
-            <ac:spMk id="28" creationId="{FF56364F-341A-489D-99A6-B6EF5EDECEA3}"/>
-          </ac:spMkLst>
-        </pc:spChg>
-        <pc:spChg chg="add del">
-          <ac:chgData name="Andrew Jimenez" userId="254227a2-d348-401a-bf44-edde4b191201" providerId="ADAL" clId="{8EDE38EF-9705-4266-A620-A164C8EDDA07}" dt="2020-10-10T20:45:17.298" v="162" actId="26606"/>
-          <ac:spMkLst>
-            <pc:docMk/>
-            <pc:sldMk cId="401081858" sldId="256"/>
-            <ac:spMk id="29" creationId="{A42BD8CA-821E-4109-B1E5-9C4F55797519}"/>
-          </ac:spMkLst>
-        </pc:spChg>
-        <pc:spChg chg="add del">
-          <ac:chgData name="Andrew Jimenez" userId="254227a2-d348-401a-bf44-edde4b191201" providerId="ADAL" clId="{8EDE38EF-9705-4266-A620-A164C8EDDA07}" dt="2020-10-10T20:47:18.705" v="165" actId="26606"/>
-          <ac:spMkLst>
-            <pc:docMk/>
-            <pc:sldMk cId="401081858" sldId="256"/>
-            <ac:spMk id="31" creationId="{46F1F2C8-798B-4CCE-A851-94AFAF350BED}"/>
-          </ac:spMkLst>
-        </pc:spChg>
-        <pc:spChg chg="add del">
-          <ac:chgData name="Andrew Jimenez" userId="254227a2-d348-401a-bf44-edde4b191201" providerId="ADAL" clId="{8EDE38EF-9705-4266-A620-A164C8EDDA07}" dt="2020-10-10T20:47:18.705" v="165" actId="26606"/>
-          <ac:spMkLst>
-            <pc:docMk/>
-            <pc:sldMk cId="401081858" sldId="256"/>
-            <ac:spMk id="32" creationId="{755E9CD0-04B0-4A3C-B291-AD913379C713}"/>
-          </ac:spMkLst>
-        </pc:spChg>
-        <pc:spChg chg="add del">
-          <ac:chgData name="Andrew Jimenez" userId="254227a2-d348-401a-bf44-edde4b191201" providerId="ADAL" clId="{8EDE38EF-9705-4266-A620-A164C8EDDA07}" dt="2020-10-10T20:47:18.705" v="165" actId="26606"/>
-          <ac:spMkLst>
-            <pc:docMk/>
-            <pc:sldMk cId="401081858" sldId="256"/>
-            <ac:spMk id="33" creationId="{1DD8BF3B-6066-418C-8D1A-75C5E396FC04}"/>
-          </ac:spMkLst>
-        </pc:spChg>
-        <pc:spChg chg="add del">
-          <ac:chgData name="Andrew Jimenez" userId="254227a2-d348-401a-bf44-edde4b191201" providerId="ADAL" clId="{8EDE38EF-9705-4266-A620-A164C8EDDA07}" dt="2020-10-10T20:47:18.705" v="165" actId="26606"/>
-          <ac:spMkLst>
-            <pc:docMk/>
-            <pc:sldMk cId="401081858" sldId="256"/>
-            <ac:spMk id="34" creationId="{80BC66F9-7A74-4286-AD22-1174052CC22C}"/>
-          </ac:spMkLst>
-        </pc:spChg>
-        <pc:spChg chg="add del">
-          <ac:chgData name="Andrew Jimenez" userId="254227a2-d348-401a-bf44-edde4b191201" providerId="ADAL" clId="{8EDE38EF-9705-4266-A620-A164C8EDDA07}" dt="2020-10-10T20:47:18.705" v="165" actId="26606"/>
-          <ac:spMkLst>
-            <pc:docMk/>
-            <pc:sldMk cId="401081858" sldId="256"/>
-            <ac:spMk id="35" creationId="{D8142CC3-2B5C-48E6-9DF0-6C8ACBAF23EF}"/>
-          </ac:spMkLst>
-        </pc:spChg>
-        <pc:spChg chg="add del">
-          <ac:chgData name="Andrew Jimenez" userId="254227a2-d348-401a-bf44-edde4b191201" providerId="ADAL" clId="{8EDE38EF-9705-4266-A620-A164C8EDDA07}" dt="2020-10-10T20:47:18.705" v="165" actId="26606"/>
-          <ac:spMkLst>
-            <pc:docMk/>
-            <pc:sldMk cId="401081858" sldId="256"/>
-            <ac:spMk id="37" creationId="{46A89C79-8EF3-4AF9-B3D9-59A883F41C83}"/>
-          </ac:spMkLst>
-        </pc:spChg>
-        <pc:spChg chg="add del">
-          <ac:chgData name="Andrew Jimenez" userId="254227a2-d348-401a-bf44-edde4b191201" providerId="ADAL" clId="{8EDE38EF-9705-4266-A620-A164C8EDDA07}" dt="2020-10-10T20:47:18.705" v="165" actId="26606"/>
-          <ac:spMkLst>
-            <pc:docMk/>
-            <pc:sldMk cId="401081858" sldId="256"/>
-            <ac:spMk id="38" creationId="{EFE5CE34-4543-42E5-B82C-1F3D12422CDD}"/>
-          </ac:spMkLst>
-        </pc:spChg>
-        <pc:spChg chg="add del">
-          <ac:chgData name="Andrew Jimenez" userId="254227a2-d348-401a-bf44-edde4b191201" providerId="ADAL" clId="{8EDE38EF-9705-4266-A620-A164C8EDDA07}" dt="2020-10-10T20:47:18.705" v="165" actId="26606"/>
-          <ac:spMkLst>
-            <pc:docMk/>
-            <pc:sldMk cId="401081858" sldId="256"/>
-            <ac:spMk id="39" creationId="{72AF41FE-63D7-4695-81D2-66D2510E4486}"/>
-          </ac:spMkLst>
-        </pc:spChg>
-        <pc:spChg chg="add del">
-          <ac:chgData name="Andrew Jimenez" userId="254227a2-d348-401a-bf44-edde4b191201" providerId="ADAL" clId="{8EDE38EF-9705-4266-A620-A164C8EDDA07}" dt="2020-10-10T20:48:02.800" v="186" actId="26606"/>
-          <ac:spMkLst>
-            <pc:docMk/>
-            <pc:sldMk cId="401081858" sldId="256"/>
-            <ac:spMk id="44" creationId="{C66F2F30-5DC0-44A0-BFA6-E12F46ED16DA}"/>
-          </ac:spMkLst>
-        </pc:spChg>
-        <pc:spChg chg="add del">
-          <ac:chgData name="Andrew Jimenez" userId="254227a2-d348-401a-bf44-edde4b191201" providerId="ADAL" clId="{8EDE38EF-9705-4266-A620-A164C8EDDA07}" dt="2020-10-10T20:48:02.800" v="186" actId="26606"/>
-          <ac:spMkLst>
-            <pc:docMk/>
-            <pc:sldMk cId="401081858" sldId="256"/>
-            <ac:spMk id="46" creationId="{85872F57-7F42-4F97-8391-DDC8D0054C03}"/>
-          </ac:spMkLst>
-        </pc:spChg>
-        <pc:spChg chg="add del">
-          <ac:chgData name="Andrew Jimenez" userId="254227a2-d348-401a-bf44-edde4b191201" providerId="ADAL" clId="{8EDE38EF-9705-4266-A620-A164C8EDDA07}" dt="2020-10-10T20:48:02.800" v="186" actId="26606"/>
-          <ac:spMkLst>
-            <pc:docMk/>
-            <pc:sldMk cId="401081858" sldId="256"/>
-            <ac:spMk id="48" creationId="{04DC2037-48A0-4F22-B9D4-8EAEBC780AB4}"/>
-          </ac:spMkLst>
-        </pc:spChg>
-        <pc:spChg chg="add del">
-          <ac:chgData name="Andrew Jimenez" userId="254227a2-d348-401a-bf44-edde4b191201" providerId="ADAL" clId="{8EDE38EF-9705-4266-A620-A164C8EDDA07}" dt="2020-10-10T20:48:02.800" v="186" actId="26606"/>
-          <ac:spMkLst>
-            <pc:docMk/>
-            <pc:sldMk cId="401081858" sldId="256"/>
-            <ac:spMk id="50" creationId="{0006CBFD-ADA0-43D1-9332-9C34CA1C76ED}"/>
-          </ac:spMkLst>
-        </pc:spChg>
-        <pc:spChg chg="add del">
-          <ac:chgData name="Andrew Jimenez" userId="254227a2-d348-401a-bf44-edde4b191201" providerId="ADAL" clId="{8EDE38EF-9705-4266-A620-A164C8EDDA07}" dt="2020-10-10T20:48:02.800" v="186" actId="26606"/>
-          <ac:spMkLst>
-            <pc:docMk/>
-            <pc:sldMk cId="401081858" sldId="256"/>
-            <ac:spMk id="52" creationId="{2B931666-F28F-45F3-A074-66D2272D580B}"/>
-          </ac:spMkLst>
-        </pc:spChg>
-        <pc:spChg chg="add del">
-          <ac:chgData name="Andrew Jimenez" userId="254227a2-d348-401a-bf44-edde4b191201" providerId="ADAL" clId="{8EDE38EF-9705-4266-A620-A164C8EDDA07}" dt="2020-10-10T20:48:21.550" v="187" actId="26606"/>
-          <ac:spMkLst>
-            <pc:docMk/>
-            <pc:sldMk cId="401081858" sldId="256"/>
-            <ac:spMk id="57" creationId="{934F1179-B481-4F9E-BCA3-AFB972070F83}"/>
-          </ac:spMkLst>
-        </pc:spChg>
-        <pc:spChg chg="add del">
-          <ac:chgData name="Andrew Jimenez" userId="254227a2-d348-401a-bf44-edde4b191201" providerId="ADAL" clId="{8EDE38EF-9705-4266-A620-A164C8EDDA07}" dt="2020-10-10T20:48:21.550" v="187" actId="26606"/>
-          <ac:spMkLst>
-            <pc:docMk/>
-            <pc:sldMk cId="401081858" sldId="256"/>
-            <ac:spMk id="59" creationId="{827DC2C4-B485-428A-BF4A-472D2967F47F}"/>
-          </ac:spMkLst>
-        </pc:spChg>
-        <pc:spChg chg="add del">
-          <ac:chgData name="Andrew Jimenez" userId="254227a2-d348-401a-bf44-edde4b191201" providerId="ADAL" clId="{8EDE38EF-9705-4266-A620-A164C8EDDA07}" dt="2020-10-10T20:48:21.550" v="187" actId="26606"/>
-          <ac:spMkLst>
-            <pc:docMk/>
-            <pc:sldMk cId="401081858" sldId="256"/>
-            <ac:spMk id="61" creationId="{EE04B5EB-F158-4507-90DD-BD23620C7CC9}"/>
-          </ac:spMkLst>
-        </pc:spChg>
-        <pc:spChg chg="add del">
-          <ac:chgData name="Andrew Jimenez" userId="254227a2-d348-401a-bf44-edde4b191201" providerId="ADAL" clId="{8EDE38EF-9705-4266-A620-A164C8EDDA07}" dt="2020-10-10T20:51:59.594" v="214" actId="26606"/>
-          <ac:spMkLst>
-            <pc:docMk/>
-            <pc:sldMk cId="401081858" sldId="256"/>
-            <ac:spMk id="66" creationId="{46F1F2C8-798B-4CCE-A851-94AFAF350BED}"/>
-          </ac:spMkLst>
-        </pc:spChg>
-        <pc:spChg chg="add del">
-          <ac:chgData name="Andrew Jimenez" userId="254227a2-d348-401a-bf44-edde4b191201" providerId="ADAL" clId="{8EDE38EF-9705-4266-A620-A164C8EDDA07}" dt="2020-10-10T20:51:59.594" v="214" actId="26606"/>
-          <ac:spMkLst>
-            <pc:docMk/>
-            <pc:sldMk cId="401081858" sldId="256"/>
-            <ac:spMk id="68" creationId="{755E9CD0-04B0-4A3C-B291-AD913379C713}"/>
-          </ac:spMkLst>
-        </pc:spChg>
-        <pc:spChg chg="add del">
-          <ac:chgData name="Andrew Jimenez" userId="254227a2-d348-401a-bf44-edde4b191201" providerId="ADAL" clId="{8EDE38EF-9705-4266-A620-A164C8EDDA07}" dt="2020-10-10T20:51:59.594" v="214" actId="26606"/>
-          <ac:spMkLst>
-            <pc:docMk/>
-            <pc:sldMk cId="401081858" sldId="256"/>
-            <ac:spMk id="70" creationId="{1DD8BF3B-6066-418C-8D1A-75C5E396FC04}"/>
-          </ac:spMkLst>
-        </pc:spChg>
-        <pc:spChg chg="add del">
-          <ac:chgData name="Andrew Jimenez" userId="254227a2-d348-401a-bf44-edde4b191201" providerId="ADAL" clId="{8EDE38EF-9705-4266-A620-A164C8EDDA07}" dt="2020-10-10T20:51:59.594" v="214" actId="26606"/>
-          <ac:spMkLst>
-            <pc:docMk/>
-            <pc:sldMk cId="401081858" sldId="256"/>
-            <ac:spMk id="72" creationId="{80BC66F9-7A74-4286-AD22-1174052CC22C}"/>
-          </ac:spMkLst>
-        </pc:spChg>
-        <pc:spChg chg="add del">
-          <ac:chgData name="Andrew Jimenez" userId="254227a2-d348-401a-bf44-edde4b191201" providerId="ADAL" clId="{8EDE38EF-9705-4266-A620-A164C8EDDA07}" dt="2020-10-10T20:51:59.594" v="214" actId="26606"/>
-          <ac:spMkLst>
-            <pc:docMk/>
-            <pc:sldMk cId="401081858" sldId="256"/>
-            <ac:spMk id="74" creationId="{D8142CC3-2B5C-48E6-9DF0-6C8ACBAF23EF}"/>
-          </ac:spMkLst>
-        </pc:spChg>
-        <pc:spChg chg="add del">
-          <ac:chgData name="Andrew Jimenez" userId="254227a2-d348-401a-bf44-edde4b191201" providerId="ADAL" clId="{8EDE38EF-9705-4266-A620-A164C8EDDA07}" dt="2020-10-10T20:51:59.594" v="214" actId="26606"/>
-          <ac:spMkLst>
-            <pc:docMk/>
-            <pc:sldMk cId="401081858" sldId="256"/>
-            <ac:spMk id="78" creationId="{46A89C79-8EF3-4AF9-B3D9-59A883F41C83}"/>
-          </ac:spMkLst>
-        </pc:spChg>
-        <pc:spChg chg="add del">
-          <ac:chgData name="Andrew Jimenez" userId="254227a2-d348-401a-bf44-edde4b191201" providerId="ADAL" clId="{8EDE38EF-9705-4266-A620-A164C8EDDA07}" dt="2020-10-10T20:51:59.594" v="214" actId="26606"/>
-          <ac:spMkLst>
-            <pc:docMk/>
-            <pc:sldMk cId="401081858" sldId="256"/>
-            <ac:spMk id="80" creationId="{EFE5CE34-4543-42E5-B82C-1F3D12422CDD}"/>
-          </ac:spMkLst>
-        </pc:spChg>
-        <pc:spChg chg="add del">
-          <ac:chgData name="Andrew Jimenez" userId="254227a2-d348-401a-bf44-edde4b191201" providerId="ADAL" clId="{8EDE38EF-9705-4266-A620-A164C8EDDA07}" dt="2020-10-10T20:51:59.594" v="214" actId="26606"/>
-          <ac:spMkLst>
-            <pc:docMk/>
-            <pc:sldMk cId="401081858" sldId="256"/>
-            <ac:spMk id="82" creationId="{72AF41FE-63D7-4695-81D2-66D2510E4486}"/>
-          </ac:spMkLst>
-        </pc:spChg>
-        <pc:spChg chg="add">
-          <ac:chgData name="Andrew Jimenez" userId="254227a2-d348-401a-bf44-edde4b191201" providerId="ADAL" clId="{8EDE38EF-9705-4266-A620-A164C8EDDA07}" dt="2020-10-10T20:51:59.594" v="214" actId="26606"/>
-          <ac:spMkLst>
-            <pc:docMk/>
-            <pc:sldMk cId="401081858" sldId="256"/>
-            <ac:spMk id="87" creationId="{4617A126-5DCD-4798-B9AE-216B83FD9288}"/>
-          </ac:spMkLst>
-        </pc:spChg>
-        <pc:spChg chg="add">
-          <ac:chgData name="Andrew Jimenez" userId="254227a2-d348-401a-bf44-edde4b191201" providerId="ADAL" clId="{8EDE38EF-9705-4266-A620-A164C8EDDA07}" dt="2020-10-10T20:51:59.594" v="214" actId="26606"/>
-          <ac:spMkLst>
-            <pc:docMk/>
-            <pc:sldMk cId="401081858" sldId="256"/>
-            <ac:spMk id="89" creationId="{23188EB1-D10C-4405-9C8B-BE93843BBA45}"/>
-          </ac:spMkLst>
-        </pc:spChg>
-        <pc:spChg chg="add">
-          <ac:chgData name="Andrew Jimenez" userId="254227a2-d348-401a-bf44-edde4b191201" providerId="ADAL" clId="{8EDE38EF-9705-4266-A620-A164C8EDDA07}" dt="2020-10-10T20:51:59.594" v="214" actId="26606"/>
-          <ac:spMkLst>
-            <pc:docMk/>
-            <pc:sldMk cId="401081858" sldId="256"/>
-            <ac:spMk id="91" creationId="{CC6D41BF-D79E-4E7E-9288-5B91329AF05A}"/>
-          </ac:spMkLst>
-        </pc:spChg>
-        <pc:spChg chg="add">
-          <ac:chgData name="Andrew Jimenez" userId="254227a2-d348-401a-bf44-edde4b191201" providerId="ADAL" clId="{8EDE38EF-9705-4266-A620-A164C8EDDA07}" dt="2020-10-10T20:51:59.594" v="214" actId="26606"/>
-          <ac:spMkLst>
-            <pc:docMk/>
-            <pc:sldMk cId="401081858" sldId="256"/>
-            <ac:spMk id="93" creationId="{783D52A5-3294-411F-B3FE-2CC36627A030}"/>
-          </ac:spMkLst>
-        </pc:spChg>
-        <pc:picChg chg="add del mod">
-          <ac:chgData name="Andrew Jimenez" userId="254227a2-d348-401a-bf44-edde4b191201" providerId="ADAL" clId="{8EDE38EF-9705-4266-A620-A164C8EDDA07}" dt="2020-10-10T20:45:05.852" v="156" actId="26606"/>
-          <ac:picMkLst>
-            <pc:docMk/>
-            <pc:sldMk cId="401081858" sldId="256"/>
-            <ac:picMk id="5" creationId="{C292695C-D08F-401C-A0EA-68A87E094667}"/>
-          </ac:picMkLst>
-        </pc:picChg>
-        <pc:cxnChg chg="add del">
-          <ac:chgData name="Andrew Jimenez" userId="254227a2-d348-401a-bf44-edde4b191201" providerId="ADAL" clId="{8EDE38EF-9705-4266-A620-A164C8EDDA07}" dt="2020-10-10T20:45:16.152" v="160" actId="26606"/>
-          <ac:cxnSpMkLst>
-            <pc:docMk/>
-            <pc:sldMk cId="401081858" sldId="256"/>
-            <ac:cxnSpMk id="18" creationId="{7B2D303B-3DD0-4319-9EAD-361847FEC71D}"/>
-          </ac:cxnSpMkLst>
-        </pc:cxnChg>
-        <pc:cxnChg chg="add del">
-          <ac:chgData name="Andrew Jimenez" userId="254227a2-d348-401a-bf44-edde4b191201" providerId="ADAL" clId="{8EDE38EF-9705-4266-A620-A164C8EDDA07}" dt="2020-10-10T20:47:18.705" v="165" actId="26606"/>
-          <ac:cxnSpMkLst>
-            <pc:docMk/>
-            <pc:sldMk cId="401081858" sldId="256"/>
-            <ac:cxnSpMk id="36" creationId="{7B2D303B-3DD0-4319-9EAD-361847FEC71D}"/>
-          </ac:cxnSpMkLst>
-        </pc:cxnChg>
-        <pc:cxnChg chg="add del">
-          <ac:chgData name="Andrew Jimenez" userId="254227a2-d348-401a-bf44-edde4b191201" providerId="ADAL" clId="{8EDE38EF-9705-4266-A620-A164C8EDDA07}" dt="2020-10-10T20:51:59.594" v="214" actId="26606"/>
-          <ac:cxnSpMkLst>
-            <pc:docMk/>
-            <pc:sldMk cId="401081858" sldId="256"/>
-            <ac:cxnSpMk id="76" creationId="{7B2D303B-3DD0-4319-9EAD-361847FEC71D}"/>
-          </ac:cxnSpMkLst>
-        </pc:cxnChg>
-      </pc:sldChg>
-      <pc:sldChg chg="addSp delSp modSp mod setBg delDesignElem modNotesTx">
-        <pc:chgData name="Andrew Jimenez" userId="254227a2-d348-401a-bf44-edde4b191201" providerId="ADAL" clId="{8EDE38EF-9705-4266-A620-A164C8EDDA07}" dt="2020-10-26T19:08:23.333" v="2156" actId="20577"/>
-        <pc:sldMkLst>
-          <pc:docMk/>
-          <pc:sldMk cId="727409370" sldId="257"/>
-        </pc:sldMkLst>
-        <pc:spChg chg="mod">
-          <ac:chgData name="Andrew Jimenez" userId="254227a2-d348-401a-bf44-edde4b191201" providerId="ADAL" clId="{8EDE38EF-9705-4266-A620-A164C8EDDA07}" dt="2020-10-10T20:42:07.410" v="12" actId="26606"/>
-          <ac:spMkLst>
-            <pc:docMk/>
-            <pc:sldMk cId="727409370" sldId="257"/>
-            <ac:spMk id="2" creationId="{E489AD5A-77E0-4479-B6E1-6973466C54E9}"/>
-          </ac:spMkLst>
-        </pc:spChg>
-        <pc:spChg chg="del">
-          <ac:chgData name="Andrew Jimenez" userId="254227a2-d348-401a-bf44-edde4b191201" providerId="ADAL" clId="{8EDE38EF-9705-4266-A620-A164C8EDDA07}" dt="2020-10-10T20:41:20.218" v="7" actId="26606"/>
-          <ac:spMkLst>
-            <pc:docMk/>
-            <pc:sldMk cId="727409370" sldId="257"/>
-            <ac:spMk id="3" creationId="{C677A729-EAD6-401A-8BA4-CD94FB7D960F}"/>
-          </ac:spMkLst>
-        </pc:spChg>
-        <pc:spChg chg="add del">
-          <ac:chgData name="Andrew Jimenez" userId="254227a2-d348-401a-bf44-edde4b191201" providerId="ADAL" clId="{8EDE38EF-9705-4266-A620-A164C8EDDA07}" dt="2020-10-10T20:41:41.602" v="8" actId="26606"/>
-          <ac:spMkLst>
-            <pc:docMk/>
-            <pc:sldMk cId="727409370" sldId="257"/>
-            <ac:spMk id="9" creationId="{46C2E80F-49A6-4372-B103-219D417A55ED}"/>
-          </ac:spMkLst>
-        </pc:spChg>
-        <pc:spChg chg="add del">
-          <ac:chgData name="Andrew Jimenez" userId="254227a2-d348-401a-bf44-edde4b191201" providerId="ADAL" clId="{8EDE38EF-9705-4266-A620-A164C8EDDA07}" dt="2020-10-10T20:42:07.410" v="12" actId="26606"/>
-          <ac:spMkLst>
-            <pc:docMk/>
-            <pc:sldMk cId="727409370" sldId="257"/>
-            <ac:spMk id="14" creationId="{955A2079-FA98-4876-80F0-72364A7D2EA4}"/>
-          </ac:spMkLst>
-        </pc:spChg>
-        <pc:spChg chg="add del">
-          <ac:chgData name="Andrew Jimenez" userId="254227a2-d348-401a-bf44-edde4b191201" providerId="ADAL" clId="{8EDE38EF-9705-4266-A620-A164C8EDDA07}" dt="2020-10-10T20:42:07.342" v="11" actId="26606"/>
-          <ac:spMkLst>
-            <pc:docMk/>
-            <pc:sldMk cId="727409370" sldId="257"/>
-            <ac:spMk id="19" creationId="{955A2079-FA98-4876-80F0-72364A7D2EA4}"/>
-          </ac:spMkLst>
-        </pc:spChg>
-        <pc:spChg chg="add del">
-          <ac:chgData name="Andrew Jimenez" userId="254227a2-d348-401a-bf44-edde4b191201" providerId="ADAL" clId="{8EDE38EF-9705-4266-A620-A164C8EDDA07}" dt="2020-10-10T20:50:29.678" v="210"/>
-          <ac:spMkLst>
-            <pc:docMk/>
-            <pc:sldMk cId="727409370" sldId="257"/>
-            <ac:spMk id="21" creationId="{6C4028FD-8BAA-4A19-BFDE-594D991B7552}"/>
-          </ac:spMkLst>
-        </pc:spChg>
-        <pc:graphicFrameChg chg="add mod modGraphic">
-          <ac:chgData name="Andrew Jimenez" userId="254227a2-d348-401a-bf44-edde4b191201" providerId="ADAL" clId="{8EDE38EF-9705-4266-A620-A164C8EDDA07}" dt="2020-10-10T20:42:07.410" v="12" actId="26606"/>
-          <ac:graphicFrameMkLst>
-            <pc:docMk/>
-            <pc:sldMk cId="727409370" sldId="257"/>
-            <ac:graphicFrameMk id="5" creationId="{A2DC4180-4C9F-466D-B0AE-2A6C61470F79}"/>
-          </ac:graphicFrameMkLst>
-        </pc:graphicFrameChg>
-      </pc:sldChg>
-      <pc:sldChg chg="addSp delSp modSp mod ord setBg delDesignElem modNotesTx">
-        <pc:chgData name="Andrew Jimenez" userId="254227a2-d348-401a-bf44-edde4b191201" providerId="ADAL" clId="{8EDE38EF-9705-4266-A620-A164C8EDDA07}" dt="2020-10-26T19:07:43.602" v="2126" actId="20577"/>
-        <pc:sldMkLst>
-          <pc:docMk/>
-          <pc:sldMk cId="671775624" sldId="258"/>
-        </pc:sldMkLst>
-        <pc:spChg chg="mod">
-          <ac:chgData name="Andrew Jimenez" userId="254227a2-d348-401a-bf44-edde4b191201" providerId="ADAL" clId="{8EDE38EF-9705-4266-A620-A164C8EDDA07}" dt="2020-10-10T20:41:59.709" v="9" actId="26606"/>
-          <ac:spMkLst>
-            <pc:docMk/>
-            <pc:sldMk cId="671775624" sldId="258"/>
-            <ac:spMk id="2" creationId="{6B8FCA73-CB2B-41BB-B786-96EF530A353A}"/>
-          </ac:spMkLst>
-        </pc:spChg>
-        <pc:spChg chg="mod">
-          <ac:chgData name="Andrew Jimenez" userId="254227a2-d348-401a-bf44-edde4b191201" providerId="ADAL" clId="{8EDE38EF-9705-4266-A620-A164C8EDDA07}" dt="2020-10-10T20:41:59.709" v="9" actId="26606"/>
-          <ac:spMkLst>
-            <pc:docMk/>
-            <pc:sldMk cId="671775624" sldId="258"/>
-            <ac:spMk id="3" creationId="{9022B9CF-150D-4BF8-B27B-694FE4321FAD}"/>
-          </ac:spMkLst>
-        </pc:spChg>
-        <pc:spChg chg="add del">
-          <ac:chgData name="Andrew Jimenez" userId="254227a2-d348-401a-bf44-edde4b191201" providerId="ADAL" clId="{8EDE38EF-9705-4266-A620-A164C8EDDA07}" dt="2020-10-10T20:50:29.678" v="210"/>
-          <ac:spMkLst>
-            <pc:docMk/>
-            <pc:sldMk cId="671775624" sldId="258"/>
-            <ac:spMk id="8" creationId="{7CB4857B-ED7C-444D-9F04-2F885114A1C2}"/>
-          </ac:spMkLst>
-        </pc:spChg>
-        <pc:spChg chg="add del">
-          <ac:chgData name="Andrew Jimenez" userId="254227a2-d348-401a-bf44-edde4b191201" providerId="ADAL" clId="{8EDE38EF-9705-4266-A620-A164C8EDDA07}" dt="2020-10-10T20:50:29.678" v="210"/>
-          <ac:spMkLst>
-            <pc:docMk/>
-            <pc:sldMk cId="671775624" sldId="258"/>
-            <ac:spMk id="10" creationId="{D18046FB-44EA-4FD8-A585-EA09A319B2D0}"/>
-          </ac:spMkLst>
-        </pc:spChg>
-        <pc:spChg chg="add del">
-          <ac:chgData name="Andrew Jimenez" userId="254227a2-d348-401a-bf44-edde4b191201" providerId="ADAL" clId="{8EDE38EF-9705-4266-A620-A164C8EDDA07}" dt="2020-10-10T20:50:29.678" v="210"/>
-          <ac:spMkLst>
-            <pc:docMk/>
-            <pc:sldMk cId="671775624" sldId="258"/>
-            <ac:spMk id="12" creationId="{479F5F2B-8B58-4140-AE6A-51F6C67B18D9}"/>
-          </ac:spMkLst>
-        </pc:spChg>
-      </pc:sldChg>
-      <pc:sldChg chg="addSp delSp modSp mod ord setBg delDesignElem modNotesTx">
-        <pc:chgData name="Andrew Jimenez" userId="254227a2-d348-401a-bf44-edde4b191201" providerId="ADAL" clId="{8EDE38EF-9705-4266-A620-A164C8EDDA07}" dt="2020-10-26T19:08:02.931" v="2138" actId="20577"/>
-        <pc:sldMkLst>
-          <pc:docMk/>
-          <pc:sldMk cId="2325775077" sldId="259"/>
-        </pc:sldMkLst>
-        <pc:spChg chg="mod">
-          <ac:chgData name="Andrew Jimenez" userId="254227a2-d348-401a-bf44-edde4b191201" providerId="ADAL" clId="{8EDE38EF-9705-4266-A620-A164C8EDDA07}" dt="2020-10-10T20:40:58.370" v="6" actId="26606"/>
-          <ac:spMkLst>
-            <pc:docMk/>
-            <pc:sldMk cId="2325775077" sldId="259"/>
-            <ac:spMk id="2" creationId="{2A3026A5-87A3-4E15-B773-272019C97542}"/>
-          </ac:spMkLst>
-        </pc:spChg>
-        <pc:spChg chg="add del">
-          <ac:chgData name="Andrew Jimenez" userId="254227a2-d348-401a-bf44-edde4b191201" providerId="ADAL" clId="{8EDE38EF-9705-4266-A620-A164C8EDDA07}" dt="2020-10-10T20:40:58.370" v="6" actId="26606"/>
-          <ac:spMkLst>
-            <pc:docMk/>
-            <pc:sldMk cId="2325775077" sldId="259"/>
-            <ac:spMk id="3" creationId="{27AAA2A4-1008-420D-821B-5DA25E2D2B6B}"/>
-          </ac:spMkLst>
-        </pc:spChg>
-        <pc:spChg chg="add del">
-          <ac:chgData name="Andrew Jimenez" userId="254227a2-d348-401a-bf44-edde4b191201" providerId="ADAL" clId="{8EDE38EF-9705-4266-A620-A164C8EDDA07}" dt="2020-10-10T20:40:51.042" v="1" actId="26606"/>
-          <ac:spMkLst>
-            <pc:docMk/>
-            <pc:sldMk cId="2325775077" sldId="259"/>
-            <ac:spMk id="9" creationId="{955A2079-FA98-4876-80F0-72364A7D2EA4}"/>
-          </ac:spMkLst>
-        </pc:spChg>
-        <pc:spChg chg="add del">
-          <ac:chgData name="Andrew Jimenez" userId="254227a2-d348-401a-bf44-edde4b191201" providerId="ADAL" clId="{8EDE38EF-9705-4266-A620-A164C8EDDA07}" dt="2020-10-10T20:40:56.564" v="3" actId="26606"/>
-          <ac:spMkLst>
-            <pc:docMk/>
-            <pc:sldMk cId="2325775077" sldId="259"/>
-            <ac:spMk id="11" creationId="{46C2E80F-49A6-4372-B103-219D417A55ED}"/>
-          </ac:spMkLst>
-        </pc:spChg>
-        <pc:spChg chg="add del">
-          <ac:chgData name="Andrew Jimenez" userId="254227a2-d348-401a-bf44-edde4b191201" providerId="ADAL" clId="{8EDE38EF-9705-4266-A620-A164C8EDDA07}" dt="2020-10-10T20:40:58.317" v="5" actId="26606"/>
-          <ac:spMkLst>
-            <pc:docMk/>
-            <pc:sldMk cId="2325775077" sldId="259"/>
-            <ac:spMk id="14" creationId="{3A5B4632-C963-4296-86F0-79AA9EA5AE98}"/>
-          </ac:spMkLst>
-        </pc:spChg>
-        <pc:spChg chg="add del">
-          <ac:chgData name="Andrew Jimenez" userId="254227a2-d348-401a-bf44-edde4b191201" providerId="ADAL" clId="{8EDE38EF-9705-4266-A620-A164C8EDDA07}" dt="2020-10-10T20:50:29.678" v="210"/>
-          <ac:spMkLst>
-            <pc:docMk/>
-            <pc:sldMk cId="2325775077" sldId="259"/>
-            <ac:spMk id="17" creationId="{46C2E80F-49A6-4372-B103-219D417A55ED}"/>
-          </ac:spMkLst>
-        </pc:spChg>
-        <pc:graphicFrameChg chg="add del">
-          <ac:chgData name="Andrew Jimenez" userId="254227a2-d348-401a-bf44-edde4b191201" providerId="ADAL" clId="{8EDE38EF-9705-4266-A620-A164C8EDDA07}" dt="2020-10-10T20:40:51.042" v="1" actId="26606"/>
-          <ac:graphicFrameMkLst>
-            <pc:docMk/>
-            <pc:sldMk cId="2325775077" sldId="259"/>
-            <ac:graphicFrameMk id="5" creationId="{57081D6E-30E3-4D3B-AECE-7EEF7304CBEE}"/>
-          </ac:graphicFrameMkLst>
-        </pc:graphicFrameChg>
-        <pc:graphicFrameChg chg="add del">
-          <ac:chgData name="Andrew Jimenez" userId="254227a2-d348-401a-bf44-edde4b191201" providerId="ADAL" clId="{8EDE38EF-9705-4266-A620-A164C8EDDA07}" dt="2020-10-10T20:40:56.564" v="3" actId="26606"/>
-          <ac:graphicFrameMkLst>
-            <pc:docMk/>
-            <pc:sldMk cId="2325775077" sldId="259"/>
-            <ac:graphicFrameMk id="12" creationId="{A036AF03-C1EB-4ACE-80EA-B667DA4F938B}"/>
-          </ac:graphicFrameMkLst>
-        </pc:graphicFrameChg>
-        <pc:graphicFrameChg chg="add del">
-          <ac:chgData name="Andrew Jimenez" userId="254227a2-d348-401a-bf44-edde4b191201" providerId="ADAL" clId="{8EDE38EF-9705-4266-A620-A164C8EDDA07}" dt="2020-10-10T20:40:58.317" v="5" actId="26606"/>
-          <ac:graphicFrameMkLst>
-            <pc:docMk/>
-            <pc:sldMk cId="2325775077" sldId="259"/>
-            <ac:graphicFrameMk id="15" creationId="{EEFAE15F-8558-402C-A708-4692EB996916}"/>
-          </ac:graphicFrameMkLst>
-        </pc:graphicFrameChg>
-        <pc:graphicFrameChg chg="add mod">
-          <ac:chgData name="Andrew Jimenez" userId="254227a2-d348-401a-bf44-edde4b191201" providerId="ADAL" clId="{8EDE38EF-9705-4266-A620-A164C8EDDA07}" dt="2020-10-10T20:44:01.523" v="105" actId="20577"/>
-          <ac:graphicFrameMkLst>
-            <pc:docMk/>
-            <pc:sldMk cId="2325775077" sldId="259"/>
-            <ac:graphicFrameMk id="18" creationId="{A036AF03-C1EB-4ACE-80EA-B667DA4F938B}"/>
-          </ac:graphicFrameMkLst>
-        </pc:graphicFrameChg>
-      </pc:sldChg>
-      <pc:sldChg chg="addSp delSp modSp new mod setBg modClrScheme delDesignElem chgLayout modNotesTx">
-        <pc:chgData name="Andrew Jimenez" userId="254227a2-d348-401a-bf44-edde4b191201" providerId="ADAL" clId="{8EDE38EF-9705-4266-A620-A164C8EDDA07}" dt="2020-10-26T19:13:07.475" v="2363" actId="20577"/>
-        <pc:sldMkLst>
-          <pc:docMk/>
-          <pc:sldMk cId="1455974026" sldId="260"/>
-        </pc:sldMkLst>
-        <pc:spChg chg="mod ord">
-          <ac:chgData name="Andrew Jimenez" userId="254227a2-d348-401a-bf44-edde4b191201" providerId="ADAL" clId="{8EDE38EF-9705-4266-A620-A164C8EDDA07}" dt="2020-10-10T20:50:34.204" v="212" actId="26606"/>
-          <ac:spMkLst>
-            <pc:docMk/>
-            <pc:sldMk cId="1455974026" sldId="260"/>
-            <ac:spMk id="2" creationId="{6EE3ED36-8598-4CE4-9709-4D824D3C8B6A}"/>
-          </ac:spMkLst>
-        </pc:spChg>
-        <pc:spChg chg="del">
-          <ac:chgData name="Andrew Jimenez" userId="254227a2-d348-401a-bf44-edde4b191201" providerId="ADAL" clId="{8EDE38EF-9705-4266-A620-A164C8EDDA07}" dt="2020-10-10T20:49:15.085" v="198" actId="700"/>
-          <ac:spMkLst>
-            <pc:docMk/>
-            <pc:sldMk cId="1455974026" sldId="260"/>
-            <ac:spMk id="3" creationId="{E74FBC54-588A-4124-BB12-82A6EE08B29D}"/>
-          </ac:spMkLst>
-        </pc:spChg>
-        <pc:spChg chg="add del">
-          <ac:chgData name="Andrew Jimenez" userId="254227a2-d348-401a-bf44-edde4b191201" providerId="ADAL" clId="{8EDE38EF-9705-4266-A620-A164C8EDDA07}" dt="2020-10-10T20:51:22.782" v="213" actId="26606"/>
-          <ac:spMkLst>
-            <pc:docMk/>
-            <pc:sldMk cId="1455974026" sldId="260"/>
-            <ac:spMk id="4" creationId="{C66F2F30-5DC0-44A0-BFA6-E12F46ED16DA}"/>
-          </ac:spMkLst>
-        </pc:spChg>
-        <pc:spChg chg="add del">
-          <ac:chgData name="Andrew Jimenez" userId="254227a2-d348-401a-bf44-edde4b191201" providerId="ADAL" clId="{8EDE38EF-9705-4266-A620-A164C8EDDA07}" dt="2020-10-10T20:51:22.782" v="213" actId="26606"/>
-          <ac:spMkLst>
-            <pc:docMk/>
-            <pc:sldMk cId="1455974026" sldId="260"/>
-            <ac:spMk id="5" creationId="{85872F57-7F42-4F97-8391-DDC8D0054C03}"/>
-          </ac:spMkLst>
-        </pc:spChg>
-        <pc:spChg chg="add del">
-          <ac:chgData name="Andrew Jimenez" userId="254227a2-d348-401a-bf44-edde4b191201" providerId="ADAL" clId="{8EDE38EF-9705-4266-A620-A164C8EDDA07}" dt="2020-10-10T20:49:54.506" v="202" actId="26606"/>
-          <ac:spMkLst>
-            <pc:docMk/>
-            <pc:sldMk cId="1455974026" sldId="260"/>
-            <ac:spMk id="7" creationId="{FF56364F-341A-489D-99A6-B6EF5EDECEA3}"/>
-          </ac:spMkLst>
-        </pc:spChg>
-        <pc:spChg chg="add del">
-          <ac:chgData name="Andrew Jimenez" userId="254227a2-d348-401a-bf44-edde4b191201" providerId="ADAL" clId="{8EDE38EF-9705-4266-A620-A164C8EDDA07}" dt="2020-10-10T20:49:54.506" v="202" actId="26606"/>
-          <ac:spMkLst>
-            <pc:docMk/>
-            <pc:sldMk cId="1455974026" sldId="260"/>
-            <ac:spMk id="9" creationId="{A42BD8CA-821E-4109-B1E5-9C4F55797519}"/>
-          </ac:spMkLst>
-        </pc:spChg>
-        <pc:spChg chg="add del">
-          <ac:chgData name="Andrew Jimenez" userId="254227a2-d348-401a-bf44-edde4b191201" providerId="ADAL" clId="{8EDE38EF-9705-4266-A620-A164C8EDDA07}" dt="2020-10-10T20:51:22.782" v="213" actId="26606"/>
-          <ac:spMkLst>
-            <pc:docMk/>
-            <pc:sldMk cId="1455974026" sldId="260"/>
-            <ac:spMk id="10" creationId="{04DC2037-48A0-4F22-B9D4-8EAEBC780AB4}"/>
-          </ac:spMkLst>
-        </pc:spChg>
-        <pc:spChg chg="add del">
-          <ac:chgData name="Andrew Jimenez" userId="254227a2-d348-401a-bf44-edde4b191201" providerId="ADAL" clId="{8EDE38EF-9705-4266-A620-A164C8EDDA07}" dt="2020-10-10T20:49:49.406" v="200" actId="26606"/>
-          <ac:spMkLst>
-            <pc:docMk/>
-            <pc:sldMk cId="1455974026" sldId="260"/>
-            <ac:spMk id="11" creationId="{74751229-0244-4FBB-BED1-407467F4C951}"/>
-          </ac:spMkLst>
-        </pc:spChg>
-        <pc:spChg chg="add del">
-          <ac:chgData name="Andrew Jimenez" userId="254227a2-d348-401a-bf44-edde4b191201" providerId="ADAL" clId="{8EDE38EF-9705-4266-A620-A164C8EDDA07}" dt="2020-10-10T20:50:30.210" v="211" actId="26606"/>
-          <ac:spMkLst>
-            <pc:docMk/>
-            <pc:sldMk cId="1455974026" sldId="260"/>
-            <ac:spMk id="12" creationId="{A5C7124E-654B-4C37-994F-1973D878C923}"/>
-          </ac:spMkLst>
-        </pc:spChg>
-        <pc:spChg chg="add del">
-          <ac:chgData name="Andrew Jimenez" userId="254227a2-d348-401a-bf44-edde4b191201" providerId="ADAL" clId="{8EDE38EF-9705-4266-A620-A164C8EDDA07}" dt="2020-10-10T20:50:30.210" v="211" actId="26606"/>
-          <ac:spMkLst>
-            <pc:docMk/>
-            <pc:sldMk cId="1455974026" sldId="260"/>
-            <ac:spMk id="13" creationId="{20D3DFB9-0A1D-43AF-94B0-0CF8DE360EDE}"/>
-          </ac:spMkLst>
-        </pc:spChg>
-        <pc:spChg chg="add del">
-          <ac:chgData name="Andrew Jimenez" userId="254227a2-d348-401a-bf44-edde4b191201" providerId="ADAL" clId="{8EDE38EF-9705-4266-A620-A164C8EDDA07}" dt="2020-10-10T20:51:22.782" v="213" actId="26606"/>
-          <ac:spMkLst>
-            <pc:docMk/>
-            <pc:sldMk cId="1455974026" sldId="260"/>
-            <ac:spMk id="14" creationId="{0006CBFD-ADA0-43D1-9332-9C34CA1C76ED}"/>
-          </ac:spMkLst>
-        </pc:spChg>
-        <pc:spChg chg="add del">
-          <ac:chgData name="Andrew Jimenez" userId="254227a2-d348-401a-bf44-edde4b191201" providerId="ADAL" clId="{8EDE38EF-9705-4266-A620-A164C8EDDA07}" dt="2020-10-10T20:51:22.782" v="213" actId="26606"/>
-          <ac:spMkLst>
-            <pc:docMk/>
-            <pc:sldMk cId="1455974026" sldId="260"/>
-            <ac:spMk id="15" creationId="{2B931666-F28F-45F3-A074-66D2272D580B}"/>
-          </ac:spMkLst>
-        </pc:spChg>
-        <pc:spChg chg="add">
-          <ac:chgData name="Andrew Jimenez" userId="254227a2-d348-401a-bf44-edde4b191201" providerId="ADAL" clId="{8EDE38EF-9705-4266-A620-A164C8EDDA07}" dt="2020-10-10T20:51:22.782" v="213" actId="26606"/>
-          <ac:spMkLst>
-            <pc:docMk/>
-            <pc:sldMk cId="1455974026" sldId="260"/>
-            <ac:spMk id="20" creationId="{C66F2F30-5DC0-44A0-BFA6-E12F46ED16DA}"/>
-          </ac:spMkLst>
-        </pc:spChg>
-        <pc:spChg chg="add">
-          <ac:chgData name="Andrew Jimenez" userId="254227a2-d348-401a-bf44-edde4b191201" providerId="ADAL" clId="{8EDE38EF-9705-4266-A620-A164C8EDDA07}" dt="2020-10-10T20:51:22.782" v="213" actId="26606"/>
-          <ac:spMkLst>
-            <pc:docMk/>
-            <pc:sldMk cId="1455974026" sldId="260"/>
-            <ac:spMk id="22" creationId="{85872F57-7F42-4F97-8391-DDC8D0054C03}"/>
-          </ac:spMkLst>
-        </pc:spChg>
-        <pc:spChg chg="add">
-          <ac:chgData name="Andrew Jimenez" userId="254227a2-d348-401a-bf44-edde4b191201" providerId="ADAL" clId="{8EDE38EF-9705-4266-A620-A164C8EDDA07}" dt="2020-10-10T20:51:22.782" v="213" actId="26606"/>
-          <ac:spMkLst>
-            <pc:docMk/>
-            <pc:sldMk cId="1455974026" sldId="260"/>
-            <ac:spMk id="24" creationId="{04DC2037-48A0-4F22-B9D4-8EAEBC780AB4}"/>
-          </ac:spMkLst>
-        </pc:spChg>
-        <pc:spChg chg="add">
-          <ac:chgData name="Andrew Jimenez" userId="254227a2-d348-401a-bf44-edde4b191201" providerId="ADAL" clId="{8EDE38EF-9705-4266-A620-A164C8EDDA07}" dt="2020-10-10T20:51:22.782" v="213" actId="26606"/>
-          <ac:spMkLst>
-            <pc:docMk/>
-            <pc:sldMk cId="1455974026" sldId="260"/>
-            <ac:spMk id="26" creationId="{0006CBFD-ADA0-43D1-9332-9C34CA1C76ED}"/>
-          </ac:spMkLst>
-        </pc:spChg>
-        <pc:spChg chg="add">
-          <ac:chgData name="Andrew Jimenez" userId="254227a2-d348-401a-bf44-edde4b191201" providerId="ADAL" clId="{8EDE38EF-9705-4266-A620-A164C8EDDA07}" dt="2020-10-10T20:51:22.782" v="213" actId="26606"/>
-          <ac:spMkLst>
-            <pc:docMk/>
-            <pc:sldMk cId="1455974026" sldId="260"/>
-            <ac:spMk id="28" creationId="{2B931666-F28F-45F3-A074-66D2272D580B}"/>
-          </ac:spMkLst>
-        </pc:spChg>
-        <pc:picChg chg="add del">
-          <ac:chgData name="Andrew Jimenez" userId="254227a2-d348-401a-bf44-edde4b191201" providerId="ADAL" clId="{8EDE38EF-9705-4266-A620-A164C8EDDA07}" dt="2020-10-10T20:49:49.406" v="200" actId="26606"/>
-          <ac:picMkLst>
-            <pc:docMk/>
-            <pc:sldMk cId="1455974026" sldId="260"/>
-            <ac:picMk id="6" creationId="{2F59596F-6F18-40F7-BB9D-6576166A57DE}"/>
-          </ac:picMkLst>
-        </pc:picChg>
-        <pc:picChg chg="add del">
-          <ac:chgData name="Andrew Jimenez" userId="254227a2-d348-401a-bf44-edde4b191201" providerId="ADAL" clId="{8EDE38EF-9705-4266-A620-A164C8EDDA07}" dt="2020-10-10T20:49:49.406" v="200" actId="26606"/>
-          <ac:picMkLst>
-            <pc:docMk/>
-            <pc:sldMk cId="1455974026" sldId="260"/>
-            <ac:picMk id="8" creationId="{78106D46-C490-40C3-B6A6-E7DAA0E792A1}"/>
-          </ac:picMkLst>
-        </pc:picChg>
-      </pc:sldChg>
-      <pc:sldChg chg="modSp new del mod ord modShow">
-        <pc:chgData name="Andrew Jimenez" userId="254227a2-d348-401a-bf44-edde4b191201" providerId="ADAL" clId="{8EDE38EF-9705-4266-A620-A164C8EDDA07}" dt="2020-10-26T18:48:45.586" v="1996" actId="47"/>
-        <pc:sldMkLst>
-          <pc:docMk/>
-          <pc:sldMk cId="14192885" sldId="261"/>
-        </pc:sldMkLst>
-        <pc:spChg chg="mod">
-          <ac:chgData name="Andrew Jimenez" userId="254227a2-d348-401a-bf44-edde4b191201" providerId="ADAL" clId="{8EDE38EF-9705-4266-A620-A164C8EDDA07}" dt="2020-10-13T15:40:01.860" v="261" actId="20577"/>
-          <ac:spMkLst>
-            <pc:docMk/>
-            <pc:sldMk cId="14192885" sldId="261"/>
-            <ac:spMk id="2" creationId="{FD54749C-7F9E-4F6D-8928-D90E430170B7}"/>
-          </ac:spMkLst>
-        </pc:spChg>
-        <pc:spChg chg="mod">
-          <ac:chgData name="Andrew Jimenez" userId="254227a2-d348-401a-bf44-edde4b191201" providerId="ADAL" clId="{8EDE38EF-9705-4266-A620-A164C8EDDA07}" dt="2020-10-13T15:46:29.372" v="528" actId="27636"/>
-          <ac:spMkLst>
-            <pc:docMk/>
-            <pc:sldMk cId="14192885" sldId="261"/>
-            <ac:spMk id="3" creationId="{76FDCC16-6972-42C7-BFF8-44B5F3F14182}"/>
-          </ac:spMkLst>
-        </pc:spChg>
-      </pc:sldChg>
-      <pc:sldChg chg="addSp delSp modSp new mod modNotesTx">
-        <pc:chgData name="Andrew Jimenez" userId="254227a2-d348-401a-bf44-edde4b191201" providerId="ADAL" clId="{8EDE38EF-9705-4266-A620-A164C8EDDA07}" dt="2020-10-26T19:09:58.858" v="2184" actId="20577"/>
-        <pc:sldMkLst>
-          <pc:docMk/>
-          <pc:sldMk cId="2007660268" sldId="262"/>
-        </pc:sldMkLst>
-        <pc:spChg chg="mod">
-          <ac:chgData name="Andrew Jimenez" userId="254227a2-d348-401a-bf44-edde4b191201" providerId="ADAL" clId="{8EDE38EF-9705-4266-A620-A164C8EDDA07}" dt="2020-10-26T18:42:53.115" v="1940" actId="27636"/>
-          <ac:spMkLst>
-            <pc:docMk/>
-            <pc:sldMk cId="2007660268" sldId="262"/>
-            <ac:spMk id="2" creationId="{4AAF93A2-0B5F-4A5E-AA0C-A2653DCE88CF}"/>
-          </ac:spMkLst>
-        </pc:spChg>
-        <pc:spChg chg="mod">
-          <ac:chgData name="Andrew Jimenez" userId="254227a2-d348-401a-bf44-edde4b191201" providerId="ADAL" clId="{8EDE38EF-9705-4266-A620-A164C8EDDA07}" dt="2020-10-13T15:56:06.188" v="762" actId="20577"/>
-          <ac:spMkLst>
-            <pc:docMk/>
-            <pc:sldMk cId="2007660268" sldId="262"/>
-            <ac:spMk id="3" creationId="{F1D06DDB-D651-4316-97A0-E1F7C430E66A}"/>
-          </ac:spMkLst>
-        </pc:spChg>
-        <pc:spChg chg="add del">
-          <ac:chgData name="Andrew Jimenez" userId="254227a2-d348-401a-bf44-edde4b191201" providerId="ADAL" clId="{8EDE38EF-9705-4266-A620-A164C8EDDA07}" dt="2020-10-26T18:32:38.809" v="1894" actId="26606"/>
-          <ac:spMkLst>
-            <pc:docMk/>
-            <pc:sldMk cId="2007660268" sldId="262"/>
-            <ac:spMk id="24" creationId="{91CC89A3-857A-4D53-ADCB-0A14B4B404F8}"/>
-          </ac:spMkLst>
-        </pc:spChg>
-        <pc:spChg chg="add del">
-          <ac:chgData name="Andrew Jimenez" userId="254227a2-d348-401a-bf44-edde4b191201" providerId="ADAL" clId="{8EDE38EF-9705-4266-A620-A164C8EDDA07}" dt="2020-10-26T18:32:45.524" v="1900" actId="26606"/>
-          <ac:spMkLst>
-            <pc:docMk/>
-            <pc:sldMk cId="2007660268" sldId="262"/>
-            <ac:spMk id="25" creationId="{B082622D-AAF3-4897-8629-FC918530DD86}"/>
-          </ac:spMkLst>
-        </pc:spChg>
-        <pc:spChg chg="add del">
-          <ac:chgData name="Andrew Jimenez" userId="254227a2-d348-401a-bf44-edde4b191201" providerId="ADAL" clId="{8EDE38EF-9705-4266-A620-A164C8EDDA07}" dt="2020-10-26T18:32:43.924" v="1896" actId="26606"/>
-          <ac:spMkLst>
-            <pc:docMk/>
-            <pc:sldMk cId="2007660268" sldId="262"/>
-            <ac:spMk id="26" creationId="{91CC89A3-857A-4D53-ADCB-0A14B4B404F8}"/>
-          </ac:spMkLst>
-        </pc:spChg>
-        <pc:spChg chg="add del">
-          <ac:chgData name="Andrew Jimenez" userId="254227a2-d348-401a-bf44-edde4b191201" providerId="ADAL" clId="{8EDE38EF-9705-4266-A620-A164C8EDDA07}" dt="2020-10-26T18:32:19.142" v="1884" actId="26606"/>
-          <ac:spMkLst>
-            <pc:docMk/>
-            <pc:sldMk cId="2007660268" sldId="262"/>
-            <ac:spMk id="27" creationId="{B082622D-AAF3-4897-8629-FC918530DD86}"/>
-          </ac:spMkLst>
-        </pc:spChg>
-        <pc:spChg chg="add del">
-          <ac:chgData name="Andrew Jimenez" userId="254227a2-d348-401a-bf44-edde4b191201" providerId="ADAL" clId="{8EDE38EF-9705-4266-A620-A164C8EDDA07}" dt="2020-10-26T18:32:45.524" v="1900" actId="26606"/>
-          <ac:spMkLst>
-            <pc:docMk/>
-            <pc:sldMk cId="2007660268" sldId="262"/>
-            <ac:spMk id="28" creationId="{A7457DD9-5A45-400A-AB4B-4B4EDECA25F1}"/>
-          </ac:spMkLst>
-        </pc:spChg>
-        <pc:spChg chg="add del">
-          <ac:chgData name="Andrew Jimenez" userId="254227a2-d348-401a-bf44-edde4b191201" providerId="ADAL" clId="{8EDE38EF-9705-4266-A620-A164C8EDDA07}" dt="2020-10-26T18:32:19.142" v="1884" actId="26606"/>
-          <ac:spMkLst>
-            <pc:docMk/>
-            <pc:sldMk cId="2007660268" sldId="262"/>
-            <ac:spMk id="29" creationId="{A7457DD9-5A45-400A-AB4B-4B4EDECA25F1}"/>
-          </ac:spMkLst>
-        </pc:spChg>
-        <pc:spChg chg="add del">
-          <ac:chgData name="Andrew Jimenez" userId="254227a2-d348-401a-bf44-edde4b191201" providerId="ADAL" clId="{8EDE38EF-9705-4266-A620-A164C8EDDA07}" dt="2020-10-26T18:32:45.524" v="1900" actId="26606"/>
-          <ac:spMkLst>
-            <pc:docMk/>
-            <pc:sldMk cId="2007660268" sldId="262"/>
-            <ac:spMk id="30" creationId="{441CF7D6-A660-431A-B0BB-140A0D5556B6}"/>
-          </ac:spMkLst>
-        </pc:spChg>
-        <pc:spChg chg="add del">
-          <ac:chgData name="Andrew Jimenez" userId="254227a2-d348-401a-bf44-edde4b191201" providerId="ADAL" clId="{8EDE38EF-9705-4266-A620-A164C8EDDA07}" dt="2020-10-26T18:32:19.142" v="1884" actId="26606"/>
-          <ac:spMkLst>
-            <pc:docMk/>
-            <pc:sldMk cId="2007660268" sldId="262"/>
-            <ac:spMk id="31" creationId="{441CF7D6-A660-431A-B0BB-140A0D5556B6}"/>
-          </ac:spMkLst>
-        </pc:spChg>
-        <pc:spChg chg="add del">
-          <ac:chgData name="Andrew Jimenez" userId="254227a2-d348-401a-bf44-edde4b191201" providerId="ADAL" clId="{8EDE38EF-9705-4266-A620-A164C8EDDA07}" dt="2020-10-26T18:32:45.524" v="1900" actId="26606"/>
-          <ac:spMkLst>
-            <pc:docMk/>
-            <pc:sldMk cId="2007660268" sldId="262"/>
-            <ac:spMk id="32" creationId="{0570A85B-3810-4F95-97B0-CBF4CCDB381C}"/>
-          </ac:spMkLst>
-        </pc:spChg>
-        <pc:spChg chg="add del">
-          <ac:chgData name="Andrew Jimenez" userId="254227a2-d348-401a-bf44-edde4b191201" providerId="ADAL" clId="{8EDE38EF-9705-4266-A620-A164C8EDDA07}" dt="2020-10-26T18:32:19.142" v="1884" actId="26606"/>
-          <ac:spMkLst>
-            <pc:docMk/>
-            <pc:sldMk cId="2007660268" sldId="262"/>
-            <ac:spMk id="33" creationId="{0570A85B-3810-4F95-97B0-CBF4CCDB381C}"/>
-          </ac:spMkLst>
-        </pc:spChg>
-        <pc:spChg chg="add del">
-          <ac:chgData name="Andrew Jimenez" userId="254227a2-d348-401a-bf44-edde4b191201" providerId="ADAL" clId="{8EDE38EF-9705-4266-A620-A164C8EDDA07}" dt="2020-10-26T18:32:47.991" v="1902" actId="26606"/>
-          <ac:spMkLst>
-            <pc:docMk/>
-            <pc:sldMk cId="2007660268" sldId="262"/>
-            <ac:spMk id="34" creationId="{B082622D-AAF3-4897-8629-FC918530DD86}"/>
-          </ac:spMkLst>
-        </pc:spChg>
-        <pc:spChg chg="add del">
-          <ac:chgData name="Andrew Jimenez" userId="254227a2-d348-401a-bf44-edde4b191201" providerId="ADAL" clId="{8EDE38EF-9705-4266-A620-A164C8EDDA07}" dt="2020-10-26T18:32:30.665" v="1886" actId="26606"/>
-          <ac:spMkLst>
-            <pc:docMk/>
-            <pc:sldMk cId="2007660268" sldId="262"/>
-            <ac:spMk id="35" creationId="{B082622D-AAF3-4897-8629-FC918530DD86}"/>
-          </ac:spMkLst>
-        </pc:spChg>
-        <pc:spChg chg="add del">
-          <ac:chgData name="Andrew Jimenez" userId="254227a2-d348-401a-bf44-edde4b191201" providerId="ADAL" clId="{8EDE38EF-9705-4266-A620-A164C8EDDA07}" dt="2020-10-26T18:32:30.665" v="1886" actId="26606"/>
-          <ac:spMkLst>
-            <pc:docMk/>
-            <pc:sldMk cId="2007660268" sldId="262"/>
-            <ac:spMk id="36" creationId="{A7457DD9-5A45-400A-AB4B-4B4EDECA25F1}"/>
-          </ac:spMkLst>
-        </pc:spChg>
-        <pc:spChg chg="add del">
-          <ac:chgData name="Andrew Jimenez" userId="254227a2-d348-401a-bf44-edde4b191201" providerId="ADAL" clId="{8EDE38EF-9705-4266-A620-A164C8EDDA07}" dt="2020-10-26T18:32:30.665" v="1886" actId="26606"/>
-          <ac:spMkLst>
-            <pc:docMk/>
-            <pc:sldMk cId="2007660268" sldId="262"/>
-            <ac:spMk id="37" creationId="{441CF7D6-A660-431A-B0BB-140A0D5556B6}"/>
-          </ac:spMkLst>
-        </pc:spChg>
-        <pc:spChg chg="add del">
-          <ac:chgData name="Andrew Jimenez" userId="254227a2-d348-401a-bf44-edde4b191201" providerId="ADAL" clId="{8EDE38EF-9705-4266-A620-A164C8EDDA07}" dt="2020-10-26T18:32:30.665" v="1886" actId="26606"/>
-          <ac:spMkLst>
-            <pc:docMk/>
-            <pc:sldMk cId="2007660268" sldId="262"/>
-            <ac:spMk id="38" creationId="{0570A85B-3810-4F95-97B0-CBF4CCDB381C}"/>
-          </ac:spMkLst>
-        </pc:spChg>
-        <pc:spChg chg="add del">
-          <ac:chgData name="Andrew Jimenez" userId="254227a2-d348-401a-bf44-edde4b191201" providerId="ADAL" clId="{8EDE38EF-9705-4266-A620-A164C8EDDA07}" dt="2020-10-26T18:32:47.991" v="1902" actId="26606"/>
-          <ac:spMkLst>
-            <pc:docMk/>
-            <pc:sldMk cId="2007660268" sldId="262"/>
-            <ac:spMk id="39" creationId="{A7457DD9-5A45-400A-AB4B-4B4EDECA25F1}"/>
-          </ac:spMkLst>
-        </pc:spChg>
-        <pc:spChg chg="add del">
-          <ac:chgData name="Andrew Jimenez" userId="254227a2-d348-401a-bf44-edde4b191201" providerId="ADAL" clId="{8EDE38EF-9705-4266-A620-A164C8EDDA07}" dt="2020-10-26T18:32:34.221" v="1888" actId="26606"/>
-          <ac:spMkLst>
-            <pc:docMk/>
-            <pc:sldMk cId="2007660268" sldId="262"/>
-            <ac:spMk id="40" creationId="{B082622D-AAF3-4897-8629-FC918530DD86}"/>
-          </ac:spMkLst>
-        </pc:spChg>
-        <pc:spChg chg="add del">
-          <ac:chgData name="Andrew Jimenez" userId="254227a2-d348-401a-bf44-edde4b191201" providerId="ADAL" clId="{8EDE38EF-9705-4266-A620-A164C8EDDA07}" dt="2020-10-26T18:32:34.221" v="1888" actId="26606"/>
-          <ac:spMkLst>
-            <pc:docMk/>
-            <pc:sldMk cId="2007660268" sldId="262"/>
-            <ac:spMk id="41" creationId="{A7457DD9-5A45-400A-AB4B-4B4EDECA25F1}"/>
-          </ac:spMkLst>
-        </pc:spChg>
-        <pc:spChg chg="add del">
-          <ac:chgData name="Andrew Jimenez" userId="254227a2-d348-401a-bf44-edde4b191201" providerId="ADAL" clId="{8EDE38EF-9705-4266-A620-A164C8EDDA07}" dt="2020-10-26T18:32:34.221" v="1888" actId="26606"/>
-          <ac:spMkLst>
-            <pc:docMk/>
-            <pc:sldMk cId="2007660268" sldId="262"/>
-            <ac:spMk id="42" creationId="{441CF7D6-A660-431A-B0BB-140A0D5556B6}"/>
-          </ac:spMkLst>
-        </pc:spChg>
-        <pc:spChg chg="add del">
-          <ac:chgData name="Andrew Jimenez" userId="254227a2-d348-401a-bf44-edde4b191201" providerId="ADAL" clId="{8EDE38EF-9705-4266-A620-A164C8EDDA07}" dt="2020-10-26T18:32:34.221" v="1888" actId="26606"/>
-          <ac:spMkLst>
-            <pc:docMk/>
-            <pc:sldMk cId="2007660268" sldId="262"/>
-            <ac:spMk id="43" creationId="{0570A85B-3810-4F95-97B0-CBF4CCDB381C}"/>
-          </ac:spMkLst>
-        </pc:spChg>
-        <pc:spChg chg="add del">
-          <ac:chgData name="Andrew Jimenez" userId="254227a2-d348-401a-bf44-edde4b191201" providerId="ADAL" clId="{8EDE38EF-9705-4266-A620-A164C8EDDA07}" dt="2020-10-26T18:32:47.991" v="1902" actId="26606"/>
-          <ac:spMkLst>
-            <pc:docMk/>
-            <pc:sldMk cId="2007660268" sldId="262"/>
-            <ac:spMk id="44" creationId="{441CF7D6-A660-431A-B0BB-140A0D5556B6}"/>
-          </ac:spMkLst>
-        </pc:spChg>
-        <pc:spChg chg="add del">
-          <ac:chgData name="Andrew Jimenez" userId="254227a2-d348-401a-bf44-edde4b191201" providerId="ADAL" clId="{8EDE38EF-9705-4266-A620-A164C8EDDA07}" dt="2020-10-26T18:32:35.088" v="1890" actId="26606"/>
-          <ac:spMkLst>
-            <pc:docMk/>
-            <pc:sldMk cId="2007660268" sldId="262"/>
-            <ac:spMk id="45" creationId="{B082622D-AAF3-4897-8629-FC918530DD86}"/>
-          </ac:spMkLst>
-        </pc:spChg>
-        <pc:spChg chg="add del">
-          <ac:chgData name="Andrew Jimenez" userId="254227a2-d348-401a-bf44-edde4b191201" providerId="ADAL" clId="{8EDE38EF-9705-4266-A620-A164C8EDDA07}" dt="2020-10-26T18:32:35.088" v="1890" actId="26606"/>
-          <ac:spMkLst>
-            <pc:docMk/>
-            <pc:sldMk cId="2007660268" sldId="262"/>
-            <ac:spMk id="46" creationId="{A7457DD9-5A45-400A-AB4B-4B4EDECA25F1}"/>
-          </ac:spMkLst>
-        </pc:spChg>
-        <pc:spChg chg="add del">
-          <ac:chgData name="Andrew Jimenez" userId="254227a2-d348-401a-bf44-edde4b191201" providerId="ADAL" clId="{8EDE38EF-9705-4266-A620-A164C8EDDA07}" dt="2020-10-26T18:32:35.088" v="1890" actId="26606"/>
-          <ac:spMkLst>
-            <pc:docMk/>
-            <pc:sldMk cId="2007660268" sldId="262"/>
-            <ac:spMk id="47" creationId="{441CF7D6-A660-431A-B0BB-140A0D5556B6}"/>
-          </ac:spMkLst>
-        </pc:spChg>
-        <pc:spChg chg="add del">
-          <ac:chgData name="Andrew Jimenez" userId="254227a2-d348-401a-bf44-edde4b191201" providerId="ADAL" clId="{8EDE38EF-9705-4266-A620-A164C8EDDA07}" dt="2020-10-26T18:32:35.088" v="1890" actId="26606"/>
-          <ac:spMkLst>
-            <pc:docMk/>
-            <pc:sldMk cId="2007660268" sldId="262"/>
-            <ac:spMk id="48" creationId="{0570A85B-3810-4F95-97B0-CBF4CCDB381C}"/>
-          </ac:spMkLst>
-        </pc:spChg>
-        <pc:spChg chg="add del">
-          <ac:chgData name="Andrew Jimenez" userId="254227a2-d348-401a-bf44-edde4b191201" providerId="ADAL" clId="{8EDE38EF-9705-4266-A620-A164C8EDDA07}" dt="2020-10-26T18:32:47.991" v="1902" actId="26606"/>
-          <ac:spMkLst>
-            <pc:docMk/>
-            <pc:sldMk cId="2007660268" sldId="262"/>
-            <ac:spMk id="49" creationId="{0570A85B-3810-4F95-97B0-CBF4CCDB381C}"/>
-          </ac:spMkLst>
-        </pc:spChg>
-        <pc:spChg chg="add del">
-          <ac:chgData name="Andrew Jimenez" userId="254227a2-d348-401a-bf44-edde4b191201" providerId="ADAL" clId="{8EDE38EF-9705-4266-A620-A164C8EDDA07}" dt="2020-10-26T18:38:56.764" v="1912" actId="26606"/>
-          <ac:spMkLst>
-            <pc:docMk/>
-            <pc:sldMk cId="2007660268" sldId="262"/>
-            <ac:spMk id="50" creationId="{91CC89A3-857A-4D53-ADCB-0A14B4B404F8}"/>
-          </ac:spMkLst>
-        </pc:spChg>
-        <pc:spChg chg="add del">
-          <ac:chgData name="Andrew Jimenez" userId="254227a2-d348-401a-bf44-edde4b191201" providerId="ADAL" clId="{8EDE38EF-9705-4266-A620-A164C8EDDA07}" dt="2020-10-26T18:32:51.219" v="1904" actId="26606"/>
-          <ac:spMkLst>
-            <pc:docMk/>
-            <pc:sldMk cId="2007660268" sldId="262"/>
-            <ac:spMk id="51" creationId="{B082622D-AAF3-4897-8629-FC918530DD86}"/>
-          </ac:spMkLst>
-        </pc:spChg>
-        <pc:spChg chg="add del">
-          <ac:chgData name="Andrew Jimenez" userId="254227a2-d348-401a-bf44-edde4b191201" providerId="ADAL" clId="{8EDE38EF-9705-4266-A620-A164C8EDDA07}" dt="2020-10-26T18:32:51.219" v="1904" actId="26606"/>
-          <ac:spMkLst>
-            <pc:docMk/>
-            <pc:sldMk cId="2007660268" sldId="262"/>
-            <ac:spMk id="52" creationId="{A7457DD9-5A45-400A-AB4B-4B4EDECA25F1}"/>
-          </ac:spMkLst>
-        </pc:spChg>
-        <pc:spChg chg="add del">
-          <ac:chgData name="Andrew Jimenez" userId="254227a2-d348-401a-bf44-edde4b191201" providerId="ADAL" clId="{8EDE38EF-9705-4266-A620-A164C8EDDA07}" dt="2020-10-26T18:32:51.219" v="1904" actId="26606"/>
-          <ac:spMkLst>
-            <pc:docMk/>
-            <pc:sldMk cId="2007660268" sldId="262"/>
-            <ac:spMk id="53" creationId="{441CF7D6-A660-431A-B0BB-140A0D5556B6}"/>
-          </ac:spMkLst>
-        </pc:spChg>
-        <pc:spChg chg="add del">
-          <ac:chgData name="Andrew Jimenez" userId="254227a2-d348-401a-bf44-edde4b191201" providerId="ADAL" clId="{8EDE38EF-9705-4266-A620-A164C8EDDA07}" dt="2020-10-26T18:32:51.219" v="1904" actId="26606"/>
-          <ac:spMkLst>
-            <pc:docMk/>
-            <pc:sldMk cId="2007660268" sldId="262"/>
-            <ac:spMk id="54" creationId="{0570A85B-3810-4F95-97B0-CBF4CCDB381C}"/>
-          </ac:spMkLst>
-        </pc:spChg>
-        <pc:spChg chg="add del">
-          <ac:chgData name="Andrew Jimenez" userId="254227a2-d348-401a-bf44-edde4b191201" providerId="ADAL" clId="{8EDE38EF-9705-4266-A620-A164C8EDDA07}" dt="2020-10-26T18:39:11.711" v="1916" actId="26606"/>
-          <ac:spMkLst>
-            <pc:docMk/>
-            <pc:sldMk cId="2007660268" sldId="262"/>
-            <ac:spMk id="55" creationId="{B082622D-AAF3-4897-8629-FC918530DD86}"/>
-          </ac:spMkLst>
-        </pc:spChg>
-        <pc:spChg chg="add del">
-          <ac:chgData name="Andrew Jimenez" userId="254227a2-d348-401a-bf44-edde4b191201" providerId="ADAL" clId="{8EDE38EF-9705-4266-A620-A164C8EDDA07}" dt="2020-10-26T18:32:52.597" v="1906" actId="26606"/>
-          <ac:spMkLst>
-            <pc:docMk/>
-            <pc:sldMk cId="2007660268" sldId="262"/>
-            <ac:spMk id="56" creationId="{B082622D-AAF3-4897-8629-FC918530DD86}"/>
-          </ac:spMkLst>
-        </pc:spChg>
-        <pc:spChg chg="add del">
-          <ac:chgData name="Andrew Jimenez" userId="254227a2-d348-401a-bf44-edde4b191201" providerId="ADAL" clId="{8EDE38EF-9705-4266-A620-A164C8EDDA07}" dt="2020-10-26T18:32:52.597" v="1906" actId="26606"/>
-          <ac:spMkLst>
-            <pc:docMk/>
-            <pc:sldMk cId="2007660268" sldId="262"/>
-            <ac:spMk id="57" creationId="{A7457DD9-5A45-400A-AB4B-4B4EDECA25F1}"/>
-          </ac:spMkLst>
-        </pc:spChg>
-        <pc:spChg chg="add del">
-          <ac:chgData name="Andrew Jimenez" userId="254227a2-d348-401a-bf44-edde4b191201" providerId="ADAL" clId="{8EDE38EF-9705-4266-A620-A164C8EDDA07}" dt="2020-10-26T18:32:52.597" v="1906" actId="26606"/>
-          <ac:spMkLst>
-            <pc:docMk/>
-            <pc:sldMk cId="2007660268" sldId="262"/>
-            <ac:spMk id="58" creationId="{441CF7D6-A660-431A-B0BB-140A0D5556B6}"/>
-          </ac:spMkLst>
-        </pc:spChg>
-        <pc:spChg chg="add del">
-          <ac:chgData name="Andrew Jimenez" userId="254227a2-d348-401a-bf44-edde4b191201" providerId="ADAL" clId="{8EDE38EF-9705-4266-A620-A164C8EDDA07}" dt="2020-10-26T18:32:52.597" v="1906" actId="26606"/>
-          <ac:spMkLst>
-            <pc:docMk/>
-            <pc:sldMk cId="2007660268" sldId="262"/>
-            <ac:spMk id="59" creationId="{0570A85B-3810-4F95-97B0-CBF4CCDB381C}"/>
-          </ac:spMkLst>
-        </pc:spChg>
-        <pc:spChg chg="add del">
-          <ac:chgData name="Andrew Jimenez" userId="254227a2-d348-401a-bf44-edde4b191201" providerId="ADAL" clId="{8EDE38EF-9705-4266-A620-A164C8EDDA07}" dt="2020-10-26T18:39:11.711" v="1916" actId="26606"/>
-          <ac:spMkLst>
-            <pc:docMk/>
-            <pc:sldMk cId="2007660268" sldId="262"/>
-            <ac:spMk id="60" creationId="{A7457DD9-5A45-400A-AB4B-4B4EDECA25F1}"/>
-          </ac:spMkLst>
-        </pc:spChg>
-        <pc:spChg chg="add del">
-          <ac:chgData name="Andrew Jimenez" userId="254227a2-d348-401a-bf44-edde4b191201" providerId="ADAL" clId="{8EDE38EF-9705-4266-A620-A164C8EDDA07}" dt="2020-10-26T18:39:11.711" v="1916" actId="26606"/>
-          <ac:spMkLst>
-            <pc:docMk/>
-            <pc:sldMk cId="2007660268" sldId="262"/>
-            <ac:spMk id="61" creationId="{441CF7D6-A660-431A-B0BB-140A0D5556B6}"/>
-          </ac:spMkLst>
-        </pc:spChg>
-        <pc:spChg chg="add del">
-          <ac:chgData name="Andrew Jimenez" userId="254227a2-d348-401a-bf44-edde4b191201" providerId="ADAL" clId="{8EDE38EF-9705-4266-A620-A164C8EDDA07}" dt="2020-10-26T18:39:11.711" v="1916" actId="26606"/>
-          <ac:spMkLst>
-            <pc:docMk/>
-            <pc:sldMk cId="2007660268" sldId="262"/>
-            <ac:spMk id="62" creationId="{0570A85B-3810-4F95-97B0-CBF4CCDB381C}"/>
-          </ac:spMkLst>
-        </pc:spChg>
-        <pc:spChg chg="add del">
-          <ac:chgData name="Andrew Jimenez" userId="254227a2-d348-401a-bf44-edde4b191201" providerId="ADAL" clId="{8EDE38EF-9705-4266-A620-A164C8EDDA07}" dt="2020-10-26T18:40:07.008" v="1921" actId="26606"/>
-          <ac:spMkLst>
-            <pc:docMk/>
-            <pc:sldMk cId="2007660268" sldId="262"/>
-            <ac:spMk id="64" creationId="{B082622D-AAF3-4897-8629-FC918530DD86}"/>
-          </ac:spMkLst>
-        </pc:spChg>
-        <pc:spChg chg="add del">
-          <ac:chgData name="Andrew Jimenez" userId="254227a2-d348-401a-bf44-edde4b191201" providerId="ADAL" clId="{8EDE38EF-9705-4266-A620-A164C8EDDA07}" dt="2020-10-26T18:40:07.008" v="1921" actId="26606"/>
-          <ac:spMkLst>
-            <pc:docMk/>
-            <pc:sldMk cId="2007660268" sldId="262"/>
-            <ac:spMk id="65" creationId="{A7457DD9-5A45-400A-AB4B-4B4EDECA25F1}"/>
-          </ac:spMkLst>
-        </pc:spChg>
-        <pc:spChg chg="add del">
-          <ac:chgData name="Andrew Jimenez" userId="254227a2-d348-401a-bf44-edde4b191201" providerId="ADAL" clId="{8EDE38EF-9705-4266-A620-A164C8EDDA07}" dt="2020-10-26T18:40:07.008" v="1921" actId="26606"/>
-          <ac:spMkLst>
-            <pc:docMk/>
-            <pc:sldMk cId="2007660268" sldId="262"/>
-            <ac:spMk id="66" creationId="{441CF7D6-A660-431A-B0BB-140A0D5556B6}"/>
-          </ac:spMkLst>
-        </pc:spChg>
-        <pc:spChg chg="add del">
-          <ac:chgData name="Andrew Jimenez" userId="254227a2-d348-401a-bf44-edde4b191201" providerId="ADAL" clId="{8EDE38EF-9705-4266-A620-A164C8EDDA07}" dt="2020-10-26T18:40:07.008" v="1921" actId="26606"/>
-          <ac:spMkLst>
-            <pc:docMk/>
-            <pc:sldMk cId="2007660268" sldId="262"/>
-            <ac:spMk id="67" creationId="{0570A85B-3810-4F95-97B0-CBF4CCDB381C}"/>
-          </ac:spMkLst>
-        </pc:spChg>
-        <pc:spChg chg="add del">
-          <ac:chgData name="Andrew Jimenez" userId="254227a2-d348-401a-bf44-edde4b191201" providerId="ADAL" clId="{8EDE38EF-9705-4266-A620-A164C8EDDA07}" dt="2020-10-26T18:40:06.801" v="1920" actId="26606"/>
-          <ac:spMkLst>
-            <pc:docMk/>
-            <pc:sldMk cId="2007660268" sldId="262"/>
-            <ac:spMk id="72" creationId="{6C4028FD-8BAA-4A19-BFDE-594D991B7552}"/>
-          </ac:spMkLst>
-        </pc:spChg>
-        <pc:spChg chg="add">
-          <ac:chgData name="Andrew Jimenez" userId="254227a2-d348-401a-bf44-edde4b191201" providerId="ADAL" clId="{8EDE38EF-9705-4266-A620-A164C8EDDA07}" dt="2020-10-26T18:40:07.008" v="1921" actId="26606"/>
-          <ac:spMkLst>
-            <pc:docMk/>
-            <pc:sldMk cId="2007660268" sldId="262"/>
-            <ac:spMk id="74" creationId="{DCC231C8-C761-4B31-9B1C-C6D19248C6B3}"/>
-          </ac:spMkLst>
-        </pc:spChg>
-        <pc:graphicFrameChg chg="mod ord modGraphic">
-          <ac:chgData name="Andrew Jimenez" userId="254227a2-d348-401a-bf44-edde4b191201" providerId="ADAL" clId="{8EDE38EF-9705-4266-A620-A164C8EDDA07}" dt="2020-10-26T18:40:07.008" v="1921" actId="26606"/>
-          <ac:graphicFrameMkLst>
-            <pc:docMk/>
-            <pc:sldMk cId="2007660268" sldId="262"/>
-            <ac:graphicFrameMk id="22" creationId="{49A4D246-5860-42D7-BE98-8CEA1BF3C810}"/>
-          </ac:graphicFrameMkLst>
-        </pc:graphicFrameChg>
-        <pc:picChg chg="add del mod">
-          <ac:chgData name="Andrew Jimenez" userId="254227a2-d348-401a-bf44-edde4b191201" providerId="ADAL" clId="{8EDE38EF-9705-4266-A620-A164C8EDDA07}" dt="2020-10-26T18:39:54.798" v="1918" actId="21"/>
-          <ac:picMkLst>
-            <pc:docMk/>
-            <pc:sldMk cId="2007660268" sldId="262"/>
-            <ac:picMk id="3" creationId="{0351C546-955A-47B0-B1B0-55B9FA82DCC4}"/>
-          </ac:picMkLst>
-        </pc:picChg>
-        <pc:picChg chg="add del mod">
-          <ac:chgData name="Andrew Jimenez" userId="254227a2-d348-401a-bf44-edde4b191201" providerId="ADAL" clId="{8EDE38EF-9705-4266-A620-A164C8EDDA07}" dt="2020-10-26T18:42:07.477" v="1935" actId="478"/>
-          <ac:picMkLst>
-            <pc:docMk/>
-            <pc:sldMk cId="2007660268" sldId="262"/>
-            <ac:picMk id="4" creationId="{CB59CFCD-631A-4823-90D7-2CFBD369E58C}"/>
-          </ac:picMkLst>
-        </pc:picChg>
-        <pc:picChg chg="add del mod">
-          <ac:chgData name="Andrew Jimenez" userId="254227a2-d348-401a-bf44-edde4b191201" providerId="ADAL" clId="{8EDE38EF-9705-4266-A620-A164C8EDDA07}" dt="2020-10-26T18:42:06.937" v="1934" actId="478"/>
-          <ac:picMkLst>
-            <pc:docMk/>
-            <pc:sldMk cId="2007660268" sldId="262"/>
-            <ac:picMk id="5" creationId="{81F31177-A07D-44AE-A1A1-8BA83FC7A5F0}"/>
-          </ac:picMkLst>
-        </pc:picChg>
-        <pc:picChg chg="add mod">
-          <ac:chgData name="Andrew Jimenez" userId="254227a2-d348-401a-bf44-edde4b191201" providerId="ADAL" clId="{8EDE38EF-9705-4266-A620-A164C8EDDA07}" dt="2020-10-26T18:42:36.595" v="1938" actId="14100"/>
-          <ac:picMkLst>
-            <pc:docMk/>
-            <pc:sldMk cId="2007660268" sldId="262"/>
-            <ac:picMk id="6" creationId="{FD215B36-4378-44FF-AD29-5D69DDE74F90}"/>
-          </ac:picMkLst>
-        </pc:picChg>
-      </pc:sldChg>
-      <pc:sldChg chg="addSp modSp new mod ord setBg modNotesTx">
-        <pc:chgData name="Andrew Jimenez" userId="254227a2-d348-401a-bf44-edde4b191201" providerId="ADAL" clId="{8EDE38EF-9705-4266-A620-A164C8EDDA07}" dt="2020-10-26T19:13:34.385" v="2365"/>
-        <pc:sldMkLst>
-          <pc:docMk/>
-          <pc:sldMk cId="1229613711" sldId="263"/>
-        </pc:sldMkLst>
-        <pc:spChg chg="mod">
-          <ac:chgData name="Andrew Jimenez" userId="254227a2-d348-401a-bf44-edde4b191201" providerId="ADAL" clId="{8EDE38EF-9705-4266-A620-A164C8EDDA07}" dt="2020-10-26T15:23:02.224" v="1606" actId="26606"/>
-          <ac:spMkLst>
-            <pc:docMk/>
-            <pc:sldMk cId="1229613711" sldId="263"/>
-            <ac:spMk id="2" creationId="{514D6995-45AF-488B-952B-DAC06ABD0CC2}"/>
-          </ac:spMkLst>
-        </pc:spChg>
-        <pc:spChg chg="mod">
-          <ac:chgData name="Andrew Jimenez" userId="254227a2-d348-401a-bf44-edde4b191201" providerId="ADAL" clId="{8EDE38EF-9705-4266-A620-A164C8EDDA07}" dt="2020-10-26T15:23:10.921" v="1612" actId="20577"/>
-          <ac:spMkLst>
-            <pc:docMk/>
-            <pc:sldMk cId="1229613711" sldId="263"/>
-            <ac:spMk id="3" creationId="{61A7D2A1-2395-4CC3-8285-2BB0CF1ABEC5}"/>
-          </ac:spMkLst>
-        </pc:spChg>
-        <pc:spChg chg="add">
-          <ac:chgData name="Andrew Jimenez" userId="254227a2-d348-401a-bf44-edde4b191201" providerId="ADAL" clId="{8EDE38EF-9705-4266-A620-A164C8EDDA07}" dt="2020-10-26T15:23:02.224" v="1606" actId="26606"/>
-          <ac:spMkLst>
-            <pc:docMk/>
-            <pc:sldMk cId="1229613711" sldId="263"/>
-            <ac:spMk id="8" creationId="{7CB4857B-ED7C-444D-9F04-2F885114A1C2}"/>
-          </ac:spMkLst>
-        </pc:spChg>
-        <pc:spChg chg="add">
-          <ac:chgData name="Andrew Jimenez" userId="254227a2-d348-401a-bf44-edde4b191201" providerId="ADAL" clId="{8EDE38EF-9705-4266-A620-A164C8EDDA07}" dt="2020-10-26T15:23:02.224" v="1606" actId="26606"/>
-          <ac:spMkLst>
-            <pc:docMk/>
-            <pc:sldMk cId="1229613711" sldId="263"/>
-            <ac:spMk id="10" creationId="{D18046FB-44EA-4FD8-A585-EA09A319B2D0}"/>
-          </ac:spMkLst>
-        </pc:spChg>
-        <pc:spChg chg="add">
-          <ac:chgData name="Andrew Jimenez" userId="254227a2-d348-401a-bf44-edde4b191201" providerId="ADAL" clId="{8EDE38EF-9705-4266-A620-A164C8EDDA07}" dt="2020-10-26T15:23:02.224" v="1606" actId="26606"/>
-          <ac:spMkLst>
-            <pc:docMk/>
-            <pc:sldMk cId="1229613711" sldId="263"/>
-            <ac:spMk id="12" creationId="{479F5F2B-8B58-4140-AE6A-51F6C67B18D9}"/>
-          </ac:spMkLst>
-        </pc:spChg>
-      </pc:sldChg>
-      <pc:sldChg chg="ord modNotesTx">
-        <pc:chgData name="Andrew Jimenez" userId="254227a2-d348-401a-bf44-edde4b191201" providerId="ADAL" clId="{8EDE38EF-9705-4266-A620-A164C8EDDA07}" dt="2020-10-26T18:18:44.747" v="1860"/>
-        <pc:sldMkLst>
-          <pc:docMk/>
-          <pc:sldMk cId="3020397480" sldId="264"/>
-        </pc:sldMkLst>
-      </pc:sldChg>
-      <pc:sldChg chg="del mod modShow">
-        <pc:chgData name="Andrew Jimenez" userId="254227a2-d348-401a-bf44-edde4b191201" providerId="ADAL" clId="{8EDE38EF-9705-4266-A620-A164C8EDDA07}" dt="2020-10-26T18:28:11.176" v="1874" actId="47"/>
-        <pc:sldMkLst>
-          <pc:docMk/>
-          <pc:sldMk cId="1008099515" sldId="265"/>
-        </pc:sldMkLst>
-      </pc:sldChg>
-      <pc:sldChg chg="modSp del mod">
-        <pc:chgData name="Andrew Jimenez" userId="254227a2-d348-401a-bf44-edde4b191201" providerId="ADAL" clId="{8EDE38EF-9705-4266-A620-A164C8EDDA07}" dt="2020-10-26T18:48:44.480" v="1995" actId="47"/>
-        <pc:sldMkLst>
-          <pc:docMk/>
-          <pc:sldMk cId="1474623094" sldId="267"/>
-        </pc:sldMkLst>
-        <pc:spChg chg="mod">
-          <ac:chgData name="Andrew Jimenez" userId="254227a2-d348-401a-bf44-edde4b191201" providerId="ADAL" clId="{8EDE38EF-9705-4266-A620-A164C8EDDA07}" dt="2020-10-26T18:08:09.197" v="1738" actId="20577"/>
-          <ac:spMkLst>
-            <pc:docMk/>
-            <pc:sldMk cId="1474623094" sldId="267"/>
-            <ac:spMk id="3" creationId="{76FDCC16-6972-42C7-BFF8-44B5F3F14182}"/>
-          </ac:spMkLst>
-        </pc:spChg>
-      </pc:sldChg>
-      <pc:sldChg chg="addSp delSp modSp new mod setBg modNotesTx">
-        <pc:chgData name="Andrew Jimenez" userId="254227a2-d348-401a-bf44-edde4b191201" providerId="ADAL" clId="{8EDE38EF-9705-4266-A620-A164C8EDDA07}" dt="2020-10-26T19:08:28.141" v="2164" actId="20577"/>
-        <pc:sldMkLst>
-          <pc:docMk/>
-          <pc:sldMk cId="40810272" sldId="268"/>
-        </pc:sldMkLst>
-        <pc:spChg chg="mod">
-          <ac:chgData name="Andrew Jimenez" userId="254227a2-d348-401a-bf44-edde4b191201" providerId="ADAL" clId="{8EDE38EF-9705-4266-A620-A164C8EDDA07}" dt="2020-10-26T18:20:03.082" v="1864" actId="26606"/>
-          <ac:spMkLst>
-            <pc:docMk/>
-            <pc:sldMk cId="40810272" sldId="268"/>
-            <ac:spMk id="2" creationId="{BE28BD18-6BC5-4324-92EA-19BA86DB4A74}"/>
-          </ac:spMkLst>
-        </pc:spChg>
-        <pc:spChg chg="mod">
-          <ac:chgData name="Andrew Jimenez" userId="254227a2-d348-401a-bf44-edde4b191201" providerId="ADAL" clId="{8EDE38EF-9705-4266-A620-A164C8EDDA07}" dt="2020-10-26T18:20:03.082" v="1864" actId="26606"/>
-          <ac:spMkLst>
-            <pc:docMk/>
-            <pc:sldMk cId="40810272" sldId="268"/>
-            <ac:spMk id="3" creationId="{1243C3A2-DB8F-4F1F-A0E0-F2F1BEF0EC9D}"/>
-          </ac:spMkLst>
-        </pc:spChg>
-        <pc:spChg chg="add del">
-          <ac:chgData name="Andrew Jimenez" userId="254227a2-d348-401a-bf44-edde4b191201" providerId="ADAL" clId="{8EDE38EF-9705-4266-A620-A164C8EDDA07}" dt="2020-10-26T18:20:03.082" v="1864" actId="26606"/>
-          <ac:spMkLst>
-            <pc:docMk/>
-            <pc:sldMk cId="40810272" sldId="268"/>
-            <ac:spMk id="8" creationId="{F0BC1D9E-4401-4EC0-88FD-ED103CB570EA}"/>
-          </ac:spMkLst>
-        </pc:spChg>
-        <pc:spChg chg="add del">
-          <ac:chgData name="Andrew Jimenez" userId="254227a2-d348-401a-bf44-edde4b191201" providerId="ADAL" clId="{8EDE38EF-9705-4266-A620-A164C8EDDA07}" dt="2020-10-26T18:20:03.082" v="1864" actId="26606"/>
-          <ac:spMkLst>
-            <pc:docMk/>
-            <pc:sldMk cId="40810272" sldId="268"/>
-            <ac:spMk id="10" creationId="{6200B311-3585-4069-AAC6-CD443FA5B8AD}"/>
-          </ac:spMkLst>
-        </pc:spChg>
-        <pc:spChg chg="add del">
-          <ac:chgData name="Andrew Jimenez" userId="254227a2-d348-401a-bf44-edde4b191201" providerId="ADAL" clId="{8EDE38EF-9705-4266-A620-A164C8EDDA07}" dt="2020-10-26T18:20:03.082" v="1864" actId="26606"/>
-          <ac:spMkLst>
-            <pc:docMk/>
-            <pc:sldMk cId="40810272" sldId="268"/>
-            <ac:spMk id="12" creationId="{B0AAF7C9-094E-400C-A428-F6C2262F6527}"/>
-          </ac:spMkLst>
-        </pc:spChg>
-        <pc:spChg chg="add">
-          <ac:chgData name="Andrew Jimenez" userId="254227a2-d348-401a-bf44-edde4b191201" providerId="ADAL" clId="{8EDE38EF-9705-4266-A620-A164C8EDDA07}" dt="2020-10-26T18:20:03.082" v="1864" actId="26606"/>
-          <ac:spMkLst>
-            <pc:docMk/>
-            <pc:sldMk cId="40810272" sldId="268"/>
-            <ac:spMk id="17" creationId="{7CB4857B-ED7C-444D-9F04-2F885114A1C2}"/>
-          </ac:spMkLst>
-        </pc:spChg>
-        <pc:spChg chg="add">
-          <ac:chgData name="Andrew Jimenez" userId="254227a2-d348-401a-bf44-edde4b191201" providerId="ADAL" clId="{8EDE38EF-9705-4266-A620-A164C8EDDA07}" dt="2020-10-26T18:20:03.082" v="1864" actId="26606"/>
-          <ac:spMkLst>
-            <pc:docMk/>
-            <pc:sldMk cId="40810272" sldId="268"/>
-            <ac:spMk id="19" creationId="{D18046FB-44EA-4FD8-A585-EA09A319B2D0}"/>
-          </ac:spMkLst>
-        </pc:spChg>
-        <pc:spChg chg="add">
-          <ac:chgData name="Andrew Jimenez" userId="254227a2-d348-401a-bf44-edde4b191201" providerId="ADAL" clId="{8EDE38EF-9705-4266-A620-A164C8EDDA07}" dt="2020-10-26T18:20:03.082" v="1864" actId="26606"/>
-          <ac:spMkLst>
-            <pc:docMk/>
-            <pc:sldMk cId="40810272" sldId="268"/>
-            <ac:spMk id="21" creationId="{479F5F2B-8B58-4140-AE6A-51F6C67B18D9}"/>
-          </ac:spMkLst>
-        </pc:spChg>
-      </pc:sldChg>
-      <pc:sldChg chg="addSp modSp new mod setBg modNotesTx">
-        <pc:chgData name="Andrew Jimenez" userId="254227a2-d348-401a-bf44-edde4b191201" providerId="ADAL" clId="{8EDE38EF-9705-4266-A620-A164C8EDDA07}" dt="2020-10-26T19:09:16.839" v="2172" actId="20577"/>
-        <pc:sldMkLst>
-          <pc:docMk/>
-          <pc:sldMk cId="4199108037" sldId="269"/>
-        </pc:sldMkLst>
-        <pc:spChg chg="mod">
-          <ac:chgData name="Andrew Jimenez" userId="254227a2-d348-401a-bf44-edde4b191201" providerId="ADAL" clId="{8EDE38EF-9705-4266-A620-A164C8EDDA07}" dt="2020-10-26T18:19:03.626" v="1862" actId="26606"/>
-          <ac:spMkLst>
-            <pc:docMk/>
-            <pc:sldMk cId="4199108037" sldId="269"/>
-            <ac:spMk id="2" creationId="{3F9AE00F-DD58-4AED-B836-C7BDDD3F2882}"/>
-          </ac:spMkLst>
-        </pc:spChg>
-        <pc:spChg chg="mod">
-          <ac:chgData name="Andrew Jimenez" userId="254227a2-d348-401a-bf44-edde4b191201" providerId="ADAL" clId="{8EDE38EF-9705-4266-A620-A164C8EDDA07}" dt="2020-10-26T18:19:03.626" v="1862" actId="26606"/>
-          <ac:spMkLst>
-            <pc:docMk/>
-            <pc:sldMk cId="4199108037" sldId="269"/>
-            <ac:spMk id="3" creationId="{81A5565F-C1FB-4668-A9C9-1035D5D4E443}"/>
-          </ac:spMkLst>
-        </pc:spChg>
-        <pc:spChg chg="add">
-          <ac:chgData name="Andrew Jimenez" userId="254227a2-d348-401a-bf44-edde4b191201" providerId="ADAL" clId="{8EDE38EF-9705-4266-A620-A164C8EDDA07}" dt="2020-10-26T18:19:03.626" v="1862" actId="26606"/>
-          <ac:spMkLst>
-            <pc:docMk/>
-            <pc:sldMk cId="4199108037" sldId="269"/>
-            <ac:spMk id="8" creationId="{7CB4857B-ED7C-444D-9F04-2F885114A1C2}"/>
-          </ac:spMkLst>
-        </pc:spChg>
-        <pc:spChg chg="add">
-          <ac:chgData name="Andrew Jimenez" userId="254227a2-d348-401a-bf44-edde4b191201" providerId="ADAL" clId="{8EDE38EF-9705-4266-A620-A164C8EDDA07}" dt="2020-10-26T18:19:03.626" v="1862" actId="26606"/>
-          <ac:spMkLst>
-            <pc:docMk/>
-            <pc:sldMk cId="4199108037" sldId="269"/>
-            <ac:spMk id="10" creationId="{D18046FB-44EA-4FD8-A585-EA09A319B2D0}"/>
-          </ac:spMkLst>
-        </pc:spChg>
-        <pc:spChg chg="add">
-          <ac:chgData name="Andrew Jimenez" userId="254227a2-d348-401a-bf44-edde4b191201" providerId="ADAL" clId="{8EDE38EF-9705-4266-A620-A164C8EDDA07}" dt="2020-10-26T18:19:03.626" v="1862" actId="26606"/>
-          <ac:spMkLst>
-            <pc:docMk/>
-            <pc:sldMk cId="4199108037" sldId="269"/>
-            <ac:spMk id="12" creationId="{479F5F2B-8B58-4140-AE6A-51F6C67B18D9}"/>
-          </ac:spMkLst>
-        </pc:spChg>
-      </pc:sldChg>
-      <pc:sldChg chg="addSp delSp modSp new mod modNotesTx">
-        <pc:chgData name="Andrew Jimenez" userId="254227a2-d348-401a-bf44-edde4b191201" providerId="ADAL" clId="{8EDE38EF-9705-4266-A620-A164C8EDDA07}" dt="2020-10-26T19:08:20.459" v="2150" actId="20577"/>
-        <pc:sldMkLst>
-          <pc:docMk/>
-          <pc:sldMk cId="3641069825" sldId="270"/>
-        </pc:sldMkLst>
-        <pc:spChg chg="mod">
-          <ac:chgData name="Andrew Jimenez" userId="254227a2-d348-401a-bf44-edde4b191201" providerId="ADAL" clId="{8EDE38EF-9705-4266-A620-A164C8EDDA07}" dt="2020-10-26T18:20:20.113" v="1866" actId="26606"/>
-          <ac:spMkLst>
-            <pc:docMk/>
-            <pc:sldMk cId="3641069825" sldId="270"/>
-            <ac:spMk id="2" creationId="{1A089198-A589-43B7-907D-1CEDC6408F29}"/>
-          </ac:spMkLst>
-        </pc:spChg>
-        <pc:spChg chg="add del">
-          <ac:chgData name="Andrew Jimenez" userId="254227a2-d348-401a-bf44-edde4b191201" providerId="ADAL" clId="{8EDE38EF-9705-4266-A620-A164C8EDDA07}" dt="2020-10-26T18:20:20.113" v="1866" actId="26606"/>
-          <ac:spMkLst>
-            <pc:docMk/>
-            <pc:sldMk cId="3641069825" sldId="270"/>
-            <ac:spMk id="62" creationId="{CDA1A2E9-63FE-408D-A803-8E306ECAB4B3}"/>
-          </ac:spMkLst>
-        </pc:spChg>
-        <pc:spChg chg="add del">
-          <ac:chgData name="Andrew Jimenez" userId="254227a2-d348-401a-bf44-edde4b191201" providerId="ADAL" clId="{8EDE38EF-9705-4266-A620-A164C8EDDA07}" dt="2020-10-26T18:20:20.113" v="1866" actId="26606"/>
-          <ac:spMkLst>
-            <pc:docMk/>
-            <pc:sldMk cId="3641069825" sldId="270"/>
-            <ac:spMk id="63" creationId="{FBE9F90C-C163-435B-9A68-D15C92D1CF2B}"/>
-          </ac:spMkLst>
-        </pc:spChg>
-        <pc:spChg chg="add del">
-          <ac:chgData name="Andrew Jimenez" userId="254227a2-d348-401a-bf44-edde4b191201" providerId="ADAL" clId="{8EDE38EF-9705-4266-A620-A164C8EDDA07}" dt="2020-10-26T18:20:20.113" v="1866" actId="26606"/>
-          <ac:spMkLst>
-            <pc:docMk/>
-            <pc:sldMk cId="3641069825" sldId="270"/>
-            <ac:spMk id="64" creationId="{1A882A9F-F4E9-4E23-8F0B-20B5DF42EAA9}"/>
-          </ac:spMkLst>
-        </pc:spChg>
-        <pc:spChg chg="add del">
-          <ac:chgData name="Andrew Jimenez" userId="254227a2-d348-401a-bf44-edde4b191201" providerId="ADAL" clId="{8EDE38EF-9705-4266-A620-A164C8EDDA07}" dt="2020-10-26T18:20:20.113" v="1866" actId="26606"/>
-          <ac:spMkLst>
-            <pc:docMk/>
-            <pc:sldMk cId="3641069825" sldId="270"/>
-            <ac:spMk id="69" creationId="{026A84AF-6F58-471A-BF1F-10D8C03511C4}"/>
-          </ac:spMkLst>
-        </pc:spChg>
-        <pc:picChg chg="mod">
-          <ac:chgData name="Andrew Jimenez" userId="254227a2-d348-401a-bf44-edde4b191201" providerId="ADAL" clId="{8EDE38EF-9705-4266-A620-A164C8EDDA07}" dt="2020-10-26T18:20:20.113" v="1866" actId="26606"/>
-          <ac:picMkLst>
-            <pc:docMk/>
-            <pc:sldMk cId="3641069825" sldId="270"/>
-            <ac:picMk id="4" creationId="{222884FF-E176-47BE-BB95-B698196C8AD3}"/>
-          </ac:picMkLst>
-        </pc:picChg>
-      </pc:sldChg>
-      <pc:sldChg chg="addSp modSp new mod setBg modNotesTx">
-        <pc:chgData name="Andrew Jimenez" userId="254227a2-d348-401a-bf44-edde4b191201" providerId="ADAL" clId="{8EDE38EF-9705-4266-A620-A164C8EDDA07}" dt="2020-10-26T19:09:19.578" v="2178" actId="20577"/>
-        <pc:sldMkLst>
-          <pc:docMk/>
-          <pc:sldMk cId="3334850468" sldId="271"/>
-        </pc:sldMkLst>
-        <pc:spChg chg="mod">
-          <ac:chgData name="Andrew Jimenez" userId="254227a2-d348-401a-bf44-edde4b191201" providerId="ADAL" clId="{8EDE38EF-9705-4266-A620-A164C8EDDA07}" dt="2020-10-26T18:19:48.696" v="1863" actId="26606"/>
-          <ac:spMkLst>
-            <pc:docMk/>
-            <pc:sldMk cId="3334850468" sldId="271"/>
-            <ac:spMk id="2" creationId="{D5FE21D2-5A70-4B78-8C1F-0404407A9159}"/>
-          </ac:spMkLst>
-        </pc:spChg>
-        <pc:spChg chg="mod">
-          <ac:chgData name="Andrew Jimenez" userId="254227a2-d348-401a-bf44-edde4b191201" providerId="ADAL" clId="{8EDE38EF-9705-4266-A620-A164C8EDDA07}" dt="2020-10-26T18:19:48.696" v="1863" actId="26606"/>
-          <ac:spMkLst>
-            <pc:docMk/>
-            <pc:sldMk cId="3334850468" sldId="271"/>
-            <ac:spMk id="3" creationId="{4BB131FF-087E-4ABD-BBD4-05B6E7E36F84}"/>
-          </ac:spMkLst>
-        </pc:spChg>
-        <pc:spChg chg="add">
-          <ac:chgData name="Andrew Jimenez" userId="254227a2-d348-401a-bf44-edde4b191201" providerId="ADAL" clId="{8EDE38EF-9705-4266-A620-A164C8EDDA07}" dt="2020-10-26T18:19:48.696" v="1863" actId="26606"/>
-          <ac:spMkLst>
-            <pc:docMk/>
-            <pc:sldMk cId="3334850468" sldId="271"/>
-            <ac:spMk id="8" creationId="{7CB4857B-ED7C-444D-9F04-2F885114A1C2}"/>
-          </ac:spMkLst>
-        </pc:spChg>
-        <pc:spChg chg="add">
-          <ac:chgData name="Andrew Jimenez" userId="254227a2-d348-401a-bf44-edde4b191201" providerId="ADAL" clId="{8EDE38EF-9705-4266-A620-A164C8EDDA07}" dt="2020-10-26T18:19:48.696" v="1863" actId="26606"/>
-          <ac:spMkLst>
-            <pc:docMk/>
-            <pc:sldMk cId="3334850468" sldId="271"/>
-            <ac:spMk id="10" creationId="{D18046FB-44EA-4FD8-A585-EA09A319B2D0}"/>
-          </ac:spMkLst>
-        </pc:spChg>
-        <pc:spChg chg="add">
-          <ac:chgData name="Andrew Jimenez" userId="254227a2-d348-401a-bf44-edde4b191201" providerId="ADAL" clId="{8EDE38EF-9705-4266-A620-A164C8EDDA07}" dt="2020-10-26T18:19:48.696" v="1863" actId="26606"/>
-          <ac:spMkLst>
-            <pc:docMk/>
-            <pc:sldMk cId="3334850468" sldId="271"/>
-            <ac:spMk id="12" creationId="{479F5F2B-8B58-4140-AE6A-51F6C67B18D9}"/>
-          </ac:spMkLst>
-        </pc:spChg>
-      </pc:sldChg>
-      <pc:sldChg chg="new">
-        <pc:chgData name="Andrew Jimenez" userId="254227a2-d348-401a-bf44-edde4b191201" providerId="ADAL" clId="{8EDE38EF-9705-4266-A620-A164C8EDDA07}" dt="2020-10-26T18:27:01.590" v="1867" actId="680"/>
-        <pc:sldMkLst>
-          <pc:docMk/>
-          <pc:sldMk cId="2514480417" sldId="272"/>
-        </pc:sldMkLst>
-      </pc:sldChg>
-      <pc:sldChg chg="addSp delSp modSp new mod setBg modClrScheme chgLayout">
-        <pc:chgData name="Andrew Jimenez" userId="254227a2-d348-401a-bf44-edde4b191201" providerId="ADAL" clId="{8EDE38EF-9705-4266-A620-A164C8EDDA07}" dt="2020-10-26T18:44:49.394" v="1994" actId="26606"/>
-        <pc:sldMkLst>
-          <pc:docMk/>
-          <pc:sldMk cId="3357605275" sldId="272"/>
-        </pc:sldMkLst>
-        <pc:spChg chg="del mod ord">
-          <ac:chgData name="Andrew Jimenez" userId="254227a2-d348-401a-bf44-edde4b191201" providerId="ADAL" clId="{8EDE38EF-9705-4266-A620-A164C8EDDA07}" dt="2020-10-26T18:43:16.653" v="1942" actId="700"/>
-          <ac:spMkLst>
-            <pc:docMk/>
-            <pc:sldMk cId="3357605275" sldId="272"/>
-            <ac:spMk id="2" creationId="{92EE51FD-84BE-45A4-AFEE-29B32F089F95}"/>
-          </ac:spMkLst>
-        </pc:spChg>
-        <pc:spChg chg="del mod ord">
-          <ac:chgData name="Andrew Jimenez" userId="254227a2-d348-401a-bf44-edde4b191201" providerId="ADAL" clId="{8EDE38EF-9705-4266-A620-A164C8EDDA07}" dt="2020-10-26T18:43:16.653" v="1942" actId="700"/>
-          <ac:spMkLst>
-            <pc:docMk/>
-            <pc:sldMk cId="3357605275" sldId="272"/>
-            <ac:spMk id="3" creationId="{CB5343FD-4BF3-46B9-8293-2F04EFFE2E29}"/>
-          </ac:spMkLst>
-        </pc:spChg>
-        <pc:spChg chg="add mod ord">
-          <ac:chgData name="Andrew Jimenez" userId="254227a2-d348-401a-bf44-edde4b191201" providerId="ADAL" clId="{8EDE38EF-9705-4266-A620-A164C8EDDA07}" dt="2020-10-26T18:44:49.394" v="1994" actId="26606"/>
-          <ac:spMkLst>
-            <pc:docMk/>
-            <pc:sldMk cId="3357605275" sldId="272"/>
-            <ac:spMk id="4" creationId="{C3A1487D-BD5F-4970-9F7B-091EFE28C79A}"/>
-          </ac:spMkLst>
-        </pc:spChg>
-        <pc:spChg chg="add del mod ord">
-          <ac:chgData name="Andrew Jimenez" userId="254227a2-d348-401a-bf44-edde4b191201" providerId="ADAL" clId="{8EDE38EF-9705-4266-A620-A164C8EDDA07}" dt="2020-10-26T18:43:29.152" v="1955" actId="478"/>
-          <ac:spMkLst>
-            <pc:docMk/>
-            <pc:sldMk cId="3357605275" sldId="272"/>
-            <ac:spMk id="5" creationId="{E7357801-5630-40D9-B9F8-4CBAD151BD59}"/>
-          </ac:spMkLst>
-        </pc:spChg>
-        <pc:spChg chg="add del">
-          <ac:chgData name="Andrew Jimenez" userId="254227a2-d348-401a-bf44-edde4b191201" providerId="ADAL" clId="{8EDE38EF-9705-4266-A620-A164C8EDDA07}" dt="2020-10-26T18:43:50.273" v="1961" actId="26606"/>
-          <ac:spMkLst>
-            <pc:docMk/>
-            <pc:sldMk cId="3357605275" sldId="272"/>
-            <ac:spMk id="9" creationId="{FFD48BC7-DC40-47DE-87EE-9F4B6ECB9ABB}"/>
-          </ac:spMkLst>
-        </pc:spChg>
-        <pc:spChg chg="add del">
-          <ac:chgData name="Andrew Jimenez" userId="254227a2-d348-401a-bf44-edde4b191201" providerId="ADAL" clId="{8EDE38EF-9705-4266-A620-A164C8EDDA07}" dt="2020-10-26T18:43:50.273" v="1961" actId="26606"/>
-          <ac:spMkLst>
-            <pc:docMk/>
-            <pc:sldMk cId="3357605275" sldId="272"/>
-            <ac:spMk id="11" creationId="{E502BBC7-2C76-46F3-BC24-5985BC13DB88}"/>
-          </ac:spMkLst>
-        </pc:spChg>
-        <pc:spChg chg="add del">
-          <ac:chgData name="Andrew Jimenez" userId="254227a2-d348-401a-bf44-edde4b191201" providerId="ADAL" clId="{8EDE38EF-9705-4266-A620-A164C8EDDA07}" dt="2020-10-26T18:43:40.125" v="1957" actId="26606"/>
-          <ac:spMkLst>
-            <pc:docMk/>
-            <pc:sldMk cId="3357605275" sldId="272"/>
-            <ac:spMk id="13" creationId="{74751229-0244-4FBB-BED1-407467F4C951}"/>
-          </ac:spMkLst>
-        </pc:spChg>
-        <pc:spChg chg="add del">
-          <ac:chgData name="Andrew Jimenez" userId="254227a2-d348-401a-bf44-edde4b191201" providerId="ADAL" clId="{8EDE38EF-9705-4266-A620-A164C8EDDA07}" dt="2020-10-26T18:43:47.443" v="1959" actId="26606"/>
-          <ac:spMkLst>
-            <pc:docMk/>
-            <pc:sldMk cId="3357605275" sldId="272"/>
-            <ac:spMk id="15" creationId="{74751229-0244-4FBB-BED1-407467F4C951}"/>
-          </ac:spMkLst>
-        </pc:spChg>
-        <pc:spChg chg="add del">
-          <ac:chgData name="Andrew Jimenez" userId="254227a2-d348-401a-bf44-edde4b191201" providerId="ADAL" clId="{8EDE38EF-9705-4266-A620-A164C8EDDA07}" dt="2020-10-26T18:43:50.273" v="1961" actId="26606"/>
-          <ac:spMkLst>
-            <pc:docMk/>
-            <pc:sldMk cId="3357605275" sldId="272"/>
-            <ac:spMk id="19" creationId="{C7F28D52-2A5F-4D23-81AE-7CB8B591C7AF}"/>
-          </ac:spMkLst>
-        </pc:spChg>
-        <pc:spChg chg="add del">
-          <ac:chgData name="Andrew Jimenez" userId="254227a2-d348-401a-bf44-edde4b191201" providerId="ADAL" clId="{8EDE38EF-9705-4266-A620-A164C8EDDA07}" dt="2020-10-26T18:43:50.273" v="1961" actId="26606"/>
-          <ac:spMkLst>
-            <pc:docMk/>
-            <pc:sldMk cId="3357605275" sldId="272"/>
-            <ac:spMk id="20" creationId="{3629484E-3792-4B3D-89AD-7C8A1ED0E0D4}"/>
-          </ac:spMkLst>
-        </pc:spChg>
-        <pc:spChg chg="add del">
-          <ac:chgData name="Andrew Jimenez" userId="254227a2-d348-401a-bf44-edde4b191201" providerId="ADAL" clId="{8EDE38EF-9705-4266-A620-A164C8EDDA07}" dt="2020-10-26T18:44:02.177" v="1965" actId="26606"/>
-          <ac:spMkLst>
-            <pc:docMk/>
-            <pc:sldMk cId="3357605275" sldId="272"/>
-            <ac:spMk id="21" creationId="{1849CA57-76BD-4CF2-80BA-D7A46A01B7B1}"/>
-          </ac:spMkLst>
-        </pc:spChg>
-        <pc:spChg chg="add del">
-          <ac:chgData name="Andrew Jimenez" userId="254227a2-d348-401a-bf44-edde4b191201" providerId="ADAL" clId="{8EDE38EF-9705-4266-A620-A164C8EDDA07}" dt="2020-10-26T18:43:55.220" v="1963" actId="26606"/>
-          <ac:spMkLst>
-            <pc:docMk/>
-            <pc:sldMk cId="3357605275" sldId="272"/>
-            <ac:spMk id="22" creationId="{C66F2F30-5DC0-44A0-BFA6-E12F46ED16DA}"/>
-          </ac:spMkLst>
-        </pc:spChg>
-        <pc:spChg chg="add del">
-          <ac:chgData name="Andrew Jimenez" userId="254227a2-d348-401a-bf44-edde4b191201" providerId="ADAL" clId="{8EDE38EF-9705-4266-A620-A164C8EDDA07}" dt="2020-10-26T18:43:55.220" v="1963" actId="26606"/>
-          <ac:spMkLst>
-            <pc:docMk/>
-            <pc:sldMk cId="3357605275" sldId="272"/>
-            <ac:spMk id="23" creationId="{85872F57-7F42-4F97-8391-DDC8D0054C03}"/>
-          </ac:spMkLst>
-        </pc:spChg>
-        <pc:spChg chg="add del">
-          <ac:chgData name="Andrew Jimenez" userId="254227a2-d348-401a-bf44-edde4b191201" providerId="ADAL" clId="{8EDE38EF-9705-4266-A620-A164C8EDDA07}" dt="2020-10-26T18:43:55.220" v="1963" actId="26606"/>
-          <ac:spMkLst>
-            <pc:docMk/>
-            <pc:sldMk cId="3357605275" sldId="272"/>
-            <ac:spMk id="24" creationId="{04DC2037-48A0-4F22-B9D4-8EAEBC780AB4}"/>
-          </ac:spMkLst>
-        </pc:spChg>
-        <pc:spChg chg="add del">
-          <ac:chgData name="Andrew Jimenez" userId="254227a2-d348-401a-bf44-edde4b191201" providerId="ADAL" clId="{8EDE38EF-9705-4266-A620-A164C8EDDA07}" dt="2020-10-26T18:43:55.220" v="1963" actId="26606"/>
-          <ac:spMkLst>
-            <pc:docMk/>
-            <pc:sldMk cId="3357605275" sldId="272"/>
-            <ac:spMk id="25" creationId="{0006CBFD-ADA0-43D1-9332-9C34CA1C76ED}"/>
-          </ac:spMkLst>
-        </pc:spChg>
-        <pc:spChg chg="add del">
-          <ac:chgData name="Andrew Jimenez" userId="254227a2-d348-401a-bf44-edde4b191201" providerId="ADAL" clId="{8EDE38EF-9705-4266-A620-A164C8EDDA07}" dt="2020-10-26T18:43:55.220" v="1963" actId="26606"/>
-          <ac:spMkLst>
-            <pc:docMk/>
-            <pc:sldMk cId="3357605275" sldId="272"/>
-            <ac:spMk id="26" creationId="{2B931666-F28F-45F3-A074-66D2272D580B}"/>
-          </ac:spMkLst>
-        </pc:spChg>
-        <pc:spChg chg="add del">
-          <ac:chgData name="Andrew Jimenez" userId="254227a2-d348-401a-bf44-edde4b191201" providerId="ADAL" clId="{8EDE38EF-9705-4266-A620-A164C8EDDA07}" dt="2020-10-26T18:44:02.177" v="1965" actId="26606"/>
-          <ac:spMkLst>
-            <pc:docMk/>
-            <pc:sldMk cId="3357605275" sldId="272"/>
-            <ac:spMk id="27" creationId="{E07981EA-05A6-437C-88D7-B377B92B031D}"/>
-          </ac:spMkLst>
-        </pc:spChg>
-        <pc:spChg chg="add del">
-          <ac:chgData name="Andrew Jimenez" userId="254227a2-d348-401a-bf44-edde4b191201" providerId="ADAL" clId="{8EDE38EF-9705-4266-A620-A164C8EDDA07}" dt="2020-10-26T18:44:02.177" v="1965" actId="26606"/>
-          <ac:spMkLst>
-            <pc:docMk/>
-            <pc:sldMk cId="3357605275" sldId="272"/>
-            <ac:spMk id="28" creationId="{88294908-8B00-4F58-BBBA-20F71A40AA9E}"/>
-          </ac:spMkLst>
-        </pc:spChg>
-        <pc:spChg chg="add del">
-          <ac:chgData name="Andrew Jimenez" userId="254227a2-d348-401a-bf44-edde4b191201" providerId="ADAL" clId="{8EDE38EF-9705-4266-A620-A164C8EDDA07}" dt="2020-10-26T18:44:02.177" v="1965" actId="26606"/>
-          <ac:spMkLst>
-            <pc:docMk/>
-            <pc:sldMk cId="3357605275" sldId="272"/>
-            <ac:spMk id="29" creationId="{15E3C750-986E-4769-B1AE-49289FBEE757}"/>
-          </ac:spMkLst>
-        </pc:spChg>
-        <pc:spChg chg="add del">
-          <ac:chgData name="Andrew Jimenez" userId="254227a2-d348-401a-bf44-edde4b191201" providerId="ADAL" clId="{8EDE38EF-9705-4266-A620-A164C8EDDA07}" dt="2020-10-26T18:44:02.177" v="1965" actId="26606"/>
-          <ac:spMkLst>
-            <pc:docMk/>
-            <pc:sldMk cId="3357605275" sldId="272"/>
-            <ac:spMk id="30" creationId="{4364C879-1404-4203-8E9D-CC5DE0A621A2}"/>
-          </ac:spMkLst>
-        </pc:spChg>
-        <pc:spChg chg="add del">
-          <ac:chgData name="Andrew Jimenez" userId="254227a2-d348-401a-bf44-edde4b191201" providerId="ADAL" clId="{8EDE38EF-9705-4266-A620-A164C8EDDA07}" dt="2020-10-26T18:44:02.177" v="1965" actId="26606"/>
-          <ac:spMkLst>
-            <pc:docMk/>
-            <pc:sldMk cId="3357605275" sldId="272"/>
-            <ac:spMk id="31" creationId="{84617302-4B0D-4351-A6BB-6F0930D943AC}"/>
-          </ac:spMkLst>
-        </pc:spChg>
-        <pc:spChg chg="add del">
-          <ac:chgData name="Andrew Jimenez" userId="254227a2-d348-401a-bf44-edde4b191201" providerId="ADAL" clId="{8EDE38EF-9705-4266-A620-A164C8EDDA07}" dt="2020-10-26T18:44:02.177" v="1965" actId="26606"/>
-          <ac:spMkLst>
-            <pc:docMk/>
-            <pc:sldMk cId="3357605275" sldId="272"/>
-            <ac:spMk id="32" creationId="{DA2C7802-C2E0-4218-8F89-8DD7CCD2CD1C}"/>
-          </ac:spMkLst>
-        </pc:spChg>
-        <pc:spChg chg="add del">
-          <ac:chgData name="Andrew Jimenez" userId="254227a2-d348-401a-bf44-edde4b191201" providerId="ADAL" clId="{8EDE38EF-9705-4266-A620-A164C8EDDA07}" dt="2020-10-26T18:44:02.177" v="1965" actId="26606"/>
-          <ac:spMkLst>
-            <pc:docMk/>
-            <pc:sldMk cId="3357605275" sldId="272"/>
-            <ac:spMk id="33" creationId="{A6D7111A-21E5-4EE9-8A78-10E5530F0116}"/>
-          </ac:spMkLst>
-        </pc:spChg>
-        <pc:spChg chg="add del">
-          <ac:chgData name="Andrew Jimenez" userId="254227a2-d348-401a-bf44-edde4b191201" providerId="ADAL" clId="{8EDE38EF-9705-4266-A620-A164C8EDDA07}" dt="2020-10-26T18:44:02.177" v="1965" actId="26606"/>
-          <ac:spMkLst>
-            <pc:docMk/>
-            <pc:sldMk cId="3357605275" sldId="272"/>
-            <ac:spMk id="34" creationId="{A3969E80-A77B-49FC-9122-D89AFD5EE118}"/>
-          </ac:spMkLst>
-        </pc:spChg>
-        <pc:spChg chg="add del">
-          <ac:chgData name="Andrew Jimenez" userId="254227a2-d348-401a-bf44-edde4b191201" providerId="ADAL" clId="{8EDE38EF-9705-4266-A620-A164C8EDDA07}" dt="2020-10-26T18:44:02.177" v="1965" actId="26606"/>
-          <ac:spMkLst>
-            <pc:docMk/>
-            <pc:sldMk cId="3357605275" sldId="272"/>
-            <ac:spMk id="35" creationId="{35E9085E-E730-4768-83D4-6CB7E9897153}"/>
-          </ac:spMkLst>
-        </pc:spChg>
-        <pc:spChg chg="add del">
-          <ac:chgData name="Andrew Jimenez" userId="254227a2-d348-401a-bf44-edde4b191201" providerId="ADAL" clId="{8EDE38EF-9705-4266-A620-A164C8EDDA07}" dt="2020-10-26T18:44:02.177" v="1965" actId="26606"/>
-          <ac:spMkLst>
-            <pc:docMk/>
-            <pc:sldMk cId="3357605275" sldId="272"/>
-            <ac:spMk id="36" creationId="{973272FE-A474-4CAE-8CA2-BCC8B476C3F4}"/>
-          </ac:spMkLst>
-        </pc:spChg>
-        <pc:spChg chg="add del">
-          <ac:chgData name="Andrew Jimenez" userId="254227a2-d348-401a-bf44-edde4b191201" providerId="ADAL" clId="{8EDE38EF-9705-4266-A620-A164C8EDDA07}" dt="2020-10-26T18:44:06.826" v="1967" actId="26606"/>
-          <ac:spMkLst>
-            <pc:docMk/>
-            <pc:sldMk cId="3357605275" sldId="272"/>
-            <ac:spMk id="38" creationId="{6027F030-58A9-44B8-ABF5-0372D2954EE6}"/>
-          </ac:spMkLst>
-        </pc:spChg>
-        <pc:spChg chg="add del">
-          <ac:chgData name="Andrew Jimenez" userId="254227a2-d348-401a-bf44-edde4b191201" providerId="ADAL" clId="{8EDE38EF-9705-4266-A620-A164C8EDDA07}" dt="2020-10-26T18:44:06.826" v="1967" actId="26606"/>
-          <ac:spMkLst>
-            <pc:docMk/>
-            <pc:sldMk cId="3357605275" sldId="272"/>
-            <ac:spMk id="39" creationId="{A6328306-71F0-4C12-A2D9-7C857146B1D0}"/>
-          </ac:spMkLst>
-        </pc:spChg>
-        <pc:spChg chg="add del">
-          <ac:chgData name="Andrew Jimenez" userId="254227a2-d348-401a-bf44-edde4b191201" providerId="ADAL" clId="{8EDE38EF-9705-4266-A620-A164C8EDDA07}" dt="2020-10-26T18:44:06.826" v="1967" actId="26606"/>
-          <ac:spMkLst>
-            <pc:docMk/>
-            <pc:sldMk cId="3357605275" sldId="272"/>
-            <ac:spMk id="40" creationId="{64AB010C-C307-4A53-9D97-39C6AAB2E056}"/>
-          </ac:spMkLst>
-        </pc:spChg>
-        <pc:spChg chg="add del">
-          <ac:chgData name="Andrew Jimenez" userId="254227a2-d348-401a-bf44-edde4b191201" providerId="ADAL" clId="{8EDE38EF-9705-4266-A620-A164C8EDDA07}" dt="2020-10-26T18:44:06.826" v="1967" actId="26606"/>
-          <ac:spMkLst>
-            <pc:docMk/>
-            <pc:sldMk cId="3357605275" sldId="272"/>
-            <ac:spMk id="41" creationId="{3252C512-4076-456E-AD89-50B0316453D0}"/>
-          </ac:spMkLst>
-        </pc:spChg>
-        <pc:spChg chg="add del">
-          <ac:chgData name="Andrew Jimenez" userId="254227a2-d348-401a-bf44-edde4b191201" providerId="ADAL" clId="{8EDE38EF-9705-4266-A620-A164C8EDDA07}" dt="2020-10-26T18:44:06.826" v="1967" actId="26606"/>
-          <ac:spMkLst>
-            <pc:docMk/>
-            <pc:sldMk cId="3357605275" sldId="272"/>
-            <ac:spMk id="42" creationId="{71C24C9E-C2F4-4FA4-947B-6CBAC7C3AE1D}"/>
-          </ac:spMkLst>
-        </pc:spChg>
-        <pc:spChg chg="add del">
-          <ac:chgData name="Andrew Jimenez" userId="254227a2-d348-401a-bf44-edde4b191201" providerId="ADAL" clId="{8EDE38EF-9705-4266-A620-A164C8EDDA07}" dt="2020-10-26T18:44:06.826" v="1967" actId="26606"/>
-          <ac:spMkLst>
-            <pc:docMk/>
-            <pc:sldMk cId="3357605275" sldId="272"/>
-            <ac:spMk id="43" creationId="{604B7750-FFCA-4912-AC2E-989EECC941B2}"/>
-          </ac:spMkLst>
-        </pc:spChg>
-        <pc:spChg chg="add del">
-          <ac:chgData name="Andrew Jimenez" userId="254227a2-d348-401a-bf44-edde4b191201" providerId="ADAL" clId="{8EDE38EF-9705-4266-A620-A164C8EDDA07}" dt="2020-10-26T18:44:06.826" v="1967" actId="26606"/>
-          <ac:spMkLst>
-            <pc:docMk/>
-            <pc:sldMk cId="3357605275" sldId="272"/>
-            <ac:spMk id="44" creationId="{52494659-52DF-4053-975B-36F06255E2E8}"/>
-          </ac:spMkLst>
-        </pc:spChg>
-        <pc:spChg chg="add del">
-          <ac:chgData name="Andrew Jimenez" userId="254227a2-d348-401a-bf44-edde4b191201" providerId="ADAL" clId="{8EDE38EF-9705-4266-A620-A164C8EDDA07}" dt="2020-10-26T18:44:06.826" v="1967" actId="26606"/>
-          <ac:spMkLst>
-            <pc:docMk/>
-            <pc:sldMk cId="3357605275" sldId="272"/>
-            <ac:spMk id="45" creationId="{EE807326-229C-458C-BDA0-C721262167D9}"/>
-          </ac:spMkLst>
-        </pc:spChg>
-        <pc:spChg chg="add del">
-          <ac:chgData name="Andrew Jimenez" userId="254227a2-d348-401a-bf44-edde4b191201" providerId="ADAL" clId="{8EDE38EF-9705-4266-A620-A164C8EDDA07}" dt="2020-10-26T18:44:06.826" v="1967" actId="26606"/>
-          <ac:spMkLst>
-            <pc:docMk/>
-            <pc:sldMk cId="3357605275" sldId="272"/>
-            <ac:spMk id="46" creationId="{FCADE1D5-E79C-4CEF-BEFD-B66EFB394D25}"/>
-          </ac:spMkLst>
-        </pc:spChg>
-        <pc:spChg chg="add del">
-          <ac:chgData name="Andrew Jimenez" userId="254227a2-d348-401a-bf44-edde4b191201" providerId="ADAL" clId="{8EDE38EF-9705-4266-A620-A164C8EDDA07}" dt="2020-10-26T18:44:06.826" v="1967" actId="26606"/>
-          <ac:spMkLst>
-            <pc:docMk/>
-            <pc:sldMk cId="3357605275" sldId="272"/>
-            <ac:spMk id="47" creationId="{54FC8EB5-1620-43B8-B816-8A91B6EAC975}"/>
-          </ac:spMkLst>
-        </pc:spChg>
-        <pc:spChg chg="add del">
-          <ac:chgData name="Andrew Jimenez" userId="254227a2-d348-401a-bf44-edde4b191201" providerId="ADAL" clId="{8EDE38EF-9705-4266-A620-A164C8EDDA07}" dt="2020-10-26T18:44:06.826" v="1967" actId="26606"/>
-          <ac:spMkLst>
-            <pc:docMk/>
-            <pc:sldMk cId="3357605275" sldId="272"/>
-            <ac:spMk id="48" creationId="{3D544515-9F93-4809-A102-B49C85F4608F}"/>
-          </ac:spMkLst>
-        </pc:spChg>
-        <pc:spChg chg="add del">
-          <ac:chgData name="Andrew Jimenez" userId="254227a2-d348-401a-bf44-edde4b191201" providerId="ADAL" clId="{8EDE38EF-9705-4266-A620-A164C8EDDA07}" dt="2020-10-26T18:44:08.278" v="1969" actId="26606"/>
-          <ac:spMkLst>
-            <pc:docMk/>
-            <pc:sldMk cId="3357605275" sldId="272"/>
-            <ac:spMk id="50" creationId="{015806EC-2CC8-4BD3-9826-EC55E08B8622}"/>
-          </ac:spMkLst>
-        </pc:spChg>
-        <pc:spChg chg="add del">
-          <ac:chgData name="Andrew Jimenez" userId="254227a2-d348-401a-bf44-edde4b191201" providerId="ADAL" clId="{8EDE38EF-9705-4266-A620-A164C8EDDA07}" dt="2020-10-26T18:44:08.278" v="1969" actId="26606"/>
-          <ac:spMkLst>
-            <pc:docMk/>
-            <pc:sldMk cId="3357605275" sldId="272"/>
-            <ac:spMk id="51" creationId="{5FF2CABA-851F-4E41-8E96-C61D0ADB92A2}"/>
-          </ac:spMkLst>
-        </pc:spChg>
-        <pc:spChg chg="add del">
-          <ac:chgData name="Andrew Jimenez" userId="254227a2-d348-401a-bf44-edde4b191201" providerId="ADAL" clId="{8EDE38EF-9705-4266-A620-A164C8EDDA07}" dt="2020-10-26T18:44:08.278" v="1969" actId="26606"/>
-          <ac:spMkLst>
-            <pc:docMk/>
-            <pc:sldMk cId="3357605275" sldId="272"/>
-            <ac:spMk id="52" creationId="{71A23C00-792B-43F9-A5F3-3A97AD847B34}"/>
-          </ac:spMkLst>
-        </pc:spChg>
-        <pc:spChg chg="add del">
-          <ac:chgData name="Andrew Jimenez" userId="254227a2-d348-401a-bf44-edde4b191201" providerId="ADAL" clId="{8EDE38EF-9705-4266-A620-A164C8EDDA07}" dt="2020-10-26T18:44:08.278" v="1969" actId="26606"/>
-          <ac:spMkLst>
-            <pc:docMk/>
-            <pc:sldMk cId="3357605275" sldId="272"/>
-            <ac:spMk id="53" creationId="{65B59FB9-8A98-4966-AD0E-27A5BB87769C}"/>
-          </ac:spMkLst>
-        </pc:spChg>
-        <pc:spChg chg="add del">
-          <ac:chgData name="Andrew Jimenez" userId="254227a2-d348-401a-bf44-edde4b191201" providerId="ADAL" clId="{8EDE38EF-9705-4266-A620-A164C8EDDA07}" dt="2020-10-26T18:44:08.278" v="1969" actId="26606"/>
-          <ac:spMkLst>
-            <pc:docMk/>
-            <pc:sldMk cId="3357605275" sldId="272"/>
-            <ac:spMk id="54" creationId="{E8164A22-8ACC-4F6E-A439-56200F88B02A}"/>
-          </ac:spMkLst>
-        </pc:spChg>
-        <pc:spChg chg="add del">
-          <ac:chgData name="Andrew Jimenez" userId="254227a2-d348-401a-bf44-edde4b191201" providerId="ADAL" clId="{8EDE38EF-9705-4266-A620-A164C8EDDA07}" dt="2020-10-26T18:44:08.278" v="1969" actId="26606"/>
-          <ac:spMkLst>
-            <pc:docMk/>
-            <pc:sldMk cId="3357605275" sldId="272"/>
-            <ac:spMk id="55" creationId="{B497CCB5-5FC2-473C-AFCC-2430CEF1DF71}"/>
-          </ac:spMkLst>
-        </pc:spChg>
-        <pc:spChg chg="add del">
-          <ac:chgData name="Andrew Jimenez" userId="254227a2-d348-401a-bf44-edde4b191201" providerId="ADAL" clId="{8EDE38EF-9705-4266-A620-A164C8EDDA07}" dt="2020-10-26T18:44:08.278" v="1969" actId="26606"/>
-          <ac:spMkLst>
-            <pc:docMk/>
-            <pc:sldMk cId="3357605275" sldId="272"/>
-            <ac:spMk id="56" creationId="{599C8C75-BFDF-44E7-A028-EEB5EDD58817}"/>
-          </ac:spMkLst>
-        </pc:spChg>
-        <pc:spChg chg="add del">
-          <ac:chgData name="Andrew Jimenez" userId="254227a2-d348-401a-bf44-edde4b191201" providerId="ADAL" clId="{8EDE38EF-9705-4266-A620-A164C8EDDA07}" dt="2020-10-26T18:44:14.010" v="1971" actId="26606"/>
-          <ac:spMkLst>
-            <pc:docMk/>
-            <pc:sldMk cId="3357605275" sldId="272"/>
-            <ac:spMk id="58" creationId="{16F9E488-0718-4E1E-9D12-26779F606252}"/>
-          </ac:spMkLst>
-        </pc:spChg>
-        <pc:spChg chg="add del">
-          <ac:chgData name="Andrew Jimenez" userId="254227a2-d348-401a-bf44-edde4b191201" providerId="ADAL" clId="{8EDE38EF-9705-4266-A620-A164C8EDDA07}" dt="2020-10-26T18:44:14.010" v="1971" actId="26606"/>
-          <ac:spMkLst>
-            <pc:docMk/>
-            <pc:sldMk cId="3357605275" sldId="272"/>
-            <ac:spMk id="59" creationId="{D20AEB5B-DFC7-42B4-9FAA-6B95E01D0FCE}"/>
-          </ac:spMkLst>
-        </pc:spChg>
-        <pc:spChg chg="add del">
-          <ac:chgData name="Andrew Jimenez" userId="254227a2-d348-401a-bf44-edde4b191201" providerId="ADAL" clId="{8EDE38EF-9705-4266-A620-A164C8EDDA07}" dt="2020-10-26T18:44:22.389" v="1973" actId="26606"/>
-          <ac:spMkLst>
-            <pc:docMk/>
-            <pc:sldMk cId="3357605275" sldId="272"/>
-            <ac:spMk id="63" creationId="{D5189306-04D9-4982-9EBE-938B344A1113}"/>
-          </ac:spMkLst>
-        </pc:spChg>
-        <pc:spChg chg="add del">
-          <ac:chgData name="Andrew Jimenez" userId="254227a2-d348-401a-bf44-edde4b191201" providerId="ADAL" clId="{8EDE38EF-9705-4266-A620-A164C8EDDA07}" dt="2020-10-26T18:44:22.389" v="1973" actId="26606"/>
-          <ac:spMkLst>
-            <pc:docMk/>
-            <pc:sldMk cId="3357605275" sldId="272"/>
-            <ac:spMk id="64" creationId="{102C4642-2AB4-49A1-89D9-3E5C01E99D58}"/>
-          </ac:spMkLst>
-        </pc:spChg>
-        <pc:spChg chg="add del">
-          <ac:chgData name="Andrew Jimenez" userId="254227a2-d348-401a-bf44-edde4b191201" providerId="ADAL" clId="{8EDE38EF-9705-4266-A620-A164C8EDDA07}" dt="2020-10-26T18:44:22.389" v="1973" actId="26606"/>
-          <ac:spMkLst>
-            <pc:docMk/>
-            <pc:sldMk cId="3357605275" sldId="272"/>
-            <ac:spMk id="65" creationId="{82EAAEF9-78E9-4B67-93B4-CD09F7570300}"/>
-          </ac:spMkLst>
-        </pc:spChg>
-        <pc:spChg chg="add del">
-          <ac:chgData name="Andrew Jimenez" userId="254227a2-d348-401a-bf44-edde4b191201" providerId="ADAL" clId="{8EDE38EF-9705-4266-A620-A164C8EDDA07}" dt="2020-10-26T18:44:22.389" v="1973" actId="26606"/>
-          <ac:spMkLst>
-            <pc:docMk/>
-            <pc:sldMk cId="3357605275" sldId="272"/>
-            <ac:spMk id="66" creationId="{2CE23D09-8BA3-4FEE-892D-ACE847DC085D}"/>
-          </ac:spMkLst>
-        </pc:spChg>
-        <pc:spChg chg="add del">
-          <ac:chgData name="Andrew Jimenez" userId="254227a2-d348-401a-bf44-edde4b191201" providerId="ADAL" clId="{8EDE38EF-9705-4266-A620-A164C8EDDA07}" dt="2020-10-26T18:44:22.389" v="1973" actId="26606"/>
-          <ac:spMkLst>
-            <pc:docMk/>
-            <pc:sldMk cId="3357605275" sldId="272"/>
-            <ac:spMk id="67" creationId="{5707F116-8EC0-4822-9067-186AC8C96EB8}"/>
-          </ac:spMkLst>
-        </pc:spChg>
-        <pc:spChg chg="add del">
-          <ac:chgData name="Andrew Jimenez" userId="254227a2-d348-401a-bf44-edde4b191201" providerId="ADAL" clId="{8EDE38EF-9705-4266-A620-A164C8EDDA07}" dt="2020-10-26T18:44:22.389" v="1973" actId="26606"/>
-          <ac:spMkLst>
-            <pc:docMk/>
-            <pc:sldMk cId="3357605275" sldId="272"/>
-            <ac:spMk id="68" creationId="{6BFBE7AA-40DE-4FE5-B385-5CA874501B05}"/>
-          </ac:spMkLst>
-        </pc:spChg>
-        <pc:spChg chg="add del">
-          <ac:chgData name="Andrew Jimenez" userId="254227a2-d348-401a-bf44-edde4b191201" providerId="ADAL" clId="{8EDE38EF-9705-4266-A620-A164C8EDDA07}" dt="2020-10-26T18:44:22.389" v="1973" actId="26606"/>
-          <ac:spMkLst>
-            <pc:docMk/>
-            <pc:sldMk cId="3357605275" sldId="272"/>
-            <ac:spMk id="69" creationId="{41ACE746-85D5-45EE-8944-61B542B392FC}"/>
-          </ac:spMkLst>
-        </pc:spChg>
-        <pc:spChg chg="add del">
-          <ac:chgData name="Andrew Jimenez" userId="254227a2-d348-401a-bf44-edde4b191201" providerId="ADAL" clId="{8EDE38EF-9705-4266-A620-A164C8EDDA07}" dt="2020-10-26T18:44:22.389" v="1973" actId="26606"/>
-          <ac:spMkLst>
-            <pc:docMk/>
-            <pc:sldMk cId="3357605275" sldId="272"/>
-            <ac:spMk id="70" creationId="{00BB3E03-CC38-4FA6-9A99-701C62D05A5B}"/>
-          </ac:spMkLst>
-        </pc:spChg>
-        <pc:spChg chg="add del">
-          <ac:chgData name="Andrew Jimenez" userId="254227a2-d348-401a-bf44-edde4b191201" providerId="ADAL" clId="{8EDE38EF-9705-4266-A620-A164C8EDDA07}" dt="2020-10-26T18:44:23.399" v="1975" actId="26606"/>
-          <ac:spMkLst>
-            <pc:docMk/>
-            <pc:sldMk cId="3357605275" sldId="272"/>
-            <ac:spMk id="72" creationId="{88294908-8B00-4F58-BBBA-20F71A40AA9E}"/>
-          </ac:spMkLst>
-        </pc:spChg>
-        <pc:spChg chg="add del">
-          <ac:chgData name="Andrew Jimenez" userId="254227a2-d348-401a-bf44-edde4b191201" providerId="ADAL" clId="{8EDE38EF-9705-4266-A620-A164C8EDDA07}" dt="2020-10-26T18:44:23.399" v="1975" actId="26606"/>
-          <ac:spMkLst>
-            <pc:docMk/>
-            <pc:sldMk cId="3357605275" sldId="272"/>
-            <ac:spMk id="73" creationId="{4364C879-1404-4203-8E9D-CC5DE0A621A2}"/>
-          </ac:spMkLst>
-        </pc:spChg>
-        <pc:spChg chg="add del">
-          <ac:chgData name="Andrew Jimenez" userId="254227a2-d348-401a-bf44-edde4b191201" providerId="ADAL" clId="{8EDE38EF-9705-4266-A620-A164C8EDDA07}" dt="2020-10-26T18:44:23.399" v="1975" actId="26606"/>
-          <ac:spMkLst>
-            <pc:docMk/>
-            <pc:sldMk cId="3357605275" sldId="272"/>
-            <ac:spMk id="74" creationId="{84617302-4B0D-4351-A6BB-6F0930D943AC}"/>
-          </ac:spMkLst>
-        </pc:spChg>
-        <pc:spChg chg="add del">
-          <ac:chgData name="Andrew Jimenez" userId="254227a2-d348-401a-bf44-edde4b191201" providerId="ADAL" clId="{8EDE38EF-9705-4266-A620-A164C8EDDA07}" dt="2020-10-26T18:44:23.399" v="1975" actId="26606"/>
-          <ac:spMkLst>
-            <pc:docMk/>
-            <pc:sldMk cId="3357605275" sldId="272"/>
-            <ac:spMk id="75" creationId="{DA2C7802-C2E0-4218-8F89-8DD7CCD2CD1C}"/>
-          </ac:spMkLst>
-        </pc:spChg>
-        <pc:spChg chg="add del">
-          <ac:chgData name="Andrew Jimenez" userId="254227a2-d348-401a-bf44-edde4b191201" providerId="ADAL" clId="{8EDE38EF-9705-4266-A620-A164C8EDDA07}" dt="2020-10-26T18:44:23.399" v="1975" actId="26606"/>
-          <ac:spMkLst>
-            <pc:docMk/>
-            <pc:sldMk cId="3357605275" sldId="272"/>
-            <ac:spMk id="76" creationId="{A6D7111A-21E5-4EE9-8A78-10E5530F0116}"/>
-          </ac:spMkLst>
-        </pc:spChg>
-        <pc:spChg chg="add del">
-          <ac:chgData name="Andrew Jimenez" userId="254227a2-d348-401a-bf44-edde4b191201" providerId="ADAL" clId="{8EDE38EF-9705-4266-A620-A164C8EDDA07}" dt="2020-10-26T18:44:23.399" v="1975" actId="26606"/>
-          <ac:spMkLst>
-            <pc:docMk/>
-            <pc:sldMk cId="3357605275" sldId="272"/>
-            <ac:spMk id="77" creationId="{A3969E80-A77B-49FC-9122-D89AFD5EE118}"/>
-          </ac:spMkLst>
-        </pc:spChg>
-        <pc:spChg chg="add del">
-          <ac:chgData name="Andrew Jimenez" userId="254227a2-d348-401a-bf44-edde4b191201" providerId="ADAL" clId="{8EDE38EF-9705-4266-A620-A164C8EDDA07}" dt="2020-10-26T18:44:23.399" v="1975" actId="26606"/>
-          <ac:spMkLst>
-            <pc:docMk/>
-            <pc:sldMk cId="3357605275" sldId="272"/>
-            <ac:spMk id="78" creationId="{1849CA57-76BD-4CF2-80BA-D7A46A01B7B1}"/>
-          </ac:spMkLst>
-        </pc:spChg>
-        <pc:spChg chg="add del">
-          <ac:chgData name="Andrew Jimenez" userId="254227a2-d348-401a-bf44-edde4b191201" providerId="ADAL" clId="{8EDE38EF-9705-4266-A620-A164C8EDDA07}" dt="2020-10-26T18:44:23.399" v="1975" actId="26606"/>
-          <ac:spMkLst>
-            <pc:docMk/>
-            <pc:sldMk cId="3357605275" sldId="272"/>
-            <ac:spMk id="79" creationId="{35E9085E-E730-4768-83D4-6CB7E9897153}"/>
-          </ac:spMkLst>
-        </pc:spChg>
-        <pc:spChg chg="add del">
-          <ac:chgData name="Andrew Jimenez" userId="254227a2-d348-401a-bf44-edde4b191201" providerId="ADAL" clId="{8EDE38EF-9705-4266-A620-A164C8EDDA07}" dt="2020-10-26T18:44:23.399" v="1975" actId="26606"/>
-          <ac:spMkLst>
-            <pc:docMk/>
-            <pc:sldMk cId="3357605275" sldId="272"/>
-            <ac:spMk id="80" creationId="{973272FE-A474-4CAE-8CA2-BCC8B476C3F4}"/>
-          </ac:spMkLst>
-        </pc:spChg>
-        <pc:spChg chg="add del">
-          <ac:chgData name="Andrew Jimenez" userId="254227a2-d348-401a-bf44-edde4b191201" providerId="ADAL" clId="{8EDE38EF-9705-4266-A620-A164C8EDDA07}" dt="2020-10-26T18:44:23.399" v="1975" actId="26606"/>
-          <ac:spMkLst>
-            <pc:docMk/>
-            <pc:sldMk cId="3357605275" sldId="272"/>
-            <ac:spMk id="81" creationId="{E07981EA-05A6-437C-88D7-B377B92B031D}"/>
-          </ac:spMkLst>
-        </pc:spChg>
-        <pc:spChg chg="add del">
-          <ac:chgData name="Andrew Jimenez" userId="254227a2-d348-401a-bf44-edde4b191201" providerId="ADAL" clId="{8EDE38EF-9705-4266-A620-A164C8EDDA07}" dt="2020-10-26T18:44:23.399" v="1975" actId="26606"/>
-          <ac:spMkLst>
-            <pc:docMk/>
-            <pc:sldMk cId="3357605275" sldId="272"/>
-            <ac:spMk id="82" creationId="{15E3C750-986E-4769-B1AE-49289FBEE757}"/>
-          </ac:spMkLst>
-        </pc:spChg>
-        <pc:spChg chg="add del">
-          <ac:chgData name="Andrew Jimenez" userId="254227a2-d348-401a-bf44-edde4b191201" providerId="ADAL" clId="{8EDE38EF-9705-4266-A620-A164C8EDDA07}" dt="2020-10-26T18:44:30.365" v="1977" actId="26606"/>
-          <ac:spMkLst>
-            <pc:docMk/>
-            <pc:sldMk cId="3357605275" sldId="272"/>
-            <ac:spMk id="84" creationId="{6027F030-58A9-44B8-ABF5-0372D2954EE6}"/>
-          </ac:spMkLst>
-        </pc:spChg>
-        <pc:spChg chg="add del">
-          <ac:chgData name="Andrew Jimenez" userId="254227a2-d348-401a-bf44-edde4b191201" providerId="ADAL" clId="{8EDE38EF-9705-4266-A620-A164C8EDDA07}" dt="2020-10-26T18:44:30.365" v="1977" actId="26606"/>
-          <ac:spMkLst>
-            <pc:docMk/>
-            <pc:sldMk cId="3357605275" sldId="272"/>
-            <ac:spMk id="85" creationId="{A6328306-71F0-4C12-A2D9-7C857146B1D0}"/>
-          </ac:spMkLst>
-        </pc:spChg>
-        <pc:spChg chg="add del">
-          <ac:chgData name="Andrew Jimenez" userId="254227a2-d348-401a-bf44-edde4b191201" providerId="ADAL" clId="{8EDE38EF-9705-4266-A620-A164C8EDDA07}" dt="2020-10-26T18:44:30.365" v="1977" actId="26606"/>
-          <ac:spMkLst>
-            <pc:docMk/>
-            <pc:sldMk cId="3357605275" sldId="272"/>
-            <ac:spMk id="86" creationId="{64AB010C-C307-4A53-9D97-39C6AAB2E056}"/>
-          </ac:spMkLst>
-        </pc:spChg>
-        <pc:spChg chg="add del">
-          <ac:chgData name="Andrew Jimenez" userId="254227a2-d348-401a-bf44-edde4b191201" providerId="ADAL" clId="{8EDE38EF-9705-4266-A620-A164C8EDDA07}" dt="2020-10-26T18:44:30.365" v="1977" actId="26606"/>
-          <ac:spMkLst>
-            <pc:docMk/>
-            <pc:sldMk cId="3357605275" sldId="272"/>
-            <ac:spMk id="87" creationId="{3252C512-4076-456E-AD89-50B0316453D0}"/>
-          </ac:spMkLst>
-        </pc:spChg>
-        <pc:spChg chg="add del">
-          <ac:chgData name="Andrew Jimenez" userId="254227a2-d348-401a-bf44-edde4b191201" providerId="ADAL" clId="{8EDE38EF-9705-4266-A620-A164C8EDDA07}" dt="2020-10-26T18:44:30.365" v="1977" actId="26606"/>
-          <ac:spMkLst>
-            <pc:docMk/>
-            <pc:sldMk cId="3357605275" sldId="272"/>
-            <ac:spMk id="88" creationId="{71C24C9E-C2F4-4FA4-947B-6CBAC7C3AE1D}"/>
-          </ac:spMkLst>
-        </pc:spChg>
-        <pc:spChg chg="add del">
-          <ac:chgData name="Andrew Jimenez" userId="254227a2-d348-401a-bf44-edde4b191201" providerId="ADAL" clId="{8EDE38EF-9705-4266-A620-A164C8EDDA07}" dt="2020-10-26T18:44:30.365" v="1977" actId="26606"/>
-          <ac:spMkLst>
-            <pc:docMk/>
-            <pc:sldMk cId="3357605275" sldId="272"/>
-            <ac:spMk id="89" creationId="{604B7750-FFCA-4912-AC2E-989EECC941B2}"/>
-          </ac:spMkLst>
-        </pc:spChg>
-        <pc:spChg chg="add del">
-          <ac:chgData name="Andrew Jimenez" userId="254227a2-d348-401a-bf44-edde4b191201" providerId="ADAL" clId="{8EDE38EF-9705-4266-A620-A164C8EDDA07}" dt="2020-10-26T18:44:30.365" v="1977" actId="26606"/>
-          <ac:spMkLst>
-            <pc:docMk/>
-            <pc:sldMk cId="3357605275" sldId="272"/>
-            <ac:spMk id="90" creationId="{52494659-52DF-4053-975B-36F06255E2E8}"/>
-          </ac:spMkLst>
-        </pc:spChg>
-        <pc:spChg chg="add del">
-          <ac:chgData name="Andrew Jimenez" userId="254227a2-d348-401a-bf44-edde4b191201" providerId="ADAL" clId="{8EDE38EF-9705-4266-A620-A164C8EDDA07}" dt="2020-10-26T18:44:30.365" v="1977" actId="26606"/>
-          <ac:spMkLst>
-            <pc:docMk/>
-            <pc:sldMk cId="3357605275" sldId="272"/>
-            <ac:spMk id="91" creationId="{EE807326-229C-458C-BDA0-C721262167D9}"/>
-          </ac:spMkLst>
-        </pc:spChg>
-        <pc:spChg chg="add del">
-          <ac:chgData name="Andrew Jimenez" userId="254227a2-d348-401a-bf44-edde4b191201" providerId="ADAL" clId="{8EDE38EF-9705-4266-A620-A164C8EDDA07}" dt="2020-10-26T18:44:30.365" v="1977" actId="26606"/>
-          <ac:spMkLst>
-            <pc:docMk/>
-            <pc:sldMk cId="3357605275" sldId="272"/>
-            <ac:spMk id="92" creationId="{FCADE1D5-E79C-4CEF-BEFD-B66EFB394D25}"/>
-          </ac:spMkLst>
-        </pc:spChg>
-        <pc:spChg chg="add del">
-          <ac:chgData name="Andrew Jimenez" userId="254227a2-d348-401a-bf44-edde4b191201" providerId="ADAL" clId="{8EDE38EF-9705-4266-A620-A164C8EDDA07}" dt="2020-10-26T18:44:30.365" v="1977" actId="26606"/>
-          <ac:spMkLst>
-            <pc:docMk/>
-            <pc:sldMk cId="3357605275" sldId="272"/>
-            <ac:spMk id="93" creationId="{54FC8EB5-1620-43B8-B816-8A91B6EAC975}"/>
-          </ac:spMkLst>
-        </pc:spChg>
-        <pc:spChg chg="add del">
-          <ac:chgData name="Andrew Jimenez" userId="254227a2-d348-401a-bf44-edde4b191201" providerId="ADAL" clId="{8EDE38EF-9705-4266-A620-A164C8EDDA07}" dt="2020-10-26T18:44:30.365" v="1977" actId="26606"/>
-          <ac:spMkLst>
-            <pc:docMk/>
-            <pc:sldMk cId="3357605275" sldId="272"/>
-            <ac:spMk id="94" creationId="{3D544515-9F93-4809-A102-B49C85F4608F}"/>
-          </ac:spMkLst>
-        </pc:spChg>
-        <pc:spChg chg="add del">
-          <ac:chgData name="Andrew Jimenez" userId="254227a2-d348-401a-bf44-edde4b191201" providerId="ADAL" clId="{8EDE38EF-9705-4266-A620-A164C8EDDA07}" dt="2020-10-26T18:44:30.985" v="1979" actId="26606"/>
-          <ac:spMkLst>
-            <pc:docMk/>
-            <pc:sldMk cId="3357605275" sldId="272"/>
-            <ac:spMk id="96" creationId="{015806EC-2CC8-4BD3-9826-EC55E08B8622}"/>
-          </ac:spMkLst>
-        </pc:spChg>
-        <pc:spChg chg="add del">
-          <ac:chgData name="Andrew Jimenez" userId="254227a2-d348-401a-bf44-edde4b191201" providerId="ADAL" clId="{8EDE38EF-9705-4266-A620-A164C8EDDA07}" dt="2020-10-26T18:44:30.985" v="1979" actId="26606"/>
-          <ac:spMkLst>
-            <pc:docMk/>
-            <pc:sldMk cId="3357605275" sldId="272"/>
-            <ac:spMk id="97" creationId="{5FF2CABA-851F-4E41-8E96-C61D0ADB92A2}"/>
-          </ac:spMkLst>
-        </pc:spChg>
-        <pc:spChg chg="add del">
-          <ac:chgData name="Andrew Jimenez" userId="254227a2-d348-401a-bf44-edde4b191201" providerId="ADAL" clId="{8EDE38EF-9705-4266-A620-A164C8EDDA07}" dt="2020-10-26T18:44:30.985" v="1979" actId="26606"/>
-          <ac:spMkLst>
-            <pc:docMk/>
-            <pc:sldMk cId="3357605275" sldId="272"/>
-            <ac:spMk id="98" creationId="{71A23C00-792B-43F9-A5F3-3A97AD847B34}"/>
-          </ac:spMkLst>
-        </pc:spChg>
-        <pc:spChg chg="add del">
-          <ac:chgData name="Andrew Jimenez" userId="254227a2-d348-401a-bf44-edde4b191201" providerId="ADAL" clId="{8EDE38EF-9705-4266-A620-A164C8EDDA07}" dt="2020-10-26T18:44:30.985" v="1979" actId="26606"/>
-          <ac:spMkLst>
-            <pc:docMk/>
-            <pc:sldMk cId="3357605275" sldId="272"/>
-            <ac:spMk id="99" creationId="{65B59FB9-8A98-4966-AD0E-27A5BB87769C}"/>
-          </ac:spMkLst>
-        </pc:spChg>
-        <pc:spChg chg="add del">
-          <ac:chgData name="Andrew Jimenez" userId="254227a2-d348-401a-bf44-edde4b191201" providerId="ADAL" clId="{8EDE38EF-9705-4266-A620-A164C8EDDA07}" dt="2020-10-26T18:44:30.985" v="1979" actId="26606"/>
-          <ac:spMkLst>
-            <pc:docMk/>
-            <pc:sldMk cId="3357605275" sldId="272"/>
-            <ac:spMk id="100" creationId="{E8164A22-8ACC-4F6E-A439-56200F88B02A}"/>
-          </ac:spMkLst>
-        </pc:spChg>
-        <pc:spChg chg="add del">
-          <ac:chgData name="Andrew Jimenez" userId="254227a2-d348-401a-bf44-edde4b191201" providerId="ADAL" clId="{8EDE38EF-9705-4266-A620-A164C8EDDA07}" dt="2020-10-26T18:44:30.985" v="1979" actId="26606"/>
-          <ac:spMkLst>
-            <pc:docMk/>
-            <pc:sldMk cId="3357605275" sldId="272"/>
-            <ac:spMk id="101" creationId="{B497CCB5-5FC2-473C-AFCC-2430CEF1DF71}"/>
-          </ac:spMkLst>
-        </pc:spChg>
-        <pc:spChg chg="add del">
-          <ac:chgData name="Andrew Jimenez" userId="254227a2-d348-401a-bf44-edde4b191201" providerId="ADAL" clId="{8EDE38EF-9705-4266-A620-A164C8EDDA07}" dt="2020-10-26T18:44:30.985" v="1979" actId="26606"/>
-          <ac:spMkLst>
-            <pc:docMk/>
-            <pc:sldMk cId="3357605275" sldId="272"/>
-            <ac:spMk id="102" creationId="{599C8C75-BFDF-44E7-A028-EEB5EDD58817}"/>
-          </ac:spMkLst>
-        </pc:spChg>
-        <pc:spChg chg="add del">
-          <ac:chgData name="Andrew Jimenez" userId="254227a2-d348-401a-bf44-edde4b191201" providerId="ADAL" clId="{8EDE38EF-9705-4266-A620-A164C8EDDA07}" dt="2020-10-26T18:44:33.076" v="1981" actId="26606"/>
-          <ac:spMkLst>
-            <pc:docMk/>
-            <pc:sldMk cId="3357605275" sldId="272"/>
-            <ac:spMk id="104" creationId="{B4D3D850-2041-4B7C-AED9-54DA385B14F7}"/>
-          </ac:spMkLst>
-        </pc:spChg>
-        <pc:spChg chg="add del">
-          <ac:chgData name="Andrew Jimenez" userId="254227a2-d348-401a-bf44-edde4b191201" providerId="ADAL" clId="{8EDE38EF-9705-4266-A620-A164C8EDDA07}" dt="2020-10-26T18:44:33.076" v="1981" actId="26606"/>
-          <ac:spMkLst>
-            <pc:docMk/>
-            <pc:sldMk cId="3357605275" sldId="272"/>
-            <ac:spMk id="107" creationId="{4B7A2B20-C280-41CF-965D-FA68DA2BD679}"/>
-          </ac:spMkLst>
-        </pc:spChg>
-        <pc:spChg chg="add del">
-          <ac:chgData name="Andrew Jimenez" userId="254227a2-d348-401a-bf44-edde4b191201" providerId="ADAL" clId="{8EDE38EF-9705-4266-A620-A164C8EDDA07}" dt="2020-10-26T18:44:33.076" v="1981" actId="26606"/>
-          <ac:spMkLst>
-            <pc:docMk/>
-            <pc:sldMk cId="3357605275" sldId="272"/>
-            <ac:spMk id="108" creationId="{5CF218E6-E246-4EBB-BA8D-DB65AB59A70E}"/>
-          </ac:spMkLst>
-        </pc:spChg>
-        <pc:spChg chg="add del">
-          <ac:chgData name="Andrew Jimenez" userId="254227a2-d348-401a-bf44-edde4b191201" providerId="ADAL" clId="{8EDE38EF-9705-4266-A620-A164C8EDDA07}" dt="2020-10-26T18:44:33.076" v="1981" actId="26606"/>
-          <ac:spMkLst>
-            <pc:docMk/>
-            <pc:sldMk cId="3357605275" sldId="272"/>
-            <ac:spMk id="109" creationId="{13B9D26D-939B-4838-886B-07E227F3A303}"/>
-          </ac:spMkLst>
-        </pc:spChg>
-        <pc:spChg chg="add del">
-          <ac:chgData name="Andrew Jimenez" userId="254227a2-d348-401a-bf44-edde4b191201" providerId="ADAL" clId="{8EDE38EF-9705-4266-A620-A164C8EDDA07}" dt="2020-10-26T18:44:33.076" v="1981" actId="26606"/>
-          <ac:spMkLst>
-            <pc:docMk/>
-            <pc:sldMk cId="3357605275" sldId="272"/>
-            <ac:spMk id="110" creationId="{60A80B01-7FDA-4264-BAC7-CA797D49642F}"/>
-          </ac:spMkLst>
-        </pc:spChg>
-        <pc:spChg chg="add del">
-          <ac:chgData name="Andrew Jimenez" userId="254227a2-d348-401a-bf44-edde4b191201" providerId="ADAL" clId="{8EDE38EF-9705-4266-A620-A164C8EDDA07}" dt="2020-10-26T18:44:33.076" v="1981" actId="26606"/>
-          <ac:spMkLst>
-            <pc:docMk/>
-            <pc:sldMk cId="3357605275" sldId="272"/>
-            <ac:spMk id="111" creationId="{449E75B4-6C35-495B-850B-28CDE6E39ED0}"/>
-          </ac:spMkLst>
-        </pc:spChg>
-        <pc:spChg chg="add del">
-          <ac:chgData name="Andrew Jimenez" userId="254227a2-d348-401a-bf44-edde4b191201" providerId="ADAL" clId="{8EDE38EF-9705-4266-A620-A164C8EDDA07}" dt="2020-10-26T18:44:33.076" v="1981" actId="26606"/>
-          <ac:spMkLst>
-            <pc:docMk/>
-            <pc:sldMk cId="3357605275" sldId="272"/>
-            <ac:spMk id="112" creationId="{0EB2D58A-B2F2-4B07-9595-4FED1037FF80}"/>
-          </ac:spMkLst>
-        </pc:spChg>
-        <pc:spChg chg="add del">
-          <ac:chgData name="Andrew Jimenez" userId="254227a2-d348-401a-bf44-edde4b191201" providerId="ADAL" clId="{8EDE38EF-9705-4266-A620-A164C8EDDA07}" dt="2020-10-26T18:44:33.076" v="1981" actId="26606"/>
-          <ac:spMkLst>
-            <pc:docMk/>
-            <pc:sldMk cId="3357605275" sldId="272"/>
-            <ac:spMk id="113" creationId="{DEB95C3F-0968-4E23-80BD-35CE22E83376}"/>
-          </ac:spMkLst>
-        </pc:spChg>
-        <pc:spChg chg="add del">
-          <ac:chgData name="Andrew Jimenez" userId="254227a2-d348-401a-bf44-edde4b191201" providerId="ADAL" clId="{8EDE38EF-9705-4266-A620-A164C8EDDA07}" dt="2020-10-26T18:44:33.076" v="1981" actId="26606"/>
-          <ac:spMkLst>
-            <pc:docMk/>
-            <pc:sldMk cId="3357605275" sldId="272"/>
-            <ac:spMk id="114" creationId="{16E9C92B-1893-4BFE-B7CF-905EB3F87DAF}"/>
-          </ac:spMkLst>
-        </pc:spChg>
-        <pc:spChg chg="add del">
-          <ac:chgData name="Andrew Jimenez" userId="254227a2-d348-401a-bf44-edde4b191201" providerId="ADAL" clId="{8EDE38EF-9705-4266-A620-A164C8EDDA07}" dt="2020-10-26T18:44:34.551" v="1983" actId="26606"/>
-          <ac:spMkLst>
-            <pc:docMk/>
-            <pc:sldMk cId="3357605275" sldId="272"/>
-            <ac:spMk id="116" creationId="{EE39DFCF-9247-4DE5-BB93-074BFAF07A3F}"/>
-          </ac:spMkLst>
-        </pc:spChg>
-        <pc:spChg chg="add del">
-          <ac:chgData name="Andrew Jimenez" userId="254227a2-d348-401a-bf44-edde4b191201" providerId="ADAL" clId="{8EDE38EF-9705-4266-A620-A164C8EDDA07}" dt="2020-10-26T18:44:34.551" v="1983" actId="26606"/>
-          <ac:spMkLst>
-            <pc:docMk/>
-            <pc:sldMk cId="3357605275" sldId="272"/>
-            <ac:spMk id="117" creationId="{442B652E-D499-4CDA-8F7A-60469EDBCBE3}"/>
-          </ac:spMkLst>
-        </pc:spChg>
-        <pc:spChg chg="add del">
-          <ac:chgData name="Andrew Jimenez" userId="254227a2-d348-401a-bf44-edde4b191201" providerId="ADAL" clId="{8EDE38EF-9705-4266-A620-A164C8EDDA07}" dt="2020-10-26T18:44:34.551" v="1983" actId="26606"/>
-          <ac:spMkLst>
-            <pc:docMk/>
-            <pc:sldMk cId="3357605275" sldId="272"/>
-            <ac:spMk id="118" creationId="{484A22B8-F5B6-47C2-B88E-DADAF379130D}"/>
-          </ac:spMkLst>
-        </pc:spChg>
-        <pc:spChg chg="add del">
-          <ac:chgData name="Andrew Jimenez" userId="254227a2-d348-401a-bf44-edde4b191201" providerId="ADAL" clId="{8EDE38EF-9705-4266-A620-A164C8EDDA07}" dt="2020-10-26T18:44:34.551" v="1983" actId="26606"/>
-          <ac:spMkLst>
-            <pc:docMk/>
-            <pc:sldMk cId="3357605275" sldId="272"/>
-            <ac:spMk id="119" creationId="{A987C18C-164D-4263-B486-4647A98E888E}"/>
-          </ac:spMkLst>
-        </pc:spChg>
-        <pc:spChg chg="add del">
-          <ac:chgData name="Andrew Jimenez" userId="254227a2-d348-401a-bf44-edde4b191201" providerId="ADAL" clId="{8EDE38EF-9705-4266-A620-A164C8EDDA07}" dt="2020-10-26T18:44:34.551" v="1983" actId="26606"/>
-          <ac:spMkLst>
-            <pc:docMk/>
-            <pc:sldMk cId="3357605275" sldId="272"/>
-            <ac:spMk id="120" creationId="{E7E98B39-04C6-408B-92FD-76862874063D}"/>
-          </ac:spMkLst>
-        </pc:spChg>
-        <pc:spChg chg="add del">
-          <ac:chgData name="Andrew Jimenez" userId="254227a2-d348-401a-bf44-edde4b191201" providerId="ADAL" clId="{8EDE38EF-9705-4266-A620-A164C8EDDA07}" dt="2020-10-26T18:44:34.551" v="1983" actId="26606"/>
-          <ac:spMkLst>
-            <pc:docMk/>
-            <pc:sldMk cId="3357605275" sldId="272"/>
-            <ac:spMk id="121" creationId="{981C8C27-2457-421F-BDC4-7B4EA3C78286}"/>
-          </ac:spMkLst>
-        </pc:spChg>
-        <pc:spChg chg="add del">
-          <ac:chgData name="Andrew Jimenez" userId="254227a2-d348-401a-bf44-edde4b191201" providerId="ADAL" clId="{8EDE38EF-9705-4266-A620-A164C8EDDA07}" dt="2020-10-26T18:44:34.551" v="1983" actId="26606"/>
-          <ac:spMkLst>
-            <pc:docMk/>
-            <pc:sldMk cId="3357605275" sldId="272"/>
-            <ac:spMk id="122" creationId="{CEA13C66-82C1-44AF-972B-8F5CCA41B6D9}"/>
-          </ac:spMkLst>
-        </pc:spChg>
-        <pc:spChg chg="add del">
-          <ac:chgData name="Andrew Jimenez" userId="254227a2-d348-401a-bf44-edde4b191201" providerId="ADAL" clId="{8EDE38EF-9705-4266-A620-A164C8EDDA07}" dt="2020-10-26T18:44:34.551" v="1983" actId="26606"/>
-          <ac:spMkLst>
-            <pc:docMk/>
-            <pc:sldMk cId="3357605275" sldId="272"/>
-            <ac:spMk id="123" creationId="{9DB36437-FE59-457E-91A7-396BBD3C9C6A}"/>
-          </ac:spMkLst>
-        </pc:spChg>
-        <pc:spChg chg="add del">
-          <ac:chgData name="Andrew Jimenez" userId="254227a2-d348-401a-bf44-edde4b191201" providerId="ADAL" clId="{8EDE38EF-9705-4266-A620-A164C8EDDA07}" dt="2020-10-26T18:44:34.551" v="1983" actId="26606"/>
-          <ac:spMkLst>
-            <pc:docMk/>
-            <pc:sldMk cId="3357605275" sldId="272"/>
-            <ac:spMk id="124" creationId="{844D3693-2EFE-4667-89D5-47E2D5920912}"/>
-          </ac:spMkLst>
-        </pc:spChg>
-        <pc:spChg chg="add del">
-          <ac:chgData name="Andrew Jimenez" userId="254227a2-d348-401a-bf44-edde4b191201" providerId="ADAL" clId="{8EDE38EF-9705-4266-A620-A164C8EDDA07}" dt="2020-10-26T18:44:34.551" v="1983" actId="26606"/>
-          <ac:spMkLst>
-            <pc:docMk/>
-            <pc:sldMk cId="3357605275" sldId="272"/>
-            <ac:spMk id="125" creationId="{C21FD796-9CD0-404D-8DF5-5274C0BCC754}"/>
-          </ac:spMkLst>
-        </pc:spChg>
-        <pc:spChg chg="add del">
-          <ac:chgData name="Andrew Jimenez" userId="254227a2-d348-401a-bf44-edde4b191201" providerId="ADAL" clId="{8EDE38EF-9705-4266-A620-A164C8EDDA07}" dt="2020-10-26T18:44:35.015" v="1985" actId="26606"/>
-          <ac:spMkLst>
-            <pc:docMk/>
-            <pc:sldMk cId="3357605275" sldId="272"/>
-            <ac:spMk id="127" creationId="{D5189306-04D9-4982-9EBE-938B344A1113}"/>
-          </ac:spMkLst>
-        </pc:spChg>
-        <pc:spChg chg="add del">
-          <ac:chgData name="Andrew Jimenez" userId="254227a2-d348-401a-bf44-edde4b191201" providerId="ADAL" clId="{8EDE38EF-9705-4266-A620-A164C8EDDA07}" dt="2020-10-26T18:44:35.015" v="1985" actId="26606"/>
-          <ac:spMkLst>
-            <pc:docMk/>
-            <pc:sldMk cId="3357605275" sldId="272"/>
-            <ac:spMk id="128" creationId="{102C4642-2AB4-49A1-89D9-3E5C01E99D58}"/>
-          </ac:spMkLst>
-        </pc:spChg>
-        <pc:spChg chg="add del">
-          <ac:chgData name="Andrew Jimenez" userId="254227a2-d348-401a-bf44-edde4b191201" providerId="ADAL" clId="{8EDE38EF-9705-4266-A620-A164C8EDDA07}" dt="2020-10-26T18:44:35.015" v="1985" actId="26606"/>
-          <ac:spMkLst>
-            <pc:docMk/>
-            <pc:sldMk cId="3357605275" sldId="272"/>
-            <ac:spMk id="129" creationId="{82EAAEF9-78E9-4B67-93B4-CD09F7570300}"/>
-          </ac:spMkLst>
-        </pc:spChg>
-        <pc:spChg chg="add del">
-          <ac:chgData name="Andrew Jimenez" userId="254227a2-d348-401a-bf44-edde4b191201" providerId="ADAL" clId="{8EDE38EF-9705-4266-A620-A164C8EDDA07}" dt="2020-10-26T18:44:35.015" v="1985" actId="26606"/>
-          <ac:spMkLst>
-            <pc:docMk/>
-            <pc:sldMk cId="3357605275" sldId="272"/>
-            <ac:spMk id="130" creationId="{2CE23D09-8BA3-4FEE-892D-ACE847DC085D}"/>
-          </ac:spMkLst>
-        </pc:spChg>
-        <pc:spChg chg="add del">
-          <ac:chgData name="Andrew Jimenez" userId="254227a2-d348-401a-bf44-edde4b191201" providerId="ADAL" clId="{8EDE38EF-9705-4266-A620-A164C8EDDA07}" dt="2020-10-26T18:44:35.015" v="1985" actId="26606"/>
-          <ac:spMkLst>
-            <pc:docMk/>
-            <pc:sldMk cId="3357605275" sldId="272"/>
-            <ac:spMk id="131" creationId="{5707F116-8EC0-4822-9067-186AC8C96EB8}"/>
-          </ac:spMkLst>
-        </pc:spChg>
-        <pc:spChg chg="add del">
-          <ac:chgData name="Andrew Jimenez" userId="254227a2-d348-401a-bf44-edde4b191201" providerId="ADAL" clId="{8EDE38EF-9705-4266-A620-A164C8EDDA07}" dt="2020-10-26T18:44:35.015" v="1985" actId="26606"/>
-          <ac:spMkLst>
-            <pc:docMk/>
-            <pc:sldMk cId="3357605275" sldId="272"/>
-            <ac:spMk id="132" creationId="{6BFBE7AA-40DE-4FE5-B385-5CA874501B05}"/>
-          </ac:spMkLst>
-        </pc:spChg>
-        <pc:spChg chg="add del">
-          <ac:chgData name="Andrew Jimenez" userId="254227a2-d348-401a-bf44-edde4b191201" providerId="ADAL" clId="{8EDE38EF-9705-4266-A620-A164C8EDDA07}" dt="2020-10-26T18:44:35.015" v="1985" actId="26606"/>
-          <ac:spMkLst>
-            <pc:docMk/>
-            <pc:sldMk cId="3357605275" sldId="272"/>
-            <ac:spMk id="133" creationId="{41ACE746-85D5-45EE-8944-61B542B392FC}"/>
-          </ac:spMkLst>
-        </pc:spChg>
-        <pc:spChg chg="add del">
-          <ac:chgData name="Andrew Jimenez" userId="254227a2-d348-401a-bf44-edde4b191201" providerId="ADAL" clId="{8EDE38EF-9705-4266-A620-A164C8EDDA07}" dt="2020-10-26T18:44:35.015" v="1985" actId="26606"/>
-          <ac:spMkLst>
-            <pc:docMk/>
-            <pc:sldMk cId="3357605275" sldId="272"/>
-            <ac:spMk id="134" creationId="{00BB3E03-CC38-4FA6-9A99-701C62D05A5B}"/>
-          </ac:spMkLst>
-        </pc:spChg>
-        <pc:spChg chg="add del">
-          <ac:chgData name="Andrew Jimenez" userId="254227a2-d348-401a-bf44-edde4b191201" providerId="ADAL" clId="{8EDE38EF-9705-4266-A620-A164C8EDDA07}" dt="2020-10-26T18:44:38.753" v="1987" actId="26606"/>
-          <ac:spMkLst>
-            <pc:docMk/>
-            <pc:sldMk cId="3357605275" sldId="272"/>
-            <ac:spMk id="136" creationId="{88294908-8B00-4F58-BBBA-20F71A40AA9E}"/>
-          </ac:spMkLst>
-        </pc:spChg>
-        <pc:spChg chg="add del">
-          <ac:chgData name="Andrew Jimenez" userId="254227a2-d348-401a-bf44-edde4b191201" providerId="ADAL" clId="{8EDE38EF-9705-4266-A620-A164C8EDDA07}" dt="2020-10-26T18:44:38.753" v="1987" actId="26606"/>
-          <ac:spMkLst>
-            <pc:docMk/>
-            <pc:sldMk cId="3357605275" sldId="272"/>
-            <ac:spMk id="137" creationId="{4364C879-1404-4203-8E9D-CC5DE0A621A2}"/>
-          </ac:spMkLst>
-        </pc:spChg>
-        <pc:spChg chg="add del">
-          <ac:chgData name="Andrew Jimenez" userId="254227a2-d348-401a-bf44-edde4b191201" providerId="ADAL" clId="{8EDE38EF-9705-4266-A620-A164C8EDDA07}" dt="2020-10-26T18:44:38.753" v="1987" actId="26606"/>
-          <ac:spMkLst>
-            <pc:docMk/>
-            <pc:sldMk cId="3357605275" sldId="272"/>
-            <ac:spMk id="138" creationId="{84617302-4B0D-4351-A6BB-6F0930D943AC}"/>
-          </ac:spMkLst>
-        </pc:spChg>
-        <pc:spChg chg="add del">
-          <ac:chgData name="Andrew Jimenez" userId="254227a2-d348-401a-bf44-edde4b191201" providerId="ADAL" clId="{8EDE38EF-9705-4266-A620-A164C8EDDA07}" dt="2020-10-26T18:44:38.753" v="1987" actId="26606"/>
-          <ac:spMkLst>
-            <pc:docMk/>
-            <pc:sldMk cId="3357605275" sldId="272"/>
-            <ac:spMk id="139" creationId="{DA2C7802-C2E0-4218-8F89-8DD7CCD2CD1C}"/>
-          </ac:spMkLst>
-        </pc:spChg>
-        <pc:spChg chg="add del">
-          <ac:chgData name="Andrew Jimenez" userId="254227a2-d348-401a-bf44-edde4b191201" providerId="ADAL" clId="{8EDE38EF-9705-4266-A620-A164C8EDDA07}" dt="2020-10-26T18:44:38.753" v="1987" actId="26606"/>
-          <ac:spMkLst>
-            <pc:docMk/>
-            <pc:sldMk cId="3357605275" sldId="272"/>
-            <ac:spMk id="140" creationId="{A6D7111A-21E5-4EE9-8A78-10E5530F0116}"/>
-          </ac:spMkLst>
-        </pc:spChg>
-        <pc:spChg chg="add del">
-          <ac:chgData name="Andrew Jimenez" userId="254227a2-d348-401a-bf44-edde4b191201" providerId="ADAL" clId="{8EDE38EF-9705-4266-A620-A164C8EDDA07}" dt="2020-10-26T18:44:38.753" v="1987" actId="26606"/>
-          <ac:spMkLst>
-            <pc:docMk/>
-            <pc:sldMk cId="3357605275" sldId="272"/>
-            <ac:spMk id="141" creationId="{A3969E80-A77B-49FC-9122-D89AFD5EE118}"/>
-          </ac:spMkLst>
-        </pc:spChg>
-        <pc:spChg chg="add del">
-          <ac:chgData name="Andrew Jimenez" userId="254227a2-d348-401a-bf44-edde4b191201" providerId="ADAL" clId="{8EDE38EF-9705-4266-A620-A164C8EDDA07}" dt="2020-10-26T18:44:38.753" v="1987" actId="26606"/>
-          <ac:spMkLst>
-            <pc:docMk/>
-            <pc:sldMk cId="3357605275" sldId="272"/>
-            <ac:spMk id="142" creationId="{1849CA57-76BD-4CF2-80BA-D7A46A01B7B1}"/>
-          </ac:spMkLst>
-        </pc:spChg>
-        <pc:spChg chg="add del">
-          <ac:chgData name="Andrew Jimenez" userId="254227a2-d348-401a-bf44-edde4b191201" providerId="ADAL" clId="{8EDE38EF-9705-4266-A620-A164C8EDDA07}" dt="2020-10-26T18:44:38.753" v="1987" actId="26606"/>
-          <ac:spMkLst>
-            <pc:docMk/>
-            <pc:sldMk cId="3357605275" sldId="272"/>
-            <ac:spMk id="143" creationId="{35E9085E-E730-4768-83D4-6CB7E9897153}"/>
-          </ac:spMkLst>
-        </pc:spChg>
-        <pc:spChg chg="add del">
-          <ac:chgData name="Andrew Jimenez" userId="254227a2-d348-401a-bf44-edde4b191201" providerId="ADAL" clId="{8EDE38EF-9705-4266-A620-A164C8EDDA07}" dt="2020-10-26T18:44:38.753" v="1987" actId="26606"/>
-          <ac:spMkLst>
-            <pc:docMk/>
-            <pc:sldMk cId="3357605275" sldId="272"/>
-            <ac:spMk id="144" creationId="{973272FE-A474-4CAE-8CA2-BCC8B476C3F4}"/>
-          </ac:spMkLst>
-        </pc:spChg>
-        <pc:spChg chg="add del">
-          <ac:chgData name="Andrew Jimenez" userId="254227a2-d348-401a-bf44-edde4b191201" providerId="ADAL" clId="{8EDE38EF-9705-4266-A620-A164C8EDDA07}" dt="2020-10-26T18:44:38.753" v="1987" actId="26606"/>
-          <ac:spMkLst>
-            <pc:docMk/>
-            <pc:sldMk cId="3357605275" sldId="272"/>
-            <ac:spMk id="145" creationId="{E07981EA-05A6-437C-88D7-B377B92B031D}"/>
-          </ac:spMkLst>
-        </pc:spChg>
-        <pc:spChg chg="add del">
-          <ac:chgData name="Andrew Jimenez" userId="254227a2-d348-401a-bf44-edde4b191201" providerId="ADAL" clId="{8EDE38EF-9705-4266-A620-A164C8EDDA07}" dt="2020-10-26T18:44:38.753" v="1987" actId="26606"/>
-          <ac:spMkLst>
-            <pc:docMk/>
-            <pc:sldMk cId="3357605275" sldId="272"/>
-            <ac:spMk id="146" creationId="{15E3C750-986E-4769-B1AE-49289FBEE757}"/>
-          </ac:spMkLst>
-        </pc:spChg>
-        <pc:spChg chg="add del">
-          <ac:chgData name="Andrew Jimenez" userId="254227a2-d348-401a-bf44-edde4b191201" providerId="ADAL" clId="{8EDE38EF-9705-4266-A620-A164C8EDDA07}" dt="2020-10-26T18:44:40.031" v="1989" actId="26606"/>
-          <ac:spMkLst>
-            <pc:docMk/>
-            <pc:sldMk cId="3357605275" sldId="272"/>
-            <ac:spMk id="148" creationId="{A7895A40-19A4-42D6-9D30-DBC1E8002635}"/>
-          </ac:spMkLst>
-        </pc:spChg>
-        <pc:spChg chg="add del">
-          <ac:chgData name="Andrew Jimenez" userId="254227a2-d348-401a-bf44-edde4b191201" providerId="ADAL" clId="{8EDE38EF-9705-4266-A620-A164C8EDDA07}" dt="2020-10-26T18:44:40.031" v="1989" actId="26606"/>
-          <ac:spMkLst>
-            <pc:docMk/>
-            <pc:sldMk cId="3357605275" sldId="272"/>
-            <ac:spMk id="149" creationId="{02F429C4-ABC9-46FC-818A-B5429CDE4A96}"/>
-          </ac:spMkLst>
-        </pc:spChg>
-        <pc:spChg chg="add del">
-          <ac:chgData name="Andrew Jimenez" userId="254227a2-d348-401a-bf44-edde4b191201" providerId="ADAL" clId="{8EDE38EF-9705-4266-A620-A164C8EDDA07}" dt="2020-10-26T18:44:40.031" v="1989" actId="26606"/>
-          <ac:spMkLst>
-            <pc:docMk/>
-            <pc:sldMk cId="3357605275" sldId="272"/>
-            <ac:spMk id="150" creationId="{2CEF98E4-3709-4952-8F42-2305CCE34FA3}"/>
-          </ac:spMkLst>
-        </pc:spChg>
-        <pc:spChg chg="add del">
-          <ac:chgData name="Andrew Jimenez" userId="254227a2-d348-401a-bf44-edde4b191201" providerId="ADAL" clId="{8EDE38EF-9705-4266-A620-A164C8EDDA07}" dt="2020-10-26T18:44:40.031" v="1989" actId="26606"/>
-          <ac:spMkLst>
-            <pc:docMk/>
-            <pc:sldMk cId="3357605275" sldId="272"/>
-            <ac:spMk id="151" creationId="{F10BCCF5-D685-47FF-B675-647EAEB72C8E}"/>
-          </ac:spMkLst>
-        </pc:spChg>
-        <pc:spChg chg="add del">
-          <ac:chgData name="Andrew Jimenez" userId="254227a2-d348-401a-bf44-edde4b191201" providerId="ADAL" clId="{8EDE38EF-9705-4266-A620-A164C8EDDA07}" dt="2020-10-26T18:44:40.031" v="1989" actId="26606"/>
-          <ac:spMkLst>
-            <pc:docMk/>
-            <pc:sldMk cId="3357605275" sldId="272"/>
-            <ac:spMk id="152" creationId="{B0EE8A42-107A-4D4C-8D56-BBAE95C7FC0D}"/>
-          </ac:spMkLst>
-        </pc:spChg>
-        <pc:spChg chg="add del">
-          <ac:chgData name="Andrew Jimenez" userId="254227a2-d348-401a-bf44-edde4b191201" providerId="ADAL" clId="{8EDE38EF-9705-4266-A620-A164C8EDDA07}" dt="2020-10-26T18:44:45.533" v="1991" actId="26606"/>
-          <ac:spMkLst>
-            <pc:docMk/>
-            <pc:sldMk cId="3357605275" sldId="272"/>
-            <ac:spMk id="154" creationId="{C66F2F30-5DC0-44A0-BFA6-E12F46ED16DA}"/>
-          </ac:spMkLst>
-        </pc:spChg>
-        <pc:spChg chg="add del">
-          <ac:chgData name="Andrew Jimenez" userId="254227a2-d348-401a-bf44-edde4b191201" providerId="ADAL" clId="{8EDE38EF-9705-4266-A620-A164C8EDDA07}" dt="2020-10-26T18:44:45.533" v="1991" actId="26606"/>
-          <ac:spMkLst>
-            <pc:docMk/>
-            <pc:sldMk cId="3357605275" sldId="272"/>
-            <ac:spMk id="155" creationId="{85872F57-7F42-4F97-8391-DDC8D0054C03}"/>
-          </ac:spMkLst>
-        </pc:spChg>
-        <pc:spChg chg="add del">
-          <ac:chgData name="Andrew Jimenez" userId="254227a2-d348-401a-bf44-edde4b191201" providerId="ADAL" clId="{8EDE38EF-9705-4266-A620-A164C8EDDA07}" dt="2020-10-26T18:44:45.533" v="1991" actId="26606"/>
-          <ac:spMkLst>
-            <pc:docMk/>
-            <pc:sldMk cId="3357605275" sldId="272"/>
-            <ac:spMk id="156" creationId="{04DC2037-48A0-4F22-B9D4-8EAEBC780AB4}"/>
-          </ac:spMkLst>
-        </pc:spChg>
-        <pc:spChg chg="add del">
-          <ac:chgData name="Andrew Jimenez" userId="254227a2-d348-401a-bf44-edde4b191201" providerId="ADAL" clId="{8EDE38EF-9705-4266-A620-A164C8EDDA07}" dt="2020-10-26T18:44:45.533" v="1991" actId="26606"/>
-          <ac:spMkLst>
-            <pc:docMk/>
-            <pc:sldMk cId="3357605275" sldId="272"/>
-            <ac:spMk id="157" creationId="{0006CBFD-ADA0-43D1-9332-9C34CA1C76ED}"/>
-          </ac:spMkLst>
-        </pc:spChg>
-        <pc:spChg chg="add del">
-          <ac:chgData name="Andrew Jimenez" userId="254227a2-d348-401a-bf44-edde4b191201" providerId="ADAL" clId="{8EDE38EF-9705-4266-A620-A164C8EDDA07}" dt="2020-10-26T18:44:45.533" v="1991" actId="26606"/>
-          <ac:spMkLst>
-            <pc:docMk/>
-            <pc:sldMk cId="3357605275" sldId="272"/>
-            <ac:spMk id="158" creationId="{2B931666-F28F-45F3-A074-66D2272D580B}"/>
-          </ac:spMkLst>
-        </pc:spChg>
-        <pc:spChg chg="add del">
-          <ac:chgData name="Andrew Jimenez" userId="254227a2-d348-401a-bf44-edde4b191201" providerId="ADAL" clId="{8EDE38EF-9705-4266-A620-A164C8EDDA07}" dt="2020-10-26T18:44:49.379" v="1993" actId="26606"/>
-          <ac:spMkLst>
-            <pc:docMk/>
-            <pc:sldMk cId="3357605275" sldId="272"/>
-            <ac:spMk id="160" creationId="{74751229-0244-4FBB-BED1-407467F4C951}"/>
-          </ac:spMkLst>
-        </pc:spChg>
-        <pc:spChg chg="add">
-          <ac:chgData name="Andrew Jimenez" userId="254227a2-d348-401a-bf44-edde4b191201" providerId="ADAL" clId="{8EDE38EF-9705-4266-A620-A164C8EDDA07}" dt="2020-10-26T18:44:49.394" v="1994" actId="26606"/>
-          <ac:spMkLst>
-            <pc:docMk/>
-            <pc:sldMk cId="3357605275" sldId="272"/>
-            <ac:spMk id="164" creationId="{C66F2F30-5DC0-44A0-BFA6-E12F46ED16DA}"/>
-          </ac:spMkLst>
-        </pc:spChg>
-        <pc:spChg chg="add">
-          <ac:chgData name="Andrew Jimenez" userId="254227a2-d348-401a-bf44-edde4b191201" providerId="ADAL" clId="{8EDE38EF-9705-4266-A620-A164C8EDDA07}" dt="2020-10-26T18:44:49.394" v="1994" actId="26606"/>
-          <ac:spMkLst>
-            <pc:docMk/>
-            <pc:sldMk cId="3357605275" sldId="272"/>
-            <ac:spMk id="165" creationId="{85872F57-7F42-4F97-8391-DDC8D0054C03}"/>
-          </ac:spMkLst>
-        </pc:spChg>
-        <pc:spChg chg="add">
-          <ac:chgData name="Andrew Jimenez" userId="254227a2-d348-401a-bf44-edde4b191201" providerId="ADAL" clId="{8EDE38EF-9705-4266-A620-A164C8EDDA07}" dt="2020-10-26T18:44:49.394" v="1994" actId="26606"/>
-          <ac:spMkLst>
-            <pc:docMk/>
-            <pc:sldMk cId="3357605275" sldId="272"/>
-            <ac:spMk id="166" creationId="{04DC2037-48A0-4F22-B9D4-8EAEBC780AB4}"/>
-          </ac:spMkLst>
-        </pc:spChg>
-        <pc:spChg chg="add">
-          <ac:chgData name="Andrew Jimenez" userId="254227a2-d348-401a-bf44-edde4b191201" providerId="ADAL" clId="{8EDE38EF-9705-4266-A620-A164C8EDDA07}" dt="2020-10-26T18:44:49.394" v="1994" actId="26606"/>
-          <ac:spMkLst>
-            <pc:docMk/>
-            <pc:sldMk cId="3357605275" sldId="272"/>
-            <ac:spMk id="167" creationId="{0006CBFD-ADA0-43D1-9332-9C34CA1C76ED}"/>
-          </ac:spMkLst>
-        </pc:spChg>
-        <pc:spChg chg="add">
-          <ac:chgData name="Andrew Jimenez" userId="254227a2-d348-401a-bf44-edde4b191201" providerId="ADAL" clId="{8EDE38EF-9705-4266-A620-A164C8EDDA07}" dt="2020-10-26T18:44:49.394" v="1994" actId="26606"/>
-          <ac:spMkLst>
-            <pc:docMk/>
-            <pc:sldMk cId="3357605275" sldId="272"/>
-            <ac:spMk id="168" creationId="{2B931666-F28F-45F3-A074-66D2272D580B}"/>
-          </ac:spMkLst>
-        </pc:spChg>
-        <pc:grpChg chg="add del">
-          <ac:chgData name="Andrew Jimenez" userId="254227a2-d348-401a-bf44-edde4b191201" providerId="ADAL" clId="{8EDE38EF-9705-4266-A620-A164C8EDDA07}" dt="2020-10-26T18:44:14.010" v="1971" actId="26606"/>
-          <ac:grpSpMkLst>
-            <pc:docMk/>
-            <pc:sldMk cId="3357605275" sldId="272"/>
-            <ac:grpSpMk id="60" creationId="{64B93721-934F-4F1E-A868-0B2BA110D3B5}"/>
-          </ac:grpSpMkLst>
-        </pc:grpChg>
-        <pc:grpChg chg="add del">
-          <ac:chgData name="Andrew Jimenez" userId="254227a2-d348-401a-bf44-edde4b191201" providerId="ADAL" clId="{8EDE38EF-9705-4266-A620-A164C8EDDA07}" dt="2020-10-26T18:44:33.076" v="1981" actId="26606"/>
-          <ac:grpSpMkLst>
-            <pc:docMk/>
-            <pc:sldMk cId="3357605275" sldId="272"/>
-            <ac:grpSpMk id="105" creationId="{8F428E7C-CF72-4177-B907-662EDCB35B02}"/>
-          </ac:grpSpMkLst>
-        </pc:grpChg>
-        <pc:picChg chg="add del">
-          <ac:chgData name="Andrew Jimenez" userId="254227a2-d348-401a-bf44-edde4b191201" providerId="ADAL" clId="{8EDE38EF-9705-4266-A620-A164C8EDDA07}" dt="2020-10-26T18:43:40.125" v="1957" actId="26606"/>
-          <ac:picMkLst>
-            <pc:docMk/>
-            <pc:sldMk cId="3357605275" sldId="272"/>
-            <ac:picMk id="8" creationId="{D5AC5571-3C32-41EA-AFE9-E33E7832DB27}"/>
-          </ac:picMkLst>
-        </pc:picChg>
-        <pc:picChg chg="add del">
-          <ac:chgData name="Andrew Jimenez" userId="254227a2-d348-401a-bf44-edde4b191201" providerId="ADAL" clId="{8EDE38EF-9705-4266-A620-A164C8EDDA07}" dt="2020-10-26T18:43:40.125" v="1957" actId="26606"/>
-          <ac:picMkLst>
-            <pc:docMk/>
-            <pc:sldMk cId="3357605275" sldId="272"/>
-            <ac:picMk id="10" creationId="{E8278F16-0FFD-4E1C-B812-BE23D9894248}"/>
-          </ac:picMkLst>
-        </pc:picChg>
-        <pc:picChg chg="add del">
-          <ac:chgData name="Andrew Jimenez" userId="254227a2-d348-401a-bf44-edde4b191201" providerId="ADAL" clId="{8EDE38EF-9705-4266-A620-A164C8EDDA07}" dt="2020-10-26T18:43:47.443" v="1959" actId="26606"/>
-          <ac:picMkLst>
-            <pc:docMk/>
-            <pc:sldMk cId="3357605275" sldId="272"/>
-            <ac:picMk id="16" creationId="{EAEEA085-237A-4C7F-9737-861546F06FEB}"/>
-          </ac:picMkLst>
-        </pc:picChg>
-        <pc:picChg chg="add del">
-          <ac:chgData name="Andrew Jimenez" userId="254227a2-d348-401a-bf44-edde4b191201" providerId="ADAL" clId="{8EDE38EF-9705-4266-A620-A164C8EDDA07}" dt="2020-10-26T18:43:47.443" v="1959" actId="26606"/>
-          <ac:picMkLst>
-            <pc:docMk/>
-            <pc:sldMk cId="3357605275" sldId="272"/>
-            <ac:picMk id="17" creationId="{A0A50242-D335-42DD-8610-29E4F1271B16}"/>
-          </ac:picMkLst>
-        </pc:picChg>
-        <pc:picChg chg="add del">
-          <ac:chgData name="Andrew Jimenez" userId="254227a2-d348-401a-bf44-edde4b191201" providerId="ADAL" clId="{8EDE38EF-9705-4266-A620-A164C8EDDA07}" dt="2020-10-26T18:44:49.379" v="1993" actId="26606"/>
-          <ac:picMkLst>
-            <pc:docMk/>
-            <pc:sldMk cId="3357605275" sldId="272"/>
-            <ac:picMk id="161" creationId="{EAEEA085-237A-4C7F-9737-861546F06FEB}"/>
-          </ac:picMkLst>
-        </pc:picChg>
-        <pc:picChg chg="add del">
-          <ac:chgData name="Andrew Jimenez" userId="254227a2-d348-401a-bf44-edde4b191201" providerId="ADAL" clId="{8EDE38EF-9705-4266-A620-A164C8EDDA07}" dt="2020-10-26T18:44:49.379" v="1993" actId="26606"/>
-          <ac:picMkLst>
-            <pc:docMk/>
-            <pc:sldMk cId="3357605275" sldId="272"/>
-            <ac:picMk id="162" creationId="{A0A50242-D335-42DD-8610-29E4F1271B16}"/>
-          </ac:picMkLst>
-        </pc:picChg>
-      </pc:sldChg>
-    </pc:docChg>
-  </pc:docChgLst>
-  <pc:docChgLst>
     <pc:chgData name="Justin Chalfant" userId="50ec0e3f-3c8c-40d6-b729-b52deacaac3c" providerId="ADAL" clId="{326510C1-0AF3-4997-B22B-CE9AF62C5EB8}"/>
     <pc:docChg chg="undo custSel mod addSld delSld modSld sldOrd">
       <pc:chgData name="Justin Chalfant" userId="50ec0e3f-3c8c-40d6-b729-b52deacaac3c" providerId="ADAL" clId="{326510C1-0AF3-4997-B22B-CE9AF62C5EB8}" dt="2020-10-27T13:48:16.135" v="2658" actId="20577"/>
@@ -4618,6 +1922,2702 @@
             <ac:spMk id="12" creationId="{479F5F2B-8B58-4140-AE6A-51F6C67B18D9}"/>
           </ac:spMkLst>
         </pc:spChg>
+      </pc:sldChg>
+    </pc:docChg>
+  </pc:docChgLst>
+  <pc:docChgLst>
+    <pc:chgData name="Andrew Jimenez" userId="254227a2-d348-401a-bf44-edde4b191201" providerId="ADAL" clId="{8EDE38EF-9705-4266-A620-A164C8EDDA07}"/>
+    <pc:docChg chg="undo redo custSel mod addSld delSld modSld sldOrd">
+      <pc:chgData name="Andrew Jimenez" userId="254227a2-d348-401a-bf44-edde4b191201" providerId="ADAL" clId="{8EDE38EF-9705-4266-A620-A164C8EDDA07}" dt="2020-10-26T19:13:34.385" v="2365"/>
+      <pc:docMkLst>
+        <pc:docMk/>
+      </pc:docMkLst>
+      <pc:sldChg chg="addSp delSp modSp mod modMedia setBg delAnim delDesignElem">
+        <pc:chgData name="Andrew Jimenez" userId="254227a2-d348-401a-bf44-edde4b191201" providerId="ADAL" clId="{8EDE38EF-9705-4266-A620-A164C8EDDA07}" dt="2020-10-10T20:51:59.594" v="214" actId="26606"/>
+        <pc:sldMkLst>
+          <pc:docMk/>
+          <pc:sldMk cId="401081858" sldId="256"/>
+        </pc:sldMkLst>
+        <pc:spChg chg="mod">
+          <ac:chgData name="Andrew Jimenez" userId="254227a2-d348-401a-bf44-edde4b191201" providerId="ADAL" clId="{8EDE38EF-9705-4266-A620-A164C8EDDA07}" dt="2020-10-10T20:51:59.594" v="214" actId="26606"/>
+          <ac:spMkLst>
+            <pc:docMk/>
+            <pc:sldMk cId="401081858" sldId="256"/>
+            <ac:spMk id="2" creationId="{2CCC396A-AC3E-4F3D-8391-60B21D9EC8F4}"/>
+          </ac:spMkLst>
+        </pc:spChg>
+        <pc:spChg chg="mod">
+          <ac:chgData name="Andrew Jimenez" userId="254227a2-d348-401a-bf44-edde4b191201" providerId="ADAL" clId="{8EDE38EF-9705-4266-A620-A164C8EDDA07}" dt="2020-10-10T20:51:59.594" v="214" actId="26606"/>
+          <ac:spMkLst>
+            <pc:docMk/>
+            <pc:sldMk cId="401081858" sldId="256"/>
+            <ac:spMk id="3" creationId="{2F625746-21C2-4AB2-891A-5E28271B377D}"/>
+          </ac:spMkLst>
+        </pc:spChg>
+        <pc:spChg chg="add del">
+          <ac:chgData name="Andrew Jimenez" userId="254227a2-d348-401a-bf44-edde4b191201" providerId="ADAL" clId="{8EDE38EF-9705-4266-A620-A164C8EDDA07}" dt="2020-10-10T20:45:15.042" v="158" actId="26606"/>
+          <ac:spMkLst>
+            <pc:docMk/>
+            <pc:sldMk cId="401081858" sldId="256"/>
+            <ac:spMk id="8" creationId="{C66F2F30-5DC0-44A0-BFA6-E12F46ED16DA}"/>
+          </ac:spMkLst>
+        </pc:spChg>
+        <pc:spChg chg="add del">
+          <ac:chgData name="Andrew Jimenez" userId="254227a2-d348-401a-bf44-edde4b191201" providerId="ADAL" clId="{8EDE38EF-9705-4266-A620-A164C8EDDA07}" dt="2020-10-10T20:45:05.852" v="156" actId="26606"/>
+          <ac:spMkLst>
+            <pc:docMk/>
+            <pc:sldMk cId="401081858" sldId="256"/>
+            <ac:spMk id="9" creationId="{C1DD1A8A-57D5-4A81-AD04-532B043C5611}"/>
+          </ac:spMkLst>
+        </pc:spChg>
+        <pc:spChg chg="add del">
+          <ac:chgData name="Andrew Jimenez" userId="254227a2-d348-401a-bf44-edde4b191201" providerId="ADAL" clId="{8EDE38EF-9705-4266-A620-A164C8EDDA07}" dt="2020-10-10T20:45:15.042" v="158" actId="26606"/>
+          <ac:spMkLst>
+            <pc:docMk/>
+            <pc:sldMk cId="401081858" sldId="256"/>
+            <ac:spMk id="10" creationId="{85872F57-7F42-4F97-8391-DDC8D0054C03}"/>
+          </ac:spMkLst>
+        </pc:spChg>
+        <pc:spChg chg="add del">
+          <ac:chgData name="Andrew Jimenez" userId="254227a2-d348-401a-bf44-edde4b191201" providerId="ADAL" clId="{8EDE38EF-9705-4266-A620-A164C8EDDA07}" dt="2020-10-10T20:45:05.852" v="156" actId="26606"/>
+          <ac:spMkLst>
+            <pc:docMk/>
+            <pc:sldMk cId="401081858" sldId="256"/>
+            <ac:spMk id="11" creationId="{007891EC-4501-44ED-A8C8-B11B6DB767AB}"/>
+          </ac:spMkLst>
+        </pc:spChg>
+        <pc:spChg chg="add del">
+          <ac:chgData name="Andrew Jimenez" userId="254227a2-d348-401a-bf44-edde4b191201" providerId="ADAL" clId="{8EDE38EF-9705-4266-A620-A164C8EDDA07}" dt="2020-10-10T20:45:15.042" v="158" actId="26606"/>
+          <ac:spMkLst>
+            <pc:docMk/>
+            <pc:sldMk cId="401081858" sldId="256"/>
+            <ac:spMk id="12" creationId="{04DC2037-48A0-4F22-B9D4-8EAEBC780AB4}"/>
+          </ac:spMkLst>
+        </pc:spChg>
+        <pc:spChg chg="add del">
+          <ac:chgData name="Andrew Jimenez" userId="254227a2-d348-401a-bf44-edde4b191201" providerId="ADAL" clId="{8EDE38EF-9705-4266-A620-A164C8EDDA07}" dt="2020-10-10T20:45:15.042" v="158" actId="26606"/>
+          <ac:spMkLst>
+            <pc:docMk/>
+            <pc:sldMk cId="401081858" sldId="256"/>
+            <ac:spMk id="14" creationId="{0006CBFD-ADA0-43D1-9332-9C34CA1C76ED}"/>
+          </ac:spMkLst>
+        </pc:spChg>
+        <pc:spChg chg="add del">
+          <ac:chgData name="Andrew Jimenez" userId="254227a2-d348-401a-bf44-edde4b191201" providerId="ADAL" clId="{8EDE38EF-9705-4266-A620-A164C8EDDA07}" dt="2020-10-10T20:45:15.042" v="158" actId="26606"/>
+          <ac:spMkLst>
+            <pc:docMk/>
+            <pc:sldMk cId="401081858" sldId="256"/>
+            <ac:spMk id="16" creationId="{2B931666-F28F-45F3-A074-66D2272D580B}"/>
+          </ac:spMkLst>
+        </pc:spChg>
+        <pc:spChg chg="add del">
+          <ac:chgData name="Andrew Jimenez" userId="254227a2-d348-401a-bf44-edde4b191201" providerId="ADAL" clId="{8EDE38EF-9705-4266-A620-A164C8EDDA07}" dt="2020-10-10T20:45:16.152" v="160" actId="26606"/>
+          <ac:spMkLst>
+            <pc:docMk/>
+            <pc:sldMk cId="401081858" sldId="256"/>
+            <ac:spMk id="19" creationId="{46F1F2C8-798B-4CCE-A851-94AFAF350BED}"/>
+          </ac:spMkLst>
+        </pc:spChg>
+        <pc:spChg chg="add del">
+          <ac:chgData name="Andrew Jimenez" userId="254227a2-d348-401a-bf44-edde4b191201" providerId="ADAL" clId="{8EDE38EF-9705-4266-A620-A164C8EDDA07}" dt="2020-10-10T20:45:16.152" v="160" actId="26606"/>
+          <ac:spMkLst>
+            <pc:docMk/>
+            <pc:sldMk cId="401081858" sldId="256"/>
+            <ac:spMk id="20" creationId="{46A89C79-8EF3-4AF9-B3D9-59A883F41C83}"/>
+          </ac:spMkLst>
+        </pc:spChg>
+        <pc:spChg chg="add del">
+          <ac:chgData name="Andrew Jimenez" userId="254227a2-d348-401a-bf44-edde4b191201" providerId="ADAL" clId="{8EDE38EF-9705-4266-A620-A164C8EDDA07}" dt="2020-10-10T20:45:16.152" v="160" actId="26606"/>
+          <ac:spMkLst>
+            <pc:docMk/>
+            <pc:sldMk cId="401081858" sldId="256"/>
+            <ac:spMk id="21" creationId="{755E9CD0-04B0-4A3C-B291-AD913379C713}"/>
+          </ac:spMkLst>
+        </pc:spChg>
+        <pc:spChg chg="add del">
+          <ac:chgData name="Andrew Jimenez" userId="254227a2-d348-401a-bf44-edde4b191201" providerId="ADAL" clId="{8EDE38EF-9705-4266-A620-A164C8EDDA07}" dt="2020-10-10T20:45:16.152" v="160" actId="26606"/>
+          <ac:spMkLst>
+            <pc:docMk/>
+            <pc:sldMk cId="401081858" sldId="256"/>
+            <ac:spMk id="22" creationId="{EFE5CE34-4543-42E5-B82C-1F3D12422CDD}"/>
+          </ac:spMkLst>
+        </pc:spChg>
+        <pc:spChg chg="add del">
+          <ac:chgData name="Andrew Jimenez" userId="254227a2-d348-401a-bf44-edde4b191201" providerId="ADAL" clId="{8EDE38EF-9705-4266-A620-A164C8EDDA07}" dt="2020-10-10T20:45:16.152" v="160" actId="26606"/>
+          <ac:spMkLst>
+            <pc:docMk/>
+            <pc:sldMk cId="401081858" sldId="256"/>
+            <ac:spMk id="23" creationId="{1DD8BF3B-6066-418C-8D1A-75C5E396FC04}"/>
+          </ac:spMkLst>
+        </pc:spChg>
+        <pc:spChg chg="add del">
+          <ac:chgData name="Andrew Jimenez" userId="254227a2-d348-401a-bf44-edde4b191201" providerId="ADAL" clId="{8EDE38EF-9705-4266-A620-A164C8EDDA07}" dt="2020-10-10T20:45:16.152" v="160" actId="26606"/>
+          <ac:spMkLst>
+            <pc:docMk/>
+            <pc:sldMk cId="401081858" sldId="256"/>
+            <ac:spMk id="24" creationId="{72AF41FE-63D7-4695-81D2-66D2510E4486}"/>
+          </ac:spMkLst>
+        </pc:spChg>
+        <pc:spChg chg="add del">
+          <ac:chgData name="Andrew Jimenez" userId="254227a2-d348-401a-bf44-edde4b191201" providerId="ADAL" clId="{8EDE38EF-9705-4266-A620-A164C8EDDA07}" dt="2020-10-10T20:45:16.152" v="160" actId="26606"/>
+          <ac:spMkLst>
+            <pc:docMk/>
+            <pc:sldMk cId="401081858" sldId="256"/>
+            <ac:spMk id="25" creationId="{80BC66F9-7A74-4286-AD22-1174052CC22C}"/>
+          </ac:spMkLst>
+        </pc:spChg>
+        <pc:spChg chg="add del">
+          <ac:chgData name="Andrew Jimenez" userId="254227a2-d348-401a-bf44-edde4b191201" providerId="ADAL" clId="{8EDE38EF-9705-4266-A620-A164C8EDDA07}" dt="2020-10-10T20:45:16.152" v="160" actId="26606"/>
+          <ac:spMkLst>
+            <pc:docMk/>
+            <pc:sldMk cId="401081858" sldId="256"/>
+            <ac:spMk id="26" creationId="{D8142CC3-2B5C-48E6-9DF0-6C8ACBAF23EF}"/>
+          </ac:spMkLst>
+        </pc:spChg>
+        <pc:spChg chg="add del">
+          <ac:chgData name="Andrew Jimenez" userId="254227a2-d348-401a-bf44-edde4b191201" providerId="ADAL" clId="{8EDE38EF-9705-4266-A620-A164C8EDDA07}" dt="2020-10-10T20:45:17.298" v="162" actId="26606"/>
+          <ac:spMkLst>
+            <pc:docMk/>
+            <pc:sldMk cId="401081858" sldId="256"/>
+            <ac:spMk id="28" creationId="{FF56364F-341A-489D-99A6-B6EF5EDECEA3}"/>
+          </ac:spMkLst>
+        </pc:spChg>
+        <pc:spChg chg="add del">
+          <ac:chgData name="Andrew Jimenez" userId="254227a2-d348-401a-bf44-edde4b191201" providerId="ADAL" clId="{8EDE38EF-9705-4266-A620-A164C8EDDA07}" dt="2020-10-10T20:45:17.298" v="162" actId="26606"/>
+          <ac:spMkLst>
+            <pc:docMk/>
+            <pc:sldMk cId="401081858" sldId="256"/>
+            <ac:spMk id="29" creationId="{A42BD8CA-821E-4109-B1E5-9C4F55797519}"/>
+          </ac:spMkLst>
+        </pc:spChg>
+        <pc:spChg chg="add del">
+          <ac:chgData name="Andrew Jimenez" userId="254227a2-d348-401a-bf44-edde4b191201" providerId="ADAL" clId="{8EDE38EF-9705-4266-A620-A164C8EDDA07}" dt="2020-10-10T20:47:18.705" v="165" actId="26606"/>
+          <ac:spMkLst>
+            <pc:docMk/>
+            <pc:sldMk cId="401081858" sldId="256"/>
+            <ac:spMk id="31" creationId="{46F1F2C8-798B-4CCE-A851-94AFAF350BED}"/>
+          </ac:spMkLst>
+        </pc:spChg>
+        <pc:spChg chg="add del">
+          <ac:chgData name="Andrew Jimenez" userId="254227a2-d348-401a-bf44-edde4b191201" providerId="ADAL" clId="{8EDE38EF-9705-4266-A620-A164C8EDDA07}" dt="2020-10-10T20:47:18.705" v="165" actId="26606"/>
+          <ac:spMkLst>
+            <pc:docMk/>
+            <pc:sldMk cId="401081858" sldId="256"/>
+            <ac:spMk id="32" creationId="{755E9CD0-04B0-4A3C-B291-AD913379C713}"/>
+          </ac:spMkLst>
+        </pc:spChg>
+        <pc:spChg chg="add del">
+          <ac:chgData name="Andrew Jimenez" userId="254227a2-d348-401a-bf44-edde4b191201" providerId="ADAL" clId="{8EDE38EF-9705-4266-A620-A164C8EDDA07}" dt="2020-10-10T20:47:18.705" v="165" actId="26606"/>
+          <ac:spMkLst>
+            <pc:docMk/>
+            <pc:sldMk cId="401081858" sldId="256"/>
+            <ac:spMk id="33" creationId="{1DD8BF3B-6066-418C-8D1A-75C5E396FC04}"/>
+          </ac:spMkLst>
+        </pc:spChg>
+        <pc:spChg chg="add del">
+          <ac:chgData name="Andrew Jimenez" userId="254227a2-d348-401a-bf44-edde4b191201" providerId="ADAL" clId="{8EDE38EF-9705-4266-A620-A164C8EDDA07}" dt="2020-10-10T20:47:18.705" v="165" actId="26606"/>
+          <ac:spMkLst>
+            <pc:docMk/>
+            <pc:sldMk cId="401081858" sldId="256"/>
+            <ac:spMk id="34" creationId="{80BC66F9-7A74-4286-AD22-1174052CC22C}"/>
+          </ac:spMkLst>
+        </pc:spChg>
+        <pc:spChg chg="add del">
+          <ac:chgData name="Andrew Jimenez" userId="254227a2-d348-401a-bf44-edde4b191201" providerId="ADAL" clId="{8EDE38EF-9705-4266-A620-A164C8EDDA07}" dt="2020-10-10T20:47:18.705" v="165" actId="26606"/>
+          <ac:spMkLst>
+            <pc:docMk/>
+            <pc:sldMk cId="401081858" sldId="256"/>
+            <ac:spMk id="35" creationId="{D8142CC3-2B5C-48E6-9DF0-6C8ACBAF23EF}"/>
+          </ac:spMkLst>
+        </pc:spChg>
+        <pc:spChg chg="add del">
+          <ac:chgData name="Andrew Jimenez" userId="254227a2-d348-401a-bf44-edde4b191201" providerId="ADAL" clId="{8EDE38EF-9705-4266-A620-A164C8EDDA07}" dt="2020-10-10T20:47:18.705" v="165" actId="26606"/>
+          <ac:spMkLst>
+            <pc:docMk/>
+            <pc:sldMk cId="401081858" sldId="256"/>
+            <ac:spMk id="37" creationId="{46A89C79-8EF3-4AF9-B3D9-59A883F41C83}"/>
+          </ac:spMkLst>
+        </pc:spChg>
+        <pc:spChg chg="add del">
+          <ac:chgData name="Andrew Jimenez" userId="254227a2-d348-401a-bf44-edde4b191201" providerId="ADAL" clId="{8EDE38EF-9705-4266-A620-A164C8EDDA07}" dt="2020-10-10T20:47:18.705" v="165" actId="26606"/>
+          <ac:spMkLst>
+            <pc:docMk/>
+            <pc:sldMk cId="401081858" sldId="256"/>
+            <ac:spMk id="38" creationId="{EFE5CE34-4543-42E5-B82C-1F3D12422CDD}"/>
+          </ac:spMkLst>
+        </pc:spChg>
+        <pc:spChg chg="add del">
+          <ac:chgData name="Andrew Jimenez" userId="254227a2-d348-401a-bf44-edde4b191201" providerId="ADAL" clId="{8EDE38EF-9705-4266-A620-A164C8EDDA07}" dt="2020-10-10T20:47:18.705" v="165" actId="26606"/>
+          <ac:spMkLst>
+            <pc:docMk/>
+            <pc:sldMk cId="401081858" sldId="256"/>
+            <ac:spMk id="39" creationId="{72AF41FE-63D7-4695-81D2-66D2510E4486}"/>
+          </ac:spMkLst>
+        </pc:spChg>
+        <pc:spChg chg="add del">
+          <ac:chgData name="Andrew Jimenez" userId="254227a2-d348-401a-bf44-edde4b191201" providerId="ADAL" clId="{8EDE38EF-9705-4266-A620-A164C8EDDA07}" dt="2020-10-10T20:48:02.800" v="186" actId="26606"/>
+          <ac:spMkLst>
+            <pc:docMk/>
+            <pc:sldMk cId="401081858" sldId="256"/>
+            <ac:spMk id="44" creationId="{C66F2F30-5DC0-44A0-BFA6-E12F46ED16DA}"/>
+          </ac:spMkLst>
+        </pc:spChg>
+        <pc:spChg chg="add del">
+          <ac:chgData name="Andrew Jimenez" userId="254227a2-d348-401a-bf44-edde4b191201" providerId="ADAL" clId="{8EDE38EF-9705-4266-A620-A164C8EDDA07}" dt="2020-10-10T20:48:02.800" v="186" actId="26606"/>
+          <ac:spMkLst>
+            <pc:docMk/>
+            <pc:sldMk cId="401081858" sldId="256"/>
+            <ac:spMk id="46" creationId="{85872F57-7F42-4F97-8391-DDC8D0054C03}"/>
+          </ac:spMkLst>
+        </pc:spChg>
+        <pc:spChg chg="add del">
+          <ac:chgData name="Andrew Jimenez" userId="254227a2-d348-401a-bf44-edde4b191201" providerId="ADAL" clId="{8EDE38EF-9705-4266-A620-A164C8EDDA07}" dt="2020-10-10T20:48:02.800" v="186" actId="26606"/>
+          <ac:spMkLst>
+            <pc:docMk/>
+            <pc:sldMk cId="401081858" sldId="256"/>
+            <ac:spMk id="48" creationId="{04DC2037-48A0-4F22-B9D4-8EAEBC780AB4}"/>
+          </ac:spMkLst>
+        </pc:spChg>
+        <pc:spChg chg="add del">
+          <ac:chgData name="Andrew Jimenez" userId="254227a2-d348-401a-bf44-edde4b191201" providerId="ADAL" clId="{8EDE38EF-9705-4266-A620-A164C8EDDA07}" dt="2020-10-10T20:48:02.800" v="186" actId="26606"/>
+          <ac:spMkLst>
+            <pc:docMk/>
+            <pc:sldMk cId="401081858" sldId="256"/>
+            <ac:spMk id="50" creationId="{0006CBFD-ADA0-43D1-9332-9C34CA1C76ED}"/>
+          </ac:spMkLst>
+        </pc:spChg>
+        <pc:spChg chg="add del">
+          <ac:chgData name="Andrew Jimenez" userId="254227a2-d348-401a-bf44-edde4b191201" providerId="ADAL" clId="{8EDE38EF-9705-4266-A620-A164C8EDDA07}" dt="2020-10-10T20:48:02.800" v="186" actId="26606"/>
+          <ac:spMkLst>
+            <pc:docMk/>
+            <pc:sldMk cId="401081858" sldId="256"/>
+            <ac:spMk id="52" creationId="{2B931666-F28F-45F3-A074-66D2272D580B}"/>
+          </ac:spMkLst>
+        </pc:spChg>
+        <pc:spChg chg="add del">
+          <ac:chgData name="Andrew Jimenez" userId="254227a2-d348-401a-bf44-edde4b191201" providerId="ADAL" clId="{8EDE38EF-9705-4266-A620-A164C8EDDA07}" dt="2020-10-10T20:48:21.550" v="187" actId="26606"/>
+          <ac:spMkLst>
+            <pc:docMk/>
+            <pc:sldMk cId="401081858" sldId="256"/>
+            <ac:spMk id="57" creationId="{934F1179-B481-4F9E-BCA3-AFB972070F83}"/>
+          </ac:spMkLst>
+        </pc:spChg>
+        <pc:spChg chg="add del">
+          <ac:chgData name="Andrew Jimenez" userId="254227a2-d348-401a-bf44-edde4b191201" providerId="ADAL" clId="{8EDE38EF-9705-4266-A620-A164C8EDDA07}" dt="2020-10-10T20:48:21.550" v="187" actId="26606"/>
+          <ac:spMkLst>
+            <pc:docMk/>
+            <pc:sldMk cId="401081858" sldId="256"/>
+            <ac:spMk id="59" creationId="{827DC2C4-B485-428A-BF4A-472D2967F47F}"/>
+          </ac:spMkLst>
+        </pc:spChg>
+        <pc:spChg chg="add del">
+          <ac:chgData name="Andrew Jimenez" userId="254227a2-d348-401a-bf44-edde4b191201" providerId="ADAL" clId="{8EDE38EF-9705-4266-A620-A164C8EDDA07}" dt="2020-10-10T20:48:21.550" v="187" actId="26606"/>
+          <ac:spMkLst>
+            <pc:docMk/>
+            <pc:sldMk cId="401081858" sldId="256"/>
+            <ac:spMk id="61" creationId="{EE04B5EB-F158-4507-90DD-BD23620C7CC9}"/>
+          </ac:spMkLst>
+        </pc:spChg>
+        <pc:spChg chg="add del">
+          <ac:chgData name="Andrew Jimenez" userId="254227a2-d348-401a-bf44-edde4b191201" providerId="ADAL" clId="{8EDE38EF-9705-4266-A620-A164C8EDDA07}" dt="2020-10-10T20:51:59.594" v="214" actId="26606"/>
+          <ac:spMkLst>
+            <pc:docMk/>
+            <pc:sldMk cId="401081858" sldId="256"/>
+            <ac:spMk id="66" creationId="{46F1F2C8-798B-4CCE-A851-94AFAF350BED}"/>
+          </ac:spMkLst>
+        </pc:spChg>
+        <pc:spChg chg="add del">
+          <ac:chgData name="Andrew Jimenez" userId="254227a2-d348-401a-bf44-edde4b191201" providerId="ADAL" clId="{8EDE38EF-9705-4266-A620-A164C8EDDA07}" dt="2020-10-10T20:51:59.594" v="214" actId="26606"/>
+          <ac:spMkLst>
+            <pc:docMk/>
+            <pc:sldMk cId="401081858" sldId="256"/>
+            <ac:spMk id="68" creationId="{755E9CD0-04B0-4A3C-B291-AD913379C713}"/>
+          </ac:spMkLst>
+        </pc:spChg>
+        <pc:spChg chg="add del">
+          <ac:chgData name="Andrew Jimenez" userId="254227a2-d348-401a-bf44-edde4b191201" providerId="ADAL" clId="{8EDE38EF-9705-4266-A620-A164C8EDDA07}" dt="2020-10-10T20:51:59.594" v="214" actId="26606"/>
+          <ac:spMkLst>
+            <pc:docMk/>
+            <pc:sldMk cId="401081858" sldId="256"/>
+            <ac:spMk id="70" creationId="{1DD8BF3B-6066-418C-8D1A-75C5E396FC04}"/>
+          </ac:spMkLst>
+        </pc:spChg>
+        <pc:spChg chg="add del">
+          <ac:chgData name="Andrew Jimenez" userId="254227a2-d348-401a-bf44-edde4b191201" providerId="ADAL" clId="{8EDE38EF-9705-4266-A620-A164C8EDDA07}" dt="2020-10-10T20:51:59.594" v="214" actId="26606"/>
+          <ac:spMkLst>
+            <pc:docMk/>
+            <pc:sldMk cId="401081858" sldId="256"/>
+            <ac:spMk id="72" creationId="{80BC66F9-7A74-4286-AD22-1174052CC22C}"/>
+          </ac:spMkLst>
+        </pc:spChg>
+        <pc:spChg chg="add del">
+          <ac:chgData name="Andrew Jimenez" userId="254227a2-d348-401a-bf44-edde4b191201" providerId="ADAL" clId="{8EDE38EF-9705-4266-A620-A164C8EDDA07}" dt="2020-10-10T20:51:59.594" v="214" actId="26606"/>
+          <ac:spMkLst>
+            <pc:docMk/>
+            <pc:sldMk cId="401081858" sldId="256"/>
+            <ac:spMk id="74" creationId="{D8142CC3-2B5C-48E6-9DF0-6C8ACBAF23EF}"/>
+          </ac:spMkLst>
+        </pc:spChg>
+        <pc:spChg chg="add del">
+          <ac:chgData name="Andrew Jimenez" userId="254227a2-d348-401a-bf44-edde4b191201" providerId="ADAL" clId="{8EDE38EF-9705-4266-A620-A164C8EDDA07}" dt="2020-10-10T20:51:59.594" v="214" actId="26606"/>
+          <ac:spMkLst>
+            <pc:docMk/>
+            <pc:sldMk cId="401081858" sldId="256"/>
+            <ac:spMk id="78" creationId="{46A89C79-8EF3-4AF9-B3D9-59A883F41C83}"/>
+          </ac:spMkLst>
+        </pc:spChg>
+        <pc:spChg chg="add del">
+          <ac:chgData name="Andrew Jimenez" userId="254227a2-d348-401a-bf44-edde4b191201" providerId="ADAL" clId="{8EDE38EF-9705-4266-A620-A164C8EDDA07}" dt="2020-10-10T20:51:59.594" v="214" actId="26606"/>
+          <ac:spMkLst>
+            <pc:docMk/>
+            <pc:sldMk cId="401081858" sldId="256"/>
+            <ac:spMk id="80" creationId="{EFE5CE34-4543-42E5-B82C-1F3D12422CDD}"/>
+          </ac:spMkLst>
+        </pc:spChg>
+        <pc:spChg chg="add del">
+          <ac:chgData name="Andrew Jimenez" userId="254227a2-d348-401a-bf44-edde4b191201" providerId="ADAL" clId="{8EDE38EF-9705-4266-A620-A164C8EDDA07}" dt="2020-10-10T20:51:59.594" v="214" actId="26606"/>
+          <ac:spMkLst>
+            <pc:docMk/>
+            <pc:sldMk cId="401081858" sldId="256"/>
+            <ac:spMk id="82" creationId="{72AF41FE-63D7-4695-81D2-66D2510E4486}"/>
+          </ac:spMkLst>
+        </pc:spChg>
+        <pc:spChg chg="add">
+          <ac:chgData name="Andrew Jimenez" userId="254227a2-d348-401a-bf44-edde4b191201" providerId="ADAL" clId="{8EDE38EF-9705-4266-A620-A164C8EDDA07}" dt="2020-10-10T20:51:59.594" v="214" actId="26606"/>
+          <ac:spMkLst>
+            <pc:docMk/>
+            <pc:sldMk cId="401081858" sldId="256"/>
+            <ac:spMk id="87" creationId="{4617A126-5DCD-4798-B9AE-216B83FD9288}"/>
+          </ac:spMkLst>
+        </pc:spChg>
+        <pc:spChg chg="add">
+          <ac:chgData name="Andrew Jimenez" userId="254227a2-d348-401a-bf44-edde4b191201" providerId="ADAL" clId="{8EDE38EF-9705-4266-A620-A164C8EDDA07}" dt="2020-10-10T20:51:59.594" v="214" actId="26606"/>
+          <ac:spMkLst>
+            <pc:docMk/>
+            <pc:sldMk cId="401081858" sldId="256"/>
+            <ac:spMk id="89" creationId="{23188EB1-D10C-4405-9C8B-BE93843BBA45}"/>
+          </ac:spMkLst>
+        </pc:spChg>
+        <pc:spChg chg="add">
+          <ac:chgData name="Andrew Jimenez" userId="254227a2-d348-401a-bf44-edde4b191201" providerId="ADAL" clId="{8EDE38EF-9705-4266-A620-A164C8EDDA07}" dt="2020-10-10T20:51:59.594" v="214" actId="26606"/>
+          <ac:spMkLst>
+            <pc:docMk/>
+            <pc:sldMk cId="401081858" sldId="256"/>
+            <ac:spMk id="91" creationId="{CC6D41BF-D79E-4E7E-9288-5B91329AF05A}"/>
+          </ac:spMkLst>
+        </pc:spChg>
+        <pc:spChg chg="add">
+          <ac:chgData name="Andrew Jimenez" userId="254227a2-d348-401a-bf44-edde4b191201" providerId="ADAL" clId="{8EDE38EF-9705-4266-A620-A164C8EDDA07}" dt="2020-10-10T20:51:59.594" v="214" actId="26606"/>
+          <ac:spMkLst>
+            <pc:docMk/>
+            <pc:sldMk cId="401081858" sldId="256"/>
+            <ac:spMk id="93" creationId="{783D52A5-3294-411F-B3FE-2CC36627A030}"/>
+          </ac:spMkLst>
+        </pc:spChg>
+        <pc:picChg chg="add del mod">
+          <ac:chgData name="Andrew Jimenez" userId="254227a2-d348-401a-bf44-edde4b191201" providerId="ADAL" clId="{8EDE38EF-9705-4266-A620-A164C8EDDA07}" dt="2020-10-10T20:45:05.852" v="156" actId="26606"/>
+          <ac:picMkLst>
+            <pc:docMk/>
+            <pc:sldMk cId="401081858" sldId="256"/>
+            <ac:picMk id="5" creationId="{C292695C-D08F-401C-A0EA-68A87E094667}"/>
+          </ac:picMkLst>
+        </pc:picChg>
+        <pc:cxnChg chg="add del">
+          <ac:chgData name="Andrew Jimenez" userId="254227a2-d348-401a-bf44-edde4b191201" providerId="ADAL" clId="{8EDE38EF-9705-4266-A620-A164C8EDDA07}" dt="2020-10-10T20:45:16.152" v="160" actId="26606"/>
+          <ac:cxnSpMkLst>
+            <pc:docMk/>
+            <pc:sldMk cId="401081858" sldId="256"/>
+            <ac:cxnSpMk id="18" creationId="{7B2D303B-3DD0-4319-9EAD-361847FEC71D}"/>
+          </ac:cxnSpMkLst>
+        </pc:cxnChg>
+        <pc:cxnChg chg="add del">
+          <ac:chgData name="Andrew Jimenez" userId="254227a2-d348-401a-bf44-edde4b191201" providerId="ADAL" clId="{8EDE38EF-9705-4266-A620-A164C8EDDA07}" dt="2020-10-10T20:47:18.705" v="165" actId="26606"/>
+          <ac:cxnSpMkLst>
+            <pc:docMk/>
+            <pc:sldMk cId="401081858" sldId="256"/>
+            <ac:cxnSpMk id="36" creationId="{7B2D303B-3DD0-4319-9EAD-361847FEC71D}"/>
+          </ac:cxnSpMkLst>
+        </pc:cxnChg>
+        <pc:cxnChg chg="add del">
+          <ac:chgData name="Andrew Jimenez" userId="254227a2-d348-401a-bf44-edde4b191201" providerId="ADAL" clId="{8EDE38EF-9705-4266-A620-A164C8EDDA07}" dt="2020-10-10T20:51:59.594" v="214" actId="26606"/>
+          <ac:cxnSpMkLst>
+            <pc:docMk/>
+            <pc:sldMk cId="401081858" sldId="256"/>
+            <ac:cxnSpMk id="76" creationId="{7B2D303B-3DD0-4319-9EAD-361847FEC71D}"/>
+          </ac:cxnSpMkLst>
+        </pc:cxnChg>
+      </pc:sldChg>
+      <pc:sldChg chg="addSp delSp modSp mod setBg delDesignElem modNotesTx">
+        <pc:chgData name="Andrew Jimenez" userId="254227a2-d348-401a-bf44-edde4b191201" providerId="ADAL" clId="{8EDE38EF-9705-4266-A620-A164C8EDDA07}" dt="2020-10-26T19:08:23.333" v="2156" actId="20577"/>
+        <pc:sldMkLst>
+          <pc:docMk/>
+          <pc:sldMk cId="727409370" sldId="257"/>
+        </pc:sldMkLst>
+        <pc:spChg chg="mod">
+          <ac:chgData name="Andrew Jimenez" userId="254227a2-d348-401a-bf44-edde4b191201" providerId="ADAL" clId="{8EDE38EF-9705-4266-A620-A164C8EDDA07}" dt="2020-10-10T20:42:07.410" v="12" actId="26606"/>
+          <ac:spMkLst>
+            <pc:docMk/>
+            <pc:sldMk cId="727409370" sldId="257"/>
+            <ac:spMk id="2" creationId="{E489AD5A-77E0-4479-B6E1-6973466C54E9}"/>
+          </ac:spMkLst>
+        </pc:spChg>
+        <pc:spChg chg="del">
+          <ac:chgData name="Andrew Jimenez" userId="254227a2-d348-401a-bf44-edde4b191201" providerId="ADAL" clId="{8EDE38EF-9705-4266-A620-A164C8EDDA07}" dt="2020-10-10T20:41:20.218" v="7" actId="26606"/>
+          <ac:spMkLst>
+            <pc:docMk/>
+            <pc:sldMk cId="727409370" sldId="257"/>
+            <ac:spMk id="3" creationId="{C677A729-EAD6-401A-8BA4-CD94FB7D960F}"/>
+          </ac:spMkLst>
+        </pc:spChg>
+        <pc:spChg chg="add del">
+          <ac:chgData name="Andrew Jimenez" userId="254227a2-d348-401a-bf44-edde4b191201" providerId="ADAL" clId="{8EDE38EF-9705-4266-A620-A164C8EDDA07}" dt="2020-10-10T20:41:41.602" v="8" actId="26606"/>
+          <ac:spMkLst>
+            <pc:docMk/>
+            <pc:sldMk cId="727409370" sldId="257"/>
+            <ac:spMk id="9" creationId="{46C2E80F-49A6-4372-B103-219D417A55ED}"/>
+          </ac:spMkLst>
+        </pc:spChg>
+        <pc:spChg chg="add del">
+          <ac:chgData name="Andrew Jimenez" userId="254227a2-d348-401a-bf44-edde4b191201" providerId="ADAL" clId="{8EDE38EF-9705-4266-A620-A164C8EDDA07}" dt="2020-10-10T20:42:07.410" v="12" actId="26606"/>
+          <ac:spMkLst>
+            <pc:docMk/>
+            <pc:sldMk cId="727409370" sldId="257"/>
+            <ac:spMk id="14" creationId="{955A2079-FA98-4876-80F0-72364A7D2EA4}"/>
+          </ac:spMkLst>
+        </pc:spChg>
+        <pc:spChg chg="add del">
+          <ac:chgData name="Andrew Jimenez" userId="254227a2-d348-401a-bf44-edde4b191201" providerId="ADAL" clId="{8EDE38EF-9705-4266-A620-A164C8EDDA07}" dt="2020-10-10T20:42:07.342" v="11" actId="26606"/>
+          <ac:spMkLst>
+            <pc:docMk/>
+            <pc:sldMk cId="727409370" sldId="257"/>
+            <ac:spMk id="19" creationId="{955A2079-FA98-4876-80F0-72364A7D2EA4}"/>
+          </ac:spMkLst>
+        </pc:spChg>
+        <pc:spChg chg="add del">
+          <ac:chgData name="Andrew Jimenez" userId="254227a2-d348-401a-bf44-edde4b191201" providerId="ADAL" clId="{8EDE38EF-9705-4266-A620-A164C8EDDA07}" dt="2020-10-10T20:50:29.678" v="210"/>
+          <ac:spMkLst>
+            <pc:docMk/>
+            <pc:sldMk cId="727409370" sldId="257"/>
+            <ac:spMk id="21" creationId="{6C4028FD-8BAA-4A19-BFDE-594D991B7552}"/>
+          </ac:spMkLst>
+        </pc:spChg>
+        <pc:graphicFrameChg chg="add mod modGraphic">
+          <ac:chgData name="Andrew Jimenez" userId="254227a2-d348-401a-bf44-edde4b191201" providerId="ADAL" clId="{8EDE38EF-9705-4266-A620-A164C8EDDA07}" dt="2020-10-10T20:42:07.410" v="12" actId="26606"/>
+          <ac:graphicFrameMkLst>
+            <pc:docMk/>
+            <pc:sldMk cId="727409370" sldId="257"/>
+            <ac:graphicFrameMk id="5" creationId="{A2DC4180-4C9F-466D-B0AE-2A6C61470F79}"/>
+          </ac:graphicFrameMkLst>
+        </pc:graphicFrameChg>
+      </pc:sldChg>
+      <pc:sldChg chg="addSp delSp modSp mod ord setBg delDesignElem modNotesTx">
+        <pc:chgData name="Andrew Jimenez" userId="254227a2-d348-401a-bf44-edde4b191201" providerId="ADAL" clId="{8EDE38EF-9705-4266-A620-A164C8EDDA07}" dt="2020-10-26T19:07:43.602" v="2126" actId="20577"/>
+        <pc:sldMkLst>
+          <pc:docMk/>
+          <pc:sldMk cId="671775624" sldId="258"/>
+        </pc:sldMkLst>
+        <pc:spChg chg="mod">
+          <ac:chgData name="Andrew Jimenez" userId="254227a2-d348-401a-bf44-edde4b191201" providerId="ADAL" clId="{8EDE38EF-9705-4266-A620-A164C8EDDA07}" dt="2020-10-10T20:41:59.709" v="9" actId="26606"/>
+          <ac:spMkLst>
+            <pc:docMk/>
+            <pc:sldMk cId="671775624" sldId="258"/>
+            <ac:spMk id="2" creationId="{6B8FCA73-CB2B-41BB-B786-96EF530A353A}"/>
+          </ac:spMkLst>
+        </pc:spChg>
+        <pc:spChg chg="mod">
+          <ac:chgData name="Andrew Jimenez" userId="254227a2-d348-401a-bf44-edde4b191201" providerId="ADAL" clId="{8EDE38EF-9705-4266-A620-A164C8EDDA07}" dt="2020-10-10T20:41:59.709" v="9" actId="26606"/>
+          <ac:spMkLst>
+            <pc:docMk/>
+            <pc:sldMk cId="671775624" sldId="258"/>
+            <ac:spMk id="3" creationId="{9022B9CF-150D-4BF8-B27B-694FE4321FAD}"/>
+          </ac:spMkLst>
+        </pc:spChg>
+        <pc:spChg chg="add del">
+          <ac:chgData name="Andrew Jimenez" userId="254227a2-d348-401a-bf44-edde4b191201" providerId="ADAL" clId="{8EDE38EF-9705-4266-A620-A164C8EDDA07}" dt="2020-10-10T20:50:29.678" v="210"/>
+          <ac:spMkLst>
+            <pc:docMk/>
+            <pc:sldMk cId="671775624" sldId="258"/>
+            <ac:spMk id="8" creationId="{7CB4857B-ED7C-444D-9F04-2F885114A1C2}"/>
+          </ac:spMkLst>
+        </pc:spChg>
+        <pc:spChg chg="add del">
+          <ac:chgData name="Andrew Jimenez" userId="254227a2-d348-401a-bf44-edde4b191201" providerId="ADAL" clId="{8EDE38EF-9705-4266-A620-A164C8EDDA07}" dt="2020-10-10T20:50:29.678" v="210"/>
+          <ac:spMkLst>
+            <pc:docMk/>
+            <pc:sldMk cId="671775624" sldId="258"/>
+            <ac:spMk id="10" creationId="{D18046FB-44EA-4FD8-A585-EA09A319B2D0}"/>
+          </ac:spMkLst>
+        </pc:spChg>
+        <pc:spChg chg="add del">
+          <ac:chgData name="Andrew Jimenez" userId="254227a2-d348-401a-bf44-edde4b191201" providerId="ADAL" clId="{8EDE38EF-9705-4266-A620-A164C8EDDA07}" dt="2020-10-10T20:50:29.678" v="210"/>
+          <ac:spMkLst>
+            <pc:docMk/>
+            <pc:sldMk cId="671775624" sldId="258"/>
+            <ac:spMk id="12" creationId="{479F5F2B-8B58-4140-AE6A-51F6C67B18D9}"/>
+          </ac:spMkLst>
+        </pc:spChg>
+      </pc:sldChg>
+      <pc:sldChg chg="addSp delSp modSp mod ord setBg delDesignElem modNotesTx">
+        <pc:chgData name="Andrew Jimenez" userId="254227a2-d348-401a-bf44-edde4b191201" providerId="ADAL" clId="{8EDE38EF-9705-4266-A620-A164C8EDDA07}" dt="2020-10-26T19:08:02.931" v="2138" actId="20577"/>
+        <pc:sldMkLst>
+          <pc:docMk/>
+          <pc:sldMk cId="2325775077" sldId="259"/>
+        </pc:sldMkLst>
+        <pc:spChg chg="mod">
+          <ac:chgData name="Andrew Jimenez" userId="254227a2-d348-401a-bf44-edde4b191201" providerId="ADAL" clId="{8EDE38EF-9705-4266-A620-A164C8EDDA07}" dt="2020-10-10T20:40:58.370" v="6" actId="26606"/>
+          <ac:spMkLst>
+            <pc:docMk/>
+            <pc:sldMk cId="2325775077" sldId="259"/>
+            <ac:spMk id="2" creationId="{2A3026A5-87A3-4E15-B773-272019C97542}"/>
+          </ac:spMkLst>
+        </pc:spChg>
+        <pc:spChg chg="add del">
+          <ac:chgData name="Andrew Jimenez" userId="254227a2-d348-401a-bf44-edde4b191201" providerId="ADAL" clId="{8EDE38EF-9705-4266-A620-A164C8EDDA07}" dt="2020-10-10T20:40:58.370" v="6" actId="26606"/>
+          <ac:spMkLst>
+            <pc:docMk/>
+            <pc:sldMk cId="2325775077" sldId="259"/>
+            <ac:spMk id="3" creationId="{27AAA2A4-1008-420D-821B-5DA25E2D2B6B}"/>
+          </ac:spMkLst>
+        </pc:spChg>
+        <pc:spChg chg="add del">
+          <ac:chgData name="Andrew Jimenez" userId="254227a2-d348-401a-bf44-edde4b191201" providerId="ADAL" clId="{8EDE38EF-9705-4266-A620-A164C8EDDA07}" dt="2020-10-10T20:40:51.042" v="1" actId="26606"/>
+          <ac:spMkLst>
+            <pc:docMk/>
+            <pc:sldMk cId="2325775077" sldId="259"/>
+            <ac:spMk id="9" creationId="{955A2079-FA98-4876-80F0-72364A7D2EA4}"/>
+          </ac:spMkLst>
+        </pc:spChg>
+        <pc:spChg chg="add del">
+          <ac:chgData name="Andrew Jimenez" userId="254227a2-d348-401a-bf44-edde4b191201" providerId="ADAL" clId="{8EDE38EF-9705-4266-A620-A164C8EDDA07}" dt="2020-10-10T20:40:56.564" v="3" actId="26606"/>
+          <ac:spMkLst>
+            <pc:docMk/>
+            <pc:sldMk cId="2325775077" sldId="259"/>
+            <ac:spMk id="11" creationId="{46C2E80F-49A6-4372-B103-219D417A55ED}"/>
+          </ac:spMkLst>
+        </pc:spChg>
+        <pc:spChg chg="add del">
+          <ac:chgData name="Andrew Jimenez" userId="254227a2-d348-401a-bf44-edde4b191201" providerId="ADAL" clId="{8EDE38EF-9705-4266-A620-A164C8EDDA07}" dt="2020-10-10T20:40:58.317" v="5" actId="26606"/>
+          <ac:spMkLst>
+            <pc:docMk/>
+            <pc:sldMk cId="2325775077" sldId="259"/>
+            <ac:spMk id="14" creationId="{3A5B4632-C963-4296-86F0-79AA9EA5AE98}"/>
+          </ac:spMkLst>
+        </pc:spChg>
+        <pc:spChg chg="add del">
+          <ac:chgData name="Andrew Jimenez" userId="254227a2-d348-401a-bf44-edde4b191201" providerId="ADAL" clId="{8EDE38EF-9705-4266-A620-A164C8EDDA07}" dt="2020-10-10T20:50:29.678" v="210"/>
+          <ac:spMkLst>
+            <pc:docMk/>
+            <pc:sldMk cId="2325775077" sldId="259"/>
+            <ac:spMk id="17" creationId="{46C2E80F-49A6-4372-B103-219D417A55ED}"/>
+          </ac:spMkLst>
+        </pc:spChg>
+        <pc:graphicFrameChg chg="add del">
+          <ac:chgData name="Andrew Jimenez" userId="254227a2-d348-401a-bf44-edde4b191201" providerId="ADAL" clId="{8EDE38EF-9705-4266-A620-A164C8EDDA07}" dt="2020-10-10T20:40:51.042" v="1" actId="26606"/>
+          <ac:graphicFrameMkLst>
+            <pc:docMk/>
+            <pc:sldMk cId="2325775077" sldId="259"/>
+            <ac:graphicFrameMk id="5" creationId="{57081D6E-30E3-4D3B-AECE-7EEF7304CBEE}"/>
+          </ac:graphicFrameMkLst>
+        </pc:graphicFrameChg>
+        <pc:graphicFrameChg chg="add del">
+          <ac:chgData name="Andrew Jimenez" userId="254227a2-d348-401a-bf44-edde4b191201" providerId="ADAL" clId="{8EDE38EF-9705-4266-A620-A164C8EDDA07}" dt="2020-10-10T20:40:56.564" v="3" actId="26606"/>
+          <ac:graphicFrameMkLst>
+            <pc:docMk/>
+            <pc:sldMk cId="2325775077" sldId="259"/>
+            <ac:graphicFrameMk id="12" creationId="{A036AF03-C1EB-4ACE-80EA-B667DA4F938B}"/>
+          </ac:graphicFrameMkLst>
+        </pc:graphicFrameChg>
+        <pc:graphicFrameChg chg="add del">
+          <ac:chgData name="Andrew Jimenez" userId="254227a2-d348-401a-bf44-edde4b191201" providerId="ADAL" clId="{8EDE38EF-9705-4266-A620-A164C8EDDA07}" dt="2020-10-10T20:40:58.317" v="5" actId="26606"/>
+          <ac:graphicFrameMkLst>
+            <pc:docMk/>
+            <pc:sldMk cId="2325775077" sldId="259"/>
+            <ac:graphicFrameMk id="15" creationId="{EEFAE15F-8558-402C-A708-4692EB996916}"/>
+          </ac:graphicFrameMkLst>
+        </pc:graphicFrameChg>
+        <pc:graphicFrameChg chg="add mod">
+          <ac:chgData name="Andrew Jimenez" userId="254227a2-d348-401a-bf44-edde4b191201" providerId="ADAL" clId="{8EDE38EF-9705-4266-A620-A164C8EDDA07}" dt="2020-10-10T20:44:01.523" v="105" actId="20577"/>
+          <ac:graphicFrameMkLst>
+            <pc:docMk/>
+            <pc:sldMk cId="2325775077" sldId="259"/>
+            <ac:graphicFrameMk id="18" creationId="{A036AF03-C1EB-4ACE-80EA-B667DA4F938B}"/>
+          </ac:graphicFrameMkLst>
+        </pc:graphicFrameChg>
+      </pc:sldChg>
+      <pc:sldChg chg="addSp delSp modSp new mod setBg modClrScheme delDesignElem chgLayout modNotesTx">
+        <pc:chgData name="Andrew Jimenez" userId="254227a2-d348-401a-bf44-edde4b191201" providerId="ADAL" clId="{8EDE38EF-9705-4266-A620-A164C8EDDA07}" dt="2020-10-26T19:13:07.475" v="2363" actId="20577"/>
+        <pc:sldMkLst>
+          <pc:docMk/>
+          <pc:sldMk cId="1455974026" sldId="260"/>
+        </pc:sldMkLst>
+        <pc:spChg chg="mod ord">
+          <ac:chgData name="Andrew Jimenez" userId="254227a2-d348-401a-bf44-edde4b191201" providerId="ADAL" clId="{8EDE38EF-9705-4266-A620-A164C8EDDA07}" dt="2020-10-10T20:50:34.204" v="212" actId="26606"/>
+          <ac:spMkLst>
+            <pc:docMk/>
+            <pc:sldMk cId="1455974026" sldId="260"/>
+            <ac:spMk id="2" creationId="{6EE3ED36-8598-4CE4-9709-4D824D3C8B6A}"/>
+          </ac:spMkLst>
+        </pc:spChg>
+        <pc:spChg chg="del">
+          <ac:chgData name="Andrew Jimenez" userId="254227a2-d348-401a-bf44-edde4b191201" providerId="ADAL" clId="{8EDE38EF-9705-4266-A620-A164C8EDDA07}" dt="2020-10-10T20:49:15.085" v="198" actId="700"/>
+          <ac:spMkLst>
+            <pc:docMk/>
+            <pc:sldMk cId="1455974026" sldId="260"/>
+            <ac:spMk id="3" creationId="{E74FBC54-588A-4124-BB12-82A6EE08B29D}"/>
+          </ac:spMkLst>
+        </pc:spChg>
+        <pc:spChg chg="add del">
+          <ac:chgData name="Andrew Jimenez" userId="254227a2-d348-401a-bf44-edde4b191201" providerId="ADAL" clId="{8EDE38EF-9705-4266-A620-A164C8EDDA07}" dt="2020-10-10T20:51:22.782" v="213" actId="26606"/>
+          <ac:spMkLst>
+            <pc:docMk/>
+            <pc:sldMk cId="1455974026" sldId="260"/>
+            <ac:spMk id="4" creationId="{C66F2F30-5DC0-44A0-BFA6-E12F46ED16DA}"/>
+          </ac:spMkLst>
+        </pc:spChg>
+        <pc:spChg chg="add del">
+          <ac:chgData name="Andrew Jimenez" userId="254227a2-d348-401a-bf44-edde4b191201" providerId="ADAL" clId="{8EDE38EF-9705-4266-A620-A164C8EDDA07}" dt="2020-10-10T20:51:22.782" v="213" actId="26606"/>
+          <ac:spMkLst>
+            <pc:docMk/>
+            <pc:sldMk cId="1455974026" sldId="260"/>
+            <ac:spMk id="5" creationId="{85872F57-7F42-4F97-8391-DDC8D0054C03}"/>
+          </ac:spMkLst>
+        </pc:spChg>
+        <pc:spChg chg="add del">
+          <ac:chgData name="Andrew Jimenez" userId="254227a2-d348-401a-bf44-edde4b191201" providerId="ADAL" clId="{8EDE38EF-9705-4266-A620-A164C8EDDA07}" dt="2020-10-10T20:49:54.506" v="202" actId="26606"/>
+          <ac:spMkLst>
+            <pc:docMk/>
+            <pc:sldMk cId="1455974026" sldId="260"/>
+            <ac:spMk id="7" creationId="{FF56364F-341A-489D-99A6-B6EF5EDECEA3}"/>
+          </ac:spMkLst>
+        </pc:spChg>
+        <pc:spChg chg="add del">
+          <ac:chgData name="Andrew Jimenez" userId="254227a2-d348-401a-bf44-edde4b191201" providerId="ADAL" clId="{8EDE38EF-9705-4266-A620-A164C8EDDA07}" dt="2020-10-10T20:49:54.506" v="202" actId="26606"/>
+          <ac:spMkLst>
+            <pc:docMk/>
+            <pc:sldMk cId="1455974026" sldId="260"/>
+            <ac:spMk id="9" creationId="{A42BD8CA-821E-4109-B1E5-9C4F55797519}"/>
+          </ac:spMkLst>
+        </pc:spChg>
+        <pc:spChg chg="add del">
+          <ac:chgData name="Andrew Jimenez" userId="254227a2-d348-401a-bf44-edde4b191201" providerId="ADAL" clId="{8EDE38EF-9705-4266-A620-A164C8EDDA07}" dt="2020-10-10T20:51:22.782" v="213" actId="26606"/>
+          <ac:spMkLst>
+            <pc:docMk/>
+            <pc:sldMk cId="1455974026" sldId="260"/>
+            <ac:spMk id="10" creationId="{04DC2037-48A0-4F22-B9D4-8EAEBC780AB4}"/>
+          </ac:spMkLst>
+        </pc:spChg>
+        <pc:spChg chg="add del">
+          <ac:chgData name="Andrew Jimenez" userId="254227a2-d348-401a-bf44-edde4b191201" providerId="ADAL" clId="{8EDE38EF-9705-4266-A620-A164C8EDDA07}" dt="2020-10-10T20:49:49.406" v="200" actId="26606"/>
+          <ac:spMkLst>
+            <pc:docMk/>
+            <pc:sldMk cId="1455974026" sldId="260"/>
+            <ac:spMk id="11" creationId="{74751229-0244-4FBB-BED1-407467F4C951}"/>
+          </ac:spMkLst>
+        </pc:spChg>
+        <pc:spChg chg="add del">
+          <ac:chgData name="Andrew Jimenez" userId="254227a2-d348-401a-bf44-edde4b191201" providerId="ADAL" clId="{8EDE38EF-9705-4266-A620-A164C8EDDA07}" dt="2020-10-10T20:50:30.210" v="211" actId="26606"/>
+          <ac:spMkLst>
+            <pc:docMk/>
+            <pc:sldMk cId="1455974026" sldId="260"/>
+            <ac:spMk id="12" creationId="{A5C7124E-654B-4C37-994F-1973D878C923}"/>
+          </ac:spMkLst>
+        </pc:spChg>
+        <pc:spChg chg="add del">
+          <ac:chgData name="Andrew Jimenez" userId="254227a2-d348-401a-bf44-edde4b191201" providerId="ADAL" clId="{8EDE38EF-9705-4266-A620-A164C8EDDA07}" dt="2020-10-10T20:50:30.210" v="211" actId="26606"/>
+          <ac:spMkLst>
+            <pc:docMk/>
+            <pc:sldMk cId="1455974026" sldId="260"/>
+            <ac:spMk id="13" creationId="{20D3DFB9-0A1D-43AF-94B0-0CF8DE360EDE}"/>
+          </ac:spMkLst>
+        </pc:spChg>
+        <pc:spChg chg="add del">
+          <ac:chgData name="Andrew Jimenez" userId="254227a2-d348-401a-bf44-edde4b191201" providerId="ADAL" clId="{8EDE38EF-9705-4266-A620-A164C8EDDA07}" dt="2020-10-10T20:51:22.782" v="213" actId="26606"/>
+          <ac:spMkLst>
+            <pc:docMk/>
+            <pc:sldMk cId="1455974026" sldId="260"/>
+            <ac:spMk id="14" creationId="{0006CBFD-ADA0-43D1-9332-9C34CA1C76ED}"/>
+          </ac:spMkLst>
+        </pc:spChg>
+        <pc:spChg chg="add del">
+          <ac:chgData name="Andrew Jimenez" userId="254227a2-d348-401a-bf44-edde4b191201" providerId="ADAL" clId="{8EDE38EF-9705-4266-A620-A164C8EDDA07}" dt="2020-10-10T20:51:22.782" v="213" actId="26606"/>
+          <ac:spMkLst>
+            <pc:docMk/>
+            <pc:sldMk cId="1455974026" sldId="260"/>
+            <ac:spMk id="15" creationId="{2B931666-F28F-45F3-A074-66D2272D580B}"/>
+          </ac:spMkLst>
+        </pc:spChg>
+        <pc:spChg chg="add">
+          <ac:chgData name="Andrew Jimenez" userId="254227a2-d348-401a-bf44-edde4b191201" providerId="ADAL" clId="{8EDE38EF-9705-4266-A620-A164C8EDDA07}" dt="2020-10-10T20:51:22.782" v="213" actId="26606"/>
+          <ac:spMkLst>
+            <pc:docMk/>
+            <pc:sldMk cId="1455974026" sldId="260"/>
+            <ac:spMk id="20" creationId="{C66F2F30-5DC0-44A0-BFA6-E12F46ED16DA}"/>
+          </ac:spMkLst>
+        </pc:spChg>
+        <pc:spChg chg="add">
+          <ac:chgData name="Andrew Jimenez" userId="254227a2-d348-401a-bf44-edde4b191201" providerId="ADAL" clId="{8EDE38EF-9705-4266-A620-A164C8EDDA07}" dt="2020-10-10T20:51:22.782" v="213" actId="26606"/>
+          <ac:spMkLst>
+            <pc:docMk/>
+            <pc:sldMk cId="1455974026" sldId="260"/>
+            <ac:spMk id="22" creationId="{85872F57-7F42-4F97-8391-DDC8D0054C03}"/>
+          </ac:spMkLst>
+        </pc:spChg>
+        <pc:spChg chg="add">
+          <ac:chgData name="Andrew Jimenez" userId="254227a2-d348-401a-bf44-edde4b191201" providerId="ADAL" clId="{8EDE38EF-9705-4266-A620-A164C8EDDA07}" dt="2020-10-10T20:51:22.782" v="213" actId="26606"/>
+          <ac:spMkLst>
+            <pc:docMk/>
+            <pc:sldMk cId="1455974026" sldId="260"/>
+            <ac:spMk id="24" creationId="{04DC2037-48A0-4F22-B9D4-8EAEBC780AB4}"/>
+          </ac:spMkLst>
+        </pc:spChg>
+        <pc:spChg chg="add">
+          <ac:chgData name="Andrew Jimenez" userId="254227a2-d348-401a-bf44-edde4b191201" providerId="ADAL" clId="{8EDE38EF-9705-4266-A620-A164C8EDDA07}" dt="2020-10-10T20:51:22.782" v="213" actId="26606"/>
+          <ac:spMkLst>
+            <pc:docMk/>
+            <pc:sldMk cId="1455974026" sldId="260"/>
+            <ac:spMk id="26" creationId="{0006CBFD-ADA0-43D1-9332-9C34CA1C76ED}"/>
+          </ac:spMkLst>
+        </pc:spChg>
+        <pc:spChg chg="add">
+          <ac:chgData name="Andrew Jimenez" userId="254227a2-d348-401a-bf44-edde4b191201" providerId="ADAL" clId="{8EDE38EF-9705-4266-A620-A164C8EDDA07}" dt="2020-10-10T20:51:22.782" v="213" actId="26606"/>
+          <ac:spMkLst>
+            <pc:docMk/>
+            <pc:sldMk cId="1455974026" sldId="260"/>
+            <ac:spMk id="28" creationId="{2B931666-F28F-45F3-A074-66D2272D580B}"/>
+          </ac:spMkLst>
+        </pc:spChg>
+        <pc:picChg chg="add del">
+          <ac:chgData name="Andrew Jimenez" userId="254227a2-d348-401a-bf44-edde4b191201" providerId="ADAL" clId="{8EDE38EF-9705-4266-A620-A164C8EDDA07}" dt="2020-10-10T20:49:49.406" v="200" actId="26606"/>
+          <ac:picMkLst>
+            <pc:docMk/>
+            <pc:sldMk cId="1455974026" sldId="260"/>
+            <ac:picMk id="6" creationId="{2F59596F-6F18-40F7-BB9D-6576166A57DE}"/>
+          </ac:picMkLst>
+        </pc:picChg>
+        <pc:picChg chg="add del">
+          <ac:chgData name="Andrew Jimenez" userId="254227a2-d348-401a-bf44-edde4b191201" providerId="ADAL" clId="{8EDE38EF-9705-4266-A620-A164C8EDDA07}" dt="2020-10-10T20:49:49.406" v="200" actId="26606"/>
+          <ac:picMkLst>
+            <pc:docMk/>
+            <pc:sldMk cId="1455974026" sldId="260"/>
+            <ac:picMk id="8" creationId="{78106D46-C490-40C3-B6A6-E7DAA0E792A1}"/>
+          </ac:picMkLst>
+        </pc:picChg>
+      </pc:sldChg>
+      <pc:sldChg chg="modSp new del mod ord modShow">
+        <pc:chgData name="Andrew Jimenez" userId="254227a2-d348-401a-bf44-edde4b191201" providerId="ADAL" clId="{8EDE38EF-9705-4266-A620-A164C8EDDA07}" dt="2020-10-26T18:48:45.586" v="1996" actId="47"/>
+        <pc:sldMkLst>
+          <pc:docMk/>
+          <pc:sldMk cId="14192885" sldId="261"/>
+        </pc:sldMkLst>
+        <pc:spChg chg="mod">
+          <ac:chgData name="Andrew Jimenez" userId="254227a2-d348-401a-bf44-edde4b191201" providerId="ADAL" clId="{8EDE38EF-9705-4266-A620-A164C8EDDA07}" dt="2020-10-13T15:40:01.860" v="261" actId="20577"/>
+          <ac:spMkLst>
+            <pc:docMk/>
+            <pc:sldMk cId="14192885" sldId="261"/>
+            <ac:spMk id="2" creationId="{FD54749C-7F9E-4F6D-8928-D90E430170B7}"/>
+          </ac:spMkLst>
+        </pc:spChg>
+        <pc:spChg chg="mod">
+          <ac:chgData name="Andrew Jimenez" userId="254227a2-d348-401a-bf44-edde4b191201" providerId="ADAL" clId="{8EDE38EF-9705-4266-A620-A164C8EDDA07}" dt="2020-10-13T15:46:29.372" v="528" actId="27636"/>
+          <ac:spMkLst>
+            <pc:docMk/>
+            <pc:sldMk cId="14192885" sldId="261"/>
+            <ac:spMk id="3" creationId="{76FDCC16-6972-42C7-BFF8-44B5F3F14182}"/>
+          </ac:spMkLst>
+        </pc:spChg>
+      </pc:sldChg>
+      <pc:sldChg chg="addSp delSp modSp new mod modNotesTx">
+        <pc:chgData name="Andrew Jimenez" userId="254227a2-d348-401a-bf44-edde4b191201" providerId="ADAL" clId="{8EDE38EF-9705-4266-A620-A164C8EDDA07}" dt="2020-10-26T19:09:58.858" v="2184" actId="20577"/>
+        <pc:sldMkLst>
+          <pc:docMk/>
+          <pc:sldMk cId="2007660268" sldId="262"/>
+        </pc:sldMkLst>
+        <pc:spChg chg="mod">
+          <ac:chgData name="Andrew Jimenez" userId="254227a2-d348-401a-bf44-edde4b191201" providerId="ADAL" clId="{8EDE38EF-9705-4266-A620-A164C8EDDA07}" dt="2020-10-26T18:42:53.115" v="1940" actId="27636"/>
+          <ac:spMkLst>
+            <pc:docMk/>
+            <pc:sldMk cId="2007660268" sldId="262"/>
+            <ac:spMk id="2" creationId="{4AAF93A2-0B5F-4A5E-AA0C-A2653DCE88CF}"/>
+          </ac:spMkLst>
+        </pc:spChg>
+        <pc:spChg chg="mod">
+          <ac:chgData name="Andrew Jimenez" userId="254227a2-d348-401a-bf44-edde4b191201" providerId="ADAL" clId="{8EDE38EF-9705-4266-A620-A164C8EDDA07}" dt="2020-10-13T15:56:06.188" v="762" actId="20577"/>
+          <ac:spMkLst>
+            <pc:docMk/>
+            <pc:sldMk cId="2007660268" sldId="262"/>
+            <ac:spMk id="3" creationId="{F1D06DDB-D651-4316-97A0-E1F7C430E66A}"/>
+          </ac:spMkLst>
+        </pc:spChg>
+        <pc:spChg chg="add del">
+          <ac:chgData name="Andrew Jimenez" userId="254227a2-d348-401a-bf44-edde4b191201" providerId="ADAL" clId="{8EDE38EF-9705-4266-A620-A164C8EDDA07}" dt="2020-10-26T18:32:38.809" v="1894" actId="26606"/>
+          <ac:spMkLst>
+            <pc:docMk/>
+            <pc:sldMk cId="2007660268" sldId="262"/>
+            <ac:spMk id="24" creationId="{91CC89A3-857A-4D53-ADCB-0A14B4B404F8}"/>
+          </ac:spMkLst>
+        </pc:spChg>
+        <pc:spChg chg="add del">
+          <ac:chgData name="Andrew Jimenez" userId="254227a2-d348-401a-bf44-edde4b191201" providerId="ADAL" clId="{8EDE38EF-9705-4266-A620-A164C8EDDA07}" dt="2020-10-26T18:32:45.524" v="1900" actId="26606"/>
+          <ac:spMkLst>
+            <pc:docMk/>
+            <pc:sldMk cId="2007660268" sldId="262"/>
+            <ac:spMk id="25" creationId="{B082622D-AAF3-4897-8629-FC918530DD86}"/>
+          </ac:spMkLst>
+        </pc:spChg>
+        <pc:spChg chg="add del">
+          <ac:chgData name="Andrew Jimenez" userId="254227a2-d348-401a-bf44-edde4b191201" providerId="ADAL" clId="{8EDE38EF-9705-4266-A620-A164C8EDDA07}" dt="2020-10-26T18:32:43.924" v="1896" actId="26606"/>
+          <ac:spMkLst>
+            <pc:docMk/>
+            <pc:sldMk cId="2007660268" sldId="262"/>
+            <ac:spMk id="26" creationId="{91CC89A3-857A-4D53-ADCB-0A14B4B404F8}"/>
+          </ac:spMkLst>
+        </pc:spChg>
+        <pc:spChg chg="add del">
+          <ac:chgData name="Andrew Jimenez" userId="254227a2-d348-401a-bf44-edde4b191201" providerId="ADAL" clId="{8EDE38EF-9705-4266-A620-A164C8EDDA07}" dt="2020-10-26T18:32:19.142" v="1884" actId="26606"/>
+          <ac:spMkLst>
+            <pc:docMk/>
+            <pc:sldMk cId="2007660268" sldId="262"/>
+            <ac:spMk id="27" creationId="{B082622D-AAF3-4897-8629-FC918530DD86}"/>
+          </ac:spMkLst>
+        </pc:spChg>
+        <pc:spChg chg="add del">
+          <ac:chgData name="Andrew Jimenez" userId="254227a2-d348-401a-bf44-edde4b191201" providerId="ADAL" clId="{8EDE38EF-9705-4266-A620-A164C8EDDA07}" dt="2020-10-26T18:32:45.524" v="1900" actId="26606"/>
+          <ac:spMkLst>
+            <pc:docMk/>
+            <pc:sldMk cId="2007660268" sldId="262"/>
+            <ac:spMk id="28" creationId="{A7457DD9-5A45-400A-AB4B-4B4EDECA25F1}"/>
+          </ac:spMkLst>
+        </pc:spChg>
+        <pc:spChg chg="add del">
+          <ac:chgData name="Andrew Jimenez" userId="254227a2-d348-401a-bf44-edde4b191201" providerId="ADAL" clId="{8EDE38EF-9705-4266-A620-A164C8EDDA07}" dt="2020-10-26T18:32:19.142" v="1884" actId="26606"/>
+          <ac:spMkLst>
+            <pc:docMk/>
+            <pc:sldMk cId="2007660268" sldId="262"/>
+            <ac:spMk id="29" creationId="{A7457DD9-5A45-400A-AB4B-4B4EDECA25F1}"/>
+          </ac:spMkLst>
+        </pc:spChg>
+        <pc:spChg chg="add del">
+          <ac:chgData name="Andrew Jimenez" userId="254227a2-d348-401a-bf44-edde4b191201" providerId="ADAL" clId="{8EDE38EF-9705-4266-A620-A164C8EDDA07}" dt="2020-10-26T18:32:45.524" v="1900" actId="26606"/>
+          <ac:spMkLst>
+            <pc:docMk/>
+            <pc:sldMk cId="2007660268" sldId="262"/>
+            <ac:spMk id="30" creationId="{441CF7D6-A660-431A-B0BB-140A0D5556B6}"/>
+          </ac:spMkLst>
+        </pc:spChg>
+        <pc:spChg chg="add del">
+          <ac:chgData name="Andrew Jimenez" userId="254227a2-d348-401a-bf44-edde4b191201" providerId="ADAL" clId="{8EDE38EF-9705-4266-A620-A164C8EDDA07}" dt="2020-10-26T18:32:19.142" v="1884" actId="26606"/>
+          <ac:spMkLst>
+            <pc:docMk/>
+            <pc:sldMk cId="2007660268" sldId="262"/>
+            <ac:spMk id="31" creationId="{441CF7D6-A660-431A-B0BB-140A0D5556B6}"/>
+          </ac:spMkLst>
+        </pc:spChg>
+        <pc:spChg chg="add del">
+          <ac:chgData name="Andrew Jimenez" userId="254227a2-d348-401a-bf44-edde4b191201" providerId="ADAL" clId="{8EDE38EF-9705-4266-A620-A164C8EDDA07}" dt="2020-10-26T18:32:45.524" v="1900" actId="26606"/>
+          <ac:spMkLst>
+            <pc:docMk/>
+            <pc:sldMk cId="2007660268" sldId="262"/>
+            <ac:spMk id="32" creationId="{0570A85B-3810-4F95-97B0-CBF4CCDB381C}"/>
+          </ac:spMkLst>
+        </pc:spChg>
+        <pc:spChg chg="add del">
+          <ac:chgData name="Andrew Jimenez" userId="254227a2-d348-401a-bf44-edde4b191201" providerId="ADAL" clId="{8EDE38EF-9705-4266-A620-A164C8EDDA07}" dt="2020-10-26T18:32:19.142" v="1884" actId="26606"/>
+          <ac:spMkLst>
+            <pc:docMk/>
+            <pc:sldMk cId="2007660268" sldId="262"/>
+            <ac:spMk id="33" creationId="{0570A85B-3810-4F95-97B0-CBF4CCDB381C}"/>
+          </ac:spMkLst>
+        </pc:spChg>
+        <pc:spChg chg="add del">
+          <ac:chgData name="Andrew Jimenez" userId="254227a2-d348-401a-bf44-edde4b191201" providerId="ADAL" clId="{8EDE38EF-9705-4266-A620-A164C8EDDA07}" dt="2020-10-26T18:32:47.991" v="1902" actId="26606"/>
+          <ac:spMkLst>
+            <pc:docMk/>
+            <pc:sldMk cId="2007660268" sldId="262"/>
+            <ac:spMk id="34" creationId="{B082622D-AAF3-4897-8629-FC918530DD86}"/>
+          </ac:spMkLst>
+        </pc:spChg>
+        <pc:spChg chg="add del">
+          <ac:chgData name="Andrew Jimenez" userId="254227a2-d348-401a-bf44-edde4b191201" providerId="ADAL" clId="{8EDE38EF-9705-4266-A620-A164C8EDDA07}" dt="2020-10-26T18:32:30.665" v="1886" actId="26606"/>
+          <ac:spMkLst>
+            <pc:docMk/>
+            <pc:sldMk cId="2007660268" sldId="262"/>
+            <ac:spMk id="35" creationId="{B082622D-AAF3-4897-8629-FC918530DD86}"/>
+          </ac:spMkLst>
+        </pc:spChg>
+        <pc:spChg chg="add del">
+          <ac:chgData name="Andrew Jimenez" userId="254227a2-d348-401a-bf44-edde4b191201" providerId="ADAL" clId="{8EDE38EF-9705-4266-A620-A164C8EDDA07}" dt="2020-10-26T18:32:30.665" v="1886" actId="26606"/>
+          <ac:spMkLst>
+            <pc:docMk/>
+            <pc:sldMk cId="2007660268" sldId="262"/>
+            <ac:spMk id="36" creationId="{A7457DD9-5A45-400A-AB4B-4B4EDECA25F1}"/>
+          </ac:spMkLst>
+        </pc:spChg>
+        <pc:spChg chg="add del">
+          <ac:chgData name="Andrew Jimenez" userId="254227a2-d348-401a-bf44-edde4b191201" providerId="ADAL" clId="{8EDE38EF-9705-4266-A620-A164C8EDDA07}" dt="2020-10-26T18:32:30.665" v="1886" actId="26606"/>
+          <ac:spMkLst>
+            <pc:docMk/>
+            <pc:sldMk cId="2007660268" sldId="262"/>
+            <ac:spMk id="37" creationId="{441CF7D6-A660-431A-B0BB-140A0D5556B6}"/>
+          </ac:spMkLst>
+        </pc:spChg>
+        <pc:spChg chg="add del">
+          <ac:chgData name="Andrew Jimenez" userId="254227a2-d348-401a-bf44-edde4b191201" providerId="ADAL" clId="{8EDE38EF-9705-4266-A620-A164C8EDDA07}" dt="2020-10-26T18:32:30.665" v="1886" actId="26606"/>
+          <ac:spMkLst>
+            <pc:docMk/>
+            <pc:sldMk cId="2007660268" sldId="262"/>
+            <ac:spMk id="38" creationId="{0570A85B-3810-4F95-97B0-CBF4CCDB381C}"/>
+          </ac:spMkLst>
+        </pc:spChg>
+        <pc:spChg chg="add del">
+          <ac:chgData name="Andrew Jimenez" userId="254227a2-d348-401a-bf44-edde4b191201" providerId="ADAL" clId="{8EDE38EF-9705-4266-A620-A164C8EDDA07}" dt="2020-10-26T18:32:47.991" v="1902" actId="26606"/>
+          <ac:spMkLst>
+            <pc:docMk/>
+            <pc:sldMk cId="2007660268" sldId="262"/>
+            <ac:spMk id="39" creationId="{A7457DD9-5A45-400A-AB4B-4B4EDECA25F1}"/>
+          </ac:spMkLst>
+        </pc:spChg>
+        <pc:spChg chg="add del">
+          <ac:chgData name="Andrew Jimenez" userId="254227a2-d348-401a-bf44-edde4b191201" providerId="ADAL" clId="{8EDE38EF-9705-4266-A620-A164C8EDDA07}" dt="2020-10-26T18:32:34.221" v="1888" actId="26606"/>
+          <ac:spMkLst>
+            <pc:docMk/>
+            <pc:sldMk cId="2007660268" sldId="262"/>
+            <ac:spMk id="40" creationId="{B082622D-AAF3-4897-8629-FC918530DD86}"/>
+          </ac:spMkLst>
+        </pc:spChg>
+        <pc:spChg chg="add del">
+          <ac:chgData name="Andrew Jimenez" userId="254227a2-d348-401a-bf44-edde4b191201" providerId="ADAL" clId="{8EDE38EF-9705-4266-A620-A164C8EDDA07}" dt="2020-10-26T18:32:34.221" v="1888" actId="26606"/>
+          <ac:spMkLst>
+            <pc:docMk/>
+            <pc:sldMk cId="2007660268" sldId="262"/>
+            <ac:spMk id="41" creationId="{A7457DD9-5A45-400A-AB4B-4B4EDECA25F1}"/>
+          </ac:spMkLst>
+        </pc:spChg>
+        <pc:spChg chg="add del">
+          <ac:chgData name="Andrew Jimenez" userId="254227a2-d348-401a-bf44-edde4b191201" providerId="ADAL" clId="{8EDE38EF-9705-4266-A620-A164C8EDDA07}" dt="2020-10-26T18:32:34.221" v="1888" actId="26606"/>
+          <ac:spMkLst>
+            <pc:docMk/>
+            <pc:sldMk cId="2007660268" sldId="262"/>
+            <ac:spMk id="42" creationId="{441CF7D6-A660-431A-B0BB-140A0D5556B6}"/>
+          </ac:spMkLst>
+        </pc:spChg>
+        <pc:spChg chg="add del">
+          <ac:chgData name="Andrew Jimenez" userId="254227a2-d348-401a-bf44-edde4b191201" providerId="ADAL" clId="{8EDE38EF-9705-4266-A620-A164C8EDDA07}" dt="2020-10-26T18:32:34.221" v="1888" actId="26606"/>
+          <ac:spMkLst>
+            <pc:docMk/>
+            <pc:sldMk cId="2007660268" sldId="262"/>
+            <ac:spMk id="43" creationId="{0570A85B-3810-4F95-97B0-CBF4CCDB381C}"/>
+          </ac:spMkLst>
+        </pc:spChg>
+        <pc:spChg chg="add del">
+          <ac:chgData name="Andrew Jimenez" userId="254227a2-d348-401a-bf44-edde4b191201" providerId="ADAL" clId="{8EDE38EF-9705-4266-A620-A164C8EDDA07}" dt="2020-10-26T18:32:47.991" v="1902" actId="26606"/>
+          <ac:spMkLst>
+            <pc:docMk/>
+            <pc:sldMk cId="2007660268" sldId="262"/>
+            <ac:spMk id="44" creationId="{441CF7D6-A660-431A-B0BB-140A0D5556B6}"/>
+          </ac:spMkLst>
+        </pc:spChg>
+        <pc:spChg chg="add del">
+          <ac:chgData name="Andrew Jimenez" userId="254227a2-d348-401a-bf44-edde4b191201" providerId="ADAL" clId="{8EDE38EF-9705-4266-A620-A164C8EDDA07}" dt="2020-10-26T18:32:35.088" v="1890" actId="26606"/>
+          <ac:spMkLst>
+            <pc:docMk/>
+            <pc:sldMk cId="2007660268" sldId="262"/>
+            <ac:spMk id="45" creationId="{B082622D-AAF3-4897-8629-FC918530DD86}"/>
+          </ac:spMkLst>
+        </pc:spChg>
+        <pc:spChg chg="add del">
+          <ac:chgData name="Andrew Jimenez" userId="254227a2-d348-401a-bf44-edde4b191201" providerId="ADAL" clId="{8EDE38EF-9705-4266-A620-A164C8EDDA07}" dt="2020-10-26T18:32:35.088" v="1890" actId="26606"/>
+          <ac:spMkLst>
+            <pc:docMk/>
+            <pc:sldMk cId="2007660268" sldId="262"/>
+            <ac:spMk id="46" creationId="{A7457DD9-5A45-400A-AB4B-4B4EDECA25F1}"/>
+          </ac:spMkLst>
+        </pc:spChg>
+        <pc:spChg chg="add del">
+          <ac:chgData name="Andrew Jimenez" userId="254227a2-d348-401a-bf44-edde4b191201" providerId="ADAL" clId="{8EDE38EF-9705-4266-A620-A164C8EDDA07}" dt="2020-10-26T18:32:35.088" v="1890" actId="26606"/>
+          <ac:spMkLst>
+            <pc:docMk/>
+            <pc:sldMk cId="2007660268" sldId="262"/>
+            <ac:spMk id="47" creationId="{441CF7D6-A660-431A-B0BB-140A0D5556B6}"/>
+          </ac:spMkLst>
+        </pc:spChg>
+        <pc:spChg chg="add del">
+          <ac:chgData name="Andrew Jimenez" userId="254227a2-d348-401a-bf44-edde4b191201" providerId="ADAL" clId="{8EDE38EF-9705-4266-A620-A164C8EDDA07}" dt="2020-10-26T18:32:35.088" v="1890" actId="26606"/>
+          <ac:spMkLst>
+            <pc:docMk/>
+            <pc:sldMk cId="2007660268" sldId="262"/>
+            <ac:spMk id="48" creationId="{0570A85B-3810-4F95-97B0-CBF4CCDB381C}"/>
+          </ac:spMkLst>
+        </pc:spChg>
+        <pc:spChg chg="add del">
+          <ac:chgData name="Andrew Jimenez" userId="254227a2-d348-401a-bf44-edde4b191201" providerId="ADAL" clId="{8EDE38EF-9705-4266-A620-A164C8EDDA07}" dt="2020-10-26T18:32:47.991" v="1902" actId="26606"/>
+          <ac:spMkLst>
+            <pc:docMk/>
+            <pc:sldMk cId="2007660268" sldId="262"/>
+            <ac:spMk id="49" creationId="{0570A85B-3810-4F95-97B0-CBF4CCDB381C}"/>
+          </ac:spMkLst>
+        </pc:spChg>
+        <pc:spChg chg="add del">
+          <ac:chgData name="Andrew Jimenez" userId="254227a2-d348-401a-bf44-edde4b191201" providerId="ADAL" clId="{8EDE38EF-9705-4266-A620-A164C8EDDA07}" dt="2020-10-26T18:38:56.764" v="1912" actId="26606"/>
+          <ac:spMkLst>
+            <pc:docMk/>
+            <pc:sldMk cId="2007660268" sldId="262"/>
+            <ac:spMk id="50" creationId="{91CC89A3-857A-4D53-ADCB-0A14B4B404F8}"/>
+          </ac:spMkLst>
+        </pc:spChg>
+        <pc:spChg chg="add del">
+          <ac:chgData name="Andrew Jimenez" userId="254227a2-d348-401a-bf44-edde4b191201" providerId="ADAL" clId="{8EDE38EF-9705-4266-A620-A164C8EDDA07}" dt="2020-10-26T18:32:51.219" v="1904" actId="26606"/>
+          <ac:spMkLst>
+            <pc:docMk/>
+            <pc:sldMk cId="2007660268" sldId="262"/>
+            <ac:spMk id="51" creationId="{B082622D-AAF3-4897-8629-FC918530DD86}"/>
+          </ac:spMkLst>
+        </pc:spChg>
+        <pc:spChg chg="add del">
+          <ac:chgData name="Andrew Jimenez" userId="254227a2-d348-401a-bf44-edde4b191201" providerId="ADAL" clId="{8EDE38EF-9705-4266-A620-A164C8EDDA07}" dt="2020-10-26T18:32:51.219" v="1904" actId="26606"/>
+          <ac:spMkLst>
+            <pc:docMk/>
+            <pc:sldMk cId="2007660268" sldId="262"/>
+            <ac:spMk id="52" creationId="{A7457DD9-5A45-400A-AB4B-4B4EDECA25F1}"/>
+          </ac:spMkLst>
+        </pc:spChg>
+        <pc:spChg chg="add del">
+          <ac:chgData name="Andrew Jimenez" userId="254227a2-d348-401a-bf44-edde4b191201" providerId="ADAL" clId="{8EDE38EF-9705-4266-A620-A164C8EDDA07}" dt="2020-10-26T18:32:51.219" v="1904" actId="26606"/>
+          <ac:spMkLst>
+            <pc:docMk/>
+            <pc:sldMk cId="2007660268" sldId="262"/>
+            <ac:spMk id="53" creationId="{441CF7D6-A660-431A-B0BB-140A0D5556B6}"/>
+          </ac:spMkLst>
+        </pc:spChg>
+        <pc:spChg chg="add del">
+          <ac:chgData name="Andrew Jimenez" userId="254227a2-d348-401a-bf44-edde4b191201" providerId="ADAL" clId="{8EDE38EF-9705-4266-A620-A164C8EDDA07}" dt="2020-10-26T18:32:51.219" v="1904" actId="26606"/>
+          <ac:spMkLst>
+            <pc:docMk/>
+            <pc:sldMk cId="2007660268" sldId="262"/>
+            <ac:spMk id="54" creationId="{0570A85B-3810-4F95-97B0-CBF4CCDB381C}"/>
+          </ac:spMkLst>
+        </pc:spChg>
+        <pc:spChg chg="add del">
+          <ac:chgData name="Andrew Jimenez" userId="254227a2-d348-401a-bf44-edde4b191201" providerId="ADAL" clId="{8EDE38EF-9705-4266-A620-A164C8EDDA07}" dt="2020-10-26T18:39:11.711" v="1916" actId="26606"/>
+          <ac:spMkLst>
+            <pc:docMk/>
+            <pc:sldMk cId="2007660268" sldId="262"/>
+            <ac:spMk id="55" creationId="{B082622D-AAF3-4897-8629-FC918530DD86}"/>
+          </ac:spMkLst>
+        </pc:spChg>
+        <pc:spChg chg="add del">
+          <ac:chgData name="Andrew Jimenez" userId="254227a2-d348-401a-bf44-edde4b191201" providerId="ADAL" clId="{8EDE38EF-9705-4266-A620-A164C8EDDA07}" dt="2020-10-26T18:32:52.597" v="1906" actId="26606"/>
+          <ac:spMkLst>
+            <pc:docMk/>
+            <pc:sldMk cId="2007660268" sldId="262"/>
+            <ac:spMk id="56" creationId="{B082622D-AAF3-4897-8629-FC918530DD86}"/>
+          </ac:spMkLst>
+        </pc:spChg>
+        <pc:spChg chg="add del">
+          <ac:chgData name="Andrew Jimenez" userId="254227a2-d348-401a-bf44-edde4b191201" providerId="ADAL" clId="{8EDE38EF-9705-4266-A620-A164C8EDDA07}" dt="2020-10-26T18:32:52.597" v="1906" actId="26606"/>
+          <ac:spMkLst>
+            <pc:docMk/>
+            <pc:sldMk cId="2007660268" sldId="262"/>
+            <ac:spMk id="57" creationId="{A7457DD9-5A45-400A-AB4B-4B4EDECA25F1}"/>
+          </ac:spMkLst>
+        </pc:spChg>
+        <pc:spChg chg="add del">
+          <ac:chgData name="Andrew Jimenez" userId="254227a2-d348-401a-bf44-edde4b191201" providerId="ADAL" clId="{8EDE38EF-9705-4266-A620-A164C8EDDA07}" dt="2020-10-26T18:32:52.597" v="1906" actId="26606"/>
+          <ac:spMkLst>
+            <pc:docMk/>
+            <pc:sldMk cId="2007660268" sldId="262"/>
+            <ac:spMk id="58" creationId="{441CF7D6-A660-431A-B0BB-140A0D5556B6}"/>
+          </ac:spMkLst>
+        </pc:spChg>
+        <pc:spChg chg="add del">
+          <ac:chgData name="Andrew Jimenez" userId="254227a2-d348-401a-bf44-edde4b191201" providerId="ADAL" clId="{8EDE38EF-9705-4266-A620-A164C8EDDA07}" dt="2020-10-26T18:32:52.597" v="1906" actId="26606"/>
+          <ac:spMkLst>
+            <pc:docMk/>
+            <pc:sldMk cId="2007660268" sldId="262"/>
+            <ac:spMk id="59" creationId="{0570A85B-3810-4F95-97B0-CBF4CCDB381C}"/>
+          </ac:spMkLst>
+        </pc:spChg>
+        <pc:spChg chg="add del">
+          <ac:chgData name="Andrew Jimenez" userId="254227a2-d348-401a-bf44-edde4b191201" providerId="ADAL" clId="{8EDE38EF-9705-4266-A620-A164C8EDDA07}" dt="2020-10-26T18:39:11.711" v="1916" actId="26606"/>
+          <ac:spMkLst>
+            <pc:docMk/>
+            <pc:sldMk cId="2007660268" sldId="262"/>
+            <ac:spMk id="60" creationId="{A7457DD9-5A45-400A-AB4B-4B4EDECA25F1}"/>
+          </ac:spMkLst>
+        </pc:spChg>
+        <pc:spChg chg="add del">
+          <ac:chgData name="Andrew Jimenez" userId="254227a2-d348-401a-bf44-edde4b191201" providerId="ADAL" clId="{8EDE38EF-9705-4266-A620-A164C8EDDA07}" dt="2020-10-26T18:39:11.711" v="1916" actId="26606"/>
+          <ac:spMkLst>
+            <pc:docMk/>
+            <pc:sldMk cId="2007660268" sldId="262"/>
+            <ac:spMk id="61" creationId="{441CF7D6-A660-431A-B0BB-140A0D5556B6}"/>
+          </ac:spMkLst>
+        </pc:spChg>
+        <pc:spChg chg="add del">
+          <ac:chgData name="Andrew Jimenez" userId="254227a2-d348-401a-bf44-edde4b191201" providerId="ADAL" clId="{8EDE38EF-9705-4266-A620-A164C8EDDA07}" dt="2020-10-26T18:39:11.711" v="1916" actId="26606"/>
+          <ac:spMkLst>
+            <pc:docMk/>
+            <pc:sldMk cId="2007660268" sldId="262"/>
+            <ac:spMk id="62" creationId="{0570A85B-3810-4F95-97B0-CBF4CCDB381C}"/>
+          </ac:spMkLst>
+        </pc:spChg>
+        <pc:spChg chg="add del">
+          <ac:chgData name="Andrew Jimenez" userId="254227a2-d348-401a-bf44-edde4b191201" providerId="ADAL" clId="{8EDE38EF-9705-4266-A620-A164C8EDDA07}" dt="2020-10-26T18:40:07.008" v="1921" actId="26606"/>
+          <ac:spMkLst>
+            <pc:docMk/>
+            <pc:sldMk cId="2007660268" sldId="262"/>
+            <ac:spMk id="64" creationId="{B082622D-AAF3-4897-8629-FC918530DD86}"/>
+          </ac:spMkLst>
+        </pc:spChg>
+        <pc:spChg chg="add del">
+          <ac:chgData name="Andrew Jimenez" userId="254227a2-d348-401a-bf44-edde4b191201" providerId="ADAL" clId="{8EDE38EF-9705-4266-A620-A164C8EDDA07}" dt="2020-10-26T18:40:07.008" v="1921" actId="26606"/>
+          <ac:spMkLst>
+            <pc:docMk/>
+            <pc:sldMk cId="2007660268" sldId="262"/>
+            <ac:spMk id="65" creationId="{A7457DD9-5A45-400A-AB4B-4B4EDECA25F1}"/>
+          </ac:spMkLst>
+        </pc:spChg>
+        <pc:spChg chg="add del">
+          <ac:chgData name="Andrew Jimenez" userId="254227a2-d348-401a-bf44-edde4b191201" providerId="ADAL" clId="{8EDE38EF-9705-4266-A620-A164C8EDDA07}" dt="2020-10-26T18:40:07.008" v="1921" actId="26606"/>
+          <ac:spMkLst>
+            <pc:docMk/>
+            <pc:sldMk cId="2007660268" sldId="262"/>
+            <ac:spMk id="66" creationId="{441CF7D6-A660-431A-B0BB-140A0D5556B6}"/>
+          </ac:spMkLst>
+        </pc:spChg>
+        <pc:spChg chg="add del">
+          <ac:chgData name="Andrew Jimenez" userId="254227a2-d348-401a-bf44-edde4b191201" providerId="ADAL" clId="{8EDE38EF-9705-4266-A620-A164C8EDDA07}" dt="2020-10-26T18:40:07.008" v="1921" actId="26606"/>
+          <ac:spMkLst>
+            <pc:docMk/>
+            <pc:sldMk cId="2007660268" sldId="262"/>
+            <ac:spMk id="67" creationId="{0570A85B-3810-4F95-97B0-CBF4CCDB381C}"/>
+          </ac:spMkLst>
+        </pc:spChg>
+        <pc:spChg chg="add del">
+          <ac:chgData name="Andrew Jimenez" userId="254227a2-d348-401a-bf44-edde4b191201" providerId="ADAL" clId="{8EDE38EF-9705-4266-A620-A164C8EDDA07}" dt="2020-10-26T18:40:06.801" v="1920" actId="26606"/>
+          <ac:spMkLst>
+            <pc:docMk/>
+            <pc:sldMk cId="2007660268" sldId="262"/>
+            <ac:spMk id="72" creationId="{6C4028FD-8BAA-4A19-BFDE-594D991B7552}"/>
+          </ac:spMkLst>
+        </pc:spChg>
+        <pc:spChg chg="add">
+          <ac:chgData name="Andrew Jimenez" userId="254227a2-d348-401a-bf44-edde4b191201" providerId="ADAL" clId="{8EDE38EF-9705-4266-A620-A164C8EDDA07}" dt="2020-10-26T18:40:07.008" v="1921" actId="26606"/>
+          <ac:spMkLst>
+            <pc:docMk/>
+            <pc:sldMk cId="2007660268" sldId="262"/>
+            <ac:spMk id="74" creationId="{DCC231C8-C761-4B31-9B1C-C6D19248C6B3}"/>
+          </ac:spMkLst>
+        </pc:spChg>
+        <pc:graphicFrameChg chg="mod ord modGraphic">
+          <ac:chgData name="Andrew Jimenez" userId="254227a2-d348-401a-bf44-edde4b191201" providerId="ADAL" clId="{8EDE38EF-9705-4266-A620-A164C8EDDA07}" dt="2020-10-26T18:40:07.008" v="1921" actId="26606"/>
+          <ac:graphicFrameMkLst>
+            <pc:docMk/>
+            <pc:sldMk cId="2007660268" sldId="262"/>
+            <ac:graphicFrameMk id="22" creationId="{49A4D246-5860-42D7-BE98-8CEA1BF3C810}"/>
+          </ac:graphicFrameMkLst>
+        </pc:graphicFrameChg>
+        <pc:picChg chg="add del mod">
+          <ac:chgData name="Andrew Jimenez" userId="254227a2-d348-401a-bf44-edde4b191201" providerId="ADAL" clId="{8EDE38EF-9705-4266-A620-A164C8EDDA07}" dt="2020-10-26T18:39:54.798" v="1918" actId="21"/>
+          <ac:picMkLst>
+            <pc:docMk/>
+            <pc:sldMk cId="2007660268" sldId="262"/>
+            <ac:picMk id="3" creationId="{0351C546-955A-47B0-B1B0-55B9FA82DCC4}"/>
+          </ac:picMkLst>
+        </pc:picChg>
+        <pc:picChg chg="add del mod">
+          <ac:chgData name="Andrew Jimenez" userId="254227a2-d348-401a-bf44-edde4b191201" providerId="ADAL" clId="{8EDE38EF-9705-4266-A620-A164C8EDDA07}" dt="2020-10-26T18:42:07.477" v="1935" actId="478"/>
+          <ac:picMkLst>
+            <pc:docMk/>
+            <pc:sldMk cId="2007660268" sldId="262"/>
+            <ac:picMk id="4" creationId="{CB59CFCD-631A-4823-90D7-2CFBD369E58C}"/>
+          </ac:picMkLst>
+        </pc:picChg>
+        <pc:picChg chg="add del mod">
+          <ac:chgData name="Andrew Jimenez" userId="254227a2-d348-401a-bf44-edde4b191201" providerId="ADAL" clId="{8EDE38EF-9705-4266-A620-A164C8EDDA07}" dt="2020-10-26T18:42:06.937" v="1934" actId="478"/>
+          <ac:picMkLst>
+            <pc:docMk/>
+            <pc:sldMk cId="2007660268" sldId="262"/>
+            <ac:picMk id="5" creationId="{81F31177-A07D-44AE-A1A1-8BA83FC7A5F0}"/>
+          </ac:picMkLst>
+        </pc:picChg>
+        <pc:picChg chg="add mod">
+          <ac:chgData name="Andrew Jimenez" userId="254227a2-d348-401a-bf44-edde4b191201" providerId="ADAL" clId="{8EDE38EF-9705-4266-A620-A164C8EDDA07}" dt="2020-10-26T18:42:36.595" v="1938" actId="14100"/>
+          <ac:picMkLst>
+            <pc:docMk/>
+            <pc:sldMk cId="2007660268" sldId="262"/>
+            <ac:picMk id="6" creationId="{FD215B36-4378-44FF-AD29-5D69DDE74F90}"/>
+          </ac:picMkLst>
+        </pc:picChg>
+      </pc:sldChg>
+      <pc:sldChg chg="addSp modSp new mod ord setBg modNotesTx">
+        <pc:chgData name="Andrew Jimenez" userId="254227a2-d348-401a-bf44-edde4b191201" providerId="ADAL" clId="{8EDE38EF-9705-4266-A620-A164C8EDDA07}" dt="2020-10-26T19:13:34.385" v="2365"/>
+        <pc:sldMkLst>
+          <pc:docMk/>
+          <pc:sldMk cId="1229613711" sldId="263"/>
+        </pc:sldMkLst>
+        <pc:spChg chg="mod">
+          <ac:chgData name="Andrew Jimenez" userId="254227a2-d348-401a-bf44-edde4b191201" providerId="ADAL" clId="{8EDE38EF-9705-4266-A620-A164C8EDDA07}" dt="2020-10-26T15:23:02.224" v="1606" actId="26606"/>
+          <ac:spMkLst>
+            <pc:docMk/>
+            <pc:sldMk cId="1229613711" sldId="263"/>
+            <ac:spMk id="2" creationId="{514D6995-45AF-488B-952B-DAC06ABD0CC2}"/>
+          </ac:spMkLst>
+        </pc:spChg>
+        <pc:spChg chg="mod">
+          <ac:chgData name="Andrew Jimenez" userId="254227a2-d348-401a-bf44-edde4b191201" providerId="ADAL" clId="{8EDE38EF-9705-4266-A620-A164C8EDDA07}" dt="2020-10-26T15:23:10.921" v="1612" actId="20577"/>
+          <ac:spMkLst>
+            <pc:docMk/>
+            <pc:sldMk cId="1229613711" sldId="263"/>
+            <ac:spMk id="3" creationId="{61A7D2A1-2395-4CC3-8285-2BB0CF1ABEC5}"/>
+          </ac:spMkLst>
+        </pc:spChg>
+        <pc:spChg chg="add">
+          <ac:chgData name="Andrew Jimenez" userId="254227a2-d348-401a-bf44-edde4b191201" providerId="ADAL" clId="{8EDE38EF-9705-4266-A620-A164C8EDDA07}" dt="2020-10-26T15:23:02.224" v="1606" actId="26606"/>
+          <ac:spMkLst>
+            <pc:docMk/>
+            <pc:sldMk cId="1229613711" sldId="263"/>
+            <ac:spMk id="8" creationId="{7CB4857B-ED7C-444D-9F04-2F885114A1C2}"/>
+          </ac:spMkLst>
+        </pc:spChg>
+        <pc:spChg chg="add">
+          <ac:chgData name="Andrew Jimenez" userId="254227a2-d348-401a-bf44-edde4b191201" providerId="ADAL" clId="{8EDE38EF-9705-4266-A620-A164C8EDDA07}" dt="2020-10-26T15:23:02.224" v="1606" actId="26606"/>
+          <ac:spMkLst>
+            <pc:docMk/>
+            <pc:sldMk cId="1229613711" sldId="263"/>
+            <ac:spMk id="10" creationId="{D18046FB-44EA-4FD8-A585-EA09A319B2D0}"/>
+          </ac:spMkLst>
+        </pc:spChg>
+        <pc:spChg chg="add">
+          <ac:chgData name="Andrew Jimenez" userId="254227a2-d348-401a-bf44-edde4b191201" providerId="ADAL" clId="{8EDE38EF-9705-4266-A620-A164C8EDDA07}" dt="2020-10-26T15:23:02.224" v="1606" actId="26606"/>
+          <ac:spMkLst>
+            <pc:docMk/>
+            <pc:sldMk cId="1229613711" sldId="263"/>
+            <ac:spMk id="12" creationId="{479F5F2B-8B58-4140-AE6A-51F6C67B18D9}"/>
+          </ac:spMkLst>
+        </pc:spChg>
+      </pc:sldChg>
+      <pc:sldChg chg="ord modNotesTx">
+        <pc:chgData name="Andrew Jimenez" userId="254227a2-d348-401a-bf44-edde4b191201" providerId="ADAL" clId="{8EDE38EF-9705-4266-A620-A164C8EDDA07}" dt="2020-10-26T18:18:44.747" v="1860"/>
+        <pc:sldMkLst>
+          <pc:docMk/>
+          <pc:sldMk cId="3020397480" sldId="264"/>
+        </pc:sldMkLst>
+      </pc:sldChg>
+      <pc:sldChg chg="del mod modShow">
+        <pc:chgData name="Andrew Jimenez" userId="254227a2-d348-401a-bf44-edde4b191201" providerId="ADAL" clId="{8EDE38EF-9705-4266-A620-A164C8EDDA07}" dt="2020-10-26T18:28:11.176" v="1874" actId="47"/>
+        <pc:sldMkLst>
+          <pc:docMk/>
+          <pc:sldMk cId="1008099515" sldId="265"/>
+        </pc:sldMkLst>
+      </pc:sldChg>
+      <pc:sldChg chg="modSp del mod">
+        <pc:chgData name="Andrew Jimenez" userId="254227a2-d348-401a-bf44-edde4b191201" providerId="ADAL" clId="{8EDE38EF-9705-4266-A620-A164C8EDDA07}" dt="2020-10-26T18:48:44.480" v="1995" actId="47"/>
+        <pc:sldMkLst>
+          <pc:docMk/>
+          <pc:sldMk cId="1474623094" sldId="267"/>
+        </pc:sldMkLst>
+        <pc:spChg chg="mod">
+          <ac:chgData name="Andrew Jimenez" userId="254227a2-d348-401a-bf44-edde4b191201" providerId="ADAL" clId="{8EDE38EF-9705-4266-A620-A164C8EDDA07}" dt="2020-10-26T18:08:09.197" v="1738" actId="20577"/>
+          <ac:spMkLst>
+            <pc:docMk/>
+            <pc:sldMk cId="1474623094" sldId="267"/>
+            <ac:spMk id="3" creationId="{76FDCC16-6972-42C7-BFF8-44B5F3F14182}"/>
+          </ac:spMkLst>
+        </pc:spChg>
+      </pc:sldChg>
+      <pc:sldChg chg="addSp delSp modSp new mod setBg modNotesTx">
+        <pc:chgData name="Andrew Jimenez" userId="254227a2-d348-401a-bf44-edde4b191201" providerId="ADAL" clId="{8EDE38EF-9705-4266-A620-A164C8EDDA07}" dt="2020-10-26T19:08:28.141" v="2164" actId="20577"/>
+        <pc:sldMkLst>
+          <pc:docMk/>
+          <pc:sldMk cId="40810272" sldId="268"/>
+        </pc:sldMkLst>
+        <pc:spChg chg="mod">
+          <ac:chgData name="Andrew Jimenez" userId="254227a2-d348-401a-bf44-edde4b191201" providerId="ADAL" clId="{8EDE38EF-9705-4266-A620-A164C8EDDA07}" dt="2020-10-26T18:20:03.082" v="1864" actId="26606"/>
+          <ac:spMkLst>
+            <pc:docMk/>
+            <pc:sldMk cId="40810272" sldId="268"/>
+            <ac:spMk id="2" creationId="{BE28BD18-6BC5-4324-92EA-19BA86DB4A74}"/>
+          </ac:spMkLst>
+        </pc:spChg>
+        <pc:spChg chg="mod">
+          <ac:chgData name="Andrew Jimenez" userId="254227a2-d348-401a-bf44-edde4b191201" providerId="ADAL" clId="{8EDE38EF-9705-4266-A620-A164C8EDDA07}" dt="2020-10-26T18:20:03.082" v="1864" actId="26606"/>
+          <ac:spMkLst>
+            <pc:docMk/>
+            <pc:sldMk cId="40810272" sldId="268"/>
+            <ac:spMk id="3" creationId="{1243C3A2-DB8F-4F1F-A0E0-F2F1BEF0EC9D}"/>
+          </ac:spMkLst>
+        </pc:spChg>
+        <pc:spChg chg="add del">
+          <ac:chgData name="Andrew Jimenez" userId="254227a2-d348-401a-bf44-edde4b191201" providerId="ADAL" clId="{8EDE38EF-9705-4266-A620-A164C8EDDA07}" dt="2020-10-26T18:20:03.082" v="1864" actId="26606"/>
+          <ac:spMkLst>
+            <pc:docMk/>
+            <pc:sldMk cId="40810272" sldId="268"/>
+            <ac:spMk id="8" creationId="{F0BC1D9E-4401-4EC0-88FD-ED103CB570EA}"/>
+          </ac:spMkLst>
+        </pc:spChg>
+        <pc:spChg chg="add del">
+          <ac:chgData name="Andrew Jimenez" userId="254227a2-d348-401a-bf44-edde4b191201" providerId="ADAL" clId="{8EDE38EF-9705-4266-A620-A164C8EDDA07}" dt="2020-10-26T18:20:03.082" v="1864" actId="26606"/>
+          <ac:spMkLst>
+            <pc:docMk/>
+            <pc:sldMk cId="40810272" sldId="268"/>
+            <ac:spMk id="10" creationId="{6200B311-3585-4069-AAC6-CD443FA5B8AD}"/>
+          </ac:spMkLst>
+        </pc:spChg>
+        <pc:spChg chg="add del">
+          <ac:chgData name="Andrew Jimenez" userId="254227a2-d348-401a-bf44-edde4b191201" providerId="ADAL" clId="{8EDE38EF-9705-4266-A620-A164C8EDDA07}" dt="2020-10-26T18:20:03.082" v="1864" actId="26606"/>
+          <ac:spMkLst>
+            <pc:docMk/>
+            <pc:sldMk cId="40810272" sldId="268"/>
+            <ac:spMk id="12" creationId="{B0AAF7C9-094E-400C-A428-F6C2262F6527}"/>
+          </ac:spMkLst>
+        </pc:spChg>
+        <pc:spChg chg="add">
+          <ac:chgData name="Andrew Jimenez" userId="254227a2-d348-401a-bf44-edde4b191201" providerId="ADAL" clId="{8EDE38EF-9705-4266-A620-A164C8EDDA07}" dt="2020-10-26T18:20:03.082" v="1864" actId="26606"/>
+          <ac:spMkLst>
+            <pc:docMk/>
+            <pc:sldMk cId="40810272" sldId="268"/>
+            <ac:spMk id="17" creationId="{7CB4857B-ED7C-444D-9F04-2F885114A1C2}"/>
+          </ac:spMkLst>
+        </pc:spChg>
+        <pc:spChg chg="add">
+          <ac:chgData name="Andrew Jimenez" userId="254227a2-d348-401a-bf44-edde4b191201" providerId="ADAL" clId="{8EDE38EF-9705-4266-A620-A164C8EDDA07}" dt="2020-10-26T18:20:03.082" v="1864" actId="26606"/>
+          <ac:spMkLst>
+            <pc:docMk/>
+            <pc:sldMk cId="40810272" sldId="268"/>
+            <ac:spMk id="19" creationId="{D18046FB-44EA-4FD8-A585-EA09A319B2D0}"/>
+          </ac:spMkLst>
+        </pc:spChg>
+        <pc:spChg chg="add">
+          <ac:chgData name="Andrew Jimenez" userId="254227a2-d348-401a-bf44-edde4b191201" providerId="ADAL" clId="{8EDE38EF-9705-4266-A620-A164C8EDDA07}" dt="2020-10-26T18:20:03.082" v="1864" actId="26606"/>
+          <ac:spMkLst>
+            <pc:docMk/>
+            <pc:sldMk cId="40810272" sldId="268"/>
+            <ac:spMk id="21" creationId="{479F5F2B-8B58-4140-AE6A-51F6C67B18D9}"/>
+          </ac:spMkLst>
+        </pc:spChg>
+      </pc:sldChg>
+      <pc:sldChg chg="addSp modSp new mod setBg modNotesTx">
+        <pc:chgData name="Andrew Jimenez" userId="254227a2-d348-401a-bf44-edde4b191201" providerId="ADAL" clId="{8EDE38EF-9705-4266-A620-A164C8EDDA07}" dt="2020-10-26T19:09:16.839" v="2172" actId="20577"/>
+        <pc:sldMkLst>
+          <pc:docMk/>
+          <pc:sldMk cId="4199108037" sldId="269"/>
+        </pc:sldMkLst>
+        <pc:spChg chg="mod">
+          <ac:chgData name="Andrew Jimenez" userId="254227a2-d348-401a-bf44-edde4b191201" providerId="ADAL" clId="{8EDE38EF-9705-4266-A620-A164C8EDDA07}" dt="2020-10-26T18:19:03.626" v="1862" actId="26606"/>
+          <ac:spMkLst>
+            <pc:docMk/>
+            <pc:sldMk cId="4199108037" sldId="269"/>
+            <ac:spMk id="2" creationId="{3F9AE00F-DD58-4AED-B836-C7BDDD3F2882}"/>
+          </ac:spMkLst>
+        </pc:spChg>
+        <pc:spChg chg="mod">
+          <ac:chgData name="Andrew Jimenez" userId="254227a2-d348-401a-bf44-edde4b191201" providerId="ADAL" clId="{8EDE38EF-9705-4266-A620-A164C8EDDA07}" dt="2020-10-26T18:19:03.626" v="1862" actId="26606"/>
+          <ac:spMkLst>
+            <pc:docMk/>
+            <pc:sldMk cId="4199108037" sldId="269"/>
+            <ac:spMk id="3" creationId="{81A5565F-C1FB-4668-A9C9-1035D5D4E443}"/>
+          </ac:spMkLst>
+        </pc:spChg>
+        <pc:spChg chg="add">
+          <ac:chgData name="Andrew Jimenez" userId="254227a2-d348-401a-bf44-edde4b191201" providerId="ADAL" clId="{8EDE38EF-9705-4266-A620-A164C8EDDA07}" dt="2020-10-26T18:19:03.626" v="1862" actId="26606"/>
+          <ac:spMkLst>
+            <pc:docMk/>
+            <pc:sldMk cId="4199108037" sldId="269"/>
+            <ac:spMk id="8" creationId="{7CB4857B-ED7C-444D-9F04-2F885114A1C2}"/>
+          </ac:spMkLst>
+        </pc:spChg>
+        <pc:spChg chg="add">
+          <ac:chgData name="Andrew Jimenez" userId="254227a2-d348-401a-bf44-edde4b191201" providerId="ADAL" clId="{8EDE38EF-9705-4266-A620-A164C8EDDA07}" dt="2020-10-26T18:19:03.626" v="1862" actId="26606"/>
+          <ac:spMkLst>
+            <pc:docMk/>
+            <pc:sldMk cId="4199108037" sldId="269"/>
+            <ac:spMk id="10" creationId="{D18046FB-44EA-4FD8-A585-EA09A319B2D0}"/>
+          </ac:spMkLst>
+        </pc:spChg>
+        <pc:spChg chg="add">
+          <ac:chgData name="Andrew Jimenez" userId="254227a2-d348-401a-bf44-edde4b191201" providerId="ADAL" clId="{8EDE38EF-9705-4266-A620-A164C8EDDA07}" dt="2020-10-26T18:19:03.626" v="1862" actId="26606"/>
+          <ac:spMkLst>
+            <pc:docMk/>
+            <pc:sldMk cId="4199108037" sldId="269"/>
+            <ac:spMk id="12" creationId="{479F5F2B-8B58-4140-AE6A-51F6C67B18D9}"/>
+          </ac:spMkLst>
+        </pc:spChg>
+      </pc:sldChg>
+      <pc:sldChg chg="addSp delSp modSp new mod modNotesTx">
+        <pc:chgData name="Andrew Jimenez" userId="254227a2-d348-401a-bf44-edde4b191201" providerId="ADAL" clId="{8EDE38EF-9705-4266-A620-A164C8EDDA07}" dt="2020-10-26T19:08:20.459" v="2150" actId="20577"/>
+        <pc:sldMkLst>
+          <pc:docMk/>
+          <pc:sldMk cId="3641069825" sldId="270"/>
+        </pc:sldMkLst>
+        <pc:spChg chg="mod">
+          <ac:chgData name="Andrew Jimenez" userId="254227a2-d348-401a-bf44-edde4b191201" providerId="ADAL" clId="{8EDE38EF-9705-4266-A620-A164C8EDDA07}" dt="2020-10-26T18:20:20.113" v="1866" actId="26606"/>
+          <ac:spMkLst>
+            <pc:docMk/>
+            <pc:sldMk cId="3641069825" sldId="270"/>
+            <ac:spMk id="2" creationId="{1A089198-A589-43B7-907D-1CEDC6408F29}"/>
+          </ac:spMkLst>
+        </pc:spChg>
+        <pc:spChg chg="add del">
+          <ac:chgData name="Andrew Jimenez" userId="254227a2-d348-401a-bf44-edde4b191201" providerId="ADAL" clId="{8EDE38EF-9705-4266-A620-A164C8EDDA07}" dt="2020-10-26T18:20:20.113" v="1866" actId="26606"/>
+          <ac:spMkLst>
+            <pc:docMk/>
+            <pc:sldMk cId="3641069825" sldId="270"/>
+            <ac:spMk id="62" creationId="{CDA1A2E9-63FE-408D-A803-8E306ECAB4B3}"/>
+          </ac:spMkLst>
+        </pc:spChg>
+        <pc:spChg chg="add del">
+          <ac:chgData name="Andrew Jimenez" userId="254227a2-d348-401a-bf44-edde4b191201" providerId="ADAL" clId="{8EDE38EF-9705-4266-A620-A164C8EDDA07}" dt="2020-10-26T18:20:20.113" v="1866" actId="26606"/>
+          <ac:spMkLst>
+            <pc:docMk/>
+            <pc:sldMk cId="3641069825" sldId="270"/>
+            <ac:spMk id="63" creationId="{FBE9F90C-C163-435B-9A68-D15C92D1CF2B}"/>
+          </ac:spMkLst>
+        </pc:spChg>
+        <pc:spChg chg="add del">
+          <ac:chgData name="Andrew Jimenez" userId="254227a2-d348-401a-bf44-edde4b191201" providerId="ADAL" clId="{8EDE38EF-9705-4266-A620-A164C8EDDA07}" dt="2020-10-26T18:20:20.113" v="1866" actId="26606"/>
+          <ac:spMkLst>
+            <pc:docMk/>
+            <pc:sldMk cId="3641069825" sldId="270"/>
+            <ac:spMk id="64" creationId="{1A882A9F-F4E9-4E23-8F0B-20B5DF42EAA9}"/>
+          </ac:spMkLst>
+        </pc:spChg>
+        <pc:spChg chg="add del">
+          <ac:chgData name="Andrew Jimenez" userId="254227a2-d348-401a-bf44-edde4b191201" providerId="ADAL" clId="{8EDE38EF-9705-4266-A620-A164C8EDDA07}" dt="2020-10-26T18:20:20.113" v="1866" actId="26606"/>
+          <ac:spMkLst>
+            <pc:docMk/>
+            <pc:sldMk cId="3641069825" sldId="270"/>
+            <ac:spMk id="69" creationId="{026A84AF-6F58-471A-BF1F-10D8C03511C4}"/>
+          </ac:spMkLst>
+        </pc:spChg>
+        <pc:picChg chg="mod">
+          <ac:chgData name="Andrew Jimenez" userId="254227a2-d348-401a-bf44-edde4b191201" providerId="ADAL" clId="{8EDE38EF-9705-4266-A620-A164C8EDDA07}" dt="2020-10-26T18:20:20.113" v="1866" actId="26606"/>
+          <ac:picMkLst>
+            <pc:docMk/>
+            <pc:sldMk cId="3641069825" sldId="270"/>
+            <ac:picMk id="4" creationId="{222884FF-E176-47BE-BB95-B698196C8AD3}"/>
+          </ac:picMkLst>
+        </pc:picChg>
+      </pc:sldChg>
+      <pc:sldChg chg="addSp modSp new mod setBg modNotesTx">
+        <pc:chgData name="Andrew Jimenez" userId="254227a2-d348-401a-bf44-edde4b191201" providerId="ADAL" clId="{8EDE38EF-9705-4266-A620-A164C8EDDA07}" dt="2020-10-26T19:09:19.578" v="2178" actId="20577"/>
+        <pc:sldMkLst>
+          <pc:docMk/>
+          <pc:sldMk cId="3334850468" sldId="271"/>
+        </pc:sldMkLst>
+        <pc:spChg chg="mod">
+          <ac:chgData name="Andrew Jimenez" userId="254227a2-d348-401a-bf44-edde4b191201" providerId="ADAL" clId="{8EDE38EF-9705-4266-A620-A164C8EDDA07}" dt="2020-10-26T18:19:48.696" v="1863" actId="26606"/>
+          <ac:spMkLst>
+            <pc:docMk/>
+            <pc:sldMk cId="3334850468" sldId="271"/>
+            <ac:spMk id="2" creationId="{D5FE21D2-5A70-4B78-8C1F-0404407A9159}"/>
+          </ac:spMkLst>
+        </pc:spChg>
+        <pc:spChg chg="mod">
+          <ac:chgData name="Andrew Jimenez" userId="254227a2-d348-401a-bf44-edde4b191201" providerId="ADAL" clId="{8EDE38EF-9705-4266-A620-A164C8EDDA07}" dt="2020-10-26T18:19:48.696" v="1863" actId="26606"/>
+          <ac:spMkLst>
+            <pc:docMk/>
+            <pc:sldMk cId="3334850468" sldId="271"/>
+            <ac:spMk id="3" creationId="{4BB131FF-087E-4ABD-BBD4-05B6E7E36F84}"/>
+          </ac:spMkLst>
+        </pc:spChg>
+        <pc:spChg chg="add">
+          <ac:chgData name="Andrew Jimenez" userId="254227a2-d348-401a-bf44-edde4b191201" providerId="ADAL" clId="{8EDE38EF-9705-4266-A620-A164C8EDDA07}" dt="2020-10-26T18:19:48.696" v="1863" actId="26606"/>
+          <ac:spMkLst>
+            <pc:docMk/>
+            <pc:sldMk cId="3334850468" sldId="271"/>
+            <ac:spMk id="8" creationId="{7CB4857B-ED7C-444D-9F04-2F885114A1C2}"/>
+          </ac:spMkLst>
+        </pc:spChg>
+        <pc:spChg chg="add">
+          <ac:chgData name="Andrew Jimenez" userId="254227a2-d348-401a-bf44-edde4b191201" providerId="ADAL" clId="{8EDE38EF-9705-4266-A620-A164C8EDDA07}" dt="2020-10-26T18:19:48.696" v="1863" actId="26606"/>
+          <ac:spMkLst>
+            <pc:docMk/>
+            <pc:sldMk cId="3334850468" sldId="271"/>
+            <ac:spMk id="10" creationId="{D18046FB-44EA-4FD8-A585-EA09A319B2D0}"/>
+          </ac:spMkLst>
+        </pc:spChg>
+        <pc:spChg chg="add">
+          <ac:chgData name="Andrew Jimenez" userId="254227a2-d348-401a-bf44-edde4b191201" providerId="ADAL" clId="{8EDE38EF-9705-4266-A620-A164C8EDDA07}" dt="2020-10-26T18:19:48.696" v="1863" actId="26606"/>
+          <ac:spMkLst>
+            <pc:docMk/>
+            <pc:sldMk cId="3334850468" sldId="271"/>
+            <ac:spMk id="12" creationId="{479F5F2B-8B58-4140-AE6A-51F6C67B18D9}"/>
+          </ac:spMkLst>
+        </pc:spChg>
+      </pc:sldChg>
+      <pc:sldChg chg="new">
+        <pc:chgData name="Andrew Jimenez" userId="254227a2-d348-401a-bf44-edde4b191201" providerId="ADAL" clId="{8EDE38EF-9705-4266-A620-A164C8EDDA07}" dt="2020-10-26T18:27:01.590" v="1867" actId="680"/>
+        <pc:sldMkLst>
+          <pc:docMk/>
+          <pc:sldMk cId="2514480417" sldId="272"/>
+        </pc:sldMkLst>
+      </pc:sldChg>
+      <pc:sldChg chg="addSp delSp modSp new mod setBg modClrScheme chgLayout">
+        <pc:chgData name="Andrew Jimenez" userId="254227a2-d348-401a-bf44-edde4b191201" providerId="ADAL" clId="{8EDE38EF-9705-4266-A620-A164C8EDDA07}" dt="2020-10-26T18:44:49.394" v="1994" actId="26606"/>
+        <pc:sldMkLst>
+          <pc:docMk/>
+          <pc:sldMk cId="3357605275" sldId="272"/>
+        </pc:sldMkLst>
+        <pc:spChg chg="del mod ord">
+          <ac:chgData name="Andrew Jimenez" userId="254227a2-d348-401a-bf44-edde4b191201" providerId="ADAL" clId="{8EDE38EF-9705-4266-A620-A164C8EDDA07}" dt="2020-10-26T18:43:16.653" v="1942" actId="700"/>
+          <ac:spMkLst>
+            <pc:docMk/>
+            <pc:sldMk cId="3357605275" sldId="272"/>
+            <ac:spMk id="2" creationId="{92EE51FD-84BE-45A4-AFEE-29B32F089F95}"/>
+          </ac:spMkLst>
+        </pc:spChg>
+        <pc:spChg chg="del mod ord">
+          <ac:chgData name="Andrew Jimenez" userId="254227a2-d348-401a-bf44-edde4b191201" providerId="ADAL" clId="{8EDE38EF-9705-4266-A620-A164C8EDDA07}" dt="2020-10-26T18:43:16.653" v="1942" actId="700"/>
+          <ac:spMkLst>
+            <pc:docMk/>
+            <pc:sldMk cId="3357605275" sldId="272"/>
+            <ac:spMk id="3" creationId="{CB5343FD-4BF3-46B9-8293-2F04EFFE2E29}"/>
+          </ac:spMkLst>
+        </pc:spChg>
+        <pc:spChg chg="add mod ord">
+          <ac:chgData name="Andrew Jimenez" userId="254227a2-d348-401a-bf44-edde4b191201" providerId="ADAL" clId="{8EDE38EF-9705-4266-A620-A164C8EDDA07}" dt="2020-10-26T18:44:49.394" v="1994" actId="26606"/>
+          <ac:spMkLst>
+            <pc:docMk/>
+            <pc:sldMk cId="3357605275" sldId="272"/>
+            <ac:spMk id="4" creationId="{C3A1487D-BD5F-4970-9F7B-091EFE28C79A}"/>
+          </ac:spMkLst>
+        </pc:spChg>
+        <pc:spChg chg="add del mod ord">
+          <ac:chgData name="Andrew Jimenez" userId="254227a2-d348-401a-bf44-edde4b191201" providerId="ADAL" clId="{8EDE38EF-9705-4266-A620-A164C8EDDA07}" dt="2020-10-26T18:43:29.152" v="1955" actId="478"/>
+          <ac:spMkLst>
+            <pc:docMk/>
+            <pc:sldMk cId="3357605275" sldId="272"/>
+            <ac:spMk id="5" creationId="{E7357801-5630-40D9-B9F8-4CBAD151BD59}"/>
+          </ac:spMkLst>
+        </pc:spChg>
+        <pc:spChg chg="add del">
+          <ac:chgData name="Andrew Jimenez" userId="254227a2-d348-401a-bf44-edde4b191201" providerId="ADAL" clId="{8EDE38EF-9705-4266-A620-A164C8EDDA07}" dt="2020-10-26T18:43:50.273" v="1961" actId="26606"/>
+          <ac:spMkLst>
+            <pc:docMk/>
+            <pc:sldMk cId="3357605275" sldId="272"/>
+            <ac:spMk id="9" creationId="{FFD48BC7-DC40-47DE-87EE-9F4B6ECB9ABB}"/>
+          </ac:spMkLst>
+        </pc:spChg>
+        <pc:spChg chg="add del">
+          <ac:chgData name="Andrew Jimenez" userId="254227a2-d348-401a-bf44-edde4b191201" providerId="ADAL" clId="{8EDE38EF-9705-4266-A620-A164C8EDDA07}" dt="2020-10-26T18:43:50.273" v="1961" actId="26606"/>
+          <ac:spMkLst>
+            <pc:docMk/>
+            <pc:sldMk cId="3357605275" sldId="272"/>
+            <ac:spMk id="11" creationId="{E502BBC7-2C76-46F3-BC24-5985BC13DB88}"/>
+          </ac:spMkLst>
+        </pc:spChg>
+        <pc:spChg chg="add del">
+          <ac:chgData name="Andrew Jimenez" userId="254227a2-d348-401a-bf44-edde4b191201" providerId="ADAL" clId="{8EDE38EF-9705-4266-A620-A164C8EDDA07}" dt="2020-10-26T18:43:40.125" v="1957" actId="26606"/>
+          <ac:spMkLst>
+            <pc:docMk/>
+            <pc:sldMk cId="3357605275" sldId="272"/>
+            <ac:spMk id="13" creationId="{74751229-0244-4FBB-BED1-407467F4C951}"/>
+          </ac:spMkLst>
+        </pc:spChg>
+        <pc:spChg chg="add del">
+          <ac:chgData name="Andrew Jimenez" userId="254227a2-d348-401a-bf44-edde4b191201" providerId="ADAL" clId="{8EDE38EF-9705-4266-A620-A164C8EDDA07}" dt="2020-10-26T18:43:47.443" v="1959" actId="26606"/>
+          <ac:spMkLst>
+            <pc:docMk/>
+            <pc:sldMk cId="3357605275" sldId="272"/>
+            <ac:spMk id="15" creationId="{74751229-0244-4FBB-BED1-407467F4C951}"/>
+          </ac:spMkLst>
+        </pc:spChg>
+        <pc:spChg chg="add del">
+          <ac:chgData name="Andrew Jimenez" userId="254227a2-d348-401a-bf44-edde4b191201" providerId="ADAL" clId="{8EDE38EF-9705-4266-A620-A164C8EDDA07}" dt="2020-10-26T18:43:50.273" v="1961" actId="26606"/>
+          <ac:spMkLst>
+            <pc:docMk/>
+            <pc:sldMk cId="3357605275" sldId="272"/>
+            <ac:spMk id="19" creationId="{C7F28D52-2A5F-4D23-81AE-7CB8B591C7AF}"/>
+          </ac:spMkLst>
+        </pc:spChg>
+        <pc:spChg chg="add del">
+          <ac:chgData name="Andrew Jimenez" userId="254227a2-d348-401a-bf44-edde4b191201" providerId="ADAL" clId="{8EDE38EF-9705-4266-A620-A164C8EDDA07}" dt="2020-10-26T18:43:50.273" v="1961" actId="26606"/>
+          <ac:spMkLst>
+            <pc:docMk/>
+            <pc:sldMk cId="3357605275" sldId="272"/>
+            <ac:spMk id="20" creationId="{3629484E-3792-4B3D-89AD-7C8A1ED0E0D4}"/>
+          </ac:spMkLst>
+        </pc:spChg>
+        <pc:spChg chg="add del">
+          <ac:chgData name="Andrew Jimenez" userId="254227a2-d348-401a-bf44-edde4b191201" providerId="ADAL" clId="{8EDE38EF-9705-4266-A620-A164C8EDDA07}" dt="2020-10-26T18:44:02.177" v="1965" actId="26606"/>
+          <ac:spMkLst>
+            <pc:docMk/>
+            <pc:sldMk cId="3357605275" sldId="272"/>
+            <ac:spMk id="21" creationId="{1849CA57-76BD-4CF2-80BA-D7A46A01B7B1}"/>
+          </ac:spMkLst>
+        </pc:spChg>
+        <pc:spChg chg="add del">
+          <ac:chgData name="Andrew Jimenez" userId="254227a2-d348-401a-bf44-edde4b191201" providerId="ADAL" clId="{8EDE38EF-9705-4266-A620-A164C8EDDA07}" dt="2020-10-26T18:43:55.220" v="1963" actId="26606"/>
+          <ac:spMkLst>
+            <pc:docMk/>
+            <pc:sldMk cId="3357605275" sldId="272"/>
+            <ac:spMk id="22" creationId="{C66F2F30-5DC0-44A0-BFA6-E12F46ED16DA}"/>
+          </ac:spMkLst>
+        </pc:spChg>
+        <pc:spChg chg="add del">
+          <ac:chgData name="Andrew Jimenez" userId="254227a2-d348-401a-bf44-edde4b191201" providerId="ADAL" clId="{8EDE38EF-9705-4266-A620-A164C8EDDA07}" dt="2020-10-26T18:43:55.220" v="1963" actId="26606"/>
+          <ac:spMkLst>
+            <pc:docMk/>
+            <pc:sldMk cId="3357605275" sldId="272"/>
+            <ac:spMk id="23" creationId="{85872F57-7F42-4F97-8391-DDC8D0054C03}"/>
+          </ac:spMkLst>
+        </pc:spChg>
+        <pc:spChg chg="add del">
+          <ac:chgData name="Andrew Jimenez" userId="254227a2-d348-401a-bf44-edde4b191201" providerId="ADAL" clId="{8EDE38EF-9705-4266-A620-A164C8EDDA07}" dt="2020-10-26T18:43:55.220" v="1963" actId="26606"/>
+          <ac:spMkLst>
+            <pc:docMk/>
+            <pc:sldMk cId="3357605275" sldId="272"/>
+            <ac:spMk id="24" creationId="{04DC2037-48A0-4F22-B9D4-8EAEBC780AB4}"/>
+          </ac:spMkLst>
+        </pc:spChg>
+        <pc:spChg chg="add del">
+          <ac:chgData name="Andrew Jimenez" userId="254227a2-d348-401a-bf44-edde4b191201" providerId="ADAL" clId="{8EDE38EF-9705-4266-A620-A164C8EDDA07}" dt="2020-10-26T18:43:55.220" v="1963" actId="26606"/>
+          <ac:spMkLst>
+            <pc:docMk/>
+            <pc:sldMk cId="3357605275" sldId="272"/>
+            <ac:spMk id="25" creationId="{0006CBFD-ADA0-43D1-9332-9C34CA1C76ED}"/>
+          </ac:spMkLst>
+        </pc:spChg>
+        <pc:spChg chg="add del">
+          <ac:chgData name="Andrew Jimenez" userId="254227a2-d348-401a-bf44-edde4b191201" providerId="ADAL" clId="{8EDE38EF-9705-4266-A620-A164C8EDDA07}" dt="2020-10-26T18:43:55.220" v="1963" actId="26606"/>
+          <ac:spMkLst>
+            <pc:docMk/>
+            <pc:sldMk cId="3357605275" sldId="272"/>
+            <ac:spMk id="26" creationId="{2B931666-F28F-45F3-A074-66D2272D580B}"/>
+          </ac:spMkLst>
+        </pc:spChg>
+        <pc:spChg chg="add del">
+          <ac:chgData name="Andrew Jimenez" userId="254227a2-d348-401a-bf44-edde4b191201" providerId="ADAL" clId="{8EDE38EF-9705-4266-A620-A164C8EDDA07}" dt="2020-10-26T18:44:02.177" v="1965" actId="26606"/>
+          <ac:spMkLst>
+            <pc:docMk/>
+            <pc:sldMk cId="3357605275" sldId="272"/>
+            <ac:spMk id="27" creationId="{E07981EA-05A6-437C-88D7-B377B92B031D}"/>
+          </ac:spMkLst>
+        </pc:spChg>
+        <pc:spChg chg="add del">
+          <ac:chgData name="Andrew Jimenez" userId="254227a2-d348-401a-bf44-edde4b191201" providerId="ADAL" clId="{8EDE38EF-9705-4266-A620-A164C8EDDA07}" dt="2020-10-26T18:44:02.177" v="1965" actId="26606"/>
+          <ac:spMkLst>
+            <pc:docMk/>
+            <pc:sldMk cId="3357605275" sldId="272"/>
+            <ac:spMk id="28" creationId="{88294908-8B00-4F58-BBBA-20F71A40AA9E}"/>
+          </ac:spMkLst>
+        </pc:spChg>
+        <pc:spChg chg="add del">
+          <ac:chgData name="Andrew Jimenez" userId="254227a2-d348-401a-bf44-edde4b191201" providerId="ADAL" clId="{8EDE38EF-9705-4266-A620-A164C8EDDA07}" dt="2020-10-26T18:44:02.177" v="1965" actId="26606"/>
+          <ac:spMkLst>
+            <pc:docMk/>
+            <pc:sldMk cId="3357605275" sldId="272"/>
+            <ac:spMk id="29" creationId="{15E3C750-986E-4769-B1AE-49289FBEE757}"/>
+          </ac:spMkLst>
+        </pc:spChg>
+        <pc:spChg chg="add del">
+          <ac:chgData name="Andrew Jimenez" userId="254227a2-d348-401a-bf44-edde4b191201" providerId="ADAL" clId="{8EDE38EF-9705-4266-A620-A164C8EDDA07}" dt="2020-10-26T18:44:02.177" v="1965" actId="26606"/>
+          <ac:spMkLst>
+            <pc:docMk/>
+            <pc:sldMk cId="3357605275" sldId="272"/>
+            <ac:spMk id="30" creationId="{4364C879-1404-4203-8E9D-CC5DE0A621A2}"/>
+          </ac:spMkLst>
+        </pc:spChg>
+        <pc:spChg chg="add del">
+          <ac:chgData name="Andrew Jimenez" userId="254227a2-d348-401a-bf44-edde4b191201" providerId="ADAL" clId="{8EDE38EF-9705-4266-A620-A164C8EDDA07}" dt="2020-10-26T18:44:02.177" v="1965" actId="26606"/>
+          <ac:spMkLst>
+            <pc:docMk/>
+            <pc:sldMk cId="3357605275" sldId="272"/>
+            <ac:spMk id="31" creationId="{84617302-4B0D-4351-A6BB-6F0930D943AC}"/>
+          </ac:spMkLst>
+        </pc:spChg>
+        <pc:spChg chg="add del">
+          <ac:chgData name="Andrew Jimenez" userId="254227a2-d348-401a-bf44-edde4b191201" providerId="ADAL" clId="{8EDE38EF-9705-4266-A620-A164C8EDDA07}" dt="2020-10-26T18:44:02.177" v="1965" actId="26606"/>
+          <ac:spMkLst>
+            <pc:docMk/>
+            <pc:sldMk cId="3357605275" sldId="272"/>
+            <ac:spMk id="32" creationId="{DA2C7802-C2E0-4218-8F89-8DD7CCD2CD1C}"/>
+          </ac:spMkLst>
+        </pc:spChg>
+        <pc:spChg chg="add del">
+          <ac:chgData name="Andrew Jimenez" userId="254227a2-d348-401a-bf44-edde4b191201" providerId="ADAL" clId="{8EDE38EF-9705-4266-A620-A164C8EDDA07}" dt="2020-10-26T18:44:02.177" v="1965" actId="26606"/>
+          <ac:spMkLst>
+            <pc:docMk/>
+            <pc:sldMk cId="3357605275" sldId="272"/>
+            <ac:spMk id="33" creationId="{A6D7111A-21E5-4EE9-8A78-10E5530F0116}"/>
+          </ac:spMkLst>
+        </pc:spChg>
+        <pc:spChg chg="add del">
+          <ac:chgData name="Andrew Jimenez" userId="254227a2-d348-401a-bf44-edde4b191201" providerId="ADAL" clId="{8EDE38EF-9705-4266-A620-A164C8EDDA07}" dt="2020-10-26T18:44:02.177" v="1965" actId="26606"/>
+          <ac:spMkLst>
+            <pc:docMk/>
+            <pc:sldMk cId="3357605275" sldId="272"/>
+            <ac:spMk id="34" creationId="{A3969E80-A77B-49FC-9122-D89AFD5EE118}"/>
+          </ac:spMkLst>
+        </pc:spChg>
+        <pc:spChg chg="add del">
+          <ac:chgData name="Andrew Jimenez" userId="254227a2-d348-401a-bf44-edde4b191201" providerId="ADAL" clId="{8EDE38EF-9705-4266-A620-A164C8EDDA07}" dt="2020-10-26T18:44:02.177" v="1965" actId="26606"/>
+          <ac:spMkLst>
+            <pc:docMk/>
+            <pc:sldMk cId="3357605275" sldId="272"/>
+            <ac:spMk id="35" creationId="{35E9085E-E730-4768-83D4-6CB7E9897153}"/>
+          </ac:spMkLst>
+        </pc:spChg>
+        <pc:spChg chg="add del">
+          <ac:chgData name="Andrew Jimenez" userId="254227a2-d348-401a-bf44-edde4b191201" providerId="ADAL" clId="{8EDE38EF-9705-4266-A620-A164C8EDDA07}" dt="2020-10-26T18:44:02.177" v="1965" actId="26606"/>
+          <ac:spMkLst>
+            <pc:docMk/>
+            <pc:sldMk cId="3357605275" sldId="272"/>
+            <ac:spMk id="36" creationId="{973272FE-A474-4CAE-8CA2-BCC8B476C3F4}"/>
+          </ac:spMkLst>
+        </pc:spChg>
+        <pc:spChg chg="add del">
+          <ac:chgData name="Andrew Jimenez" userId="254227a2-d348-401a-bf44-edde4b191201" providerId="ADAL" clId="{8EDE38EF-9705-4266-A620-A164C8EDDA07}" dt="2020-10-26T18:44:06.826" v="1967" actId="26606"/>
+          <ac:spMkLst>
+            <pc:docMk/>
+            <pc:sldMk cId="3357605275" sldId="272"/>
+            <ac:spMk id="38" creationId="{6027F030-58A9-44B8-ABF5-0372D2954EE6}"/>
+          </ac:spMkLst>
+        </pc:spChg>
+        <pc:spChg chg="add del">
+          <ac:chgData name="Andrew Jimenez" userId="254227a2-d348-401a-bf44-edde4b191201" providerId="ADAL" clId="{8EDE38EF-9705-4266-A620-A164C8EDDA07}" dt="2020-10-26T18:44:06.826" v="1967" actId="26606"/>
+          <ac:spMkLst>
+            <pc:docMk/>
+            <pc:sldMk cId="3357605275" sldId="272"/>
+            <ac:spMk id="39" creationId="{A6328306-71F0-4C12-A2D9-7C857146B1D0}"/>
+          </ac:spMkLst>
+        </pc:spChg>
+        <pc:spChg chg="add del">
+          <ac:chgData name="Andrew Jimenez" userId="254227a2-d348-401a-bf44-edde4b191201" providerId="ADAL" clId="{8EDE38EF-9705-4266-A620-A164C8EDDA07}" dt="2020-10-26T18:44:06.826" v="1967" actId="26606"/>
+          <ac:spMkLst>
+            <pc:docMk/>
+            <pc:sldMk cId="3357605275" sldId="272"/>
+            <ac:spMk id="40" creationId="{64AB010C-C307-4A53-9D97-39C6AAB2E056}"/>
+          </ac:spMkLst>
+        </pc:spChg>
+        <pc:spChg chg="add del">
+          <ac:chgData name="Andrew Jimenez" userId="254227a2-d348-401a-bf44-edde4b191201" providerId="ADAL" clId="{8EDE38EF-9705-4266-A620-A164C8EDDA07}" dt="2020-10-26T18:44:06.826" v="1967" actId="26606"/>
+          <ac:spMkLst>
+            <pc:docMk/>
+            <pc:sldMk cId="3357605275" sldId="272"/>
+            <ac:spMk id="41" creationId="{3252C512-4076-456E-AD89-50B0316453D0}"/>
+          </ac:spMkLst>
+        </pc:spChg>
+        <pc:spChg chg="add del">
+          <ac:chgData name="Andrew Jimenez" userId="254227a2-d348-401a-bf44-edde4b191201" providerId="ADAL" clId="{8EDE38EF-9705-4266-A620-A164C8EDDA07}" dt="2020-10-26T18:44:06.826" v="1967" actId="26606"/>
+          <ac:spMkLst>
+            <pc:docMk/>
+            <pc:sldMk cId="3357605275" sldId="272"/>
+            <ac:spMk id="42" creationId="{71C24C9E-C2F4-4FA4-947B-6CBAC7C3AE1D}"/>
+          </ac:spMkLst>
+        </pc:spChg>
+        <pc:spChg chg="add del">
+          <ac:chgData name="Andrew Jimenez" userId="254227a2-d348-401a-bf44-edde4b191201" providerId="ADAL" clId="{8EDE38EF-9705-4266-A620-A164C8EDDA07}" dt="2020-10-26T18:44:06.826" v="1967" actId="26606"/>
+          <ac:spMkLst>
+            <pc:docMk/>
+            <pc:sldMk cId="3357605275" sldId="272"/>
+            <ac:spMk id="43" creationId="{604B7750-FFCA-4912-AC2E-989EECC941B2}"/>
+          </ac:spMkLst>
+        </pc:spChg>
+        <pc:spChg chg="add del">
+          <ac:chgData name="Andrew Jimenez" userId="254227a2-d348-401a-bf44-edde4b191201" providerId="ADAL" clId="{8EDE38EF-9705-4266-A620-A164C8EDDA07}" dt="2020-10-26T18:44:06.826" v="1967" actId="26606"/>
+          <ac:spMkLst>
+            <pc:docMk/>
+            <pc:sldMk cId="3357605275" sldId="272"/>
+            <ac:spMk id="44" creationId="{52494659-52DF-4053-975B-36F06255E2E8}"/>
+          </ac:spMkLst>
+        </pc:spChg>
+        <pc:spChg chg="add del">
+          <ac:chgData name="Andrew Jimenez" userId="254227a2-d348-401a-bf44-edde4b191201" providerId="ADAL" clId="{8EDE38EF-9705-4266-A620-A164C8EDDA07}" dt="2020-10-26T18:44:06.826" v="1967" actId="26606"/>
+          <ac:spMkLst>
+            <pc:docMk/>
+            <pc:sldMk cId="3357605275" sldId="272"/>
+            <ac:spMk id="45" creationId="{EE807326-229C-458C-BDA0-C721262167D9}"/>
+          </ac:spMkLst>
+        </pc:spChg>
+        <pc:spChg chg="add del">
+          <ac:chgData name="Andrew Jimenez" userId="254227a2-d348-401a-bf44-edde4b191201" providerId="ADAL" clId="{8EDE38EF-9705-4266-A620-A164C8EDDA07}" dt="2020-10-26T18:44:06.826" v="1967" actId="26606"/>
+          <ac:spMkLst>
+            <pc:docMk/>
+            <pc:sldMk cId="3357605275" sldId="272"/>
+            <ac:spMk id="46" creationId="{FCADE1D5-E79C-4CEF-BEFD-B66EFB394D25}"/>
+          </ac:spMkLst>
+        </pc:spChg>
+        <pc:spChg chg="add del">
+          <ac:chgData name="Andrew Jimenez" userId="254227a2-d348-401a-bf44-edde4b191201" providerId="ADAL" clId="{8EDE38EF-9705-4266-A620-A164C8EDDA07}" dt="2020-10-26T18:44:06.826" v="1967" actId="26606"/>
+          <ac:spMkLst>
+            <pc:docMk/>
+            <pc:sldMk cId="3357605275" sldId="272"/>
+            <ac:spMk id="47" creationId="{54FC8EB5-1620-43B8-B816-8A91B6EAC975}"/>
+          </ac:spMkLst>
+        </pc:spChg>
+        <pc:spChg chg="add del">
+          <ac:chgData name="Andrew Jimenez" userId="254227a2-d348-401a-bf44-edde4b191201" providerId="ADAL" clId="{8EDE38EF-9705-4266-A620-A164C8EDDA07}" dt="2020-10-26T18:44:06.826" v="1967" actId="26606"/>
+          <ac:spMkLst>
+            <pc:docMk/>
+            <pc:sldMk cId="3357605275" sldId="272"/>
+            <ac:spMk id="48" creationId="{3D544515-9F93-4809-A102-B49C85F4608F}"/>
+          </ac:spMkLst>
+        </pc:spChg>
+        <pc:spChg chg="add del">
+          <ac:chgData name="Andrew Jimenez" userId="254227a2-d348-401a-bf44-edde4b191201" providerId="ADAL" clId="{8EDE38EF-9705-4266-A620-A164C8EDDA07}" dt="2020-10-26T18:44:08.278" v="1969" actId="26606"/>
+          <ac:spMkLst>
+            <pc:docMk/>
+            <pc:sldMk cId="3357605275" sldId="272"/>
+            <ac:spMk id="50" creationId="{015806EC-2CC8-4BD3-9826-EC55E08B8622}"/>
+          </ac:spMkLst>
+        </pc:spChg>
+        <pc:spChg chg="add del">
+          <ac:chgData name="Andrew Jimenez" userId="254227a2-d348-401a-bf44-edde4b191201" providerId="ADAL" clId="{8EDE38EF-9705-4266-A620-A164C8EDDA07}" dt="2020-10-26T18:44:08.278" v="1969" actId="26606"/>
+          <ac:spMkLst>
+            <pc:docMk/>
+            <pc:sldMk cId="3357605275" sldId="272"/>
+            <ac:spMk id="51" creationId="{5FF2CABA-851F-4E41-8E96-C61D0ADB92A2}"/>
+          </ac:spMkLst>
+        </pc:spChg>
+        <pc:spChg chg="add del">
+          <ac:chgData name="Andrew Jimenez" userId="254227a2-d348-401a-bf44-edde4b191201" providerId="ADAL" clId="{8EDE38EF-9705-4266-A620-A164C8EDDA07}" dt="2020-10-26T18:44:08.278" v="1969" actId="26606"/>
+          <ac:spMkLst>
+            <pc:docMk/>
+            <pc:sldMk cId="3357605275" sldId="272"/>
+            <ac:spMk id="52" creationId="{71A23C00-792B-43F9-A5F3-3A97AD847B34}"/>
+          </ac:spMkLst>
+        </pc:spChg>
+        <pc:spChg chg="add del">
+          <ac:chgData name="Andrew Jimenez" userId="254227a2-d348-401a-bf44-edde4b191201" providerId="ADAL" clId="{8EDE38EF-9705-4266-A620-A164C8EDDA07}" dt="2020-10-26T18:44:08.278" v="1969" actId="26606"/>
+          <ac:spMkLst>
+            <pc:docMk/>
+            <pc:sldMk cId="3357605275" sldId="272"/>
+            <ac:spMk id="53" creationId="{65B59FB9-8A98-4966-AD0E-27A5BB87769C}"/>
+          </ac:spMkLst>
+        </pc:spChg>
+        <pc:spChg chg="add del">
+          <ac:chgData name="Andrew Jimenez" userId="254227a2-d348-401a-bf44-edde4b191201" providerId="ADAL" clId="{8EDE38EF-9705-4266-A620-A164C8EDDA07}" dt="2020-10-26T18:44:08.278" v="1969" actId="26606"/>
+          <ac:spMkLst>
+            <pc:docMk/>
+            <pc:sldMk cId="3357605275" sldId="272"/>
+            <ac:spMk id="54" creationId="{E8164A22-8ACC-4F6E-A439-56200F88B02A}"/>
+          </ac:spMkLst>
+        </pc:spChg>
+        <pc:spChg chg="add del">
+          <ac:chgData name="Andrew Jimenez" userId="254227a2-d348-401a-bf44-edde4b191201" providerId="ADAL" clId="{8EDE38EF-9705-4266-A620-A164C8EDDA07}" dt="2020-10-26T18:44:08.278" v="1969" actId="26606"/>
+          <ac:spMkLst>
+            <pc:docMk/>
+            <pc:sldMk cId="3357605275" sldId="272"/>
+            <ac:spMk id="55" creationId="{B497CCB5-5FC2-473C-AFCC-2430CEF1DF71}"/>
+          </ac:spMkLst>
+        </pc:spChg>
+        <pc:spChg chg="add del">
+          <ac:chgData name="Andrew Jimenez" userId="254227a2-d348-401a-bf44-edde4b191201" providerId="ADAL" clId="{8EDE38EF-9705-4266-A620-A164C8EDDA07}" dt="2020-10-26T18:44:08.278" v="1969" actId="26606"/>
+          <ac:spMkLst>
+            <pc:docMk/>
+            <pc:sldMk cId="3357605275" sldId="272"/>
+            <ac:spMk id="56" creationId="{599C8C75-BFDF-44E7-A028-EEB5EDD58817}"/>
+          </ac:spMkLst>
+        </pc:spChg>
+        <pc:spChg chg="add del">
+          <ac:chgData name="Andrew Jimenez" userId="254227a2-d348-401a-bf44-edde4b191201" providerId="ADAL" clId="{8EDE38EF-9705-4266-A620-A164C8EDDA07}" dt="2020-10-26T18:44:14.010" v="1971" actId="26606"/>
+          <ac:spMkLst>
+            <pc:docMk/>
+            <pc:sldMk cId="3357605275" sldId="272"/>
+            <ac:spMk id="58" creationId="{16F9E488-0718-4E1E-9D12-26779F606252}"/>
+          </ac:spMkLst>
+        </pc:spChg>
+        <pc:spChg chg="add del">
+          <ac:chgData name="Andrew Jimenez" userId="254227a2-d348-401a-bf44-edde4b191201" providerId="ADAL" clId="{8EDE38EF-9705-4266-A620-A164C8EDDA07}" dt="2020-10-26T18:44:14.010" v="1971" actId="26606"/>
+          <ac:spMkLst>
+            <pc:docMk/>
+            <pc:sldMk cId="3357605275" sldId="272"/>
+            <ac:spMk id="59" creationId="{D20AEB5B-DFC7-42B4-9FAA-6B95E01D0FCE}"/>
+          </ac:spMkLst>
+        </pc:spChg>
+        <pc:spChg chg="add del">
+          <ac:chgData name="Andrew Jimenez" userId="254227a2-d348-401a-bf44-edde4b191201" providerId="ADAL" clId="{8EDE38EF-9705-4266-A620-A164C8EDDA07}" dt="2020-10-26T18:44:22.389" v="1973" actId="26606"/>
+          <ac:spMkLst>
+            <pc:docMk/>
+            <pc:sldMk cId="3357605275" sldId="272"/>
+            <ac:spMk id="63" creationId="{D5189306-04D9-4982-9EBE-938B344A1113}"/>
+          </ac:spMkLst>
+        </pc:spChg>
+        <pc:spChg chg="add del">
+          <ac:chgData name="Andrew Jimenez" userId="254227a2-d348-401a-bf44-edde4b191201" providerId="ADAL" clId="{8EDE38EF-9705-4266-A620-A164C8EDDA07}" dt="2020-10-26T18:44:22.389" v="1973" actId="26606"/>
+          <ac:spMkLst>
+            <pc:docMk/>
+            <pc:sldMk cId="3357605275" sldId="272"/>
+            <ac:spMk id="64" creationId="{102C4642-2AB4-49A1-89D9-3E5C01E99D58}"/>
+          </ac:spMkLst>
+        </pc:spChg>
+        <pc:spChg chg="add del">
+          <ac:chgData name="Andrew Jimenez" userId="254227a2-d348-401a-bf44-edde4b191201" providerId="ADAL" clId="{8EDE38EF-9705-4266-A620-A164C8EDDA07}" dt="2020-10-26T18:44:22.389" v="1973" actId="26606"/>
+          <ac:spMkLst>
+            <pc:docMk/>
+            <pc:sldMk cId="3357605275" sldId="272"/>
+            <ac:spMk id="65" creationId="{82EAAEF9-78E9-4B67-93B4-CD09F7570300}"/>
+          </ac:spMkLst>
+        </pc:spChg>
+        <pc:spChg chg="add del">
+          <ac:chgData name="Andrew Jimenez" userId="254227a2-d348-401a-bf44-edde4b191201" providerId="ADAL" clId="{8EDE38EF-9705-4266-A620-A164C8EDDA07}" dt="2020-10-26T18:44:22.389" v="1973" actId="26606"/>
+          <ac:spMkLst>
+            <pc:docMk/>
+            <pc:sldMk cId="3357605275" sldId="272"/>
+            <ac:spMk id="66" creationId="{2CE23D09-8BA3-4FEE-892D-ACE847DC085D}"/>
+          </ac:spMkLst>
+        </pc:spChg>
+        <pc:spChg chg="add del">
+          <ac:chgData name="Andrew Jimenez" userId="254227a2-d348-401a-bf44-edde4b191201" providerId="ADAL" clId="{8EDE38EF-9705-4266-A620-A164C8EDDA07}" dt="2020-10-26T18:44:22.389" v="1973" actId="26606"/>
+          <ac:spMkLst>
+            <pc:docMk/>
+            <pc:sldMk cId="3357605275" sldId="272"/>
+            <ac:spMk id="67" creationId="{5707F116-8EC0-4822-9067-186AC8C96EB8}"/>
+          </ac:spMkLst>
+        </pc:spChg>
+        <pc:spChg chg="add del">
+          <ac:chgData name="Andrew Jimenez" userId="254227a2-d348-401a-bf44-edde4b191201" providerId="ADAL" clId="{8EDE38EF-9705-4266-A620-A164C8EDDA07}" dt="2020-10-26T18:44:22.389" v="1973" actId="26606"/>
+          <ac:spMkLst>
+            <pc:docMk/>
+            <pc:sldMk cId="3357605275" sldId="272"/>
+            <ac:spMk id="68" creationId="{6BFBE7AA-40DE-4FE5-B385-5CA874501B05}"/>
+          </ac:spMkLst>
+        </pc:spChg>
+        <pc:spChg chg="add del">
+          <ac:chgData name="Andrew Jimenez" userId="254227a2-d348-401a-bf44-edde4b191201" providerId="ADAL" clId="{8EDE38EF-9705-4266-A620-A164C8EDDA07}" dt="2020-10-26T18:44:22.389" v="1973" actId="26606"/>
+          <ac:spMkLst>
+            <pc:docMk/>
+            <pc:sldMk cId="3357605275" sldId="272"/>
+            <ac:spMk id="69" creationId="{41ACE746-85D5-45EE-8944-61B542B392FC}"/>
+          </ac:spMkLst>
+        </pc:spChg>
+        <pc:spChg chg="add del">
+          <ac:chgData name="Andrew Jimenez" userId="254227a2-d348-401a-bf44-edde4b191201" providerId="ADAL" clId="{8EDE38EF-9705-4266-A620-A164C8EDDA07}" dt="2020-10-26T18:44:22.389" v="1973" actId="26606"/>
+          <ac:spMkLst>
+            <pc:docMk/>
+            <pc:sldMk cId="3357605275" sldId="272"/>
+            <ac:spMk id="70" creationId="{00BB3E03-CC38-4FA6-9A99-701C62D05A5B}"/>
+          </ac:spMkLst>
+        </pc:spChg>
+        <pc:spChg chg="add del">
+          <ac:chgData name="Andrew Jimenez" userId="254227a2-d348-401a-bf44-edde4b191201" providerId="ADAL" clId="{8EDE38EF-9705-4266-A620-A164C8EDDA07}" dt="2020-10-26T18:44:23.399" v="1975" actId="26606"/>
+          <ac:spMkLst>
+            <pc:docMk/>
+            <pc:sldMk cId="3357605275" sldId="272"/>
+            <ac:spMk id="72" creationId="{88294908-8B00-4F58-BBBA-20F71A40AA9E}"/>
+          </ac:spMkLst>
+        </pc:spChg>
+        <pc:spChg chg="add del">
+          <ac:chgData name="Andrew Jimenez" userId="254227a2-d348-401a-bf44-edde4b191201" providerId="ADAL" clId="{8EDE38EF-9705-4266-A620-A164C8EDDA07}" dt="2020-10-26T18:44:23.399" v="1975" actId="26606"/>
+          <ac:spMkLst>
+            <pc:docMk/>
+            <pc:sldMk cId="3357605275" sldId="272"/>
+            <ac:spMk id="73" creationId="{4364C879-1404-4203-8E9D-CC5DE0A621A2}"/>
+          </ac:spMkLst>
+        </pc:spChg>
+        <pc:spChg chg="add del">
+          <ac:chgData name="Andrew Jimenez" userId="254227a2-d348-401a-bf44-edde4b191201" providerId="ADAL" clId="{8EDE38EF-9705-4266-A620-A164C8EDDA07}" dt="2020-10-26T18:44:23.399" v="1975" actId="26606"/>
+          <ac:spMkLst>
+            <pc:docMk/>
+            <pc:sldMk cId="3357605275" sldId="272"/>
+            <ac:spMk id="74" creationId="{84617302-4B0D-4351-A6BB-6F0930D943AC}"/>
+          </ac:spMkLst>
+        </pc:spChg>
+        <pc:spChg chg="add del">
+          <ac:chgData name="Andrew Jimenez" userId="254227a2-d348-401a-bf44-edde4b191201" providerId="ADAL" clId="{8EDE38EF-9705-4266-A620-A164C8EDDA07}" dt="2020-10-26T18:44:23.399" v="1975" actId="26606"/>
+          <ac:spMkLst>
+            <pc:docMk/>
+            <pc:sldMk cId="3357605275" sldId="272"/>
+            <ac:spMk id="75" creationId="{DA2C7802-C2E0-4218-8F89-8DD7CCD2CD1C}"/>
+          </ac:spMkLst>
+        </pc:spChg>
+        <pc:spChg chg="add del">
+          <ac:chgData name="Andrew Jimenez" userId="254227a2-d348-401a-bf44-edde4b191201" providerId="ADAL" clId="{8EDE38EF-9705-4266-A620-A164C8EDDA07}" dt="2020-10-26T18:44:23.399" v="1975" actId="26606"/>
+          <ac:spMkLst>
+            <pc:docMk/>
+            <pc:sldMk cId="3357605275" sldId="272"/>
+            <ac:spMk id="76" creationId="{A6D7111A-21E5-4EE9-8A78-10E5530F0116}"/>
+          </ac:spMkLst>
+        </pc:spChg>
+        <pc:spChg chg="add del">
+          <ac:chgData name="Andrew Jimenez" userId="254227a2-d348-401a-bf44-edde4b191201" providerId="ADAL" clId="{8EDE38EF-9705-4266-A620-A164C8EDDA07}" dt="2020-10-26T18:44:23.399" v="1975" actId="26606"/>
+          <ac:spMkLst>
+            <pc:docMk/>
+            <pc:sldMk cId="3357605275" sldId="272"/>
+            <ac:spMk id="77" creationId="{A3969E80-A77B-49FC-9122-D89AFD5EE118}"/>
+          </ac:spMkLst>
+        </pc:spChg>
+        <pc:spChg chg="add del">
+          <ac:chgData name="Andrew Jimenez" userId="254227a2-d348-401a-bf44-edde4b191201" providerId="ADAL" clId="{8EDE38EF-9705-4266-A620-A164C8EDDA07}" dt="2020-10-26T18:44:23.399" v="1975" actId="26606"/>
+          <ac:spMkLst>
+            <pc:docMk/>
+            <pc:sldMk cId="3357605275" sldId="272"/>
+            <ac:spMk id="78" creationId="{1849CA57-76BD-4CF2-80BA-D7A46A01B7B1}"/>
+          </ac:spMkLst>
+        </pc:spChg>
+        <pc:spChg chg="add del">
+          <ac:chgData name="Andrew Jimenez" userId="254227a2-d348-401a-bf44-edde4b191201" providerId="ADAL" clId="{8EDE38EF-9705-4266-A620-A164C8EDDA07}" dt="2020-10-26T18:44:23.399" v="1975" actId="26606"/>
+          <ac:spMkLst>
+            <pc:docMk/>
+            <pc:sldMk cId="3357605275" sldId="272"/>
+            <ac:spMk id="79" creationId="{35E9085E-E730-4768-83D4-6CB7E9897153}"/>
+          </ac:spMkLst>
+        </pc:spChg>
+        <pc:spChg chg="add del">
+          <ac:chgData name="Andrew Jimenez" userId="254227a2-d348-401a-bf44-edde4b191201" providerId="ADAL" clId="{8EDE38EF-9705-4266-A620-A164C8EDDA07}" dt="2020-10-26T18:44:23.399" v="1975" actId="26606"/>
+          <ac:spMkLst>
+            <pc:docMk/>
+            <pc:sldMk cId="3357605275" sldId="272"/>
+            <ac:spMk id="80" creationId="{973272FE-A474-4CAE-8CA2-BCC8B476C3F4}"/>
+          </ac:spMkLst>
+        </pc:spChg>
+        <pc:spChg chg="add del">
+          <ac:chgData name="Andrew Jimenez" userId="254227a2-d348-401a-bf44-edde4b191201" providerId="ADAL" clId="{8EDE38EF-9705-4266-A620-A164C8EDDA07}" dt="2020-10-26T18:44:23.399" v="1975" actId="26606"/>
+          <ac:spMkLst>
+            <pc:docMk/>
+            <pc:sldMk cId="3357605275" sldId="272"/>
+            <ac:spMk id="81" creationId="{E07981EA-05A6-437C-88D7-B377B92B031D}"/>
+          </ac:spMkLst>
+        </pc:spChg>
+        <pc:spChg chg="add del">
+          <ac:chgData name="Andrew Jimenez" userId="254227a2-d348-401a-bf44-edde4b191201" providerId="ADAL" clId="{8EDE38EF-9705-4266-A620-A164C8EDDA07}" dt="2020-10-26T18:44:23.399" v="1975" actId="26606"/>
+          <ac:spMkLst>
+            <pc:docMk/>
+            <pc:sldMk cId="3357605275" sldId="272"/>
+            <ac:spMk id="82" creationId="{15E3C750-986E-4769-B1AE-49289FBEE757}"/>
+          </ac:spMkLst>
+        </pc:spChg>
+        <pc:spChg chg="add del">
+          <ac:chgData name="Andrew Jimenez" userId="254227a2-d348-401a-bf44-edde4b191201" providerId="ADAL" clId="{8EDE38EF-9705-4266-A620-A164C8EDDA07}" dt="2020-10-26T18:44:30.365" v="1977" actId="26606"/>
+          <ac:spMkLst>
+            <pc:docMk/>
+            <pc:sldMk cId="3357605275" sldId="272"/>
+            <ac:spMk id="84" creationId="{6027F030-58A9-44B8-ABF5-0372D2954EE6}"/>
+          </ac:spMkLst>
+        </pc:spChg>
+        <pc:spChg chg="add del">
+          <ac:chgData name="Andrew Jimenez" userId="254227a2-d348-401a-bf44-edde4b191201" providerId="ADAL" clId="{8EDE38EF-9705-4266-A620-A164C8EDDA07}" dt="2020-10-26T18:44:30.365" v="1977" actId="26606"/>
+          <ac:spMkLst>
+            <pc:docMk/>
+            <pc:sldMk cId="3357605275" sldId="272"/>
+            <ac:spMk id="85" creationId="{A6328306-71F0-4C12-A2D9-7C857146B1D0}"/>
+          </ac:spMkLst>
+        </pc:spChg>
+        <pc:spChg chg="add del">
+          <ac:chgData name="Andrew Jimenez" userId="254227a2-d348-401a-bf44-edde4b191201" providerId="ADAL" clId="{8EDE38EF-9705-4266-A620-A164C8EDDA07}" dt="2020-10-26T18:44:30.365" v="1977" actId="26606"/>
+          <ac:spMkLst>
+            <pc:docMk/>
+            <pc:sldMk cId="3357605275" sldId="272"/>
+            <ac:spMk id="86" creationId="{64AB010C-C307-4A53-9D97-39C6AAB2E056}"/>
+          </ac:spMkLst>
+        </pc:spChg>
+        <pc:spChg chg="add del">
+          <ac:chgData name="Andrew Jimenez" userId="254227a2-d348-401a-bf44-edde4b191201" providerId="ADAL" clId="{8EDE38EF-9705-4266-A620-A164C8EDDA07}" dt="2020-10-26T18:44:30.365" v="1977" actId="26606"/>
+          <ac:spMkLst>
+            <pc:docMk/>
+            <pc:sldMk cId="3357605275" sldId="272"/>
+            <ac:spMk id="87" creationId="{3252C512-4076-456E-AD89-50B0316453D0}"/>
+          </ac:spMkLst>
+        </pc:spChg>
+        <pc:spChg chg="add del">
+          <ac:chgData name="Andrew Jimenez" userId="254227a2-d348-401a-bf44-edde4b191201" providerId="ADAL" clId="{8EDE38EF-9705-4266-A620-A164C8EDDA07}" dt="2020-10-26T18:44:30.365" v="1977" actId="26606"/>
+          <ac:spMkLst>
+            <pc:docMk/>
+            <pc:sldMk cId="3357605275" sldId="272"/>
+            <ac:spMk id="88" creationId="{71C24C9E-C2F4-4FA4-947B-6CBAC7C3AE1D}"/>
+          </ac:spMkLst>
+        </pc:spChg>
+        <pc:spChg chg="add del">
+          <ac:chgData name="Andrew Jimenez" userId="254227a2-d348-401a-bf44-edde4b191201" providerId="ADAL" clId="{8EDE38EF-9705-4266-A620-A164C8EDDA07}" dt="2020-10-26T18:44:30.365" v="1977" actId="26606"/>
+          <ac:spMkLst>
+            <pc:docMk/>
+            <pc:sldMk cId="3357605275" sldId="272"/>
+            <ac:spMk id="89" creationId="{604B7750-FFCA-4912-AC2E-989EECC941B2}"/>
+          </ac:spMkLst>
+        </pc:spChg>
+        <pc:spChg chg="add del">
+          <ac:chgData name="Andrew Jimenez" userId="254227a2-d348-401a-bf44-edde4b191201" providerId="ADAL" clId="{8EDE38EF-9705-4266-A620-A164C8EDDA07}" dt="2020-10-26T18:44:30.365" v="1977" actId="26606"/>
+          <ac:spMkLst>
+            <pc:docMk/>
+            <pc:sldMk cId="3357605275" sldId="272"/>
+            <ac:spMk id="90" creationId="{52494659-52DF-4053-975B-36F06255E2E8}"/>
+          </ac:spMkLst>
+        </pc:spChg>
+        <pc:spChg chg="add del">
+          <ac:chgData name="Andrew Jimenez" userId="254227a2-d348-401a-bf44-edde4b191201" providerId="ADAL" clId="{8EDE38EF-9705-4266-A620-A164C8EDDA07}" dt="2020-10-26T18:44:30.365" v="1977" actId="26606"/>
+          <ac:spMkLst>
+            <pc:docMk/>
+            <pc:sldMk cId="3357605275" sldId="272"/>
+            <ac:spMk id="91" creationId="{EE807326-229C-458C-BDA0-C721262167D9}"/>
+          </ac:spMkLst>
+        </pc:spChg>
+        <pc:spChg chg="add del">
+          <ac:chgData name="Andrew Jimenez" userId="254227a2-d348-401a-bf44-edde4b191201" providerId="ADAL" clId="{8EDE38EF-9705-4266-A620-A164C8EDDA07}" dt="2020-10-26T18:44:30.365" v="1977" actId="26606"/>
+          <ac:spMkLst>
+            <pc:docMk/>
+            <pc:sldMk cId="3357605275" sldId="272"/>
+            <ac:spMk id="92" creationId="{FCADE1D5-E79C-4CEF-BEFD-B66EFB394D25}"/>
+          </ac:spMkLst>
+        </pc:spChg>
+        <pc:spChg chg="add del">
+          <ac:chgData name="Andrew Jimenez" userId="254227a2-d348-401a-bf44-edde4b191201" providerId="ADAL" clId="{8EDE38EF-9705-4266-A620-A164C8EDDA07}" dt="2020-10-26T18:44:30.365" v="1977" actId="26606"/>
+          <ac:spMkLst>
+            <pc:docMk/>
+            <pc:sldMk cId="3357605275" sldId="272"/>
+            <ac:spMk id="93" creationId="{54FC8EB5-1620-43B8-B816-8A91B6EAC975}"/>
+          </ac:spMkLst>
+        </pc:spChg>
+        <pc:spChg chg="add del">
+          <ac:chgData name="Andrew Jimenez" userId="254227a2-d348-401a-bf44-edde4b191201" providerId="ADAL" clId="{8EDE38EF-9705-4266-A620-A164C8EDDA07}" dt="2020-10-26T18:44:30.365" v="1977" actId="26606"/>
+          <ac:spMkLst>
+            <pc:docMk/>
+            <pc:sldMk cId="3357605275" sldId="272"/>
+            <ac:spMk id="94" creationId="{3D544515-9F93-4809-A102-B49C85F4608F}"/>
+          </ac:spMkLst>
+        </pc:spChg>
+        <pc:spChg chg="add del">
+          <ac:chgData name="Andrew Jimenez" userId="254227a2-d348-401a-bf44-edde4b191201" providerId="ADAL" clId="{8EDE38EF-9705-4266-A620-A164C8EDDA07}" dt="2020-10-26T18:44:30.985" v="1979" actId="26606"/>
+          <ac:spMkLst>
+            <pc:docMk/>
+            <pc:sldMk cId="3357605275" sldId="272"/>
+            <ac:spMk id="96" creationId="{015806EC-2CC8-4BD3-9826-EC55E08B8622}"/>
+          </ac:spMkLst>
+        </pc:spChg>
+        <pc:spChg chg="add del">
+          <ac:chgData name="Andrew Jimenez" userId="254227a2-d348-401a-bf44-edde4b191201" providerId="ADAL" clId="{8EDE38EF-9705-4266-A620-A164C8EDDA07}" dt="2020-10-26T18:44:30.985" v="1979" actId="26606"/>
+          <ac:spMkLst>
+            <pc:docMk/>
+            <pc:sldMk cId="3357605275" sldId="272"/>
+            <ac:spMk id="97" creationId="{5FF2CABA-851F-4E41-8E96-C61D0ADB92A2}"/>
+          </ac:spMkLst>
+        </pc:spChg>
+        <pc:spChg chg="add del">
+          <ac:chgData name="Andrew Jimenez" userId="254227a2-d348-401a-bf44-edde4b191201" providerId="ADAL" clId="{8EDE38EF-9705-4266-A620-A164C8EDDA07}" dt="2020-10-26T18:44:30.985" v="1979" actId="26606"/>
+          <ac:spMkLst>
+            <pc:docMk/>
+            <pc:sldMk cId="3357605275" sldId="272"/>
+            <ac:spMk id="98" creationId="{71A23C00-792B-43F9-A5F3-3A97AD847B34}"/>
+          </ac:spMkLst>
+        </pc:spChg>
+        <pc:spChg chg="add del">
+          <ac:chgData name="Andrew Jimenez" userId="254227a2-d348-401a-bf44-edde4b191201" providerId="ADAL" clId="{8EDE38EF-9705-4266-A620-A164C8EDDA07}" dt="2020-10-26T18:44:30.985" v="1979" actId="26606"/>
+          <ac:spMkLst>
+            <pc:docMk/>
+            <pc:sldMk cId="3357605275" sldId="272"/>
+            <ac:spMk id="99" creationId="{65B59FB9-8A98-4966-AD0E-27A5BB87769C}"/>
+          </ac:spMkLst>
+        </pc:spChg>
+        <pc:spChg chg="add del">
+          <ac:chgData name="Andrew Jimenez" userId="254227a2-d348-401a-bf44-edde4b191201" providerId="ADAL" clId="{8EDE38EF-9705-4266-A620-A164C8EDDA07}" dt="2020-10-26T18:44:30.985" v="1979" actId="26606"/>
+          <ac:spMkLst>
+            <pc:docMk/>
+            <pc:sldMk cId="3357605275" sldId="272"/>
+            <ac:spMk id="100" creationId="{E8164A22-8ACC-4F6E-A439-56200F88B02A}"/>
+          </ac:spMkLst>
+        </pc:spChg>
+        <pc:spChg chg="add del">
+          <ac:chgData name="Andrew Jimenez" userId="254227a2-d348-401a-bf44-edde4b191201" providerId="ADAL" clId="{8EDE38EF-9705-4266-A620-A164C8EDDA07}" dt="2020-10-26T18:44:30.985" v="1979" actId="26606"/>
+          <ac:spMkLst>
+            <pc:docMk/>
+            <pc:sldMk cId="3357605275" sldId="272"/>
+            <ac:spMk id="101" creationId="{B497CCB5-5FC2-473C-AFCC-2430CEF1DF71}"/>
+          </ac:spMkLst>
+        </pc:spChg>
+        <pc:spChg chg="add del">
+          <ac:chgData name="Andrew Jimenez" userId="254227a2-d348-401a-bf44-edde4b191201" providerId="ADAL" clId="{8EDE38EF-9705-4266-A620-A164C8EDDA07}" dt="2020-10-26T18:44:30.985" v="1979" actId="26606"/>
+          <ac:spMkLst>
+            <pc:docMk/>
+            <pc:sldMk cId="3357605275" sldId="272"/>
+            <ac:spMk id="102" creationId="{599C8C75-BFDF-44E7-A028-EEB5EDD58817}"/>
+          </ac:spMkLst>
+        </pc:spChg>
+        <pc:spChg chg="add del">
+          <ac:chgData name="Andrew Jimenez" userId="254227a2-d348-401a-bf44-edde4b191201" providerId="ADAL" clId="{8EDE38EF-9705-4266-A620-A164C8EDDA07}" dt="2020-10-26T18:44:33.076" v="1981" actId="26606"/>
+          <ac:spMkLst>
+            <pc:docMk/>
+            <pc:sldMk cId="3357605275" sldId="272"/>
+            <ac:spMk id="104" creationId="{B4D3D850-2041-4B7C-AED9-54DA385B14F7}"/>
+          </ac:spMkLst>
+        </pc:spChg>
+        <pc:spChg chg="add del">
+          <ac:chgData name="Andrew Jimenez" userId="254227a2-d348-401a-bf44-edde4b191201" providerId="ADAL" clId="{8EDE38EF-9705-4266-A620-A164C8EDDA07}" dt="2020-10-26T18:44:33.076" v="1981" actId="26606"/>
+          <ac:spMkLst>
+            <pc:docMk/>
+            <pc:sldMk cId="3357605275" sldId="272"/>
+            <ac:spMk id="107" creationId="{4B7A2B20-C280-41CF-965D-FA68DA2BD679}"/>
+          </ac:spMkLst>
+        </pc:spChg>
+        <pc:spChg chg="add del">
+          <ac:chgData name="Andrew Jimenez" userId="254227a2-d348-401a-bf44-edde4b191201" providerId="ADAL" clId="{8EDE38EF-9705-4266-A620-A164C8EDDA07}" dt="2020-10-26T18:44:33.076" v="1981" actId="26606"/>
+          <ac:spMkLst>
+            <pc:docMk/>
+            <pc:sldMk cId="3357605275" sldId="272"/>
+            <ac:spMk id="108" creationId="{5CF218E6-E246-4EBB-BA8D-DB65AB59A70E}"/>
+          </ac:spMkLst>
+        </pc:spChg>
+        <pc:spChg chg="add del">
+          <ac:chgData name="Andrew Jimenez" userId="254227a2-d348-401a-bf44-edde4b191201" providerId="ADAL" clId="{8EDE38EF-9705-4266-A620-A164C8EDDA07}" dt="2020-10-26T18:44:33.076" v="1981" actId="26606"/>
+          <ac:spMkLst>
+            <pc:docMk/>
+            <pc:sldMk cId="3357605275" sldId="272"/>
+            <ac:spMk id="109" creationId="{13B9D26D-939B-4838-886B-07E227F3A303}"/>
+          </ac:spMkLst>
+        </pc:spChg>
+        <pc:spChg chg="add del">
+          <ac:chgData name="Andrew Jimenez" userId="254227a2-d348-401a-bf44-edde4b191201" providerId="ADAL" clId="{8EDE38EF-9705-4266-A620-A164C8EDDA07}" dt="2020-10-26T18:44:33.076" v="1981" actId="26606"/>
+          <ac:spMkLst>
+            <pc:docMk/>
+            <pc:sldMk cId="3357605275" sldId="272"/>
+            <ac:spMk id="110" creationId="{60A80B01-7FDA-4264-BAC7-CA797D49642F}"/>
+          </ac:spMkLst>
+        </pc:spChg>
+        <pc:spChg chg="add del">
+          <ac:chgData name="Andrew Jimenez" userId="254227a2-d348-401a-bf44-edde4b191201" providerId="ADAL" clId="{8EDE38EF-9705-4266-A620-A164C8EDDA07}" dt="2020-10-26T18:44:33.076" v="1981" actId="26606"/>
+          <ac:spMkLst>
+            <pc:docMk/>
+            <pc:sldMk cId="3357605275" sldId="272"/>
+            <ac:spMk id="111" creationId="{449E75B4-6C35-495B-850B-28CDE6E39ED0}"/>
+          </ac:spMkLst>
+        </pc:spChg>
+        <pc:spChg chg="add del">
+          <ac:chgData name="Andrew Jimenez" userId="254227a2-d348-401a-bf44-edde4b191201" providerId="ADAL" clId="{8EDE38EF-9705-4266-A620-A164C8EDDA07}" dt="2020-10-26T18:44:33.076" v="1981" actId="26606"/>
+          <ac:spMkLst>
+            <pc:docMk/>
+            <pc:sldMk cId="3357605275" sldId="272"/>
+            <ac:spMk id="112" creationId="{0EB2D58A-B2F2-4B07-9595-4FED1037FF80}"/>
+          </ac:spMkLst>
+        </pc:spChg>
+        <pc:spChg chg="add del">
+          <ac:chgData name="Andrew Jimenez" userId="254227a2-d348-401a-bf44-edde4b191201" providerId="ADAL" clId="{8EDE38EF-9705-4266-A620-A164C8EDDA07}" dt="2020-10-26T18:44:33.076" v="1981" actId="26606"/>
+          <ac:spMkLst>
+            <pc:docMk/>
+            <pc:sldMk cId="3357605275" sldId="272"/>
+            <ac:spMk id="113" creationId="{DEB95C3F-0968-4E23-80BD-35CE22E83376}"/>
+          </ac:spMkLst>
+        </pc:spChg>
+        <pc:spChg chg="add del">
+          <ac:chgData name="Andrew Jimenez" userId="254227a2-d348-401a-bf44-edde4b191201" providerId="ADAL" clId="{8EDE38EF-9705-4266-A620-A164C8EDDA07}" dt="2020-10-26T18:44:33.076" v="1981" actId="26606"/>
+          <ac:spMkLst>
+            <pc:docMk/>
+            <pc:sldMk cId="3357605275" sldId="272"/>
+            <ac:spMk id="114" creationId="{16E9C92B-1893-4BFE-B7CF-905EB3F87DAF}"/>
+          </ac:spMkLst>
+        </pc:spChg>
+        <pc:spChg chg="add del">
+          <ac:chgData name="Andrew Jimenez" userId="254227a2-d348-401a-bf44-edde4b191201" providerId="ADAL" clId="{8EDE38EF-9705-4266-A620-A164C8EDDA07}" dt="2020-10-26T18:44:34.551" v="1983" actId="26606"/>
+          <ac:spMkLst>
+            <pc:docMk/>
+            <pc:sldMk cId="3357605275" sldId="272"/>
+            <ac:spMk id="116" creationId="{EE39DFCF-9247-4DE5-BB93-074BFAF07A3F}"/>
+          </ac:spMkLst>
+        </pc:spChg>
+        <pc:spChg chg="add del">
+          <ac:chgData name="Andrew Jimenez" userId="254227a2-d348-401a-bf44-edde4b191201" providerId="ADAL" clId="{8EDE38EF-9705-4266-A620-A164C8EDDA07}" dt="2020-10-26T18:44:34.551" v="1983" actId="26606"/>
+          <ac:spMkLst>
+            <pc:docMk/>
+            <pc:sldMk cId="3357605275" sldId="272"/>
+            <ac:spMk id="117" creationId="{442B652E-D499-4CDA-8F7A-60469EDBCBE3}"/>
+          </ac:spMkLst>
+        </pc:spChg>
+        <pc:spChg chg="add del">
+          <ac:chgData name="Andrew Jimenez" userId="254227a2-d348-401a-bf44-edde4b191201" providerId="ADAL" clId="{8EDE38EF-9705-4266-A620-A164C8EDDA07}" dt="2020-10-26T18:44:34.551" v="1983" actId="26606"/>
+          <ac:spMkLst>
+            <pc:docMk/>
+            <pc:sldMk cId="3357605275" sldId="272"/>
+            <ac:spMk id="118" creationId="{484A22B8-F5B6-47C2-B88E-DADAF379130D}"/>
+          </ac:spMkLst>
+        </pc:spChg>
+        <pc:spChg chg="add del">
+          <ac:chgData name="Andrew Jimenez" userId="254227a2-d348-401a-bf44-edde4b191201" providerId="ADAL" clId="{8EDE38EF-9705-4266-A620-A164C8EDDA07}" dt="2020-10-26T18:44:34.551" v="1983" actId="26606"/>
+          <ac:spMkLst>
+            <pc:docMk/>
+            <pc:sldMk cId="3357605275" sldId="272"/>
+            <ac:spMk id="119" creationId="{A987C18C-164D-4263-B486-4647A98E888E}"/>
+          </ac:spMkLst>
+        </pc:spChg>
+        <pc:spChg chg="add del">
+          <ac:chgData name="Andrew Jimenez" userId="254227a2-d348-401a-bf44-edde4b191201" providerId="ADAL" clId="{8EDE38EF-9705-4266-A620-A164C8EDDA07}" dt="2020-10-26T18:44:34.551" v="1983" actId="26606"/>
+          <ac:spMkLst>
+            <pc:docMk/>
+            <pc:sldMk cId="3357605275" sldId="272"/>
+            <ac:spMk id="120" creationId="{E7E98B39-04C6-408B-92FD-76862874063D}"/>
+          </ac:spMkLst>
+        </pc:spChg>
+        <pc:spChg chg="add del">
+          <ac:chgData name="Andrew Jimenez" userId="254227a2-d348-401a-bf44-edde4b191201" providerId="ADAL" clId="{8EDE38EF-9705-4266-A620-A164C8EDDA07}" dt="2020-10-26T18:44:34.551" v="1983" actId="26606"/>
+          <ac:spMkLst>
+            <pc:docMk/>
+            <pc:sldMk cId="3357605275" sldId="272"/>
+            <ac:spMk id="121" creationId="{981C8C27-2457-421F-BDC4-7B4EA3C78286}"/>
+          </ac:spMkLst>
+        </pc:spChg>
+        <pc:spChg chg="add del">
+          <ac:chgData name="Andrew Jimenez" userId="254227a2-d348-401a-bf44-edde4b191201" providerId="ADAL" clId="{8EDE38EF-9705-4266-A620-A164C8EDDA07}" dt="2020-10-26T18:44:34.551" v="1983" actId="26606"/>
+          <ac:spMkLst>
+            <pc:docMk/>
+            <pc:sldMk cId="3357605275" sldId="272"/>
+            <ac:spMk id="122" creationId="{CEA13C66-82C1-44AF-972B-8F5CCA41B6D9}"/>
+          </ac:spMkLst>
+        </pc:spChg>
+        <pc:spChg chg="add del">
+          <ac:chgData name="Andrew Jimenez" userId="254227a2-d348-401a-bf44-edde4b191201" providerId="ADAL" clId="{8EDE38EF-9705-4266-A620-A164C8EDDA07}" dt="2020-10-26T18:44:34.551" v="1983" actId="26606"/>
+          <ac:spMkLst>
+            <pc:docMk/>
+            <pc:sldMk cId="3357605275" sldId="272"/>
+            <ac:spMk id="123" creationId="{9DB36437-FE59-457E-91A7-396BBD3C9C6A}"/>
+          </ac:spMkLst>
+        </pc:spChg>
+        <pc:spChg chg="add del">
+          <ac:chgData name="Andrew Jimenez" userId="254227a2-d348-401a-bf44-edde4b191201" providerId="ADAL" clId="{8EDE38EF-9705-4266-A620-A164C8EDDA07}" dt="2020-10-26T18:44:34.551" v="1983" actId="26606"/>
+          <ac:spMkLst>
+            <pc:docMk/>
+            <pc:sldMk cId="3357605275" sldId="272"/>
+            <ac:spMk id="124" creationId="{844D3693-2EFE-4667-89D5-47E2D5920912}"/>
+          </ac:spMkLst>
+        </pc:spChg>
+        <pc:spChg chg="add del">
+          <ac:chgData name="Andrew Jimenez" userId="254227a2-d348-401a-bf44-edde4b191201" providerId="ADAL" clId="{8EDE38EF-9705-4266-A620-A164C8EDDA07}" dt="2020-10-26T18:44:34.551" v="1983" actId="26606"/>
+          <ac:spMkLst>
+            <pc:docMk/>
+            <pc:sldMk cId="3357605275" sldId="272"/>
+            <ac:spMk id="125" creationId="{C21FD796-9CD0-404D-8DF5-5274C0BCC754}"/>
+          </ac:spMkLst>
+        </pc:spChg>
+        <pc:spChg chg="add del">
+          <ac:chgData name="Andrew Jimenez" userId="254227a2-d348-401a-bf44-edde4b191201" providerId="ADAL" clId="{8EDE38EF-9705-4266-A620-A164C8EDDA07}" dt="2020-10-26T18:44:35.015" v="1985" actId="26606"/>
+          <ac:spMkLst>
+            <pc:docMk/>
+            <pc:sldMk cId="3357605275" sldId="272"/>
+            <ac:spMk id="127" creationId="{D5189306-04D9-4982-9EBE-938B344A1113}"/>
+          </ac:spMkLst>
+        </pc:spChg>
+        <pc:spChg chg="add del">
+          <ac:chgData name="Andrew Jimenez" userId="254227a2-d348-401a-bf44-edde4b191201" providerId="ADAL" clId="{8EDE38EF-9705-4266-A620-A164C8EDDA07}" dt="2020-10-26T18:44:35.015" v="1985" actId="26606"/>
+          <ac:spMkLst>
+            <pc:docMk/>
+            <pc:sldMk cId="3357605275" sldId="272"/>
+            <ac:spMk id="128" creationId="{102C4642-2AB4-49A1-89D9-3E5C01E99D58}"/>
+          </ac:spMkLst>
+        </pc:spChg>
+        <pc:spChg chg="add del">
+          <ac:chgData name="Andrew Jimenez" userId="254227a2-d348-401a-bf44-edde4b191201" providerId="ADAL" clId="{8EDE38EF-9705-4266-A620-A164C8EDDA07}" dt="2020-10-26T18:44:35.015" v="1985" actId="26606"/>
+          <ac:spMkLst>
+            <pc:docMk/>
+            <pc:sldMk cId="3357605275" sldId="272"/>
+            <ac:spMk id="129" creationId="{82EAAEF9-78E9-4B67-93B4-CD09F7570300}"/>
+          </ac:spMkLst>
+        </pc:spChg>
+        <pc:spChg chg="add del">
+          <ac:chgData name="Andrew Jimenez" userId="254227a2-d348-401a-bf44-edde4b191201" providerId="ADAL" clId="{8EDE38EF-9705-4266-A620-A164C8EDDA07}" dt="2020-10-26T18:44:35.015" v="1985" actId="26606"/>
+          <ac:spMkLst>
+            <pc:docMk/>
+            <pc:sldMk cId="3357605275" sldId="272"/>
+            <ac:spMk id="130" creationId="{2CE23D09-8BA3-4FEE-892D-ACE847DC085D}"/>
+          </ac:spMkLst>
+        </pc:spChg>
+        <pc:spChg chg="add del">
+          <ac:chgData name="Andrew Jimenez" userId="254227a2-d348-401a-bf44-edde4b191201" providerId="ADAL" clId="{8EDE38EF-9705-4266-A620-A164C8EDDA07}" dt="2020-10-26T18:44:35.015" v="1985" actId="26606"/>
+          <ac:spMkLst>
+            <pc:docMk/>
+            <pc:sldMk cId="3357605275" sldId="272"/>
+            <ac:spMk id="131" creationId="{5707F116-8EC0-4822-9067-186AC8C96EB8}"/>
+          </ac:spMkLst>
+        </pc:spChg>
+        <pc:spChg chg="add del">
+          <ac:chgData name="Andrew Jimenez" userId="254227a2-d348-401a-bf44-edde4b191201" providerId="ADAL" clId="{8EDE38EF-9705-4266-A620-A164C8EDDA07}" dt="2020-10-26T18:44:35.015" v="1985" actId="26606"/>
+          <ac:spMkLst>
+            <pc:docMk/>
+            <pc:sldMk cId="3357605275" sldId="272"/>
+            <ac:spMk id="132" creationId="{6BFBE7AA-40DE-4FE5-B385-5CA874501B05}"/>
+          </ac:spMkLst>
+        </pc:spChg>
+        <pc:spChg chg="add del">
+          <ac:chgData name="Andrew Jimenez" userId="254227a2-d348-401a-bf44-edde4b191201" providerId="ADAL" clId="{8EDE38EF-9705-4266-A620-A164C8EDDA07}" dt="2020-10-26T18:44:35.015" v="1985" actId="26606"/>
+          <ac:spMkLst>
+            <pc:docMk/>
+            <pc:sldMk cId="3357605275" sldId="272"/>
+            <ac:spMk id="133" creationId="{41ACE746-85D5-45EE-8944-61B542B392FC}"/>
+          </ac:spMkLst>
+        </pc:spChg>
+        <pc:spChg chg="add del">
+          <ac:chgData name="Andrew Jimenez" userId="254227a2-d348-401a-bf44-edde4b191201" providerId="ADAL" clId="{8EDE38EF-9705-4266-A620-A164C8EDDA07}" dt="2020-10-26T18:44:35.015" v="1985" actId="26606"/>
+          <ac:spMkLst>
+            <pc:docMk/>
+            <pc:sldMk cId="3357605275" sldId="272"/>
+            <ac:spMk id="134" creationId="{00BB3E03-CC38-4FA6-9A99-701C62D05A5B}"/>
+          </ac:spMkLst>
+        </pc:spChg>
+        <pc:spChg chg="add del">
+          <ac:chgData name="Andrew Jimenez" userId="254227a2-d348-401a-bf44-edde4b191201" providerId="ADAL" clId="{8EDE38EF-9705-4266-A620-A164C8EDDA07}" dt="2020-10-26T18:44:38.753" v="1987" actId="26606"/>
+          <ac:spMkLst>
+            <pc:docMk/>
+            <pc:sldMk cId="3357605275" sldId="272"/>
+            <ac:spMk id="136" creationId="{88294908-8B00-4F58-BBBA-20F71A40AA9E}"/>
+          </ac:spMkLst>
+        </pc:spChg>
+        <pc:spChg chg="add del">
+          <ac:chgData name="Andrew Jimenez" userId="254227a2-d348-401a-bf44-edde4b191201" providerId="ADAL" clId="{8EDE38EF-9705-4266-A620-A164C8EDDA07}" dt="2020-10-26T18:44:38.753" v="1987" actId="26606"/>
+          <ac:spMkLst>
+            <pc:docMk/>
+            <pc:sldMk cId="3357605275" sldId="272"/>
+            <ac:spMk id="137" creationId="{4364C879-1404-4203-8E9D-CC5DE0A621A2}"/>
+          </ac:spMkLst>
+        </pc:spChg>
+        <pc:spChg chg="add del">
+          <ac:chgData name="Andrew Jimenez" userId="254227a2-d348-401a-bf44-edde4b191201" providerId="ADAL" clId="{8EDE38EF-9705-4266-A620-A164C8EDDA07}" dt="2020-10-26T18:44:38.753" v="1987" actId="26606"/>
+          <ac:spMkLst>
+            <pc:docMk/>
+            <pc:sldMk cId="3357605275" sldId="272"/>
+            <ac:spMk id="138" creationId="{84617302-4B0D-4351-A6BB-6F0930D943AC}"/>
+          </ac:spMkLst>
+        </pc:spChg>
+        <pc:spChg chg="add del">
+          <ac:chgData name="Andrew Jimenez" userId="254227a2-d348-401a-bf44-edde4b191201" providerId="ADAL" clId="{8EDE38EF-9705-4266-A620-A164C8EDDA07}" dt="2020-10-26T18:44:38.753" v="1987" actId="26606"/>
+          <ac:spMkLst>
+            <pc:docMk/>
+            <pc:sldMk cId="3357605275" sldId="272"/>
+            <ac:spMk id="139" creationId="{DA2C7802-C2E0-4218-8F89-8DD7CCD2CD1C}"/>
+          </ac:spMkLst>
+        </pc:spChg>
+        <pc:spChg chg="add del">
+          <ac:chgData name="Andrew Jimenez" userId="254227a2-d348-401a-bf44-edde4b191201" providerId="ADAL" clId="{8EDE38EF-9705-4266-A620-A164C8EDDA07}" dt="2020-10-26T18:44:38.753" v="1987" actId="26606"/>
+          <ac:spMkLst>
+            <pc:docMk/>
+            <pc:sldMk cId="3357605275" sldId="272"/>
+            <ac:spMk id="140" creationId="{A6D7111A-21E5-4EE9-8A78-10E5530F0116}"/>
+          </ac:spMkLst>
+        </pc:spChg>
+        <pc:spChg chg="add del">
+          <ac:chgData name="Andrew Jimenez" userId="254227a2-d348-401a-bf44-edde4b191201" providerId="ADAL" clId="{8EDE38EF-9705-4266-A620-A164C8EDDA07}" dt="2020-10-26T18:44:38.753" v="1987" actId="26606"/>
+          <ac:spMkLst>
+            <pc:docMk/>
+            <pc:sldMk cId="3357605275" sldId="272"/>
+            <ac:spMk id="141" creationId="{A3969E80-A77B-49FC-9122-D89AFD5EE118}"/>
+          </ac:spMkLst>
+        </pc:spChg>
+        <pc:spChg chg="add del">
+          <ac:chgData name="Andrew Jimenez" userId="254227a2-d348-401a-bf44-edde4b191201" providerId="ADAL" clId="{8EDE38EF-9705-4266-A620-A164C8EDDA07}" dt="2020-10-26T18:44:38.753" v="1987" actId="26606"/>
+          <ac:spMkLst>
+            <pc:docMk/>
+            <pc:sldMk cId="3357605275" sldId="272"/>
+            <ac:spMk id="142" creationId="{1849CA57-76BD-4CF2-80BA-D7A46A01B7B1}"/>
+          </ac:spMkLst>
+        </pc:spChg>
+        <pc:spChg chg="add del">
+          <ac:chgData name="Andrew Jimenez" userId="254227a2-d348-401a-bf44-edde4b191201" providerId="ADAL" clId="{8EDE38EF-9705-4266-A620-A164C8EDDA07}" dt="2020-10-26T18:44:38.753" v="1987" actId="26606"/>
+          <ac:spMkLst>
+            <pc:docMk/>
+            <pc:sldMk cId="3357605275" sldId="272"/>
+            <ac:spMk id="143" creationId="{35E9085E-E730-4768-83D4-6CB7E9897153}"/>
+          </ac:spMkLst>
+        </pc:spChg>
+        <pc:spChg chg="add del">
+          <ac:chgData name="Andrew Jimenez" userId="254227a2-d348-401a-bf44-edde4b191201" providerId="ADAL" clId="{8EDE38EF-9705-4266-A620-A164C8EDDA07}" dt="2020-10-26T18:44:38.753" v="1987" actId="26606"/>
+          <ac:spMkLst>
+            <pc:docMk/>
+            <pc:sldMk cId="3357605275" sldId="272"/>
+            <ac:spMk id="144" creationId="{973272FE-A474-4CAE-8CA2-BCC8B476C3F4}"/>
+          </ac:spMkLst>
+        </pc:spChg>
+        <pc:spChg chg="add del">
+          <ac:chgData name="Andrew Jimenez" userId="254227a2-d348-401a-bf44-edde4b191201" providerId="ADAL" clId="{8EDE38EF-9705-4266-A620-A164C8EDDA07}" dt="2020-10-26T18:44:38.753" v="1987" actId="26606"/>
+          <ac:spMkLst>
+            <pc:docMk/>
+            <pc:sldMk cId="3357605275" sldId="272"/>
+            <ac:spMk id="145" creationId="{E07981EA-05A6-437C-88D7-B377B92B031D}"/>
+          </ac:spMkLst>
+        </pc:spChg>
+        <pc:spChg chg="add del">
+          <ac:chgData name="Andrew Jimenez" userId="254227a2-d348-401a-bf44-edde4b191201" providerId="ADAL" clId="{8EDE38EF-9705-4266-A620-A164C8EDDA07}" dt="2020-10-26T18:44:38.753" v="1987" actId="26606"/>
+          <ac:spMkLst>
+            <pc:docMk/>
+            <pc:sldMk cId="3357605275" sldId="272"/>
+            <ac:spMk id="146" creationId="{15E3C750-986E-4769-B1AE-49289FBEE757}"/>
+          </ac:spMkLst>
+        </pc:spChg>
+        <pc:spChg chg="add del">
+          <ac:chgData name="Andrew Jimenez" userId="254227a2-d348-401a-bf44-edde4b191201" providerId="ADAL" clId="{8EDE38EF-9705-4266-A620-A164C8EDDA07}" dt="2020-10-26T18:44:40.031" v="1989" actId="26606"/>
+          <ac:spMkLst>
+            <pc:docMk/>
+            <pc:sldMk cId="3357605275" sldId="272"/>
+            <ac:spMk id="148" creationId="{A7895A40-19A4-42D6-9D30-DBC1E8002635}"/>
+          </ac:spMkLst>
+        </pc:spChg>
+        <pc:spChg chg="add del">
+          <ac:chgData name="Andrew Jimenez" userId="254227a2-d348-401a-bf44-edde4b191201" providerId="ADAL" clId="{8EDE38EF-9705-4266-A620-A164C8EDDA07}" dt="2020-10-26T18:44:40.031" v="1989" actId="26606"/>
+          <ac:spMkLst>
+            <pc:docMk/>
+            <pc:sldMk cId="3357605275" sldId="272"/>
+            <ac:spMk id="149" creationId="{02F429C4-ABC9-46FC-818A-B5429CDE4A96}"/>
+          </ac:spMkLst>
+        </pc:spChg>
+        <pc:spChg chg="add del">
+          <ac:chgData name="Andrew Jimenez" userId="254227a2-d348-401a-bf44-edde4b191201" providerId="ADAL" clId="{8EDE38EF-9705-4266-A620-A164C8EDDA07}" dt="2020-10-26T18:44:40.031" v="1989" actId="26606"/>
+          <ac:spMkLst>
+            <pc:docMk/>
+            <pc:sldMk cId="3357605275" sldId="272"/>
+            <ac:spMk id="150" creationId="{2CEF98E4-3709-4952-8F42-2305CCE34FA3}"/>
+          </ac:spMkLst>
+        </pc:spChg>
+        <pc:spChg chg="add del">
+          <ac:chgData name="Andrew Jimenez" userId="254227a2-d348-401a-bf44-edde4b191201" providerId="ADAL" clId="{8EDE38EF-9705-4266-A620-A164C8EDDA07}" dt="2020-10-26T18:44:40.031" v="1989" actId="26606"/>
+          <ac:spMkLst>
+            <pc:docMk/>
+            <pc:sldMk cId="3357605275" sldId="272"/>
+            <ac:spMk id="151" creationId="{F10BCCF5-D685-47FF-B675-647EAEB72C8E}"/>
+          </ac:spMkLst>
+        </pc:spChg>
+        <pc:spChg chg="add del">
+          <ac:chgData name="Andrew Jimenez" userId="254227a2-d348-401a-bf44-edde4b191201" providerId="ADAL" clId="{8EDE38EF-9705-4266-A620-A164C8EDDA07}" dt="2020-10-26T18:44:40.031" v="1989" actId="26606"/>
+          <ac:spMkLst>
+            <pc:docMk/>
+            <pc:sldMk cId="3357605275" sldId="272"/>
+            <ac:spMk id="152" creationId="{B0EE8A42-107A-4D4C-8D56-BBAE95C7FC0D}"/>
+          </ac:spMkLst>
+        </pc:spChg>
+        <pc:spChg chg="add del">
+          <ac:chgData name="Andrew Jimenez" userId="254227a2-d348-401a-bf44-edde4b191201" providerId="ADAL" clId="{8EDE38EF-9705-4266-A620-A164C8EDDA07}" dt="2020-10-26T18:44:45.533" v="1991" actId="26606"/>
+          <ac:spMkLst>
+            <pc:docMk/>
+            <pc:sldMk cId="3357605275" sldId="272"/>
+            <ac:spMk id="154" creationId="{C66F2F30-5DC0-44A0-BFA6-E12F46ED16DA}"/>
+          </ac:spMkLst>
+        </pc:spChg>
+        <pc:spChg chg="add del">
+          <ac:chgData name="Andrew Jimenez" userId="254227a2-d348-401a-bf44-edde4b191201" providerId="ADAL" clId="{8EDE38EF-9705-4266-A620-A164C8EDDA07}" dt="2020-10-26T18:44:45.533" v="1991" actId="26606"/>
+          <ac:spMkLst>
+            <pc:docMk/>
+            <pc:sldMk cId="3357605275" sldId="272"/>
+            <ac:spMk id="155" creationId="{85872F57-7F42-4F97-8391-DDC8D0054C03}"/>
+          </ac:spMkLst>
+        </pc:spChg>
+        <pc:spChg chg="add del">
+          <ac:chgData name="Andrew Jimenez" userId="254227a2-d348-401a-bf44-edde4b191201" providerId="ADAL" clId="{8EDE38EF-9705-4266-A620-A164C8EDDA07}" dt="2020-10-26T18:44:45.533" v="1991" actId="26606"/>
+          <ac:spMkLst>
+            <pc:docMk/>
+            <pc:sldMk cId="3357605275" sldId="272"/>
+            <ac:spMk id="156" creationId="{04DC2037-48A0-4F22-B9D4-8EAEBC780AB4}"/>
+          </ac:spMkLst>
+        </pc:spChg>
+        <pc:spChg chg="add del">
+          <ac:chgData name="Andrew Jimenez" userId="254227a2-d348-401a-bf44-edde4b191201" providerId="ADAL" clId="{8EDE38EF-9705-4266-A620-A164C8EDDA07}" dt="2020-10-26T18:44:45.533" v="1991" actId="26606"/>
+          <ac:spMkLst>
+            <pc:docMk/>
+            <pc:sldMk cId="3357605275" sldId="272"/>
+            <ac:spMk id="157" creationId="{0006CBFD-ADA0-43D1-9332-9C34CA1C76ED}"/>
+          </ac:spMkLst>
+        </pc:spChg>
+        <pc:spChg chg="add del">
+          <ac:chgData name="Andrew Jimenez" userId="254227a2-d348-401a-bf44-edde4b191201" providerId="ADAL" clId="{8EDE38EF-9705-4266-A620-A164C8EDDA07}" dt="2020-10-26T18:44:45.533" v="1991" actId="26606"/>
+          <ac:spMkLst>
+            <pc:docMk/>
+            <pc:sldMk cId="3357605275" sldId="272"/>
+            <ac:spMk id="158" creationId="{2B931666-F28F-45F3-A074-66D2272D580B}"/>
+          </ac:spMkLst>
+        </pc:spChg>
+        <pc:spChg chg="add del">
+          <ac:chgData name="Andrew Jimenez" userId="254227a2-d348-401a-bf44-edde4b191201" providerId="ADAL" clId="{8EDE38EF-9705-4266-A620-A164C8EDDA07}" dt="2020-10-26T18:44:49.379" v="1993" actId="26606"/>
+          <ac:spMkLst>
+            <pc:docMk/>
+            <pc:sldMk cId="3357605275" sldId="272"/>
+            <ac:spMk id="160" creationId="{74751229-0244-4FBB-BED1-407467F4C951}"/>
+          </ac:spMkLst>
+        </pc:spChg>
+        <pc:spChg chg="add">
+          <ac:chgData name="Andrew Jimenez" userId="254227a2-d348-401a-bf44-edde4b191201" providerId="ADAL" clId="{8EDE38EF-9705-4266-A620-A164C8EDDA07}" dt="2020-10-26T18:44:49.394" v="1994" actId="26606"/>
+          <ac:spMkLst>
+            <pc:docMk/>
+            <pc:sldMk cId="3357605275" sldId="272"/>
+            <ac:spMk id="164" creationId="{C66F2F30-5DC0-44A0-BFA6-E12F46ED16DA}"/>
+          </ac:spMkLst>
+        </pc:spChg>
+        <pc:spChg chg="add">
+          <ac:chgData name="Andrew Jimenez" userId="254227a2-d348-401a-bf44-edde4b191201" providerId="ADAL" clId="{8EDE38EF-9705-4266-A620-A164C8EDDA07}" dt="2020-10-26T18:44:49.394" v="1994" actId="26606"/>
+          <ac:spMkLst>
+            <pc:docMk/>
+            <pc:sldMk cId="3357605275" sldId="272"/>
+            <ac:spMk id="165" creationId="{85872F57-7F42-4F97-8391-DDC8D0054C03}"/>
+          </ac:spMkLst>
+        </pc:spChg>
+        <pc:spChg chg="add">
+          <ac:chgData name="Andrew Jimenez" userId="254227a2-d348-401a-bf44-edde4b191201" providerId="ADAL" clId="{8EDE38EF-9705-4266-A620-A164C8EDDA07}" dt="2020-10-26T18:44:49.394" v="1994" actId="26606"/>
+          <ac:spMkLst>
+            <pc:docMk/>
+            <pc:sldMk cId="3357605275" sldId="272"/>
+            <ac:spMk id="166" creationId="{04DC2037-48A0-4F22-B9D4-8EAEBC780AB4}"/>
+          </ac:spMkLst>
+        </pc:spChg>
+        <pc:spChg chg="add">
+          <ac:chgData name="Andrew Jimenez" userId="254227a2-d348-401a-bf44-edde4b191201" providerId="ADAL" clId="{8EDE38EF-9705-4266-A620-A164C8EDDA07}" dt="2020-10-26T18:44:49.394" v="1994" actId="26606"/>
+          <ac:spMkLst>
+            <pc:docMk/>
+            <pc:sldMk cId="3357605275" sldId="272"/>
+            <ac:spMk id="167" creationId="{0006CBFD-ADA0-43D1-9332-9C34CA1C76ED}"/>
+          </ac:spMkLst>
+        </pc:spChg>
+        <pc:spChg chg="add">
+          <ac:chgData name="Andrew Jimenez" userId="254227a2-d348-401a-bf44-edde4b191201" providerId="ADAL" clId="{8EDE38EF-9705-4266-A620-A164C8EDDA07}" dt="2020-10-26T18:44:49.394" v="1994" actId="26606"/>
+          <ac:spMkLst>
+            <pc:docMk/>
+            <pc:sldMk cId="3357605275" sldId="272"/>
+            <ac:spMk id="168" creationId="{2B931666-F28F-45F3-A074-66D2272D580B}"/>
+          </ac:spMkLst>
+        </pc:spChg>
+        <pc:grpChg chg="add del">
+          <ac:chgData name="Andrew Jimenez" userId="254227a2-d348-401a-bf44-edde4b191201" providerId="ADAL" clId="{8EDE38EF-9705-4266-A620-A164C8EDDA07}" dt="2020-10-26T18:44:14.010" v="1971" actId="26606"/>
+          <ac:grpSpMkLst>
+            <pc:docMk/>
+            <pc:sldMk cId="3357605275" sldId="272"/>
+            <ac:grpSpMk id="60" creationId="{64B93721-934F-4F1E-A868-0B2BA110D3B5}"/>
+          </ac:grpSpMkLst>
+        </pc:grpChg>
+        <pc:grpChg chg="add del">
+          <ac:chgData name="Andrew Jimenez" userId="254227a2-d348-401a-bf44-edde4b191201" providerId="ADAL" clId="{8EDE38EF-9705-4266-A620-A164C8EDDA07}" dt="2020-10-26T18:44:33.076" v="1981" actId="26606"/>
+          <ac:grpSpMkLst>
+            <pc:docMk/>
+            <pc:sldMk cId="3357605275" sldId="272"/>
+            <ac:grpSpMk id="105" creationId="{8F428E7C-CF72-4177-B907-662EDCB35B02}"/>
+          </ac:grpSpMkLst>
+        </pc:grpChg>
+        <pc:picChg chg="add del">
+          <ac:chgData name="Andrew Jimenez" userId="254227a2-d348-401a-bf44-edde4b191201" providerId="ADAL" clId="{8EDE38EF-9705-4266-A620-A164C8EDDA07}" dt="2020-10-26T18:43:40.125" v="1957" actId="26606"/>
+          <ac:picMkLst>
+            <pc:docMk/>
+            <pc:sldMk cId="3357605275" sldId="272"/>
+            <ac:picMk id="8" creationId="{D5AC5571-3C32-41EA-AFE9-E33E7832DB27}"/>
+          </ac:picMkLst>
+        </pc:picChg>
+        <pc:picChg chg="add del">
+          <ac:chgData name="Andrew Jimenez" userId="254227a2-d348-401a-bf44-edde4b191201" providerId="ADAL" clId="{8EDE38EF-9705-4266-A620-A164C8EDDA07}" dt="2020-10-26T18:43:40.125" v="1957" actId="26606"/>
+          <ac:picMkLst>
+            <pc:docMk/>
+            <pc:sldMk cId="3357605275" sldId="272"/>
+            <ac:picMk id="10" creationId="{E8278F16-0FFD-4E1C-B812-BE23D9894248}"/>
+          </ac:picMkLst>
+        </pc:picChg>
+        <pc:picChg chg="add del">
+          <ac:chgData name="Andrew Jimenez" userId="254227a2-d348-401a-bf44-edde4b191201" providerId="ADAL" clId="{8EDE38EF-9705-4266-A620-A164C8EDDA07}" dt="2020-10-26T18:43:47.443" v="1959" actId="26606"/>
+          <ac:picMkLst>
+            <pc:docMk/>
+            <pc:sldMk cId="3357605275" sldId="272"/>
+            <ac:picMk id="16" creationId="{EAEEA085-237A-4C7F-9737-861546F06FEB}"/>
+          </ac:picMkLst>
+        </pc:picChg>
+        <pc:picChg chg="add del">
+          <ac:chgData name="Andrew Jimenez" userId="254227a2-d348-401a-bf44-edde4b191201" providerId="ADAL" clId="{8EDE38EF-9705-4266-A620-A164C8EDDA07}" dt="2020-10-26T18:43:47.443" v="1959" actId="26606"/>
+          <ac:picMkLst>
+            <pc:docMk/>
+            <pc:sldMk cId="3357605275" sldId="272"/>
+            <ac:picMk id="17" creationId="{A0A50242-D335-42DD-8610-29E4F1271B16}"/>
+          </ac:picMkLst>
+        </pc:picChg>
+        <pc:picChg chg="add del">
+          <ac:chgData name="Andrew Jimenez" userId="254227a2-d348-401a-bf44-edde4b191201" providerId="ADAL" clId="{8EDE38EF-9705-4266-A620-A164C8EDDA07}" dt="2020-10-26T18:44:49.379" v="1993" actId="26606"/>
+          <ac:picMkLst>
+            <pc:docMk/>
+            <pc:sldMk cId="3357605275" sldId="272"/>
+            <ac:picMk id="161" creationId="{EAEEA085-237A-4C7F-9737-861546F06FEB}"/>
+          </ac:picMkLst>
+        </pc:picChg>
+        <pc:picChg chg="add del">
+          <ac:chgData name="Andrew Jimenez" userId="254227a2-d348-401a-bf44-edde4b191201" providerId="ADAL" clId="{8EDE38EF-9705-4266-A620-A164C8EDDA07}" dt="2020-10-26T18:44:49.379" v="1993" actId="26606"/>
+          <ac:picMkLst>
+            <pc:docMk/>
+            <pc:sldMk cId="3357605275" sldId="272"/>
+            <ac:picMk id="162" creationId="{A0A50242-D335-42DD-8610-29E4F1271B16}"/>
+          </ac:picMkLst>
+        </pc:picChg>
       </pc:sldChg>
     </pc:docChg>
   </pc:docChgLst>
@@ -22064,83 +22064,103 @@
         </p:spPr>
         <p:txBody>
           <a:bodyPr anchor="t">
-            <a:normAutofit/>
+            <a:normAutofit lnSpcReduction="10000"/>
           </a:bodyPr>
           <a:lstStyle/>
           <a:p>
             <a:r>
-              <a:rPr lang="en-US" sz="2400"/>
+              <a:rPr lang="en-US" sz="2400" dirty="0"/>
               <a:t>Dell requires an agent installed on each client</a:t>
             </a:r>
-            <a:endParaRPr lang="en-US" sz="2400">
+            <a:endParaRPr lang="en-US" sz="2400" dirty="0">
               <a:hlinkClick r:id="rId3"/>
             </a:endParaRPr>
           </a:p>
           <a:p>
             <a:pPr lvl="1"/>
             <a:r>
-              <a:rPr lang="en-US">
+              <a:rPr lang="en-US" dirty="0">
                 <a:hlinkClick r:id="rId3"/>
               </a:rPr>
               <a:t>Dell </a:t>
             </a:r>
             <a:r>
-              <a:rPr lang="en-US" err="1">
+              <a:rPr lang="en-US" dirty="0" err="1">
                 <a:hlinkClick r:id="rId3"/>
               </a:rPr>
               <a:t>OpenManage</a:t>
             </a:r>
             <a:r>
-              <a:rPr lang="en-US">
+              <a:rPr lang="en-US" dirty="0">
                 <a:hlinkClick r:id="rId3"/>
               </a:rPr>
               <a:t> Inventory Agent</a:t>
             </a:r>
-            <a:endParaRPr lang="en-US"/>
+            <a:endParaRPr lang="en-US" dirty="0"/>
           </a:p>
           <a:p>
             <a:pPr lvl="1"/>
             <a:r>
-              <a:rPr lang="en-US"/>
+              <a:rPr lang="en-US" dirty="0"/>
               <a:t>Creates WMI classes used in applicability rules</a:t>
             </a:r>
           </a:p>
           <a:p>
             <a:pPr lvl="1"/>
             <a:r>
-              <a:rPr lang="en-US"/>
+              <a:rPr lang="en-US" dirty="0"/>
               <a:t>Dell added V3 catalog support in March 2020</a:t>
             </a:r>
           </a:p>
           <a:p>
             <a:r>
-              <a:rPr lang="en-US" sz="2400"/>
-              <a:t>Lenovo and HP do not require a client</a:t>
+              <a:rPr lang="en-US" sz="2400" dirty="0"/>
+              <a:t>Lenovo requires an agent as well </a:t>
             </a:r>
           </a:p>
           <a:p>
             <a:pPr lvl="1"/>
             <a:r>
+              <a:rPr lang="en-US">
+                <a:hlinkClick r:id="rId4"/>
+              </a:rPr>
+              <a:t>https://support.lenovo.com/uu/en/solutions/ht510591</a:t>
+            </a:r>
+            <a:r>
               <a:rPr lang="en-US"/>
+              <a:t> </a:t>
+            </a:r>
+            <a:endParaRPr lang="en-US" dirty="0"/>
+          </a:p>
+          <a:p>
+            <a:pPr lvl="1"/>
+            <a:r>
+              <a:rPr lang="en-US" dirty="0"/>
+              <a:t>Lenovo added V3 catalog support in June 2020</a:t>
+            </a:r>
+          </a:p>
+          <a:p>
+            <a:r>
+              <a:rPr lang="en-US" sz="2400" dirty="0"/>
+              <a:t>HP do not require a client</a:t>
+            </a:r>
+          </a:p>
+          <a:p>
+            <a:pPr lvl="1"/>
+            <a:r>
+              <a:rPr lang="en-US" dirty="0"/>
               <a:t>Utilize built-in WMI classes to build applicability rules</a:t>
             </a:r>
           </a:p>
           <a:p>
             <a:pPr lvl="1"/>
             <a:r>
-              <a:rPr lang="en-US"/>
-              <a:t>Lenovo added V3 catalog support in June 2020</a:t>
-            </a:r>
-          </a:p>
-          <a:p>
-            <a:pPr lvl="1"/>
-            <a:r>
-              <a:rPr lang="en-US"/>
+              <a:rPr lang="en-US" dirty="0"/>
               <a:t>HP added V3 catalog support in August 2020</a:t>
             </a:r>
           </a:p>
           <a:p>
-            <a:endParaRPr lang="en-US" sz="2400"/>
+            <a:endParaRPr lang="en-US" sz="2400" dirty="0"/>
           </a:p>
         </p:txBody>
       </p:sp>
@@ -29062,12 +29082,9 @@
 </file>
 
 <file path=customXml/item1.xml><?xml version="1.0" encoding="utf-8"?>
-<?mso-contentType ?>
-<FormTemplates xmlns="http://schemas.microsoft.com/sharepoint/v3/contenttype/forms">
-  <Display>DocumentLibraryForm</Display>
-  <Edit>DocumentLibraryForm</Edit>
-  <New>DocumentLibraryForm</New>
-</FormTemplates>
+<p:properties xmlns:p="http://schemas.microsoft.com/office/2006/metadata/properties" xmlns:xsi="http://www.w3.org/2001/XMLSchema-instance" xmlns:pc="http://schemas.microsoft.com/office/infopath/2007/PartnerControls">
+  <documentManagement/>
+</p:properties>
 </file>
 
 <file path=customXml/item2.xml><?xml version="1.0" encoding="utf-8"?>
@@ -29255,15 +29272,26 @@
 </file>
 
 <file path=customXml/item3.xml><?xml version="1.0" encoding="utf-8"?>
-<p:properties xmlns:p="http://schemas.microsoft.com/office/2006/metadata/properties" xmlns:xsi="http://www.w3.org/2001/XMLSchema-instance" xmlns:pc="http://schemas.microsoft.com/office/infopath/2007/PartnerControls">
-  <documentManagement/>
-</p:properties>
+<?mso-contentType ?>
+<FormTemplates xmlns="http://schemas.microsoft.com/sharepoint/v3/contenttype/forms">
+  <Display>DocumentLibraryForm</Display>
+  <Edit>DocumentLibraryForm</Edit>
+  <New>DocumentLibraryForm</New>
+</FormTemplates>
 </file>
 
 <file path=customXml/itemProps1.xml><?xml version="1.0" encoding="utf-8"?>
-<ds:datastoreItem xmlns:ds="http://schemas.openxmlformats.org/officeDocument/2006/customXml" ds:itemID="{69BA1F3F-8219-45A5-A5B8-7A47665D9C47}">
+<ds:datastoreItem xmlns:ds="http://schemas.openxmlformats.org/officeDocument/2006/customXml" ds:itemID="{82A4FDD6-27AC-4FBB-A412-2F5229F83CB9}">
   <ds:schemaRefs>
-    <ds:schemaRef ds:uri="http://schemas.microsoft.com/sharepoint/v3/contenttype/forms"/>
+    <ds:schemaRef ds:uri="1ec72b3a-2684-4d25-a5fb-4ae7ff51e5f3"/>
+    <ds:schemaRef ds:uri="http://purl.org/dc/dcmitype/"/>
+    <ds:schemaRef ds:uri="http://purl.org/dc/elements/1.1/"/>
+    <ds:schemaRef ds:uri="http://purl.org/dc/terms/"/>
+    <ds:schemaRef ds:uri="http://schemas.microsoft.com/office/2006/documentManagement/types"/>
+    <ds:schemaRef ds:uri="http://schemas.microsoft.com/office/2006/metadata/properties"/>
+    <ds:schemaRef ds:uri="http://schemas.microsoft.com/office/infopath/2007/PartnerControls"/>
+    <ds:schemaRef ds:uri="http://schemas.openxmlformats.org/package/2006/metadata/core-properties"/>
+    <ds:schemaRef ds:uri="http://www.w3.org/XML/1998/namespace"/>
   </ds:schemaRefs>
 </ds:datastoreItem>
 </file>
@@ -29287,17 +29315,9 @@
 </file>
 
 <file path=customXml/itemProps3.xml><?xml version="1.0" encoding="utf-8"?>
-<ds:datastoreItem xmlns:ds="http://schemas.openxmlformats.org/officeDocument/2006/customXml" ds:itemID="{82A4FDD6-27AC-4FBB-A412-2F5229F83CB9}">
+<ds:datastoreItem xmlns:ds="http://schemas.openxmlformats.org/officeDocument/2006/customXml" ds:itemID="{69BA1F3F-8219-45A5-A5B8-7A47665D9C47}">
   <ds:schemaRefs>
-    <ds:schemaRef ds:uri="1ec72b3a-2684-4d25-a5fb-4ae7ff51e5f3"/>
-    <ds:schemaRef ds:uri="http://purl.org/dc/dcmitype/"/>
-    <ds:schemaRef ds:uri="http://purl.org/dc/elements/1.1/"/>
-    <ds:schemaRef ds:uri="http://purl.org/dc/terms/"/>
-    <ds:schemaRef ds:uri="http://schemas.microsoft.com/office/2006/documentManagement/types"/>
-    <ds:schemaRef ds:uri="http://schemas.microsoft.com/office/2006/metadata/properties"/>
-    <ds:schemaRef ds:uri="http://schemas.microsoft.com/office/infopath/2007/PartnerControls"/>
-    <ds:schemaRef ds:uri="http://schemas.openxmlformats.org/package/2006/metadata/core-properties"/>
-    <ds:schemaRef ds:uri="http://www.w3.org/XML/1998/namespace"/>
+    <ds:schemaRef ds:uri="http://schemas.microsoft.com/sharepoint/v3/contenttype/forms"/>
   </ds:schemaRefs>
 </ds:datastoreItem>
 </file>